--- a/PPT/第三部分 软件测试应用/10.3 测试过程管理.pptx
+++ b/PPT/第三部分 软件测试应用/10.3 测试过程管理.pptx
@@ -18920,54 +18920,70 @@
           <a:p>
             <a:pPr eaLnBrk="1" hangingPunct="1"/>
             <a:r>
-              <a:rPr lang="en-US" altLang="zh-CN" sz="3400" b="1" smtClean="0"/>
+              <a:rPr lang="en-US" altLang="zh-CN" sz="3400" b="1" dirty="0" smtClean="0"/>
               <a:t>1</a:t>
             </a:r>
             <a:r>
-              <a:rPr lang="zh-CN" altLang="en-US" sz="3400" b="1" smtClean="0"/>
+              <a:rPr lang="zh-CN" altLang="en-US" sz="3400" b="1" dirty="0" smtClean="0"/>
               <a:t>、严重性等级</a:t>
             </a:r>
-            <a:endParaRPr lang="en-US" altLang="zh-CN" sz="3400" b="1" smtClean="0"/>
+            <a:endParaRPr lang="en-US" altLang="zh-CN" sz="3400" b="1" dirty="0" smtClean="0"/>
           </a:p>
           <a:p>
             <a:pPr lvl="1" eaLnBrk="1" hangingPunct="1"/>
             <a:r>
-              <a:rPr lang="zh-CN" altLang="en-US" b="1" smtClean="0"/>
+              <a:rPr lang="zh-CN" altLang="en-US" b="1" dirty="0" smtClean="0"/>
               <a:t>严重的：重要功能丧失，致命错误造成系统崩溃、死机、系统悬挂、甚至危及人身安全</a:t>
             </a:r>
             <a:r>
-              <a:rPr lang="en-US" altLang="zh-CN" b="1" smtClean="0"/>
+              <a:rPr lang="en-US" altLang="zh-CN" b="1" dirty="0" smtClean="0"/>
               <a:t>…</a:t>
             </a:r>
-            <a:endParaRPr lang="en-US" altLang="en-US" b="1" smtClean="0"/>
+            <a:endParaRPr lang="en-US" altLang="en-US" b="1" dirty="0" smtClean="0"/>
           </a:p>
           <a:p>
             <a:pPr lvl="1" eaLnBrk="1" hangingPunct="1"/>
             <a:r>
-              <a:rPr lang="zh-CN" altLang="en-US" b="1" smtClean="0"/>
+              <a:rPr lang="zh-CN" altLang="en-US" b="1" dirty="0" smtClean="0"/>
               <a:t>一般的：不影响系统的基本使用，能满足商业要求，用户不常用的功能实现未达到预期效果，可能导致用户使用不方便。</a:t>
             </a:r>
-            <a:endParaRPr lang="en-US" altLang="en-US" b="1" smtClean="0"/>
+            <a:endParaRPr lang="en-US" altLang="en-US" b="1" dirty="0" smtClean="0"/>
           </a:p>
           <a:p>
             <a:pPr lvl="1" eaLnBrk="1" hangingPunct="1"/>
             <a:r>
-              <a:rPr lang="zh-CN" altLang="en-US" b="1" smtClean="0"/>
+              <a:rPr lang="zh-CN" altLang="en-US" b="1" dirty="0" smtClean="0"/>
               <a:t>次要的：对功能几乎没有影响，产品及属性仍可使用，可以轻易处理的缺陷</a:t>
             </a:r>
-            <a:endParaRPr lang="en-US" altLang="zh-CN" b="1" smtClean="0"/>
+            <a:endParaRPr lang="en-US" altLang="zh-CN" b="1" dirty="0" smtClean="0"/>
           </a:p>
           <a:p>
             <a:pPr eaLnBrk="1" hangingPunct="1"/>
             <a:r>
-              <a:rPr lang="zh-CN" altLang="en-US" sz="3400" b="1" smtClean="0">
+              <a:rPr lang="zh-CN" altLang="en-US" sz="3400" b="1" dirty="0" smtClean="0">
                 <a:solidFill>
                   <a:srgbClr val="0000FF"/>
                 </a:solidFill>
               </a:rPr>
-              <a:t>严重性低的缺陷通常得不到修复</a:t>
-            </a:r>
-            <a:endParaRPr lang="en-US" altLang="zh-CN" b="1" smtClean="0">
+              <a:t>严重性低的缺陷</a:t>
+            </a:r>
+            <a:r>
+              <a:rPr lang="zh-CN" altLang="en-US" sz="3400" b="1" dirty="0" smtClean="0">
+                <a:solidFill>
+                  <a:srgbClr val="FF0000"/>
+                </a:solidFill>
+              </a:rPr>
+              <a:t>通常</a:t>
+            </a:r>
+            <a:r>
+              <a:rPr lang="zh-CN" altLang="en-US" sz="3400" b="1" dirty="0" smtClean="0">
+                <a:solidFill>
+                  <a:srgbClr val="0000FF"/>
+                </a:solidFill>
+              </a:rPr>
+              <a:t>得不到修复</a:t>
+            </a:r>
+            <a:endParaRPr lang="en-US" altLang="zh-CN" b="1" dirty="0" smtClean="0">
               <a:solidFill>
                 <a:srgbClr val="0000FF"/>
               </a:solidFill>
@@ -25866,15 +25882,7 @@
                   <a:srgbClr val="0000FF"/>
                 </a:solidFill>
               </a:rPr>
-              <a:t>(Don’t fix</a:t>
-            </a:r>
-            <a:r>
-              <a:rPr lang="en-US" altLang="en-US" b="1" dirty="0" smtClean="0">
-                <a:solidFill>
-                  <a:srgbClr val="0000FF"/>
-                </a:solidFill>
-              </a:rPr>
-              <a:t>)</a:t>
+              <a:t>(Don’t fix)</a:t>
             </a:r>
             <a:endParaRPr lang="zh-CN" altLang="en-US" b="1" dirty="0" smtClean="0">
               <a:solidFill>
@@ -25898,15 +25906,7 @@
                   <a:srgbClr val="0000FF"/>
                 </a:solidFill>
               </a:rPr>
-              <a:t>(Duplicate</a:t>
-            </a:r>
-            <a:r>
-              <a:rPr lang="en-US" altLang="en-US" b="1" dirty="0" smtClean="0">
-                <a:solidFill>
-                  <a:srgbClr val="0000FF"/>
-                </a:solidFill>
-              </a:rPr>
-              <a:t>)</a:t>
+              <a:t>(Duplicate)</a:t>
             </a:r>
             <a:endParaRPr lang="zh-CN" altLang="en-US" b="1" dirty="0" smtClean="0">
               <a:solidFill>
@@ -25930,15 +25930,7 @@
                   <a:srgbClr val="0000FF"/>
                 </a:solidFill>
               </a:rPr>
-              <a:t>(Not repro</a:t>
-            </a:r>
-            <a:r>
-              <a:rPr lang="en-US" altLang="en-US" b="1" dirty="0" smtClean="0">
-                <a:solidFill>
-                  <a:srgbClr val="0000FF"/>
-                </a:solidFill>
-              </a:rPr>
-              <a:t>)</a:t>
+              <a:t>(Not repro)</a:t>
             </a:r>
             <a:endParaRPr lang="zh-CN" altLang="en-US" b="1" dirty="0" smtClean="0">
               <a:solidFill>
@@ -28519,7 +28511,7 @@
                 <a:latin typeface="微软雅黑" panose="020B0503020204020204" charset="-122"/>
                 <a:ea typeface="微软雅黑" panose="020B0503020204020204" charset="-122"/>
               </a:rPr>
-              <a:t>回归测试</a:t>
+              <a:t>返测</a:t>
             </a:r>
             <a:endParaRPr kumimoji="0" lang="en-US" altLang="zh-CN" sz="1900" b="0" i="0" u="none" strike="noStrike" cap="none" normalizeH="0" baseline="0" dirty="0" smtClean="0">
               <a:ln>
@@ -29379,11 +29371,7 @@
             </a:r>
             <a:r>
               <a:rPr lang="zh-CN" altLang="en-US" sz="2600" b="1" dirty="0"/>
-              <a:t>）即</a:t>
-            </a:r>
-            <a:r>
-              <a:rPr lang="zh-CN" altLang="en-US" sz="2600" b="1" dirty="0"/>
-              <a:t>缺陷探测率。</a:t>
+              <a:t>）即缺陷探测率。</a:t>
             </a:r>
             <a:r>
               <a:rPr lang="en-US" altLang="zh-CN" sz="2600" b="1" dirty="0" err="1"/>
@@ -29527,6 +29515,13 @@
   <p:transition>
     <p:blinds dir="vert"/>
   </p:transition>
+  <p:timing>
+    <p:tnLst>
+      <p:par>
+        <p:cTn id="1" dur="indefinite" restart="never" nodeType="tmRoot"/>
+      </p:par>
+    </p:tnLst>
+  </p:timing>
 </p:sld>
 </file>
 
@@ -30483,15 +30478,7 @@
             <a:pPr lvl="1" algn="just" eaLnBrk="1" hangingPunct="1"/>
             <a:r>
               <a:rPr lang="zh-CN" altLang="en-US" b="1" dirty="0" smtClean="0"/>
-              <a:t>实验室</a:t>
-            </a:r>
-            <a:r>
-              <a:rPr lang="zh-CN" altLang="en-US" b="1" dirty="0" smtClean="0"/>
-              <a:t>管理员（运维人员）：</a:t>
-            </a:r>
-            <a:r>
-              <a:rPr lang="zh-CN" altLang="en-US" b="1" dirty="0" smtClean="0"/>
-              <a:t>负责配置和维护实验室测试环境</a:t>
+              <a:t>实验室管理员（运维人员）：负责配置和维护实验室测试环境</a:t>
             </a:r>
           </a:p>
         </p:txBody>
@@ -30780,67 +30767,71 @@
           <a:p>
             <a:pPr algn="just" eaLnBrk="1" hangingPunct="1"/>
             <a:r>
-              <a:rPr lang="zh-CN" sz="3400" b="1" smtClean="0"/>
+              <a:rPr lang="zh-CN" sz="3400" b="1" dirty="0" smtClean="0"/>
               <a:t>测试团队各角色职责</a:t>
             </a:r>
             <a:r>
-              <a:rPr lang="en-US" altLang="zh-CN" sz="3400" b="1" smtClean="0"/>
+              <a:rPr lang="en-US" altLang="zh-CN" sz="3400" b="1" dirty="0" smtClean="0"/>
               <a:t>(</a:t>
             </a:r>
             <a:r>
-              <a:rPr lang="zh-CN" altLang="en-US" sz="3400" b="1" smtClean="0"/>
+              <a:rPr lang="zh-CN" altLang="en-US" sz="3400" b="1" dirty="0" smtClean="0"/>
               <a:t>续</a:t>
             </a:r>
             <a:r>
-              <a:rPr lang="en-US" altLang="zh-CN" sz="3400" b="1" smtClean="0"/>
+              <a:rPr lang="en-US" altLang="zh-CN" sz="3400" b="1" dirty="0" smtClean="0"/>
               <a:t>)</a:t>
             </a:r>
           </a:p>
           <a:p>
             <a:pPr lvl="1" algn="just" eaLnBrk="1" hangingPunct="1"/>
             <a:r>
+              <a:rPr lang="zh-CN" altLang="en-US" b="1" dirty="0" smtClean="0"/>
+              <a:t>内审员：类似质量保障人员和配置管理人员</a:t>
+            </a:r>
+            <a:endParaRPr lang="en-US" altLang="zh-CN" b="1" dirty="0" smtClean="0"/>
+          </a:p>
+          <a:p>
+            <a:pPr lvl="1" algn="just" eaLnBrk="1" hangingPunct="1"/>
+            <a:r>
+              <a:rPr lang="zh-CN" altLang="en-US" b="1" dirty="0" smtClean="0"/>
+              <a:t>配置管理人员</a:t>
+            </a:r>
+            <a:endParaRPr lang="en-US" altLang="zh-CN" b="1" dirty="0" smtClean="0"/>
+          </a:p>
+          <a:p>
+            <a:pPr lvl="1" algn="just" eaLnBrk="1" hangingPunct="1"/>
+            <a:r>
+              <a:rPr lang="zh-CN" b="1" dirty="0" smtClean="0"/>
+              <a:t>项目质量保障人员</a:t>
+            </a:r>
+            <a:endParaRPr lang="en-US" altLang="zh-CN" b="1" dirty="0" smtClean="0"/>
+          </a:p>
+          <a:p>
+            <a:pPr lvl="1" algn="just" eaLnBrk="1" hangingPunct="1"/>
+            <a:r>
+              <a:rPr lang="zh-CN" b="1" dirty="0" smtClean="0"/>
+              <a:t>系统架构师</a:t>
+            </a:r>
+            <a:r>
+              <a:rPr lang="zh-CN" altLang="en-US" b="1" dirty="0" smtClean="0"/>
+              <a:t>：</a:t>
+            </a:r>
+            <a:r>
+              <a:rPr lang="zh-CN" b="1" dirty="0" smtClean="0"/>
+              <a:t>进行软件架构设计</a:t>
+            </a:r>
+            <a:endParaRPr lang="en-US" altLang="zh-CN" b="1" dirty="0" smtClean="0"/>
+          </a:p>
+          <a:p>
+            <a:pPr lvl="1" algn="just" eaLnBrk="1" hangingPunct="1"/>
+            <a:r>
               <a:rPr lang="zh-CN" altLang="en-US" b="1" smtClean="0"/>
-              <a:t>内审员：类似质量保障人员和配置管理人员</a:t>
-            </a:r>
-            <a:endParaRPr lang="en-US" altLang="zh-CN" b="1" smtClean="0"/>
-          </a:p>
-          <a:p>
-            <a:pPr lvl="1" algn="just" eaLnBrk="1" hangingPunct="1"/>
+              <a:t>业务分析</a:t>
+            </a:r>
             <a:r>
               <a:rPr lang="zh-CN" altLang="en-US" b="1" smtClean="0"/>
-              <a:t>配置管理人员</a:t>
-            </a:r>
-            <a:endParaRPr lang="en-US" altLang="zh-CN" b="1" smtClean="0"/>
-          </a:p>
-          <a:p>
-            <a:pPr lvl="1" algn="just" eaLnBrk="1" hangingPunct="1"/>
-            <a:r>
-              <a:rPr lang="zh-CN" b="1" smtClean="0"/>
-              <a:t>项目质量保障人员</a:t>
-            </a:r>
-            <a:endParaRPr lang="en-US" altLang="zh-CN" b="1" smtClean="0"/>
-          </a:p>
-          <a:p>
-            <a:pPr lvl="1" algn="just" eaLnBrk="1" hangingPunct="1"/>
-            <a:r>
-              <a:rPr lang="zh-CN" b="1" smtClean="0"/>
-              <a:t>系统架构师</a:t>
-            </a:r>
-            <a:r>
-              <a:rPr lang="zh-CN" altLang="en-US" b="1" smtClean="0"/>
-              <a:t>：</a:t>
-            </a:r>
-            <a:r>
-              <a:rPr lang="zh-CN" b="1" smtClean="0"/>
-              <a:t>进行软件架构设计</a:t>
-            </a:r>
-            <a:endParaRPr lang="en-US" altLang="zh-CN" b="1" smtClean="0"/>
-          </a:p>
-          <a:p>
-            <a:pPr lvl="1" algn="just" eaLnBrk="1" hangingPunct="1"/>
-            <a:r>
-              <a:rPr lang="zh-CN" altLang="en-US" b="1" smtClean="0"/>
-              <a:t>业务分析师：</a:t>
+              <a:t>师（产品经理）：</a:t>
             </a:r>
             <a:r>
               <a:rPr lang="zh-CN" b="1" smtClean="0"/>
@@ -32618,7 +32609,7 @@
   </a:extraClrSchemeLst>
   <a:extLst>
     <a:ext uri="{05A4C25C-085E-4340-85A3-A5531E510DB2}">
-      <thm15:themeFamily xmlns:thm15="http://schemas.microsoft.com/office/thememl/2012/main" xmlns="" name="Office Theme" id="{62F939B6-93AF-4DB8-9C6B-D6C7DFDC589F}" vid="{4A3C46E8-61CC-4603-A589-7422A47A8E4A}"/>
+      <thm15:themeFamily xmlns="" xmlns:thm15="http://schemas.microsoft.com/office/thememl/2012/main" name="Office Theme" id="{62F939B6-93AF-4DB8-9C6B-D6C7DFDC589F}" vid="{4A3C46E8-61CC-4603-A589-7422A47A8E4A}"/>
     </a:ext>
   </a:extLst>
 </a:theme>
@@ -32906,7 +32897,7 @@
   <a:extraClrSchemeLst/>
   <a:extLst>
     <a:ext uri="{05A4C25C-085E-4340-85A3-A5531E510DB2}">
-      <thm15:themeFamily xmlns:thm15="http://schemas.microsoft.com/office/thememl/2012/main" xmlns="" name="Office Theme" id="{62F939B6-93AF-4DB8-9C6B-D6C7DFDC589F}" vid="{4A3C46E8-61CC-4603-A589-7422A47A8E4A}"/>
+      <thm15:themeFamily xmlns="" xmlns:thm15="http://schemas.microsoft.com/office/thememl/2012/main" name="Office Theme" id="{62F939B6-93AF-4DB8-9C6B-D6C7DFDC589F}" vid="{4A3C46E8-61CC-4603-A589-7422A47A8E4A}"/>
     </a:ext>
   </a:extLst>
 </a:theme>
@@ -33194,7 +33185,7 @@
   <a:extraClrSchemeLst/>
   <a:extLst>
     <a:ext uri="{05A4C25C-085E-4340-85A3-A5531E510DB2}">
-      <thm15:themeFamily xmlns:thm15="http://schemas.microsoft.com/office/thememl/2012/main" xmlns="" name="Office Theme" id="{62F939B6-93AF-4DB8-9C6B-D6C7DFDC589F}" vid="{4A3C46E8-61CC-4603-A589-7422A47A8E4A}"/>
+      <thm15:themeFamily xmlns="" xmlns:thm15="http://schemas.microsoft.com/office/thememl/2012/main" name="Office Theme" id="{62F939B6-93AF-4DB8-9C6B-D6C7DFDC589F}" vid="{4A3C46E8-61CC-4603-A589-7422A47A8E4A}"/>
     </a:ext>
   </a:extLst>
 </a:theme>

--- a/PPT/第三部分 软件测试应用/10.3 测试过程管理.pptx
+++ b/PPT/第三部分 软件测试应用/10.3 测试过程管理.pptx
@@ -5,77 +5,64 @@
     <p:sldMasterId id="2147483648" r:id="rId1"/>
   </p:sldMasterIdLst>
   <p:notesMasterIdLst>
-    <p:notesMasterId r:id="rId67"/>
+    <p:notesMasterId r:id="rId54"/>
   </p:notesMasterIdLst>
   <p:handoutMasterIdLst>
-    <p:handoutMasterId r:id="rId68"/>
+    <p:handoutMasterId r:id="rId55"/>
   </p:handoutMasterIdLst>
   <p:sldIdLst>
     <p:sldId id="256" r:id="rId2"/>
     <p:sldId id="285" r:id="rId3"/>
-    <p:sldId id="258" r:id="rId4"/>
-    <p:sldId id="402" r:id="rId5"/>
-    <p:sldId id="350" r:id="rId6"/>
-    <p:sldId id="351" r:id="rId7"/>
-    <p:sldId id="317" r:id="rId8"/>
-    <p:sldId id="352" r:id="rId9"/>
-    <p:sldId id="353" r:id="rId10"/>
-    <p:sldId id="260" r:id="rId11"/>
-    <p:sldId id="354" r:id="rId12"/>
-    <p:sldId id="263" r:id="rId13"/>
-    <p:sldId id="355" r:id="rId14"/>
-    <p:sldId id="345" r:id="rId15"/>
-    <p:sldId id="356" r:id="rId16"/>
-    <p:sldId id="265" r:id="rId17"/>
-    <p:sldId id="357" r:id="rId18"/>
-    <p:sldId id="358" r:id="rId19"/>
-    <p:sldId id="359" r:id="rId20"/>
-    <p:sldId id="346" r:id="rId21"/>
-    <p:sldId id="360" r:id="rId22"/>
-    <p:sldId id="361" r:id="rId23"/>
-    <p:sldId id="362" r:id="rId24"/>
-    <p:sldId id="363" r:id="rId25"/>
-    <p:sldId id="270" r:id="rId26"/>
-    <p:sldId id="393" r:id="rId27"/>
-    <p:sldId id="391" r:id="rId28"/>
-    <p:sldId id="394" r:id="rId29"/>
-    <p:sldId id="396" r:id="rId30"/>
-    <p:sldId id="397" r:id="rId31"/>
-    <p:sldId id="386" r:id="rId32"/>
-    <p:sldId id="387" r:id="rId33"/>
-    <p:sldId id="388" r:id="rId34"/>
-    <p:sldId id="364" r:id="rId35"/>
-    <p:sldId id="365" r:id="rId36"/>
-    <p:sldId id="366" r:id="rId37"/>
-    <p:sldId id="367" r:id="rId38"/>
-    <p:sldId id="389" r:id="rId39"/>
-    <p:sldId id="368" r:id="rId40"/>
-    <p:sldId id="370" r:id="rId41"/>
-    <p:sldId id="369" r:id="rId42"/>
-    <p:sldId id="271" r:id="rId43"/>
-    <p:sldId id="398" r:id="rId44"/>
-    <p:sldId id="399" r:id="rId45"/>
-    <p:sldId id="400" r:id="rId46"/>
-    <p:sldId id="371" r:id="rId47"/>
-    <p:sldId id="372" r:id="rId48"/>
-    <p:sldId id="373" r:id="rId49"/>
-    <p:sldId id="374" r:id="rId50"/>
-    <p:sldId id="375" r:id="rId51"/>
-    <p:sldId id="376" r:id="rId52"/>
-    <p:sldId id="378" r:id="rId53"/>
-    <p:sldId id="377" r:id="rId54"/>
-    <p:sldId id="379" r:id="rId55"/>
-    <p:sldId id="383" r:id="rId56"/>
-    <p:sldId id="326" r:id="rId57"/>
-    <p:sldId id="328" r:id="rId58"/>
-    <p:sldId id="384" r:id="rId59"/>
-    <p:sldId id="390" r:id="rId60"/>
-    <p:sldId id="403" r:id="rId61"/>
-    <p:sldId id="347" r:id="rId62"/>
-    <p:sldId id="348" r:id="rId63"/>
-    <p:sldId id="349" r:id="rId64"/>
-    <p:sldId id="385" r:id="rId65"/>
-    <p:sldId id="316" r:id="rId66"/>
+    <p:sldId id="265" r:id="rId4"/>
+    <p:sldId id="357" r:id="rId5"/>
+    <p:sldId id="358" r:id="rId6"/>
+    <p:sldId id="359" r:id="rId7"/>
+    <p:sldId id="346" r:id="rId8"/>
+    <p:sldId id="360" r:id="rId9"/>
+    <p:sldId id="361" r:id="rId10"/>
+    <p:sldId id="362" r:id="rId11"/>
+    <p:sldId id="363" r:id="rId12"/>
+    <p:sldId id="270" r:id="rId13"/>
+    <p:sldId id="393" r:id="rId14"/>
+    <p:sldId id="391" r:id="rId15"/>
+    <p:sldId id="394" r:id="rId16"/>
+    <p:sldId id="396" r:id="rId17"/>
+    <p:sldId id="397" r:id="rId18"/>
+    <p:sldId id="386" r:id="rId19"/>
+    <p:sldId id="387" r:id="rId20"/>
+    <p:sldId id="388" r:id="rId21"/>
+    <p:sldId id="364" r:id="rId22"/>
+    <p:sldId id="365" r:id="rId23"/>
+    <p:sldId id="366" r:id="rId24"/>
+    <p:sldId id="367" r:id="rId25"/>
+    <p:sldId id="389" r:id="rId26"/>
+    <p:sldId id="368" r:id="rId27"/>
+    <p:sldId id="370" r:id="rId28"/>
+    <p:sldId id="369" r:id="rId29"/>
+    <p:sldId id="271" r:id="rId30"/>
+    <p:sldId id="398" r:id="rId31"/>
+    <p:sldId id="399" r:id="rId32"/>
+    <p:sldId id="400" r:id="rId33"/>
+    <p:sldId id="371" r:id="rId34"/>
+    <p:sldId id="372" r:id="rId35"/>
+    <p:sldId id="373" r:id="rId36"/>
+    <p:sldId id="374" r:id="rId37"/>
+    <p:sldId id="375" r:id="rId38"/>
+    <p:sldId id="376" r:id="rId39"/>
+    <p:sldId id="378" r:id="rId40"/>
+    <p:sldId id="377" r:id="rId41"/>
+    <p:sldId id="379" r:id="rId42"/>
+    <p:sldId id="383" r:id="rId43"/>
+    <p:sldId id="326" r:id="rId44"/>
+    <p:sldId id="328" r:id="rId45"/>
+    <p:sldId id="384" r:id="rId46"/>
+    <p:sldId id="390" r:id="rId47"/>
+    <p:sldId id="403" r:id="rId48"/>
+    <p:sldId id="347" r:id="rId49"/>
+    <p:sldId id="348" r:id="rId50"/>
+    <p:sldId id="349" r:id="rId51"/>
+    <p:sldId id="385" r:id="rId52"/>
+    <p:sldId id="316" r:id="rId53"/>
   </p:sldIdLst>
   <p:sldSz cx="9144000" cy="6858000" type="screen4x3"/>
   <p:notesSz cx="6858000" cy="9144000"/>
@@ -979,7 +966,7 @@
             </a:pPr>
             <a:fld id="{CEBC554E-CAFE-49EC-912C-20FB5819FAB2}" type="slidenum">
               <a:rPr lang="zh-CN" altLang="en-US" smtClean="0"/>
-              <a:t>26</a:t>
+              <a:t>13</a:t>
             </a:fld>
             <a:endParaRPr lang="en-US" altLang="zh-CN"/>
           </a:p>
@@ -1063,7 +1050,7 @@
             </a:pPr>
             <a:fld id="{CEBC554E-CAFE-49EC-912C-20FB5819FAB2}" type="slidenum">
               <a:rPr lang="zh-CN" altLang="en-US" smtClean="0"/>
-              <a:t>29</a:t>
+              <a:t>16</a:t>
             </a:fld>
             <a:endParaRPr lang="en-US" altLang="zh-CN"/>
           </a:p>
@@ -1147,7 +1134,7 @@
             </a:pPr>
             <a:fld id="{CEBC554E-CAFE-49EC-912C-20FB5819FAB2}" type="slidenum">
               <a:rPr lang="zh-CN" altLang="en-US" smtClean="0"/>
-              <a:t>30</a:t>
+              <a:t>17</a:t>
             </a:fld>
             <a:endParaRPr lang="en-US" altLang="zh-CN"/>
           </a:p>
@@ -1388,7 +1375,7 @@
               <a:rPr lang="en-US" altLang="zh-CN" smtClean="0">
                 <a:latin typeface="Arial" panose="020B0604020202020204" pitchFamily="34" charset="0"/>
               </a:rPr>
-              <a:t>33</a:t>
+              <a:t>20</a:t>
             </a:fld>
             <a:endParaRPr lang="en-US" altLang="zh-CN" smtClean="0">
               <a:latin typeface="Arial" panose="020B0604020202020204" pitchFamily="34" charset="0"/>
@@ -1640,7 +1627,7 @@
               <a:rPr lang="en-US" altLang="zh-CN" smtClean="0">
                 <a:latin typeface="Arial" panose="020B0604020202020204" pitchFamily="34" charset="0"/>
               </a:rPr>
-              <a:t>41</a:t>
+              <a:t>28</a:t>
             </a:fld>
             <a:endParaRPr lang="en-US" altLang="zh-CN" smtClean="0">
               <a:latin typeface="Arial" panose="020B0604020202020204" pitchFamily="34" charset="0"/>
@@ -7021,6 +7008,13 @@
     <a:masterClrMapping/>
   </p:clrMapOvr>
   <p:transition/>
+  <p:timing>
+    <p:tnLst>
+      <p:par>
+        <p:cTn id="1" dur="indefinite" restart="never" nodeType="tmRoot"/>
+      </p:par>
+    </p:tnLst>
+  </p:timing>
 </p:sld>
 </file>
 
@@ -7043,7 +7037,7 @@
       </p:grpSpPr>
       <p:sp>
         <p:nvSpPr>
-          <p:cNvPr id="12290" name="灯片编号占位符 5"/>
+          <p:cNvPr id="25602" name="灯片编号占位符 5"/>
           <p:cNvSpPr>
             <a:spLocks noGrp="1"/>
           </p:cNvSpPr>
@@ -7184,7 +7178,7 @@
           </a:lstStyle>
           <a:p>
             <a:pPr eaLnBrk="1" hangingPunct="1"/>
-            <a:fld id="{65605BC2-D8C4-4A9C-96D8-8112A238A457}" type="slidenum">
+            <a:fld id="{42F1EBAE-93D7-47BE-BFC8-FBE1D1789E56}" type="slidenum">
               <a:rPr lang="en-US" altLang="zh-CN" smtClean="0"/>
               <a:t>10</a:t>
             </a:fld>
@@ -7194,7 +7188,7 @@
       </p:sp>
       <p:sp>
         <p:nvSpPr>
-          <p:cNvPr id="12291" name="Rectangle 2"/>
+          <p:cNvPr id="25603" name="Rectangle 2"/>
           <p:cNvSpPr>
             <a:spLocks noGrp="1" noChangeArrowheads="1"/>
           </p:cNvSpPr>
@@ -7213,21 +7207,21 @@
                 <a:latin typeface="黑体" panose="02010609060101010101" pitchFamily="49" charset="-122"/>
                 <a:ea typeface="黑体" panose="02010609060101010101" pitchFamily="49" charset="-122"/>
               </a:rPr>
-              <a:t>10.1 </a:t>
+              <a:t>10.2 </a:t>
             </a:r>
             <a:r>
               <a:rPr lang="zh-CN" altLang="en-US" b="1" smtClean="0">
                 <a:latin typeface="黑体" panose="02010609060101010101" pitchFamily="49" charset="-122"/>
                 <a:ea typeface="黑体" panose="02010609060101010101" pitchFamily="49" charset="-122"/>
               </a:rPr>
-              <a:t>软件测试过程模型</a:t>
+              <a:t>测试用例的管理</a:t>
             </a:r>
           </a:p>
         </p:txBody>
       </p:sp>
       <p:sp>
         <p:nvSpPr>
-          <p:cNvPr id="12292" name="Rectangle 3"/>
+          <p:cNvPr id="25604" name="Rectangle 3"/>
           <p:cNvSpPr>
             <a:spLocks noGrp="1" noChangeArrowheads="1"/>
           </p:cNvSpPr>
@@ -7242,70 +7236,27 @@
           <a:p>
             <a:pPr algn="just" eaLnBrk="1" hangingPunct="1"/>
             <a:r>
-              <a:rPr lang="en-US" altLang="zh-CN" sz="3400" b="1" smtClean="0"/>
-              <a:t>H</a:t>
-            </a:r>
-            <a:r>
               <a:rPr lang="zh-CN" altLang="en-US" sz="3400" b="1" smtClean="0"/>
-              <a:t>模型</a:t>
+              <a:t>测试用例修改更新策略（续）</a:t>
+            </a:r>
+            <a:endParaRPr lang="en-US" altLang="zh-CN" sz="3400" b="1" smtClean="0"/>
+          </a:p>
+          <a:p>
+            <a:pPr lvl="1" algn="just" eaLnBrk="1" hangingPunct="1"/>
+            <a:r>
+              <a:rPr lang="zh-CN" altLang="en-US" b="1" smtClean="0"/>
+              <a:t>若新版本中原有的产品特性发生变化，但属于功能增强，则原有测试用例仅对原版本有效，此时不能修改测试用例，只能增加新的测试用例，新增测试用例仅对当前版本有效</a:t>
+            </a:r>
+          </a:p>
+          <a:p>
+            <a:pPr lvl="1"/>
+            <a:r>
+              <a:rPr lang="zh-CN" altLang="en-US" b="1" smtClean="0"/>
+              <a:t>若新版本中原有产品特性发生变化，且属于完全新增的特性，则需针对新增的特性补充新的测试用例，此时，原有测试用例对原版本和当前版本都有效，新增测试用例仅对当前版本有效</a:t>
             </a:r>
           </a:p>
         </p:txBody>
       </p:sp>
-      <p:pic>
-        <p:nvPicPr>
-          <p:cNvPr id="12294" name="Picture 6" descr="10t3"/>
-          <p:cNvPicPr>
-            <a:picLocks noChangeAspect="1" noChangeArrowheads="1"/>
-          </p:cNvPicPr>
-          <p:nvPr/>
-        </p:nvPicPr>
-        <p:blipFill>
-          <a:blip r:embed="rId2">
-            <a:extLst>
-              <a:ext uri="{28A0092B-C50C-407E-A947-70E740481C1C}">
-                <a14:useLocalDpi xmlns:a14="http://schemas.microsoft.com/office/drawing/2010/main" val="0"/>
-              </a:ext>
-            </a:extLst>
-          </a:blip>
-          <a:srcRect/>
-          <a:stretch>
-            <a:fillRect/>
-          </a:stretch>
-        </p:blipFill>
-        <p:spPr bwMode="auto">
-          <a:xfrm>
-            <a:off x="642938" y="2571750"/>
-            <a:ext cx="7778750" cy="2428875"/>
-          </a:xfrm>
-          <a:prstGeom prst="rect">
-            <a:avLst/>
-          </a:prstGeom>
-          <a:noFill/>
-          <a:ln>
-            <a:noFill/>
-          </a:ln>
-          <a:extLst>
-            <a:ext uri="{909E8E84-426E-40DD-AFC4-6F175D3DCCD1}">
-              <a14:hiddenFill xmlns:a14="http://schemas.microsoft.com/office/drawing/2010/main">
-                <a:solidFill>
-                  <a:srgbClr val="FFFFFF"/>
-                </a:solidFill>
-              </a14:hiddenFill>
-            </a:ext>
-            <a:ext uri="{91240B29-F687-4F45-9708-019B960494DF}">
-              <a14:hiddenLine xmlns:a14="http://schemas.microsoft.com/office/drawing/2010/main" w="9525">
-                <a:solidFill>
-                  <a:srgbClr val="000000"/>
-                </a:solidFill>
-                <a:miter lim="800000"/>
-                <a:headEnd/>
-                <a:tailEnd/>
-              </a14:hiddenLine>
-            </a:ext>
-          </a:extLst>
-        </p:spPr>
-      </p:pic>
     </p:spTree>
   </p:cSld>
   <p:clrMapOvr>
@@ -7341,4018 +7292,6 @@
       </p:grpSpPr>
       <p:sp>
         <p:nvSpPr>
-          <p:cNvPr id="13314" name="灯片编号占位符 5"/>
-          <p:cNvSpPr>
-            <a:spLocks noGrp="1"/>
-          </p:cNvSpPr>
-          <p:nvPr>
-            <p:ph type="sldNum" sz="quarter" idx="12"/>
-          </p:nvPr>
-        </p:nvSpPr>
-        <p:spPr>
-          <a:noFill/>
-          <a:extLst>
-            <a:ext uri="{909E8E84-426E-40DD-AFC4-6F175D3DCCD1}">
-              <a14:hiddenFill xmlns:a14="http://schemas.microsoft.com/office/drawing/2010/main">
-                <a:solidFill>
-                  <a:srgbClr val="FFFFFF"/>
-                </a:solidFill>
-              </a14:hiddenFill>
-            </a:ext>
-            <a:ext uri="{91240B29-F687-4F45-9708-019B960494DF}">
-              <a14:hiddenLine xmlns:a14="http://schemas.microsoft.com/office/drawing/2010/main" w="9525">
-                <a:solidFill>
-                  <a:srgbClr val="000000"/>
-                </a:solidFill>
-                <a:miter lim="800000"/>
-                <a:headEnd/>
-                <a:tailEnd/>
-              </a14:hiddenLine>
-            </a:ext>
-          </a:extLst>
-        </p:spPr>
-        <p:txBody>
-          <a:bodyPr/>
-          <a:lstStyle>
-            <a:lvl1pPr eaLnBrk="0" hangingPunct="0">
-              <a:defRPr>
-                <a:solidFill>
-                  <a:schemeClr val="tx1"/>
-                </a:solidFill>
-                <a:latin typeface="Verdana" panose="020B0604030504040204" pitchFamily="34" charset="0"/>
-                <a:ea typeface="宋体" panose="02010600030101010101" pitchFamily="2" charset="-122"/>
-              </a:defRPr>
-            </a:lvl1pPr>
-            <a:lvl2pPr marL="742950" indent="-285750" eaLnBrk="0" hangingPunct="0">
-              <a:defRPr>
-                <a:solidFill>
-                  <a:schemeClr val="tx1"/>
-                </a:solidFill>
-                <a:latin typeface="Verdana" panose="020B0604030504040204" pitchFamily="34" charset="0"/>
-                <a:ea typeface="宋体" panose="02010600030101010101" pitchFamily="2" charset="-122"/>
-              </a:defRPr>
-            </a:lvl2pPr>
-            <a:lvl3pPr marL="1143000" indent="-228600" eaLnBrk="0" hangingPunct="0">
-              <a:defRPr>
-                <a:solidFill>
-                  <a:schemeClr val="tx1"/>
-                </a:solidFill>
-                <a:latin typeface="Verdana" panose="020B0604030504040204" pitchFamily="34" charset="0"/>
-                <a:ea typeface="宋体" panose="02010600030101010101" pitchFamily="2" charset="-122"/>
-              </a:defRPr>
-            </a:lvl3pPr>
-            <a:lvl4pPr marL="1600200" indent="-228600" eaLnBrk="0" hangingPunct="0">
-              <a:defRPr>
-                <a:solidFill>
-                  <a:schemeClr val="tx1"/>
-                </a:solidFill>
-                <a:latin typeface="Verdana" panose="020B0604030504040204" pitchFamily="34" charset="0"/>
-                <a:ea typeface="宋体" panose="02010600030101010101" pitchFamily="2" charset="-122"/>
-              </a:defRPr>
-            </a:lvl4pPr>
-            <a:lvl5pPr marL="2057400" indent="-228600" eaLnBrk="0" hangingPunct="0">
-              <a:defRPr>
-                <a:solidFill>
-                  <a:schemeClr val="tx1"/>
-                </a:solidFill>
-                <a:latin typeface="Verdana" panose="020B0604030504040204" pitchFamily="34" charset="0"/>
-                <a:ea typeface="宋体" panose="02010600030101010101" pitchFamily="2" charset="-122"/>
-              </a:defRPr>
-            </a:lvl5pPr>
-            <a:lvl6pPr marL="2514600" indent="-228600" eaLnBrk="0" fontAlgn="base" hangingPunct="0">
-              <a:spcBef>
-                <a:spcPct val="0"/>
-              </a:spcBef>
-              <a:spcAft>
-                <a:spcPct val="0"/>
-              </a:spcAft>
-              <a:defRPr>
-                <a:solidFill>
-                  <a:schemeClr val="tx1"/>
-                </a:solidFill>
-                <a:latin typeface="Verdana" panose="020B0604030504040204" pitchFamily="34" charset="0"/>
-                <a:ea typeface="宋体" panose="02010600030101010101" pitchFamily="2" charset="-122"/>
-              </a:defRPr>
-            </a:lvl6pPr>
-            <a:lvl7pPr marL="2971800" indent="-228600" eaLnBrk="0" fontAlgn="base" hangingPunct="0">
-              <a:spcBef>
-                <a:spcPct val="0"/>
-              </a:spcBef>
-              <a:spcAft>
-                <a:spcPct val="0"/>
-              </a:spcAft>
-              <a:defRPr>
-                <a:solidFill>
-                  <a:schemeClr val="tx1"/>
-                </a:solidFill>
-                <a:latin typeface="Verdana" panose="020B0604030504040204" pitchFamily="34" charset="0"/>
-                <a:ea typeface="宋体" panose="02010600030101010101" pitchFamily="2" charset="-122"/>
-              </a:defRPr>
-            </a:lvl7pPr>
-            <a:lvl8pPr marL="3429000" indent="-228600" eaLnBrk="0" fontAlgn="base" hangingPunct="0">
-              <a:spcBef>
-                <a:spcPct val="0"/>
-              </a:spcBef>
-              <a:spcAft>
-                <a:spcPct val="0"/>
-              </a:spcAft>
-              <a:defRPr>
-                <a:solidFill>
-                  <a:schemeClr val="tx1"/>
-                </a:solidFill>
-                <a:latin typeface="Verdana" panose="020B0604030504040204" pitchFamily="34" charset="0"/>
-                <a:ea typeface="宋体" panose="02010600030101010101" pitchFamily="2" charset="-122"/>
-              </a:defRPr>
-            </a:lvl8pPr>
-            <a:lvl9pPr marL="3886200" indent="-228600" eaLnBrk="0" fontAlgn="base" hangingPunct="0">
-              <a:spcBef>
-                <a:spcPct val="0"/>
-              </a:spcBef>
-              <a:spcAft>
-                <a:spcPct val="0"/>
-              </a:spcAft>
-              <a:defRPr>
-                <a:solidFill>
-                  <a:schemeClr val="tx1"/>
-                </a:solidFill>
-                <a:latin typeface="Verdana" panose="020B0604030504040204" pitchFamily="34" charset="0"/>
-                <a:ea typeface="宋体" panose="02010600030101010101" pitchFamily="2" charset="-122"/>
-              </a:defRPr>
-            </a:lvl9pPr>
-          </a:lstStyle>
-          <a:p>
-            <a:pPr eaLnBrk="1" hangingPunct="1"/>
-            <a:fld id="{5C5BFFAB-918D-4017-B234-4C8BF79E77E7}" type="slidenum">
-              <a:rPr lang="en-US" altLang="zh-CN" smtClean="0"/>
-              <a:t>11</a:t>
-            </a:fld>
-            <a:endParaRPr lang="en-US" altLang="zh-CN" smtClean="0"/>
-          </a:p>
-        </p:txBody>
-      </p:sp>
-      <p:sp>
-        <p:nvSpPr>
-          <p:cNvPr id="13315" name="Rectangle 2"/>
-          <p:cNvSpPr>
-            <a:spLocks noGrp="1" noChangeArrowheads="1"/>
-          </p:cNvSpPr>
-          <p:nvPr>
-            <p:ph type="title"/>
-          </p:nvPr>
-        </p:nvSpPr>
-        <p:spPr/>
-        <p:txBody>
-          <a:bodyPr/>
-          <a:lstStyle/>
-          <a:p>
-            <a:pPr eaLnBrk="1" hangingPunct="1"/>
-            <a:r>
-              <a:rPr lang="en-US" altLang="zh-CN" b="1" smtClean="0">
-                <a:latin typeface="黑体" panose="02010609060101010101" pitchFamily="49" charset="-122"/>
-                <a:ea typeface="黑体" panose="02010609060101010101" pitchFamily="49" charset="-122"/>
-              </a:rPr>
-              <a:t>10.1 </a:t>
-            </a:r>
-            <a:r>
-              <a:rPr lang="zh-CN" altLang="en-US" b="1" smtClean="0">
-                <a:latin typeface="黑体" panose="02010609060101010101" pitchFamily="49" charset="-122"/>
-                <a:ea typeface="黑体" panose="02010609060101010101" pitchFamily="49" charset="-122"/>
-              </a:rPr>
-              <a:t>软件测试过程模型</a:t>
-            </a:r>
-          </a:p>
-        </p:txBody>
-      </p:sp>
-      <p:sp>
-        <p:nvSpPr>
-          <p:cNvPr id="13316" name="Rectangle 3"/>
-          <p:cNvSpPr>
-            <a:spLocks noGrp="1" noChangeArrowheads="1"/>
-          </p:cNvSpPr>
-          <p:nvPr>
-            <p:ph type="body" idx="1"/>
-          </p:nvPr>
-        </p:nvSpPr>
-        <p:spPr/>
-        <p:txBody>
-          <a:bodyPr/>
-          <a:lstStyle/>
-          <a:p>
-            <a:pPr algn="just" eaLnBrk="1" hangingPunct="1"/>
-            <a:r>
-              <a:rPr lang="en-US" altLang="zh-CN" sz="3400" b="1" dirty="0" smtClean="0"/>
-              <a:t>H</a:t>
-            </a:r>
-            <a:r>
-              <a:rPr lang="zh-CN" altLang="en-US" sz="3400" b="1" dirty="0" smtClean="0"/>
-              <a:t>模型</a:t>
-            </a:r>
-            <a:endParaRPr lang="en-US" altLang="zh-CN" sz="3400" b="1" dirty="0" smtClean="0"/>
-          </a:p>
-          <a:p>
-            <a:pPr algn="just" eaLnBrk="1" hangingPunct="1"/>
-            <a:r>
-              <a:rPr lang="zh-CN" altLang="en-US" sz="3200" b="1" dirty="0" smtClean="0"/>
-              <a:t>测试流程应</a:t>
-            </a:r>
-            <a:r>
-              <a:rPr lang="zh-CN" altLang="en-US" sz="3200" b="1" dirty="0" smtClean="0">
-                <a:solidFill>
-                  <a:srgbClr val="FF0000"/>
-                </a:solidFill>
-              </a:rPr>
-              <a:t>独立于</a:t>
-            </a:r>
-            <a:r>
-              <a:rPr lang="zh-CN" altLang="en-US" sz="3200" b="1" dirty="0" smtClean="0"/>
-              <a:t>其他流程，且应保持自身的完整性，即测试是一个独立的流程，与其他流程并发进行，且其本身的测试准备和执行活动是分离的，不同测试活动可按某个次序先后进行，也可能是重复的，只要测试准备工作完成，就可以开始测试执行</a:t>
-            </a:r>
-          </a:p>
-        </p:txBody>
-      </p:sp>
-    </p:spTree>
-  </p:cSld>
-  <p:clrMapOvr>
-    <a:masterClrMapping/>
-  </p:clrMapOvr>
-  <p:transition/>
-  <p:timing>
-    <p:tnLst>
-      <p:par>
-        <p:cTn id="1" dur="indefinite" restart="never" nodeType="tmRoot"/>
-      </p:par>
-    </p:tnLst>
-  </p:timing>
-</p:sld>
-</file>
-
-<file path=ppt/slides/slide12.xml><?xml version="1.0" encoding="utf-8"?>
-<p:sld xmlns:a="http://schemas.openxmlformats.org/drawingml/2006/main" xmlns:r="http://schemas.openxmlformats.org/officeDocument/2006/relationships" xmlns:p="http://schemas.openxmlformats.org/presentationml/2006/main">
-  <p:cSld>
-    <p:spTree>
-      <p:nvGrpSpPr>
-        <p:cNvPr id="1" name=""/>
-        <p:cNvGrpSpPr/>
-        <p:nvPr/>
-      </p:nvGrpSpPr>
-      <p:grpSpPr>
-        <a:xfrm>
-          <a:off x="0" y="0"/>
-          <a:ext cx="0" cy="0"/>
-          <a:chOff x="0" y="0"/>
-          <a:chExt cx="0" cy="0"/>
-        </a:xfrm>
-      </p:grpSpPr>
-      <p:sp>
-        <p:nvSpPr>
-          <p:cNvPr id="14338" name="灯片编号占位符 5"/>
-          <p:cNvSpPr>
-            <a:spLocks noGrp="1"/>
-          </p:cNvSpPr>
-          <p:nvPr>
-            <p:ph type="sldNum" sz="quarter" idx="12"/>
-          </p:nvPr>
-        </p:nvSpPr>
-        <p:spPr>
-          <a:noFill/>
-          <a:extLst>
-            <a:ext uri="{909E8E84-426E-40DD-AFC4-6F175D3DCCD1}">
-              <a14:hiddenFill xmlns:a14="http://schemas.microsoft.com/office/drawing/2010/main">
-                <a:solidFill>
-                  <a:srgbClr val="FFFFFF"/>
-                </a:solidFill>
-              </a14:hiddenFill>
-            </a:ext>
-            <a:ext uri="{91240B29-F687-4F45-9708-019B960494DF}">
-              <a14:hiddenLine xmlns:a14="http://schemas.microsoft.com/office/drawing/2010/main" w="9525">
-                <a:solidFill>
-                  <a:srgbClr val="000000"/>
-                </a:solidFill>
-                <a:miter lim="800000"/>
-                <a:headEnd/>
-                <a:tailEnd/>
-              </a14:hiddenLine>
-            </a:ext>
-          </a:extLst>
-        </p:spPr>
-        <p:txBody>
-          <a:bodyPr/>
-          <a:lstStyle>
-            <a:lvl1pPr eaLnBrk="0" hangingPunct="0">
-              <a:defRPr>
-                <a:solidFill>
-                  <a:schemeClr val="tx1"/>
-                </a:solidFill>
-                <a:latin typeface="Verdana" panose="020B0604030504040204" pitchFamily="34" charset="0"/>
-                <a:ea typeface="宋体" panose="02010600030101010101" pitchFamily="2" charset="-122"/>
-              </a:defRPr>
-            </a:lvl1pPr>
-            <a:lvl2pPr marL="742950" indent="-285750" eaLnBrk="0" hangingPunct="0">
-              <a:defRPr>
-                <a:solidFill>
-                  <a:schemeClr val="tx1"/>
-                </a:solidFill>
-                <a:latin typeface="Verdana" panose="020B0604030504040204" pitchFamily="34" charset="0"/>
-                <a:ea typeface="宋体" panose="02010600030101010101" pitchFamily="2" charset="-122"/>
-              </a:defRPr>
-            </a:lvl2pPr>
-            <a:lvl3pPr marL="1143000" indent="-228600" eaLnBrk="0" hangingPunct="0">
-              <a:defRPr>
-                <a:solidFill>
-                  <a:schemeClr val="tx1"/>
-                </a:solidFill>
-                <a:latin typeface="Verdana" panose="020B0604030504040204" pitchFamily="34" charset="0"/>
-                <a:ea typeface="宋体" panose="02010600030101010101" pitchFamily="2" charset="-122"/>
-              </a:defRPr>
-            </a:lvl3pPr>
-            <a:lvl4pPr marL="1600200" indent="-228600" eaLnBrk="0" hangingPunct="0">
-              <a:defRPr>
-                <a:solidFill>
-                  <a:schemeClr val="tx1"/>
-                </a:solidFill>
-                <a:latin typeface="Verdana" panose="020B0604030504040204" pitchFamily="34" charset="0"/>
-                <a:ea typeface="宋体" panose="02010600030101010101" pitchFamily="2" charset="-122"/>
-              </a:defRPr>
-            </a:lvl4pPr>
-            <a:lvl5pPr marL="2057400" indent="-228600" eaLnBrk="0" hangingPunct="0">
-              <a:defRPr>
-                <a:solidFill>
-                  <a:schemeClr val="tx1"/>
-                </a:solidFill>
-                <a:latin typeface="Verdana" panose="020B0604030504040204" pitchFamily="34" charset="0"/>
-                <a:ea typeface="宋体" panose="02010600030101010101" pitchFamily="2" charset="-122"/>
-              </a:defRPr>
-            </a:lvl5pPr>
-            <a:lvl6pPr marL="2514600" indent="-228600" eaLnBrk="0" fontAlgn="base" hangingPunct="0">
-              <a:spcBef>
-                <a:spcPct val="0"/>
-              </a:spcBef>
-              <a:spcAft>
-                <a:spcPct val="0"/>
-              </a:spcAft>
-              <a:defRPr>
-                <a:solidFill>
-                  <a:schemeClr val="tx1"/>
-                </a:solidFill>
-                <a:latin typeface="Verdana" panose="020B0604030504040204" pitchFamily="34" charset="0"/>
-                <a:ea typeface="宋体" panose="02010600030101010101" pitchFamily="2" charset="-122"/>
-              </a:defRPr>
-            </a:lvl6pPr>
-            <a:lvl7pPr marL="2971800" indent="-228600" eaLnBrk="0" fontAlgn="base" hangingPunct="0">
-              <a:spcBef>
-                <a:spcPct val="0"/>
-              </a:spcBef>
-              <a:spcAft>
-                <a:spcPct val="0"/>
-              </a:spcAft>
-              <a:defRPr>
-                <a:solidFill>
-                  <a:schemeClr val="tx1"/>
-                </a:solidFill>
-                <a:latin typeface="Verdana" panose="020B0604030504040204" pitchFamily="34" charset="0"/>
-                <a:ea typeface="宋体" panose="02010600030101010101" pitchFamily="2" charset="-122"/>
-              </a:defRPr>
-            </a:lvl7pPr>
-            <a:lvl8pPr marL="3429000" indent="-228600" eaLnBrk="0" fontAlgn="base" hangingPunct="0">
-              <a:spcBef>
-                <a:spcPct val="0"/>
-              </a:spcBef>
-              <a:spcAft>
-                <a:spcPct val="0"/>
-              </a:spcAft>
-              <a:defRPr>
-                <a:solidFill>
-                  <a:schemeClr val="tx1"/>
-                </a:solidFill>
-                <a:latin typeface="Verdana" panose="020B0604030504040204" pitchFamily="34" charset="0"/>
-                <a:ea typeface="宋体" panose="02010600030101010101" pitchFamily="2" charset="-122"/>
-              </a:defRPr>
-            </a:lvl8pPr>
-            <a:lvl9pPr marL="3886200" indent="-228600" eaLnBrk="0" fontAlgn="base" hangingPunct="0">
-              <a:spcBef>
-                <a:spcPct val="0"/>
-              </a:spcBef>
-              <a:spcAft>
-                <a:spcPct val="0"/>
-              </a:spcAft>
-              <a:defRPr>
-                <a:solidFill>
-                  <a:schemeClr val="tx1"/>
-                </a:solidFill>
-                <a:latin typeface="Verdana" panose="020B0604030504040204" pitchFamily="34" charset="0"/>
-                <a:ea typeface="宋体" panose="02010600030101010101" pitchFamily="2" charset="-122"/>
-              </a:defRPr>
-            </a:lvl9pPr>
-          </a:lstStyle>
-          <a:p>
-            <a:pPr eaLnBrk="1" hangingPunct="1"/>
-            <a:fld id="{5F76A200-D803-47B4-83C5-B6EEB67172EC}" type="slidenum">
-              <a:rPr lang="en-US" altLang="zh-CN" smtClean="0"/>
-              <a:t>12</a:t>
-            </a:fld>
-            <a:endParaRPr lang="en-US" altLang="zh-CN" smtClean="0"/>
-          </a:p>
-        </p:txBody>
-      </p:sp>
-      <p:sp>
-        <p:nvSpPr>
-          <p:cNvPr id="14339" name="Rectangle 2"/>
-          <p:cNvSpPr>
-            <a:spLocks noGrp="1" noChangeArrowheads="1"/>
-          </p:cNvSpPr>
-          <p:nvPr>
-            <p:ph type="title"/>
-          </p:nvPr>
-        </p:nvSpPr>
-        <p:spPr/>
-        <p:txBody>
-          <a:bodyPr/>
-          <a:lstStyle/>
-          <a:p>
-            <a:pPr eaLnBrk="1" hangingPunct="1"/>
-            <a:r>
-              <a:rPr lang="en-US" altLang="zh-CN" b="1" smtClean="0">
-                <a:latin typeface="黑体" panose="02010609060101010101" pitchFamily="49" charset="-122"/>
-                <a:ea typeface="黑体" panose="02010609060101010101" pitchFamily="49" charset="-122"/>
-              </a:rPr>
-              <a:t>10.1 </a:t>
-            </a:r>
-            <a:r>
-              <a:rPr lang="zh-CN" altLang="en-US" b="1" smtClean="0">
-                <a:latin typeface="黑体" panose="02010609060101010101" pitchFamily="49" charset="-122"/>
-                <a:ea typeface="黑体" panose="02010609060101010101" pitchFamily="49" charset="-122"/>
-              </a:rPr>
-              <a:t>软件测试过程模型</a:t>
-            </a:r>
-          </a:p>
-        </p:txBody>
-      </p:sp>
-      <p:sp>
-        <p:nvSpPr>
-          <p:cNvPr id="14340" name="Rectangle 3"/>
-          <p:cNvSpPr>
-            <a:spLocks noGrp="1" noChangeArrowheads="1"/>
-          </p:cNvSpPr>
-          <p:nvPr>
-            <p:ph type="body" idx="1"/>
-          </p:nvPr>
-        </p:nvSpPr>
-        <p:spPr/>
-        <p:txBody>
-          <a:bodyPr/>
-          <a:lstStyle/>
-          <a:p>
-            <a:pPr algn="just" eaLnBrk="1" hangingPunct="1"/>
-            <a:r>
-              <a:rPr lang="en-US" altLang="zh-CN" sz="3400" b="1" smtClean="0"/>
-              <a:t>X</a:t>
-            </a:r>
-            <a:r>
-              <a:rPr lang="zh-CN" altLang="en-US" sz="3400" b="1" smtClean="0"/>
-              <a:t>模型</a:t>
-            </a:r>
-          </a:p>
-        </p:txBody>
-      </p:sp>
-      <p:pic>
-        <p:nvPicPr>
-          <p:cNvPr id="14342" name="Picture 6" descr="10t4"/>
-          <p:cNvPicPr>
-            <a:picLocks noChangeAspect="1" noChangeArrowheads="1"/>
-          </p:cNvPicPr>
-          <p:nvPr/>
-        </p:nvPicPr>
-        <p:blipFill>
-          <a:blip r:embed="rId2" cstate="print">
-            <a:extLst>
-              <a:ext uri="{28A0092B-C50C-407E-A947-70E740481C1C}">
-                <a14:useLocalDpi xmlns:a14="http://schemas.microsoft.com/office/drawing/2010/main" val="0"/>
-              </a:ext>
-            </a:extLst>
-          </a:blip>
-          <a:srcRect/>
-          <a:stretch>
-            <a:fillRect/>
-          </a:stretch>
-        </p:blipFill>
-        <p:spPr bwMode="auto">
-          <a:xfrm>
-            <a:off x="1714500" y="2428875"/>
-            <a:ext cx="5072063" cy="4173538"/>
-          </a:xfrm>
-          <a:prstGeom prst="rect">
-            <a:avLst/>
-          </a:prstGeom>
-          <a:noFill/>
-          <a:ln>
-            <a:noFill/>
-          </a:ln>
-          <a:extLst>
-            <a:ext uri="{909E8E84-426E-40DD-AFC4-6F175D3DCCD1}">
-              <a14:hiddenFill xmlns:a14="http://schemas.microsoft.com/office/drawing/2010/main">
-                <a:solidFill>
-                  <a:srgbClr val="FFFFFF"/>
-                </a:solidFill>
-              </a14:hiddenFill>
-            </a:ext>
-            <a:ext uri="{91240B29-F687-4F45-9708-019B960494DF}">
-              <a14:hiddenLine xmlns:a14="http://schemas.microsoft.com/office/drawing/2010/main" w="9525">
-                <a:solidFill>
-                  <a:srgbClr val="000000"/>
-                </a:solidFill>
-                <a:miter lim="800000"/>
-                <a:headEnd/>
-                <a:tailEnd/>
-              </a14:hiddenLine>
-            </a:ext>
-          </a:extLst>
-        </p:spPr>
-      </p:pic>
-    </p:spTree>
-  </p:cSld>
-  <p:clrMapOvr>
-    <a:masterClrMapping/>
-  </p:clrMapOvr>
-  <p:transition/>
-  <p:timing>
-    <p:tnLst>
-      <p:par>
-        <p:cTn id="1" dur="indefinite" restart="never" nodeType="tmRoot"/>
-      </p:par>
-    </p:tnLst>
-  </p:timing>
-</p:sld>
-</file>
-
-<file path=ppt/slides/slide13.xml><?xml version="1.0" encoding="utf-8"?>
-<p:sld xmlns:a="http://schemas.openxmlformats.org/drawingml/2006/main" xmlns:r="http://schemas.openxmlformats.org/officeDocument/2006/relationships" xmlns:p="http://schemas.openxmlformats.org/presentationml/2006/main">
-  <p:cSld>
-    <p:spTree>
-      <p:nvGrpSpPr>
-        <p:cNvPr id="1" name=""/>
-        <p:cNvGrpSpPr/>
-        <p:nvPr/>
-      </p:nvGrpSpPr>
-      <p:grpSpPr>
-        <a:xfrm>
-          <a:off x="0" y="0"/>
-          <a:ext cx="0" cy="0"/>
-          <a:chOff x="0" y="0"/>
-          <a:chExt cx="0" cy="0"/>
-        </a:xfrm>
-      </p:grpSpPr>
-      <p:sp>
-        <p:nvSpPr>
-          <p:cNvPr id="15362" name="灯片编号占位符 5"/>
-          <p:cNvSpPr>
-            <a:spLocks noGrp="1"/>
-          </p:cNvSpPr>
-          <p:nvPr>
-            <p:ph type="sldNum" sz="quarter" idx="12"/>
-          </p:nvPr>
-        </p:nvSpPr>
-        <p:spPr>
-          <a:noFill/>
-          <a:extLst>
-            <a:ext uri="{909E8E84-426E-40DD-AFC4-6F175D3DCCD1}">
-              <a14:hiddenFill xmlns:a14="http://schemas.microsoft.com/office/drawing/2010/main">
-                <a:solidFill>
-                  <a:srgbClr val="FFFFFF"/>
-                </a:solidFill>
-              </a14:hiddenFill>
-            </a:ext>
-            <a:ext uri="{91240B29-F687-4F45-9708-019B960494DF}">
-              <a14:hiddenLine xmlns:a14="http://schemas.microsoft.com/office/drawing/2010/main" w="9525">
-                <a:solidFill>
-                  <a:srgbClr val="000000"/>
-                </a:solidFill>
-                <a:miter lim="800000"/>
-                <a:headEnd/>
-                <a:tailEnd/>
-              </a14:hiddenLine>
-            </a:ext>
-          </a:extLst>
-        </p:spPr>
-        <p:txBody>
-          <a:bodyPr/>
-          <a:lstStyle>
-            <a:lvl1pPr eaLnBrk="0" hangingPunct="0">
-              <a:defRPr>
-                <a:solidFill>
-                  <a:schemeClr val="tx1"/>
-                </a:solidFill>
-                <a:latin typeface="Verdana" panose="020B0604030504040204" pitchFamily="34" charset="0"/>
-                <a:ea typeface="宋体" panose="02010600030101010101" pitchFamily="2" charset="-122"/>
-              </a:defRPr>
-            </a:lvl1pPr>
-            <a:lvl2pPr marL="742950" indent="-285750" eaLnBrk="0" hangingPunct="0">
-              <a:defRPr>
-                <a:solidFill>
-                  <a:schemeClr val="tx1"/>
-                </a:solidFill>
-                <a:latin typeface="Verdana" panose="020B0604030504040204" pitchFamily="34" charset="0"/>
-                <a:ea typeface="宋体" panose="02010600030101010101" pitchFamily="2" charset="-122"/>
-              </a:defRPr>
-            </a:lvl2pPr>
-            <a:lvl3pPr marL="1143000" indent="-228600" eaLnBrk="0" hangingPunct="0">
-              <a:defRPr>
-                <a:solidFill>
-                  <a:schemeClr val="tx1"/>
-                </a:solidFill>
-                <a:latin typeface="Verdana" panose="020B0604030504040204" pitchFamily="34" charset="0"/>
-                <a:ea typeface="宋体" panose="02010600030101010101" pitchFamily="2" charset="-122"/>
-              </a:defRPr>
-            </a:lvl3pPr>
-            <a:lvl4pPr marL="1600200" indent="-228600" eaLnBrk="0" hangingPunct="0">
-              <a:defRPr>
-                <a:solidFill>
-                  <a:schemeClr val="tx1"/>
-                </a:solidFill>
-                <a:latin typeface="Verdana" panose="020B0604030504040204" pitchFamily="34" charset="0"/>
-                <a:ea typeface="宋体" panose="02010600030101010101" pitchFamily="2" charset="-122"/>
-              </a:defRPr>
-            </a:lvl4pPr>
-            <a:lvl5pPr marL="2057400" indent="-228600" eaLnBrk="0" hangingPunct="0">
-              <a:defRPr>
-                <a:solidFill>
-                  <a:schemeClr val="tx1"/>
-                </a:solidFill>
-                <a:latin typeface="Verdana" panose="020B0604030504040204" pitchFamily="34" charset="0"/>
-                <a:ea typeface="宋体" panose="02010600030101010101" pitchFamily="2" charset="-122"/>
-              </a:defRPr>
-            </a:lvl5pPr>
-            <a:lvl6pPr marL="2514600" indent="-228600" eaLnBrk="0" fontAlgn="base" hangingPunct="0">
-              <a:spcBef>
-                <a:spcPct val="0"/>
-              </a:spcBef>
-              <a:spcAft>
-                <a:spcPct val="0"/>
-              </a:spcAft>
-              <a:defRPr>
-                <a:solidFill>
-                  <a:schemeClr val="tx1"/>
-                </a:solidFill>
-                <a:latin typeface="Verdana" panose="020B0604030504040204" pitchFamily="34" charset="0"/>
-                <a:ea typeface="宋体" panose="02010600030101010101" pitchFamily="2" charset="-122"/>
-              </a:defRPr>
-            </a:lvl6pPr>
-            <a:lvl7pPr marL="2971800" indent="-228600" eaLnBrk="0" fontAlgn="base" hangingPunct="0">
-              <a:spcBef>
-                <a:spcPct val="0"/>
-              </a:spcBef>
-              <a:spcAft>
-                <a:spcPct val="0"/>
-              </a:spcAft>
-              <a:defRPr>
-                <a:solidFill>
-                  <a:schemeClr val="tx1"/>
-                </a:solidFill>
-                <a:latin typeface="Verdana" panose="020B0604030504040204" pitchFamily="34" charset="0"/>
-                <a:ea typeface="宋体" panose="02010600030101010101" pitchFamily="2" charset="-122"/>
-              </a:defRPr>
-            </a:lvl7pPr>
-            <a:lvl8pPr marL="3429000" indent="-228600" eaLnBrk="0" fontAlgn="base" hangingPunct="0">
-              <a:spcBef>
-                <a:spcPct val="0"/>
-              </a:spcBef>
-              <a:spcAft>
-                <a:spcPct val="0"/>
-              </a:spcAft>
-              <a:defRPr>
-                <a:solidFill>
-                  <a:schemeClr val="tx1"/>
-                </a:solidFill>
-                <a:latin typeface="Verdana" panose="020B0604030504040204" pitchFamily="34" charset="0"/>
-                <a:ea typeface="宋体" panose="02010600030101010101" pitchFamily="2" charset="-122"/>
-              </a:defRPr>
-            </a:lvl8pPr>
-            <a:lvl9pPr marL="3886200" indent="-228600" eaLnBrk="0" fontAlgn="base" hangingPunct="0">
-              <a:spcBef>
-                <a:spcPct val="0"/>
-              </a:spcBef>
-              <a:spcAft>
-                <a:spcPct val="0"/>
-              </a:spcAft>
-              <a:defRPr>
-                <a:solidFill>
-                  <a:schemeClr val="tx1"/>
-                </a:solidFill>
-                <a:latin typeface="Verdana" panose="020B0604030504040204" pitchFamily="34" charset="0"/>
-                <a:ea typeface="宋体" panose="02010600030101010101" pitchFamily="2" charset="-122"/>
-              </a:defRPr>
-            </a:lvl9pPr>
-          </a:lstStyle>
-          <a:p>
-            <a:pPr eaLnBrk="1" hangingPunct="1"/>
-            <a:fld id="{0AC7C3BD-2CB6-4343-8279-7F1E924C70F7}" type="slidenum">
-              <a:rPr lang="en-US" altLang="zh-CN" smtClean="0"/>
-              <a:t>13</a:t>
-            </a:fld>
-            <a:endParaRPr lang="en-US" altLang="zh-CN" smtClean="0"/>
-          </a:p>
-        </p:txBody>
-      </p:sp>
-      <p:sp>
-        <p:nvSpPr>
-          <p:cNvPr id="15363" name="Rectangle 2"/>
-          <p:cNvSpPr>
-            <a:spLocks noGrp="1" noChangeArrowheads="1"/>
-          </p:cNvSpPr>
-          <p:nvPr>
-            <p:ph type="title"/>
-          </p:nvPr>
-        </p:nvSpPr>
-        <p:spPr/>
-        <p:txBody>
-          <a:bodyPr/>
-          <a:lstStyle/>
-          <a:p>
-            <a:pPr eaLnBrk="1" hangingPunct="1"/>
-            <a:r>
-              <a:rPr lang="en-US" altLang="zh-CN" b="1" smtClean="0">
-                <a:latin typeface="黑体" panose="02010609060101010101" pitchFamily="49" charset="-122"/>
-                <a:ea typeface="黑体" panose="02010609060101010101" pitchFamily="49" charset="-122"/>
-              </a:rPr>
-              <a:t>10.1 </a:t>
-            </a:r>
-            <a:r>
-              <a:rPr lang="zh-CN" altLang="en-US" b="1" smtClean="0">
-                <a:latin typeface="黑体" panose="02010609060101010101" pitchFamily="49" charset="-122"/>
-                <a:ea typeface="黑体" panose="02010609060101010101" pitchFamily="49" charset="-122"/>
-              </a:rPr>
-              <a:t>软件测试过程模型</a:t>
-            </a:r>
-          </a:p>
-        </p:txBody>
-      </p:sp>
-      <p:sp>
-        <p:nvSpPr>
-          <p:cNvPr id="15364" name="Rectangle 3"/>
-          <p:cNvSpPr>
-            <a:spLocks noGrp="1" noChangeArrowheads="1"/>
-          </p:cNvSpPr>
-          <p:nvPr>
-            <p:ph type="body" idx="1"/>
-          </p:nvPr>
-        </p:nvSpPr>
-        <p:spPr/>
-        <p:txBody>
-          <a:bodyPr/>
-          <a:lstStyle/>
-          <a:p>
-            <a:pPr algn="just" eaLnBrk="1" hangingPunct="1"/>
-            <a:r>
-              <a:rPr lang="en-US" altLang="zh-CN" sz="3400" b="1" smtClean="0"/>
-              <a:t>X</a:t>
-            </a:r>
-            <a:r>
-              <a:rPr lang="zh-CN" altLang="en-US" sz="3400" b="1" smtClean="0"/>
-              <a:t>模型</a:t>
-            </a:r>
-            <a:endParaRPr lang="en-US" altLang="zh-CN" sz="3400" b="1" smtClean="0"/>
-          </a:p>
-          <a:p>
-            <a:pPr algn="just" eaLnBrk="1" hangingPunct="1"/>
-            <a:r>
-              <a:rPr lang="zh-CN" altLang="en-US" sz="3200" b="1" smtClean="0"/>
-              <a:t>清晰地体现了单元测试→集成测试→系统测试的过程，该模型还能处理开发中包括交接、频繁重复的集成等工作，更加贴合实际的项目开发流程</a:t>
-            </a:r>
-          </a:p>
-        </p:txBody>
-      </p:sp>
-    </p:spTree>
-  </p:cSld>
-  <p:clrMapOvr>
-    <a:masterClrMapping/>
-  </p:clrMapOvr>
-  <p:transition/>
-  <p:timing>
-    <p:tnLst>
-      <p:par>
-        <p:cTn id="1" dur="indefinite" restart="never" nodeType="tmRoot"/>
-      </p:par>
-    </p:tnLst>
-  </p:timing>
-</p:sld>
-</file>
-
-<file path=ppt/slides/slide14.xml><?xml version="1.0" encoding="utf-8"?>
-<p:sld xmlns:a="http://schemas.openxmlformats.org/drawingml/2006/main" xmlns:r="http://schemas.openxmlformats.org/officeDocument/2006/relationships" xmlns:p="http://schemas.openxmlformats.org/presentationml/2006/main">
-  <p:cSld>
-    <p:spTree>
-      <p:nvGrpSpPr>
-        <p:cNvPr id="1" name=""/>
-        <p:cNvGrpSpPr/>
-        <p:nvPr/>
-      </p:nvGrpSpPr>
-      <p:grpSpPr>
-        <a:xfrm>
-          <a:off x="0" y="0"/>
-          <a:ext cx="0" cy="0"/>
-          <a:chOff x="0" y="0"/>
-          <a:chExt cx="0" cy="0"/>
-        </a:xfrm>
-      </p:grpSpPr>
-      <p:sp>
-        <p:nvSpPr>
-          <p:cNvPr id="16386" name="灯片编号占位符 5"/>
-          <p:cNvSpPr>
-            <a:spLocks noGrp="1"/>
-          </p:cNvSpPr>
-          <p:nvPr>
-            <p:ph type="sldNum" sz="quarter" idx="12"/>
-          </p:nvPr>
-        </p:nvSpPr>
-        <p:spPr>
-          <a:noFill/>
-          <a:extLst>
-            <a:ext uri="{909E8E84-426E-40DD-AFC4-6F175D3DCCD1}">
-              <a14:hiddenFill xmlns:a14="http://schemas.microsoft.com/office/drawing/2010/main">
-                <a:solidFill>
-                  <a:srgbClr val="FFFFFF"/>
-                </a:solidFill>
-              </a14:hiddenFill>
-            </a:ext>
-            <a:ext uri="{91240B29-F687-4F45-9708-019B960494DF}">
-              <a14:hiddenLine xmlns:a14="http://schemas.microsoft.com/office/drawing/2010/main" w="9525">
-                <a:solidFill>
-                  <a:srgbClr val="000000"/>
-                </a:solidFill>
-                <a:miter lim="800000"/>
-                <a:headEnd/>
-                <a:tailEnd/>
-              </a14:hiddenLine>
-            </a:ext>
-          </a:extLst>
-        </p:spPr>
-        <p:txBody>
-          <a:bodyPr/>
-          <a:lstStyle>
-            <a:lvl1pPr eaLnBrk="0" hangingPunct="0">
-              <a:defRPr>
-                <a:solidFill>
-                  <a:schemeClr val="tx1"/>
-                </a:solidFill>
-                <a:latin typeface="Verdana" panose="020B0604030504040204" pitchFamily="34" charset="0"/>
-                <a:ea typeface="宋体" panose="02010600030101010101" pitchFamily="2" charset="-122"/>
-              </a:defRPr>
-            </a:lvl1pPr>
-            <a:lvl2pPr marL="742950" indent="-285750" eaLnBrk="0" hangingPunct="0">
-              <a:defRPr>
-                <a:solidFill>
-                  <a:schemeClr val="tx1"/>
-                </a:solidFill>
-                <a:latin typeface="Verdana" panose="020B0604030504040204" pitchFamily="34" charset="0"/>
-                <a:ea typeface="宋体" panose="02010600030101010101" pitchFamily="2" charset="-122"/>
-              </a:defRPr>
-            </a:lvl2pPr>
-            <a:lvl3pPr marL="1143000" indent="-228600" eaLnBrk="0" hangingPunct="0">
-              <a:defRPr>
-                <a:solidFill>
-                  <a:schemeClr val="tx1"/>
-                </a:solidFill>
-                <a:latin typeface="Verdana" panose="020B0604030504040204" pitchFamily="34" charset="0"/>
-                <a:ea typeface="宋体" panose="02010600030101010101" pitchFamily="2" charset="-122"/>
-              </a:defRPr>
-            </a:lvl3pPr>
-            <a:lvl4pPr marL="1600200" indent="-228600" eaLnBrk="0" hangingPunct="0">
-              <a:defRPr>
-                <a:solidFill>
-                  <a:schemeClr val="tx1"/>
-                </a:solidFill>
-                <a:latin typeface="Verdana" panose="020B0604030504040204" pitchFamily="34" charset="0"/>
-                <a:ea typeface="宋体" panose="02010600030101010101" pitchFamily="2" charset="-122"/>
-              </a:defRPr>
-            </a:lvl4pPr>
-            <a:lvl5pPr marL="2057400" indent="-228600" eaLnBrk="0" hangingPunct="0">
-              <a:defRPr>
-                <a:solidFill>
-                  <a:schemeClr val="tx1"/>
-                </a:solidFill>
-                <a:latin typeface="Verdana" panose="020B0604030504040204" pitchFamily="34" charset="0"/>
-                <a:ea typeface="宋体" panose="02010600030101010101" pitchFamily="2" charset="-122"/>
-              </a:defRPr>
-            </a:lvl5pPr>
-            <a:lvl6pPr marL="2514600" indent="-228600" eaLnBrk="0" fontAlgn="base" hangingPunct="0">
-              <a:spcBef>
-                <a:spcPct val="0"/>
-              </a:spcBef>
-              <a:spcAft>
-                <a:spcPct val="0"/>
-              </a:spcAft>
-              <a:defRPr>
-                <a:solidFill>
-                  <a:schemeClr val="tx1"/>
-                </a:solidFill>
-                <a:latin typeface="Verdana" panose="020B0604030504040204" pitchFamily="34" charset="0"/>
-                <a:ea typeface="宋体" panose="02010600030101010101" pitchFamily="2" charset="-122"/>
-              </a:defRPr>
-            </a:lvl6pPr>
-            <a:lvl7pPr marL="2971800" indent="-228600" eaLnBrk="0" fontAlgn="base" hangingPunct="0">
-              <a:spcBef>
-                <a:spcPct val="0"/>
-              </a:spcBef>
-              <a:spcAft>
-                <a:spcPct val="0"/>
-              </a:spcAft>
-              <a:defRPr>
-                <a:solidFill>
-                  <a:schemeClr val="tx1"/>
-                </a:solidFill>
-                <a:latin typeface="Verdana" panose="020B0604030504040204" pitchFamily="34" charset="0"/>
-                <a:ea typeface="宋体" panose="02010600030101010101" pitchFamily="2" charset="-122"/>
-              </a:defRPr>
-            </a:lvl7pPr>
-            <a:lvl8pPr marL="3429000" indent="-228600" eaLnBrk="0" fontAlgn="base" hangingPunct="0">
-              <a:spcBef>
-                <a:spcPct val="0"/>
-              </a:spcBef>
-              <a:spcAft>
-                <a:spcPct val="0"/>
-              </a:spcAft>
-              <a:defRPr>
-                <a:solidFill>
-                  <a:schemeClr val="tx1"/>
-                </a:solidFill>
-                <a:latin typeface="Verdana" panose="020B0604030504040204" pitchFamily="34" charset="0"/>
-                <a:ea typeface="宋体" panose="02010600030101010101" pitchFamily="2" charset="-122"/>
-              </a:defRPr>
-            </a:lvl8pPr>
-            <a:lvl9pPr marL="3886200" indent="-228600" eaLnBrk="0" fontAlgn="base" hangingPunct="0">
-              <a:spcBef>
-                <a:spcPct val="0"/>
-              </a:spcBef>
-              <a:spcAft>
-                <a:spcPct val="0"/>
-              </a:spcAft>
-              <a:defRPr>
-                <a:solidFill>
-                  <a:schemeClr val="tx1"/>
-                </a:solidFill>
-                <a:latin typeface="Verdana" panose="020B0604030504040204" pitchFamily="34" charset="0"/>
-                <a:ea typeface="宋体" panose="02010600030101010101" pitchFamily="2" charset="-122"/>
-              </a:defRPr>
-            </a:lvl9pPr>
-          </a:lstStyle>
-          <a:p>
-            <a:pPr eaLnBrk="1" hangingPunct="1"/>
-            <a:fld id="{DA815B4B-FA25-49FF-889A-C2E7BC143AF3}" type="slidenum">
-              <a:rPr lang="en-US" altLang="zh-CN" smtClean="0"/>
-              <a:t>14</a:t>
-            </a:fld>
-            <a:endParaRPr lang="en-US" altLang="zh-CN" smtClean="0"/>
-          </a:p>
-        </p:txBody>
-      </p:sp>
-      <p:sp>
-        <p:nvSpPr>
-          <p:cNvPr id="16387" name="Rectangle 2"/>
-          <p:cNvSpPr>
-            <a:spLocks noGrp="1" noChangeArrowheads="1"/>
-          </p:cNvSpPr>
-          <p:nvPr>
-            <p:ph type="title"/>
-          </p:nvPr>
-        </p:nvSpPr>
-        <p:spPr/>
-        <p:txBody>
-          <a:bodyPr/>
-          <a:lstStyle/>
-          <a:p>
-            <a:pPr eaLnBrk="1" hangingPunct="1"/>
-            <a:r>
-              <a:rPr lang="en-US" altLang="zh-CN" b="1" smtClean="0">
-                <a:latin typeface="黑体" panose="02010609060101010101" pitchFamily="49" charset="-122"/>
-                <a:ea typeface="黑体" panose="02010609060101010101" pitchFamily="49" charset="-122"/>
-              </a:rPr>
-              <a:t>10.1 </a:t>
-            </a:r>
-            <a:r>
-              <a:rPr lang="zh-CN" altLang="en-US" b="1" smtClean="0">
-                <a:latin typeface="黑体" panose="02010609060101010101" pitchFamily="49" charset="-122"/>
-                <a:ea typeface="黑体" panose="02010609060101010101" pitchFamily="49" charset="-122"/>
-              </a:rPr>
-              <a:t>软件测试过程模型</a:t>
-            </a:r>
-          </a:p>
-        </p:txBody>
-      </p:sp>
-      <p:sp>
-        <p:nvSpPr>
-          <p:cNvPr id="16388" name="Rectangle 3"/>
-          <p:cNvSpPr>
-            <a:spLocks noGrp="1" noChangeArrowheads="1"/>
-          </p:cNvSpPr>
-          <p:nvPr>
-            <p:ph type="body" idx="1"/>
-          </p:nvPr>
-        </p:nvSpPr>
-        <p:spPr/>
-        <p:txBody>
-          <a:bodyPr/>
-          <a:lstStyle/>
-          <a:p>
-            <a:pPr algn="just" eaLnBrk="1" hangingPunct="1"/>
-            <a:r>
-              <a:rPr lang="zh-CN" altLang="en-US" sz="3400" b="1" smtClean="0"/>
-              <a:t>综合策略</a:t>
-            </a:r>
-            <a:endParaRPr lang="en-US" altLang="zh-CN" sz="3400" b="1" smtClean="0"/>
-          </a:p>
-          <a:p>
-            <a:pPr lvl="1" algn="just" eaLnBrk="1" hangingPunct="1"/>
-            <a:r>
-              <a:rPr lang="zh-CN" altLang="en-US" b="1" smtClean="0"/>
-              <a:t>宏观上以</a:t>
-            </a:r>
-            <a:r>
-              <a:rPr lang="en-US" altLang="en-US" b="1" smtClean="0"/>
-              <a:t>W</a:t>
-            </a:r>
-            <a:r>
-              <a:rPr lang="zh-CN" altLang="en-US" b="1" smtClean="0"/>
-              <a:t>模型为基本框架，将软件开发和测试作为两个并行的过程，测试伴随整个开发过程</a:t>
-            </a:r>
-            <a:endParaRPr lang="en-US" altLang="zh-CN" b="1" smtClean="0"/>
-          </a:p>
-          <a:p>
-            <a:pPr lvl="1" algn="just" eaLnBrk="1" hangingPunct="1"/>
-            <a:r>
-              <a:rPr lang="zh-CN" altLang="en-US" b="1" smtClean="0"/>
-              <a:t>微观上对每个测试阶段则以</a:t>
-            </a:r>
-            <a:r>
-              <a:rPr lang="en-US" altLang="en-US" b="1" smtClean="0"/>
-              <a:t>H</a:t>
-            </a:r>
-            <a:r>
-              <a:rPr lang="zh-CN" altLang="en-US" b="1" smtClean="0"/>
-              <a:t>模型为指导，进行独立测试，即只要满足测试执行条件就可以进行独立的测试，并反复迭代测试，直至达到预定目标</a:t>
-            </a:r>
-          </a:p>
-        </p:txBody>
-      </p:sp>
-    </p:spTree>
-  </p:cSld>
-  <p:clrMapOvr>
-    <a:masterClrMapping/>
-  </p:clrMapOvr>
-  <p:transition/>
-  <p:timing>
-    <p:tnLst>
-      <p:par>
-        <p:cTn id="1" dur="indefinite" restart="never" nodeType="tmRoot"/>
-      </p:par>
-    </p:tnLst>
-  </p:timing>
-</p:sld>
-</file>
-
-<file path=ppt/slides/slide15.xml><?xml version="1.0" encoding="utf-8"?>
-<p:sld xmlns:a="http://schemas.openxmlformats.org/drawingml/2006/main" xmlns:r="http://schemas.openxmlformats.org/officeDocument/2006/relationships" xmlns:p="http://schemas.openxmlformats.org/presentationml/2006/main">
-  <p:cSld>
-    <p:spTree>
-      <p:nvGrpSpPr>
-        <p:cNvPr id="1" name=""/>
-        <p:cNvGrpSpPr/>
-        <p:nvPr/>
-      </p:nvGrpSpPr>
-      <p:grpSpPr>
-        <a:xfrm>
-          <a:off x="0" y="0"/>
-          <a:ext cx="0" cy="0"/>
-          <a:chOff x="0" y="0"/>
-          <a:chExt cx="0" cy="0"/>
-        </a:xfrm>
-      </p:grpSpPr>
-      <p:sp>
-        <p:nvSpPr>
-          <p:cNvPr id="17410" name="灯片编号占位符 5"/>
-          <p:cNvSpPr>
-            <a:spLocks noGrp="1"/>
-          </p:cNvSpPr>
-          <p:nvPr>
-            <p:ph type="sldNum" sz="quarter" idx="12"/>
-          </p:nvPr>
-        </p:nvSpPr>
-        <p:spPr>
-          <a:noFill/>
-          <a:extLst>
-            <a:ext uri="{909E8E84-426E-40DD-AFC4-6F175D3DCCD1}">
-              <a14:hiddenFill xmlns:a14="http://schemas.microsoft.com/office/drawing/2010/main">
-                <a:solidFill>
-                  <a:srgbClr val="FFFFFF"/>
-                </a:solidFill>
-              </a14:hiddenFill>
-            </a:ext>
-            <a:ext uri="{91240B29-F687-4F45-9708-019B960494DF}">
-              <a14:hiddenLine xmlns:a14="http://schemas.microsoft.com/office/drawing/2010/main" w="9525">
-                <a:solidFill>
-                  <a:srgbClr val="000000"/>
-                </a:solidFill>
-                <a:miter lim="800000"/>
-                <a:headEnd/>
-                <a:tailEnd/>
-              </a14:hiddenLine>
-            </a:ext>
-          </a:extLst>
-        </p:spPr>
-        <p:txBody>
-          <a:bodyPr/>
-          <a:lstStyle>
-            <a:lvl1pPr eaLnBrk="0" hangingPunct="0">
-              <a:defRPr>
-                <a:solidFill>
-                  <a:schemeClr val="tx1"/>
-                </a:solidFill>
-                <a:latin typeface="Verdana" panose="020B0604030504040204" pitchFamily="34" charset="0"/>
-                <a:ea typeface="宋体" panose="02010600030101010101" pitchFamily="2" charset="-122"/>
-              </a:defRPr>
-            </a:lvl1pPr>
-            <a:lvl2pPr marL="742950" indent="-285750" eaLnBrk="0" hangingPunct="0">
-              <a:defRPr>
-                <a:solidFill>
-                  <a:schemeClr val="tx1"/>
-                </a:solidFill>
-                <a:latin typeface="Verdana" panose="020B0604030504040204" pitchFamily="34" charset="0"/>
-                <a:ea typeface="宋体" panose="02010600030101010101" pitchFamily="2" charset="-122"/>
-              </a:defRPr>
-            </a:lvl2pPr>
-            <a:lvl3pPr marL="1143000" indent="-228600" eaLnBrk="0" hangingPunct="0">
-              <a:defRPr>
-                <a:solidFill>
-                  <a:schemeClr val="tx1"/>
-                </a:solidFill>
-                <a:latin typeface="Verdana" panose="020B0604030504040204" pitchFamily="34" charset="0"/>
-                <a:ea typeface="宋体" panose="02010600030101010101" pitchFamily="2" charset="-122"/>
-              </a:defRPr>
-            </a:lvl3pPr>
-            <a:lvl4pPr marL="1600200" indent="-228600" eaLnBrk="0" hangingPunct="0">
-              <a:defRPr>
-                <a:solidFill>
-                  <a:schemeClr val="tx1"/>
-                </a:solidFill>
-                <a:latin typeface="Verdana" panose="020B0604030504040204" pitchFamily="34" charset="0"/>
-                <a:ea typeface="宋体" panose="02010600030101010101" pitchFamily="2" charset="-122"/>
-              </a:defRPr>
-            </a:lvl4pPr>
-            <a:lvl5pPr marL="2057400" indent="-228600" eaLnBrk="0" hangingPunct="0">
-              <a:defRPr>
-                <a:solidFill>
-                  <a:schemeClr val="tx1"/>
-                </a:solidFill>
-                <a:latin typeface="Verdana" panose="020B0604030504040204" pitchFamily="34" charset="0"/>
-                <a:ea typeface="宋体" panose="02010600030101010101" pitchFamily="2" charset="-122"/>
-              </a:defRPr>
-            </a:lvl5pPr>
-            <a:lvl6pPr marL="2514600" indent="-228600" eaLnBrk="0" fontAlgn="base" hangingPunct="0">
-              <a:spcBef>
-                <a:spcPct val="0"/>
-              </a:spcBef>
-              <a:spcAft>
-                <a:spcPct val="0"/>
-              </a:spcAft>
-              <a:defRPr>
-                <a:solidFill>
-                  <a:schemeClr val="tx1"/>
-                </a:solidFill>
-                <a:latin typeface="Verdana" panose="020B0604030504040204" pitchFamily="34" charset="0"/>
-                <a:ea typeface="宋体" panose="02010600030101010101" pitchFamily="2" charset="-122"/>
-              </a:defRPr>
-            </a:lvl6pPr>
-            <a:lvl7pPr marL="2971800" indent="-228600" eaLnBrk="0" fontAlgn="base" hangingPunct="0">
-              <a:spcBef>
-                <a:spcPct val="0"/>
-              </a:spcBef>
-              <a:spcAft>
-                <a:spcPct val="0"/>
-              </a:spcAft>
-              <a:defRPr>
-                <a:solidFill>
-                  <a:schemeClr val="tx1"/>
-                </a:solidFill>
-                <a:latin typeface="Verdana" panose="020B0604030504040204" pitchFamily="34" charset="0"/>
-                <a:ea typeface="宋体" panose="02010600030101010101" pitchFamily="2" charset="-122"/>
-              </a:defRPr>
-            </a:lvl7pPr>
-            <a:lvl8pPr marL="3429000" indent="-228600" eaLnBrk="0" fontAlgn="base" hangingPunct="0">
-              <a:spcBef>
-                <a:spcPct val="0"/>
-              </a:spcBef>
-              <a:spcAft>
-                <a:spcPct val="0"/>
-              </a:spcAft>
-              <a:defRPr>
-                <a:solidFill>
-                  <a:schemeClr val="tx1"/>
-                </a:solidFill>
-                <a:latin typeface="Verdana" panose="020B0604030504040204" pitchFamily="34" charset="0"/>
-                <a:ea typeface="宋体" panose="02010600030101010101" pitchFamily="2" charset="-122"/>
-              </a:defRPr>
-            </a:lvl8pPr>
-            <a:lvl9pPr marL="3886200" indent="-228600" eaLnBrk="0" fontAlgn="base" hangingPunct="0">
-              <a:spcBef>
-                <a:spcPct val="0"/>
-              </a:spcBef>
-              <a:spcAft>
-                <a:spcPct val="0"/>
-              </a:spcAft>
-              <a:defRPr>
-                <a:solidFill>
-                  <a:schemeClr val="tx1"/>
-                </a:solidFill>
-                <a:latin typeface="Verdana" panose="020B0604030504040204" pitchFamily="34" charset="0"/>
-                <a:ea typeface="宋体" panose="02010600030101010101" pitchFamily="2" charset="-122"/>
-              </a:defRPr>
-            </a:lvl9pPr>
-          </a:lstStyle>
-          <a:p>
-            <a:pPr eaLnBrk="1" hangingPunct="1"/>
-            <a:fld id="{33DA4597-D684-4195-B461-E23B722EB971}" type="slidenum">
-              <a:rPr lang="en-US" altLang="zh-CN" smtClean="0"/>
-              <a:t>15</a:t>
-            </a:fld>
-            <a:endParaRPr lang="en-US" altLang="zh-CN" smtClean="0"/>
-          </a:p>
-        </p:txBody>
-      </p:sp>
-      <p:sp>
-        <p:nvSpPr>
-          <p:cNvPr id="17411" name="Rectangle 2"/>
-          <p:cNvSpPr>
-            <a:spLocks noGrp="1" noChangeArrowheads="1"/>
-          </p:cNvSpPr>
-          <p:nvPr>
-            <p:ph type="title"/>
-          </p:nvPr>
-        </p:nvSpPr>
-        <p:spPr/>
-        <p:txBody>
-          <a:bodyPr/>
-          <a:lstStyle/>
-          <a:p>
-            <a:pPr eaLnBrk="1" hangingPunct="1"/>
-            <a:r>
-              <a:rPr lang="en-US" altLang="zh-CN" b="1" smtClean="0">
-                <a:latin typeface="黑体" panose="02010609060101010101" pitchFamily="49" charset="-122"/>
-                <a:ea typeface="黑体" panose="02010609060101010101" pitchFamily="49" charset="-122"/>
-              </a:rPr>
-              <a:t>10.1 </a:t>
-            </a:r>
-            <a:r>
-              <a:rPr lang="zh-CN" altLang="en-US" b="1" smtClean="0">
-                <a:latin typeface="黑体" panose="02010609060101010101" pitchFamily="49" charset="-122"/>
-                <a:ea typeface="黑体" panose="02010609060101010101" pitchFamily="49" charset="-122"/>
-              </a:rPr>
-              <a:t>软件测试过程模型</a:t>
-            </a:r>
-          </a:p>
-        </p:txBody>
-      </p:sp>
-      <p:sp>
-        <p:nvSpPr>
-          <p:cNvPr id="17412" name="Rectangle 3"/>
-          <p:cNvSpPr>
-            <a:spLocks noGrp="1" noChangeArrowheads="1"/>
-          </p:cNvSpPr>
-          <p:nvPr>
-            <p:ph type="body" idx="1"/>
-          </p:nvPr>
-        </p:nvSpPr>
-        <p:spPr/>
-        <p:txBody>
-          <a:bodyPr/>
-          <a:lstStyle/>
-          <a:p>
-            <a:pPr algn="just" eaLnBrk="1" hangingPunct="1"/>
-            <a:r>
-              <a:rPr lang="zh-CN" altLang="en-US" sz="3400" b="1" dirty="0" smtClean="0"/>
-              <a:t>综合策略</a:t>
-            </a:r>
-            <a:endParaRPr lang="en-US" altLang="zh-CN" sz="3400" b="1" dirty="0" smtClean="0"/>
-          </a:p>
-          <a:p>
-            <a:pPr lvl="1" algn="just" eaLnBrk="1" hangingPunct="1"/>
-            <a:r>
-              <a:rPr lang="zh-CN" altLang="en-US" b="1" dirty="0" smtClean="0"/>
-              <a:t>当项目小组的开发过程中存在诸多不确定因素时</a:t>
-            </a:r>
-            <a:r>
-              <a:rPr lang="en-US" altLang="en-US" b="1" dirty="0" smtClean="0"/>
-              <a:t>(</a:t>
-            </a:r>
-            <a:r>
-              <a:rPr lang="zh-CN" altLang="en-US" b="1" dirty="0" smtClean="0"/>
-              <a:t>如需求的变更、对缺陷的修复等</a:t>
-            </a:r>
-            <a:r>
-              <a:rPr lang="en-US" altLang="en-US" b="1" dirty="0" smtClean="0"/>
-              <a:t>)</a:t>
-            </a:r>
-            <a:r>
-              <a:rPr lang="zh-CN" altLang="en-US" b="1" dirty="0" smtClean="0"/>
-              <a:t>，则可利用</a:t>
-            </a:r>
-            <a:r>
-              <a:rPr lang="en-US" altLang="en-US" b="1" dirty="0" smtClean="0"/>
-              <a:t>X</a:t>
-            </a:r>
-            <a:r>
-              <a:rPr lang="zh-CN" altLang="en-US" b="1" dirty="0" smtClean="0"/>
-              <a:t>模型，针对每个相对独立的系统组成部分，进行相互分离的编码和测试，经多次交接后集成为最终的版本</a:t>
-            </a:r>
-            <a:endParaRPr lang="en-US" altLang="zh-CN" b="1" dirty="0" smtClean="0"/>
-          </a:p>
-          <a:p>
-            <a:pPr lvl="1" algn="just" eaLnBrk="1" hangingPunct="1"/>
-            <a:r>
-              <a:rPr lang="zh-CN" altLang="en-US" b="1" dirty="0" smtClean="0"/>
-              <a:t>对于软件企业而言，则应以软件测试成熟度模型</a:t>
-            </a:r>
-            <a:r>
-              <a:rPr lang="en-US" altLang="en-US" b="1" dirty="0" smtClean="0"/>
-              <a:t>(</a:t>
-            </a:r>
-            <a:r>
-              <a:rPr lang="en-US" altLang="en-US" b="1" dirty="0" err="1" smtClean="0"/>
-              <a:t>TMM</a:t>
-            </a:r>
-            <a:r>
-              <a:rPr lang="en-US" altLang="en-US" b="1" dirty="0" smtClean="0"/>
-              <a:t>)</a:t>
-            </a:r>
-            <a:r>
-              <a:rPr lang="zh-CN" altLang="en-US" b="1" dirty="0" smtClean="0"/>
-              <a:t>为指导，努力建立规范的</a:t>
-            </a:r>
-            <a:r>
-              <a:rPr lang="zh-CN" altLang="en-US" b="1" smtClean="0"/>
-              <a:t>软件测试过程</a:t>
-            </a:r>
-            <a:r>
-              <a:rPr lang="zh-CN" altLang="en-US" b="1"/>
-              <a:t>。</a:t>
-            </a:r>
-            <a:endParaRPr lang="zh-CN" altLang="en-US" b="1" dirty="0" smtClean="0"/>
-          </a:p>
-        </p:txBody>
-      </p:sp>
-    </p:spTree>
-  </p:cSld>
-  <p:clrMapOvr>
-    <a:masterClrMapping/>
-  </p:clrMapOvr>
-  <p:transition/>
-  <p:timing>
-    <p:tnLst>
-      <p:par>
-        <p:cTn id="1" dur="indefinite" restart="never" nodeType="tmRoot"/>
-      </p:par>
-    </p:tnLst>
-  </p:timing>
-</p:sld>
-</file>
-
-<file path=ppt/slides/slide16.xml><?xml version="1.0" encoding="utf-8"?>
-<p:sld xmlns:a="http://schemas.openxmlformats.org/drawingml/2006/main" xmlns:r="http://schemas.openxmlformats.org/officeDocument/2006/relationships" xmlns:p="http://schemas.openxmlformats.org/presentationml/2006/main">
-  <p:cSld>
-    <p:spTree>
-      <p:nvGrpSpPr>
-        <p:cNvPr id="1" name=""/>
-        <p:cNvGrpSpPr/>
-        <p:nvPr/>
-      </p:nvGrpSpPr>
-      <p:grpSpPr>
-        <a:xfrm>
-          <a:off x="0" y="0"/>
-          <a:ext cx="0" cy="0"/>
-          <a:chOff x="0" y="0"/>
-          <a:chExt cx="0" cy="0"/>
-        </a:xfrm>
-      </p:grpSpPr>
-      <p:sp>
-        <p:nvSpPr>
-          <p:cNvPr id="18434" name="灯片编号占位符 5"/>
-          <p:cNvSpPr>
-            <a:spLocks noGrp="1"/>
-          </p:cNvSpPr>
-          <p:nvPr>
-            <p:ph type="sldNum" sz="quarter" idx="12"/>
-          </p:nvPr>
-        </p:nvSpPr>
-        <p:spPr>
-          <a:noFill/>
-          <a:extLst>
-            <a:ext uri="{909E8E84-426E-40DD-AFC4-6F175D3DCCD1}">
-              <a14:hiddenFill xmlns:a14="http://schemas.microsoft.com/office/drawing/2010/main">
-                <a:solidFill>
-                  <a:srgbClr val="FFFFFF"/>
-                </a:solidFill>
-              </a14:hiddenFill>
-            </a:ext>
-            <a:ext uri="{91240B29-F687-4F45-9708-019B960494DF}">
-              <a14:hiddenLine xmlns:a14="http://schemas.microsoft.com/office/drawing/2010/main" w="9525">
-                <a:solidFill>
-                  <a:srgbClr val="000000"/>
-                </a:solidFill>
-                <a:miter lim="800000"/>
-                <a:headEnd/>
-                <a:tailEnd/>
-              </a14:hiddenLine>
-            </a:ext>
-          </a:extLst>
-        </p:spPr>
-        <p:txBody>
-          <a:bodyPr/>
-          <a:lstStyle>
-            <a:lvl1pPr eaLnBrk="0" hangingPunct="0">
-              <a:defRPr>
-                <a:solidFill>
-                  <a:schemeClr val="tx1"/>
-                </a:solidFill>
-                <a:latin typeface="Verdana" panose="020B0604030504040204" pitchFamily="34" charset="0"/>
-                <a:ea typeface="宋体" panose="02010600030101010101" pitchFamily="2" charset="-122"/>
-              </a:defRPr>
-            </a:lvl1pPr>
-            <a:lvl2pPr marL="742950" indent="-285750" eaLnBrk="0" hangingPunct="0">
-              <a:defRPr>
-                <a:solidFill>
-                  <a:schemeClr val="tx1"/>
-                </a:solidFill>
-                <a:latin typeface="Verdana" panose="020B0604030504040204" pitchFamily="34" charset="0"/>
-                <a:ea typeface="宋体" panose="02010600030101010101" pitchFamily="2" charset="-122"/>
-              </a:defRPr>
-            </a:lvl2pPr>
-            <a:lvl3pPr marL="1143000" indent="-228600" eaLnBrk="0" hangingPunct="0">
-              <a:defRPr>
-                <a:solidFill>
-                  <a:schemeClr val="tx1"/>
-                </a:solidFill>
-                <a:latin typeface="Verdana" panose="020B0604030504040204" pitchFamily="34" charset="0"/>
-                <a:ea typeface="宋体" panose="02010600030101010101" pitchFamily="2" charset="-122"/>
-              </a:defRPr>
-            </a:lvl3pPr>
-            <a:lvl4pPr marL="1600200" indent="-228600" eaLnBrk="0" hangingPunct="0">
-              <a:defRPr>
-                <a:solidFill>
-                  <a:schemeClr val="tx1"/>
-                </a:solidFill>
-                <a:latin typeface="Verdana" panose="020B0604030504040204" pitchFamily="34" charset="0"/>
-                <a:ea typeface="宋体" panose="02010600030101010101" pitchFamily="2" charset="-122"/>
-              </a:defRPr>
-            </a:lvl4pPr>
-            <a:lvl5pPr marL="2057400" indent="-228600" eaLnBrk="0" hangingPunct="0">
-              <a:defRPr>
-                <a:solidFill>
-                  <a:schemeClr val="tx1"/>
-                </a:solidFill>
-                <a:latin typeface="Verdana" panose="020B0604030504040204" pitchFamily="34" charset="0"/>
-                <a:ea typeface="宋体" panose="02010600030101010101" pitchFamily="2" charset="-122"/>
-              </a:defRPr>
-            </a:lvl5pPr>
-            <a:lvl6pPr marL="2514600" indent="-228600" eaLnBrk="0" fontAlgn="base" hangingPunct="0">
-              <a:spcBef>
-                <a:spcPct val="0"/>
-              </a:spcBef>
-              <a:spcAft>
-                <a:spcPct val="0"/>
-              </a:spcAft>
-              <a:defRPr>
-                <a:solidFill>
-                  <a:schemeClr val="tx1"/>
-                </a:solidFill>
-                <a:latin typeface="Verdana" panose="020B0604030504040204" pitchFamily="34" charset="0"/>
-                <a:ea typeface="宋体" panose="02010600030101010101" pitchFamily="2" charset="-122"/>
-              </a:defRPr>
-            </a:lvl6pPr>
-            <a:lvl7pPr marL="2971800" indent="-228600" eaLnBrk="0" fontAlgn="base" hangingPunct="0">
-              <a:spcBef>
-                <a:spcPct val="0"/>
-              </a:spcBef>
-              <a:spcAft>
-                <a:spcPct val="0"/>
-              </a:spcAft>
-              <a:defRPr>
-                <a:solidFill>
-                  <a:schemeClr val="tx1"/>
-                </a:solidFill>
-                <a:latin typeface="Verdana" panose="020B0604030504040204" pitchFamily="34" charset="0"/>
-                <a:ea typeface="宋体" panose="02010600030101010101" pitchFamily="2" charset="-122"/>
-              </a:defRPr>
-            </a:lvl7pPr>
-            <a:lvl8pPr marL="3429000" indent="-228600" eaLnBrk="0" fontAlgn="base" hangingPunct="0">
-              <a:spcBef>
-                <a:spcPct val="0"/>
-              </a:spcBef>
-              <a:spcAft>
-                <a:spcPct val="0"/>
-              </a:spcAft>
-              <a:defRPr>
-                <a:solidFill>
-                  <a:schemeClr val="tx1"/>
-                </a:solidFill>
-                <a:latin typeface="Verdana" panose="020B0604030504040204" pitchFamily="34" charset="0"/>
-                <a:ea typeface="宋体" panose="02010600030101010101" pitchFamily="2" charset="-122"/>
-              </a:defRPr>
-            </a:lvl8pPr>
-            <a:lvl9pPr marL="3886200" indent="-228600" eaLnBrk="0" fontAlgn="base" hangingPunct="0">
-              <a:spcBef>
-                <a:spcPct val="0"/>
-              </a:spcBef>
-              <a:spcAft>
-                <a:spcPct val="0"/>
-              </a:spcAft>
-              <a:defRPr>
-                <a:solidFill>
-                  <a:schemeClr val="tx1"/>
-                </a:solidFill>
-                <a:latin typeface="Verdana" panose="020B0604030504040204" pitchFamily="34" charset="0"/>
-                <a:ea typeface="宋体" panose="02010600030101010101" pitchFamily="2" charset="-122"/>
-              </a:defRPr>
-            </a:lvl9pPr>
-          </a:lstStyle>
-          <a:p>
-            <a:pPr eaLnBrk="1" hangingPunct="1"/>
-            <a:fld id="{1E7BDAB1-2548-4596-BA73-E2558E2571AF}" type="slidenum">
-              <a:rPr lang="en-US" altLang="zh-CN" smtClean="0"/>
-              <a:t>16</a:t>
-            </a:fld>
-            <a:endParaRPr lang="en-US" altLang="zh-CN" smtClean="0"/>
-          </a:p>
-        </p:txBody>
-      </p:sp>
-      <p:sp>
-        <p:nvSpPr>
-          <p:cNvPr id="18435" name="Rectangle 2"/>
-          <p:cNvSpPr>
-            <a:spLocks noGrp="1" noChangeArrowheads="1"/>
-          </p:cNvSpPr>
-          <p:nvPr>
-            <p:ph type="title"/>
-          </p:nvPr>
-        </p:nvSpPr>
-        <p:spPr/>
-        <p:txBody>
-          <a:bodyPr/>
-          <a:lstStyle/>
-          <a:p>
-            <a:pPr eaLnBrk="1" hangingPunct="1"/>
-            <a:r>
-              <a:rPr lang="en-US" altLang="zh-CN" b="1" smtClean="0">
-                <a:latin typeface="黑体" panose="02010609060101010101" pitchFamily="49" charset="-122"/>
-                <a:ea typeface="黑体" panose="02010609060101010101" pitchFamily="49" charset="-122"/>
-              </a:rPr>
-              <a:t>10.2 </a:t>
-            </a:r>
-            <a:r>
-              <a:rPr lang="zh-CN" altLang="en-US" b="1" smtClean="0">
-                <a:latin typeface="黑体" panose="02010609060101010101" pitchFamily="49" charset="-122"/>
-                <a:ea typeface="黑体" panose="02010609060101010101" pitchFamily="49" charset="-122"/>
-              </a:rPr>
-              <a:t>测试用例的管理</a:t>
-            </a:r>
-          </a:p>
-        </p:txBody>
-      </p:sp>
-      <p:sp>
-        <p:nvSpPr>
-          <p:cNvPr id="18436" name="Rectangle 3"/>
-          <p:cNvSpPr>
-            <a:spLocks noGrp="1" noChangeArrowheads="1"/>
-          </p:cNvSpPr>
-          <p:nvPr>
-            <p:ph type="body" idx="1"/>
-          </p:nvPr>
-        </p:nvSpPr>
-        <p:spPr/>
-        <p:txBody>
-          <a:bodyPr/>
-          <a:lstStyle/>
-          <a:p>
-            <a:pPr algn="just" eaLnBrk="1" hangingPunct="1"/>
-            <a:r>
-              <a:rPr lang="zh-CN" altLang="en-US" sz="3400" b="1" smtClean="0"/>
-              <a:t>测试用例报告的撰写</a:t>
-            </a:r>
-            <a:r>
-              <a:rPr lang="en-US" altLang="zh-CN" sz="3400" b="1" smtClean="0"/>
-              <a:t>(1)</a:t>
-            </a:r>
-          </a:p>
-          <a:p>
-            <a:pPr lvl="1"/>
-            <a:r>
-              <a:rPr lang="zh-CN" altLang="en-US" b="1" smtClean="0"/>
-              <a:t>项目</a:t>
-            </a:r>
-            <a:r>
-              <a:rPr lang="en-US" altLang="en-US" b="1" smtClean="0"/>
-              <a:t>/</a:t>
-            </a:r>
-            <a:r>
-              <a:rPr lang="zh-CN" altLang="en-US" b="1" smtClean="0"/>
-              <a:t>软件</a:t>
-            </a:r>
-          </a:p>
-          <a:p>
-            <a:pPr lvl="1"/>
-            <a:r>
-              <a:rPr lang="zh-CN" altLang="en-US" b="1" smtClean="0"/>
-              <a:t>程序版本</a:t>
-            </a:r>
-          </a:p>
-          <a:p>
-            <a:pPr lvl="1"/>
-            <a:r>
-              <a:rPr lang="zh-CN" altLang="en-US" b="1" smtClean="0"/>
-              <a:t>编制人</a:t>
-            </a:r>
-          </a:p>
-          <a:p>
-            <a:pPr lvl="1"/>
-            <a:r>
-              <a:rPr lang="zh-CN" altLang="en-US" b="1" smtClean="0"/>
-              <a:t>编制时间</a:t>
-            </a:r>
-            <a:endParaRPr lang="en-US" altLang="zh-CN" b="1" smtClean="0"/>
-          </a:p>
-          <a:p>
-            <a:pPr lvl="1"/>
-            <a:r>
-              <a:rPr lang="zh-CN" altLang="en-US" b="1" smtClean="0"/>
-              <a:t>功能模块</a:t>
-            </a:r>
-            <a:endParaRPr lang="en-US" altLang="zh-CN" b="1" smtClean="0"/>
-          </a:p>
-          <a:p>
-            <a:pPr lvl="1"/>
-            <a:r>
-              <a:rPr lang="zh-CN" altLang="en-US" b="1" smtClean="0"/>
-              <a:t>功能特性</a:t>
-            </a:r>
-            <a:endParaRPr lang="en-US" altLang="zh-CN" b="1" smtClean="0"/>
-          </a:p>
-          <a:p>
-            <a:pPr lvl="1"/>
-            <a:r>
-              <a:rPr lang="zh-CN" altLang="en-US" b="1" smtClean="0"/>
-              <a:t>测试需求</a:t>
-            </a:r>
-          </a:p>
-        </p:txBody>
-      </p:sp>
-    </p:spTree>
-  </p:cSld>
-  <p:clrMapOvr>
-    <a:masterClrMapping/>
-  </p:clrMapOvr>
-  <p:transition/>
-  <p:timing>
-    <p:tnLst>
-      <p:par>
-        <p:cTn id="1" dur="indefinite" restart="never" nodeType="tmRoot"/>
-      </p:par>
-    </p:tnLst>
-  </p:timing>
-</p:sld>
-</file>
-
-<file path=ppt/slides/slide17.xml><?xml version="1.0" encoding="utf-8"?>
-<p:sld xmlns:a="http://schemas.openxmlformats.org/drawingml/2006/main" xmlns:r="http://schemas.openxmlformats.org/officeDocument/2006/relationships" xmlns:p="http://schemas.openxmlformats.org/presentationml/2006/main">
-  <p:cSld>
-    <p:spTree>
-      <p:nvGrpSpPr>
-        <p:cNvPr id="1" name=""/>
-        <p:cNvGrpSpPr/>
-        <p:nvPr/>
-      </p:nvGrpSpPr>
-      <p:grpSpPr>
-        <a:xfrm>
-          <a:off x="0" y="0"/>
-          <a:ext cx="0" cy="0"/>
-          <a:chOff x="0" y="0"/>
-          <a:chExt cx="0" cy="0"/>
-        </a:xfrm>
-      </p:grpSpPr>
-      <p:sp>
-        <p:nvSpPr>
-          <p:cNvPr id="19458" name="灯片编号占位符 5"/>
-          <p:cNvSpPr>
-            <a:spLocks noGrp="1"/>
-          </p:cNvSpPr>
-          <p:nvPr>
-            <p:ph type="sldNum" sz="quarter" idx="12"/>
-          </p:nvPr>
-        </p:nvSpPr>
-        <p:spPr>
-          <a:noFill/>
-          <a:extLst>
-            <a:ext uri="{909E8E84-426E-40DD-AFC4-6F175D3DCCD1}">
-              <a14:hiddenFill xmlns:a14="http://schemas.microsoft.com/office/drawing/2010/main">
-                <a:solidFill>
-                  <a:srgbClr val="FFFFFF"/>
-                </a:solidFill>
-              </a14:hiddenFill>
-            </a:ext>
-            <a:ext uri="{91240B29-F687-4F45-9708-019B960494DF}">
-              <a14:hiddenLine xmlns:a14="http://schemas.microsoft.com/office/drawing/2010/main" w="9525">
-                <a:solidFill>
-                  <a:srgbClr val="000000"/>
-                </a:solidFill>
-                <a:miter lim="800000"/>
-                <a:headEnd/>
-                <a:tailEnd/>
-              </a14:hiddenLine>
-            </a:ext>
-          </a:extLst>
-        </p:spPr>
-        <p:txBody>
-          <a:bodyPr/>
-          <a:lstStyle>
-            <a:lvl1pPr eaLnBrk="0" hangingPunct="0">
-              <a:defRPr>
-                <a:solidFill>
-                  <a:schemeClr val="tx1"/>
-                </a:solidFill>
-                <a:latin typeface="Verdana" panose="020B0604030504040204" pitchFamily="34" charset="0"/>
-                <a:ea typeface="宋体" panose="02010600030101010101" pitchFamily="2" charset="-122"/>
-              </a:defRPr>
-            </a:lvl1pPr>
-            <a:lvl2pPr marL="742950" indent="-285750" eaLnBrk="0" hangingPunct="0">
-              <a:defRPr>
-                <a:solidFill>
-                  <a:schemeClr val="tx1"/>
-                </a:solidFill>
-                <a:latin typeface="Verdana" panose="020B0604030504040204" pitchFamily="34" charset="0"/>
-                <a:ea typeface="宋体" panose="02010600030101010101" pitchFamily="2" charset="-122"/>
-              </a:defRPr>
-            </a:lvl2pPr>
-            <a:lvl3pPr marL="1143000" indent="-228600" eaLnBrk="0" hangingPunct="0">
-              <a:defRPr>
-                <a:solidFill>
-                  <a:schemeClr val="tx1"/>
-                </a:solidFill>
-                <a:latin typeface="Verdana" panose="020B0604030504040204" pitchFamily="34" charset="0"/>
-                <a:ea typeface="宋体" panose="02010600030101010101" pitchFamily="2" charset="-122"/>
-              </a:defRPr>
-            </a:lvl3pPr>
-            <a:lvl4pPr marL="1600200" indent="-228600" eaLnBrk="0" hangingPunct="0">
-              <a:defRPr>
-                <a:solidFill>
-                  <a:schemeClr val="tx1"/>
-                </a:solidFill>
-                <a:latin typeface="Verdana" panose="020B0604030504040204" pitchFamily="34" charset="0"/>
-                <a:ea typeface="宋体" panose="02010600030101010101" pitchFamily="2" charset="-122"/>
-              </a:defRPr>
-            </a:lvl4pPr>
-            <a:lvl5pPr marL="2057400" indent="-228600" eaLnBrk="0" hangingPunct="0">
-              <a:defRPr>
-                <a:solidFill>
-                  <a:schemeClr val="tx1"/>
-                </a:solidFill>
-                <a:latin typeface="Verdana" panose="020B0604030504040204" pitchFamily="34" charset="0"/>
-                <a:ea typeface="宋体" panose="02010600030101010101" pitchFamily="2" charset="-122"/>
-              </a:defRPr>
-            </a:lvl5pPr>
-            <a:lvl6pPr marL="2514600" indent="-228600" eaLnBrk="0" fontAlgn="base" hangingPunct="0">
-              <a:spcBef>
-                <a:spcPct val="0"/>
-              </a:spcBef>
-              <a:spcAft>
-                <a:spcPct val="0"/>
-              </a:spcAft>
-              <a:defRPr>
-                <a:solidFill>
-                  <a:schemeClr val="tx1"/>
-                </a:solidFill>
-                <a:latin typeface="Verdana" panose="020B0604030504040204" pitchFamily="34" charset="0"/>
-                <a:ea typeface="宋体" panose="02010600030101010101" pitchFamily="2" charset="-122"/>
-              </a:defRPr>
-            </a:lvl6pPr>
-            <a:lvl7pPr marL="2971800" indent="-228600" eaLnBrk="0" fontAlgn="base" hangingPunct="0">
-              <a:spcBef>
-                <a:spcPct val="0"/>
-              </a:spcBef>
-              <a:spcAft>
-                <a:spcPct val="0"/>
-              </a:spcAft>
-              <a:defRPr>
-                <a:solidFill>
-                  <a:schemeClr val="tx1"/>
-                </a:solidFill>
-                <a:latin typeface="Verdana" panose="020B0604030504040204" pitchFamily="34" charset="0"/>
-                <a:ea typeface="宋体" panose="02010600030101010101" pitchFamily="2" charset="-122"/>
-              </a:defRPr>
-            </a:lvl7pPr>
-            <a:lvl8pPr marL="3429000" indent="-228600" eaLnBrk="0" fontAlgn="base" hangingPunct="0">
-              <a:spcBef>
-                <a:spcPct val="0"/>
-              </a:spcBef>
-              <a:spcAft>
-                <a:spcPct val="0"/>
-              </a:spcAft>
-              <a:defRPr>
-                <a:solidFill>
-                  <a:schemeClr val="tx1"/>
-                </a:solidFill>
-                <a:latin typeface="Verdana" panose="020B0604030504040204" pitchFamily="34" charset="0"/>
-                <a:ea typeface="宋体" panose="02010600030101010101" pitchFamily="2" charset="-122"/>
-              </a:defRPr>
-            </a:lvl8pPr>
-            <a:lvl9pPr marL="3886200" indent="-228600" eaLnBrk="0" fontAlgn="base" hangingPunct="0">
-              <a:spcBef>
-                <a:spcPct val="0"/>
-              </a:spcBef>
-              <a:spcAft>
-                <a:spcPct val="0"/>
-              </a:spcAft>
-              <a:defRPr>
-                <a:solidFill>
-                  <a:schemeClr val="tx1"/>
-                </a:solidFill>
-                <a:latin typeface="Verdana" panose="020B0604030504040204" pitchFamily="34" charset="0"/>
-                <a:ea typeface="宋体" panose="02010600030101010101" pitchFamily="2" charset="-122"/>
-              </a:defRPr>
-            </a:lvl9pPr>
-          </a:lstStyle>
-          <a:p>
-            <a:pPr eaLnBrk="1" hangingPunct="1"/>
-            <a:fld id="{3ADA1BCF-B74F-4159-AAF2-E4A6DC51B570}" type="slidenum">
-              <a:rPr lang="en-US" altLang="zh-CN" smtClean="0"/>
-              <a:t>17</a:t>
-            </a:fld>
-            <a:endParaRPr lang="en-US" altLang="zh-CN" smtClean="0"/>
-          </a:p>
-        </p:txBody>
-      </p:sp>
-      <p:sp>
-        <p:nvSpPr>
-          <p:cNvPr id="19459" name="Rectangle 2"/>
-          <p:cNvSpPr>
-            <a:spLocks noGrp="1" noChangeArrowheads="1"/>
-          </p:cNvSpPr>
-          <p:nvPr>
-            <p:ph type="title"/>
-          </p:nvPr>
-        </p:nvSpPr>
-        <p:spPr/>
-        <p:txBody>
-          <a:bodyPr/>
-          <a:lstStyle/>
-          <a:p>
-            <a:pPr eaLnBrk="1" hangingPunct="1"/>
-            <a:r>
-              <a:rPr lang="en-US" altLang="zh-CN" b="1" smtClean="0">
-                <a:latin typeface="黑体" panose="02010609060101010101" pitchFamily="49" charset="-122"/>
-                <a:ea typeface="黑体" panose="02010609060101010101" pitchFamily="49" charset="-122"/>
-              </a:rPr>
-              <a:t>10.2 </a:t>
-            </a:r>
-            <a:r>
-              <a:rPr lang="zh-CN" altLang="en-US" b="1" smtClean="0">
-                <a:latin typeface="黑体" panose="02010609060101010101" pitchFamily="49" charset="-122"/>
-                <a:ea typeface="黑体" panose="02010609060101010101" pitchFamily="49" charset="-122"/>
-              </a:rPr>
-              <a:t>测试用例的管理</a:t>
-            </a:r>
-          </a:p>
-        </p:txBody>
-      </p:sp>
-      <p:sp>
-        <p:nvSpPr>
-          <p:cNvPr id="19460" name="Rectangle 3"/>
-          <p:cNvSpPr>
-            <a:spLocks noGrp="1" noChangeArrowheads="1"/>
-          </p:cNvSpPr>
-          <p:nvPr>
-            <p:ph type="body" idx="1"/>
-          </p:nvPr>
-        </p:nvSpPr>
-        <p:spPr/>
-        <p:txBody>
-          <a:bodyPr/>
-          <a:lstStyle/>
-          <a:p>
-            <a:pPr algn="just" eaLnBrk="1" hangingPunct="1"/>
-            <a:r>
-              <a:rPr lang="zh-CN" altLang="en-US" sz="3400" b="1" dirty="0" smtClean="0"/>
-              <a:t>测试用例报告的撰写</a:t>
-            </a:r>
-            <a:r>
-              <a:rPr lang="en-US" altLang="zh-CN" sz="3400" b="1" dirty="0" smtClean="0"/>
-              <a:t>(2)</a:t>
-            </a:r>
-          </a:p>
-          <a:p>
-            <a:pPr lvl="1" algn="just" eaLnBrk="1" hangingPunct="1"/>
-            <a:r>
-              <a:rPr lang="zh-CN" altLang="en-US" b="1" dirty="0" smtClean="0"/>
-              <a:t>测试包</a:t>
-            </a:r>
-            <a:endParaRPr lang="en-US" altLang="zh-CN" b="1" dirty="0" smtClean="0"/>
-          </a:p>
-          <a:p>
-            <a:pPr lvl="1" algn="just" eaLnBrk="1" hangingPunct="1"/>
-            <a:r>
-              <a:rPr lang="zh-CN" altLang="en-US" b="1" dirty="0" smtClean="0"/>
-              <a:t>优先级</a:t>
-            </a:r>
-            <a:endParaRPr lang="en-US" altLang="zh-CN" b="1" dirty="0" smtClean="0"/>
-          </a:p>
-          <a:p>
-            <a:pPr lvl="1" algn="just" eaLnBrk="1" hangingPunct="1"/>
-            <a:r>
-              <a:rPr lang="zh-CN" altLang="en-US" b="1" dirty="0" smtClean="0"/>
-              <a:t>预置条件</a:t>
-            </a:r>
-            <a:endParaRPr lang="en-US" altLang="zh-CN" b="1" dirty="0" smtClean="0"/>
-          </a:p>
-          <a:p>
-            <a:pPr lvl="1" algn="just" eaLnBrk="1" hangingPunct="1"/>
-            <a:r>
-              <a:rPr lang="zh-CN" altLang="en-US" b="1" dirty="0" smtClean="0"/>
-              <a:t>初始化和清除环境</a:t>
-            </a:r>
-            <a:endParaRPr lang="en-US" altLang="zh-CN" b="1" dirty="0" smtClean="0"/>
-          </a:p>
-          <a:p>
-            <a:pPr lvl="1" algn="just" eaLnBrk="1" hangingPunct="1"/>
-            <a:r>
-              <a:rPr lang="zh-CN" altLang="en-US" b="1" dirty="0" smtClean="0"/>
-              <a:t>测试环境</a:t>
-            </a:r>
-            <a:endParaRPr lang="en-US" altLang="zh-CN" b="1" dirty="0" smtClean="0"/>
-          </a:p>
-          <a:p>
-            <a:pPr lvl="1" algn="just" eaLnBrk="1" hangingPunct="1"/>
-            <a:r>
-              <a:rPr lang="zh-CN" altLang="en-US" b="1" dirty="0" smtClean="0"/>
-              <a:t>参考文档</a:t>
-            </a:r>
-          </a:p>
-        </p:txBody>
-      </p:sp>
-    </p:spTree>
-  </p:cSld>
-  <p:clrMapOvr>
-    <a:masterClrMapping/>
-  </p:clrMapOvr>
-  <p:transition/>
-  <p:timing>
-    <p:tnLst>
-      <p:par>
-        <p:cTn id="1" dur="indefinite" restart="never" nodeType="tmRoot"/>
-      </p:par>
-    </p:tnLst>
-  </p:timing>
-</p:sld>
-</file>
-
-<file path=ppt/slides/slide18.xml><?xml version="1.0" encoding="utf-8"?>
-<p:sld xmlns:a="http://schemas.openxmlformats.org/drawingml/2006/main" xmlns:r="http://schemas.openxmlformats.org/officeDocument/2006/relationships" xmlns:p="http://schemas.openxmlformats.org/presentationml/2006/main">
-  <p:cSld>
-    <p:spTree>
-      <p:nvGrpSpPr>
-        <p:cNvPr id="1" name=""/>
-        <p:cNvGrpSpPr/>
-        <p:nvPr/>
-      </p:nvGrpSpPr>
-      <p:grpSpPr>
-        <a:xfrm>
-          <a:off x="0" y="0"/>
-          <a:ext cx="0" cy="0"/>
-          <a:chOff x="0" y="0"/>
-          <a:chExt cx="0" cy="0"/>
-        </a:xfrm>
-      </p:grpSpPr>
-      <p:sp>
-        <p:nvSpPr>
-          <p:cNvPr id="20482" name="灯片编号占位符 5"/>
-          <p:cNvSpPr>
-            <a:spLocks noGrp="1"/>
-          </p:cNvSpPr>
-          <p:nvPr>
-            <p:ph type="sldNum" sz="quarter" idx="12"/>
-          </p:nvPr>
-        </p:nvSpPr>
-        <p:spPr>
-          <a:noFill/>
-          <a:extLst>
-            <a:ext uri="{909E8E84-426E-40DD-AFC4-6F175D3DCCD1}">
-              <a14:hiddenFill xmlns:a14="http://schemas.microsoft.com/office/drawing/2010/main">
-                <a:solidFill>
-                  <a:srgbClr val="FFFFFF"/>
-                </a:solidFill>
-              </a14:hiddenFill>
-            </a:ext>
-            <a:ext uri="{91240B29-F687-4F45-9708-019B960494DF}">
-              <a14:hiddenLine xmlns:a14="http://schemas.microsoft.com/office/drawing/2010/main" w="9525">
-                <a:solidFill>
-                  <a:srgbClr val="000000"/>
-                </a:solidFill>
-                <a:miter lim="800000"/>
-                <a:headEnd/>
-                <a:tailEnd/>
-              </a14:hiddenLine>
-            </a:ext>
-          </a:extLst>
-        </p:spPr>
-        <p:txBody>
-          <a:bodyPr/>
-          <a:lstStyle>
-            <a:lvl1pPr eaLnBrk="0" hangingPunct="0">
-              <a:defRPr>
-                <a:solidFill>
-                  <a:schemeClr val="tx1"/>
-                </a:solidFill>
-                <a:latin typeface="Verdana" panose="020B0604030504040204" pitchFamily="34" charset="0"/>
-                <a:ea typeface="宋体" panose="02010600030101010101" pitchFamily="2" charset="-122"/>
-              </a:defRPr>
-            </a:lvl1pPr>
-            <a:lvl2pPr marL="742950" indent="-285750" eaLnBrk="0" hangingPunct="0">
-              <a:defRPr>
-                <a:solidFill>
-                  <a:schemeClr val="tx1"/>
-                </a:solidFill>
-                <a:latin typeface="Verdana" panose="020B0604030504040204" pitchFamily="34" charset="0"/>
-                <a:ea typeface="宋体" panose="02010600030101010101" pitchFamily="2" charset="-122"/>
-              </a:defRPr>
-            </a:lvl2pPr>
-            <a:lvl3pPr marL="1143000" indent="-228600" eaLnBrk="0" hangingPunct="0">
-              <a:defRPr>
-                <a:solidFill>
-                  <a:schemeClr val="tx1"/>
-                </a:solidFill>
-                <a:latin typeface="Verdana" panose="020B0604030504040204" pitchFamily="34" charset="0"/>
-                <a:ea typeface="宋体" panose="02010600030101010101" pitchFamily="2" charset="-122"/>
-              </a:defRPr>
-            </a:lvl3pPr>
-            <a:lvl4pPr marL="1600200" indent="-228600" eaLnBrk="0" hangingPunct="0">
-              <a:defRPr>
-                <a:solidFill>
-                  <a:schemeClr val="tx1"/>
-                </a:solidFill>
-                <a:latin typeface="Verdana" panose="020B0604030504040204" pitchFamily="34" charset="0"/>
-                <a:ea typeface="宋体" panose="02010600030101010101" pitchFamily="2" charset="-122"/>
-              </a:defRPr>
-            </a:lvl4pPr>
-            <a:lvl5pPr marL="2057400" indent="-228600" eaLnBrk="0" hangingPunct="0">
-              <a:defRPr>
-                <a:solidFill>
-                  <a:schemeClr val="tx1"/>
-                </a:solidFill>
-                <a:latin typeface="Verdana" panose="020B0604030504040204" pitchFamily="34" charset="0"/>
-                <a:ea typeface="宋体" panose="02010600030101010101" pitchFamily="2" charset="-122"/>
-              </a:defRPr>
-            </a:lvl5pPr>
-            <a:lvl6pPr marL="2514600" indent="-228600" eaLnBrk="0" fontAlgn="base" hangingPunct="0">
-              <a:spcBef>
-                <a:spcPct val="0"/>
-              </a:spcBef>
-              <a:spcAft>
-                <a:spcPct val="0"/>
-              </a:spcAft>
-              <a:defRPr>
-                <a:solidFill>
-                  <a:schemeClr val="tx1"/>
-                </a:solidFill>
-                <a:latin typeface="Verdana" panose="020B0604030504040204" pitchFamily="34" charset="0"/>
-                <a:ea typeface="宋体" panose="02010600030101010101" pitchFamily="2" charset="-122"/>
-              </a:defRPr>
-            </a:lvl6pPr>
-            <a:lvl7pPr marL="2971800" indent="-228600" eaLnBrk="0" fontAlgn="base" hangingPunct="0">
-              <a:spcBef>
-                <a:spcPct val="0"/>
-              </a:spcBef>
-              <a:spcAft>
-                <a:spcPct val="0"/>
-              </a:spcAft>
-              <a:defRPr>
-                <a:solidFill>
-                  <a:schemeClr val="tx1"/>
-                </a:solidFill>
-                <a:latin typeface="Verdana" panose="020B0604030504040204" pitchFamily="34" charset="0"/>
-                <a:ea typeface="宋体" panose="02010600030101010101" pitchFamily="2" charset="-122"/>
-              </a:defRPr>
-            </a:lvl7pPr>
-            <a:lvl8pPr marL="3429000" indent="-228600" eaLnBrk="0" fontAlgn="base" hangingPunct="0">
-              <a:spcBef>
-                <a:spcPct val="0"/>
-              </a:spcBef>
-              <a:spcAft>
-                <a:spcPct val="0"/>
-              </a:spcAft>
-              <a:defRPr>
-                <a:solidFill>
-                  <a:schemeClr val="tx1"/>
-                </a:solidFill>
-                <a:latin typeface="Verdana" panose="020B0604030504040204" pitchFamily="34" charset="0"/>
-                <a:ea typeface="宋体" panose="02010600030101010101" pitchFamily="2" charset="-122"/>
-              </a:defRPr>
-            </a:lvl8pPr>
-            <a:lvl9pPr marL="3886200" indent="-228600" eaLnBrk="0" fontAlgn="base" hangingPunct="0">
-              <a:spcBef>
-                <a:spcPct val="0"/>
-              </a:spcBef>
-              <a:spcAft>
-                <a:spcPct val="0"/>
-              </a:spcAft>
-              <a:defRPr>
-                <a:solidFill>
-                  <a:schemeClr val="tx1"/>
-                </a:solidFill>
-                <a:latin typeface="Verdana" panose="020B0604030504040204" pitchFamily="34" charset="0"/>
-                <a:ea typeface="宋体" panose="02010600030101010101" pitchFamily="2" charset="-122"/>
-              </a:defRPr>
-            </a:lvl9pPr>
-          </a:lstStyle>
-          <a:p>
-            <a:pPr eaLnBrk="1" hangingPunct="1"/>
-            <a:fld id="{AD1DEB2A-9CD4-4594-947C-5314334902EB}" type="slidenum">
-              <a:rPr lang="en-US" altLang="zh-CN" smtClean="0"/>
-              <a:t>18</a:t>
-            </a:fld>
-            <a:endParaRPr lang="en-US" altLang="zh-CN" smtClean="0"/>
-          </a:p>
-        </p:txBody>
-      </p:sp>
-      <p:sp>
-        <p:nvSpPr>
-          <p:cNvPr id="20483" name="Rectangle 2"/>
-          <p:cNvSpPr>
-            <a:spLocks noGrp="1" noChangeArrowheads="1"/>
-          </p:cNvSpPr>
-          <p:nvPr>
-            <p:ph type="title"/>
-          </p:nvPr>
-        </p:nvSpPr>
-        <p:spPr/>
-        <p:txBody>
-          <a:bodyPr/>
-          <a:lstStyle/>
-          <a:p>
-            <a:pPr eaLnBrk="1" hangingPunct="1"/>
-            <a:r>
-              <a:rPr lang="en-US" altLang="zh-CN" b="1" smtClean="0">
-                <a:latin typeface="黑体" panose="02010609060101010101" pitchFamily="49" charset="-122"/>
-                <a:ea typeface="黑体" panose="02010609060101010101" pitchFamily="49" charset="-122"/>
-              </a:rPr>
-              <a:t>10.2 </a:t>
-            </a:r>
-            <a:r>
-              <a:rPr lang="zh-CN" altLang="en-US" b="1" smtClean="0">
-                <a:latin typeface="黑体" panose="02010609060101010101" pitchFamily="49" charset="-122"/>
-                <a:ea typeface="黑体" panose="02010609060101010101" pitchFamily="49" charset="-122"/>
-              </a:rPr>
-              <a:t>测试用例的管理</a:t>
-            </a:r>
-          </a:p>
-        </p:txBody>
-      </p:sp>
-      <p:sp>
-        <p:nvSpPr>
-          <p:cNvPr id="20484" name="Rectangle 3"/>
-          <p:cNvSpPr>
-            <a:spLocks noGrp="1" noChangeArrowheads="1"/>
-          </p:cNvSpPr>
-          <p:nvPr>
-            <p:ph type="body" idx="1"/>
-          </p:nvPr>
-        </p:nvSpPr>
-        <p:spPr/>
-        <p:txBody>
-          <a:bodyPr/>
-          <a:lstStyle/>
-          <a:p>
-            <a:pPr algn="just" eaLnBrk="1" hangingPunct="1"/>
-            <a:r>
-              <a:rPr lang="zh-CN" altLang="en-US" sz="3400" b="1" smtClean="0"/>
-              <a:t>测试用例报告的撰写</a:t>
-            </a:r>
-            <a:r>
-              <a:rPr lang="en-US" altLang="zh-CN" sz="3400" b="1" smtClean="0"/>
-              <a:t>(3)</a:t>
-            </a:r>
-          </a:p>
-          <a:p>
-            <a:pPr lvl="1" algn="just" eaLnBrk="1" hangingPunct="1"/>
-            <a:r>
-              <a:rPr lang="zh-CN" altLang="en-US" b="1" smtClean="0"/>
-              <a:t>用例序号</a:t>
-            </a:r>
-            <a:r>
-              <a:rPr lang="en-US" altLang="en-US" b="1" smtClean="0"/>
-              <a:t>(ID)</a:t>
-            </a:r>
-          </a:p>
-          <a:p>
-            <a:pPr lvl="1" algn="just" eaLnBrk="1" hangingPunct="1"/>
-            <a:r>
-              <a:rPr lang="zh-CN" altLang="en-US" b="1" smtClean="0"/>
-              <a:t>输入条件</a:t>
-            </a:r>
-            <a:endParaRPr lang="en-US" altLang="zh-CN" b="1" smtClean="0"/>
-          </a:p>
-          <a:p>
-            <a:pPr lvl="1" algn="just" eaLnBrk="1" hangingPunct="1"/>
-            <a:r>
-              <a:rPr lang="zh-CN" altLang="en-US" b="1" smtClean="0"/>
-              <a:t>操作步骤</a:t>
-            </a:r>
-            <a:endParaRPr lang="en-US" altLang="zh-CN" b="1" smtClean="0"/>
-          </a:p>
-          <a:p>
-            <a:pPr lvl="1" algn="just" eaLnBrk="1" hangingPunct="1"/>
-            <a:r>
-              <a:rPr lang="zh-CN" altLang="en-US" b="1" smtClean="0"/>
-              <a:t>预期输出</a:t>
-            </a:r>
-            <a:endParaRPr lang="en-US" altLang="zh-CN" b="1" smtClean="0"/>
-          </a:p>
-          <a:p>
-            <a:pPr lvl="1" algn="just" eaLnBrk="1" hangingPunct="1"/>
-            <a:r>
-              <a:rPr lang="zh-CN" altLang="en-US" b="1" smtClean="0"/>
-              <a:t>测试结果</a:t>
-            </a:r>
-          </a:p>
-        </p:txBody>
-      </p:sp>
-    </p:spTree>
-  </p:cSld>
-  <p:clrMapOvr>
-    <a:masterClrMapping/>
-  </p:clrMapOvr>
-  <p:transition/>
-  <p:timing>
-    <p:tnLst>
-      <p:par>
-        <p:cTn id="1" dur="indefinite" restart="never" nodeType="tmRoot"/>
-      </p:par>
-    </p:tnLst>
-  </p:timing>
-</p:sld>
-</file>
-
-<file path=ppt/slides/slide19.xml><?xml version="1.0" encoding="utf-8"?>
-<p:sld xmlns:a="http://schemas.openxmlformats.org/drawingml/2006/main" xmlns:r="http://schemas.openxmlformats.org/officeDocument/2006/relationships" xmlns:p="http://schemas.openxmlformats.org/presentationml/2006/main">
-  <p:cSld>
-    <p:spTree>
-      <p:nvGrpSpPr>
-        <p:cNvPr id="1" name=""/>
-        <p:cNvGrpSpPr/>
-        <p:nvPr/>
-      </p:nvGrpSpPr>
-      <p:grpSpPr>
-        <a:xfrm>
-          <a:off x="0" y="0"/>
-          <a:ext cx="0" cy="0"/>
-          <a:chOff x="0" y="0"/>
-          <a:chExt cx="0" cy="0"/>
-        </a:xfrm>
-      </p:grpSpPr>
-      <p:sp>
-        <p:nvSpPr>
-          <p:cNvPr id="21506" name="灯片编号占位符 5"/>
-          <p:cNvSpPr>
-            <a:spLocks noGrp="1"/>
-          </p:cNvSpPr>
-          <p:nvPr>
-            <p:ph type="sldNum" sz="quarter" idx="12"/>
-          </p:nvPr>
-        </p:nvSpPr>
-        <p:spPr>
-          <a:noFill/>
-          <a:extLst>
-            <a:ext uri="{909E8E84-426E-40DD-AFC4-6F175D3DCCD1}">
-              <a14:hiddenFill xmlns:a14="http://schemas.microsoft.com/office/drawing/2010/main">
-                <a:solidFill>
-                  <a:srgbClr val="FFFFFF"/>
-                </a:solidFill>
-              </a14:hiddenFill>
-            </a:ext>
-            <a:ext uri="{91240B29-F687-4F45-9708-019B960494DF}">
-              <a14:hiddenLine xmlns:a14="http://schemas.microsoft.com/office/drawing/2010/main" w="9525">
-                <a:solidFill>
-                  <a:srgbClr val="000000"/>
-                </a:solidFill>
-                <a:miter lim="800000"/>
-                <a:headEnd/>
-                <a:tailEnd/>
-              </a14:hiddenLine>
-            </a:ext>
-          </a:extLst>
-        </p:spPr>
-        <p:txBody>
-          <a:bodyPr/>
-          <a:lstStyle>
-            <a:lvl1pPr eaLnBrk="0" hangingPunct="0">
-              <a:defRPr>
-                <a:solidFill>
-                  <a:schemeClr val="tx1"/>
-                </a:solidFill>
-                <a:latin typeface="Verdana" panose="020B0604030504040204" pitchFamily="34" charset="0"/>
-                <a:ea typeface="宋体" panose="02010600030101010101" pitchFamily="2" charset="-122"/>
-              </a:defRPr>
-            </a:lvl1pPr>
-            <a:lvl2pPr marL="742950" indent="-285750" eaLnBrk="0" hangingPunct="0">
-              <a:defRPr>
-                <a:solidFill>
-                  <a:schemeClr val="tx1"/>
-                </a:solidFill>
-                <a:latin typeface="Verdana" panose="020B0604030504040204" pitchFamily="34" charset="0"/>
-                <a:ea typeface="宋体" panose="02010600030101010101" pitchFamily="2" charset="-122"/>
-              </a:defRPr>
-            </a:lvl2pPr>
-            <a:lvl3pPr marL="1143000" indent="-228600" eaLnBrk="0" hangingPunct="0">
-              <a:defRPr>
-                <a:solidFill>
-                  <a:schemeClr val="tx1"/>
-                </a:solidFill>
-                <a:latin typeface="Verdana" panose="020B0604030504040204" pitchFamily="34" charset="0"/>
-                <a:ea typeface="宋体" panose="02010600030101010101" pitchFamily="2" charset="-122"/>
-              </a:defRPr>
-            </a:lvl3pPr>
-            <a:lvl4pPr marL="1600200" indent="-228600" eaLnBrk="0" hangingPunct="0">
-              <a:defRPr>
-                <a:solidFill>
-                  <a:schemeClr val="tx1"/>
-                </a:solidFill>
-                <a:latin typeface="Verdana" panose="020B0604030504040204" pitchFamily="34" charset="0"/>
-                <a:ea typeface="宋体" panose="02010600030101010101" pitchFamily="2" charset="-122"/>
-              </a:defRPr>
-            </a:lvl4pPr>
-            <a:lvl5pPr marL="2057400" indent="-228600" eaLnBrk="0" hangingPunct="0">
-              <a:defRPr>
-                <a:solidFill>
-                  <a:schemeClr val="tx1"/>
-                </a:solidFill>
-                <a:latin typeface="Verdana" panose="020B0604030504040204" pitchFamily="34" charset="0"/>
-                <a:ea typeface="宋体" panose="02010600030101010101" pitchFamily="2" charset="-122"/>
-              </a:defRPr>
-            </a:lvl5pPr>
-            <a:lvl6pPr marL="2514600" indent="-228600" eaLnBrk="0" fontAlgn="base" hangingPunct="0">
-              <a:spcBef>
-                <a:spcPct val="0"/>
-              </a:spcBef>
-              <a:spcAft>
-                <a:spcPct val="0"/>
-              </a:spcAft>
-              <a:defRPr>
-                <a:solidFill>
-                  <a:schemeClr val="tx1"/>
-                </a:solidFill>
-                <a:latin typeface="Verdana" panose="020B0604030504040204" pitchFamily="34" charset="0"/>
-                <a:ea typeface="宋体" panose="02010600030101010101" pitchFamily="2" charset="-122"/>
-              </a:defRPr>
-            </a:lvl6pPr>
-            <a:lvl7pPr marL="2971800" indent="-228600" eaLnBrk="0" fontAlgn="base" hangingPunct="0">
-              <a:spcBef>
-                <a:spcPct val="0"/>
-              </a:spcBef>
-              <a:spcAft>
-                <a:spcPct val="0"/>
-              </a:spcAft>
-              <a:defRPr>
-                <a:solidFill>
-                  <a:schemeClr val="tx1"/>
-                </a:solidFill>
-                <a:latin typeface="Verdana" panose="020B0604030504040204" pitchFamily="34" charset="0"/>
-                <a:ea typeface="宋体" panose="02010600030101010101" pitchFamily="2" charset="-122"/>
-              </a:defRPr>
-            </a:lvl7pPr>
-            <a:lvl8pPr marL="3429000" indent="-228600" eaLnBrk="0" fontAlgn="base" hangingPunct="0">
-              <a:spcBef>
-                <a:spcPct val="0"/>
-              </a:spcBef>
-              <a:spcAft>
-                <a:spcPct val="0"/>
-              </a:spcAft>
-              <a:defRPr>
-                <a:solidFill>
-                  <a:schemeClr val="tx1"/>
-                </a:solidFill>
-                <a:latin typeface="Verdana" panose="020B0604030504040204" pitchFamily="34" charset="0"/>
-                <a:ea typeface="宋体" panose="02010600030101010101" pitchFamily="2" charset="-122"/>
-              </a:defRPr>
-            </a:lvl8pPr>
-            <a:lvl9pPr marL="3886200" indent="-228600" eaLnBrk="0" fontAlgn="base" hangingPunct="0">
-              <a:spcBef>
-                <a:spcPct val="0"/>
-              </a:spcBef>
-              <a:spcAft>
-                <a:spcPct val="0"/>
-              </a:spcAft>
-              <a:defRPr>
-                <a:solidFill>
-                  <a:schemeClr val="tx1"/>
-                </a:solidFill>
-                <a:latin typeface="Verdana" panose="020B0604030504040204" pitchFamily="34" charset="0"/>
-                <a:ea typeface="宋体" panose="02010600030101010101" pitchFamily="2" charset="-122"/>
-              </a:defRPr>
-            </a:lvl9pPr>
-          </a:lstStyle>
-          <a:p>
-            <a:pPr eaLnBrk="1" hangingPunct="1"/>
-            <a:fld id="{D85C42DE-5CFB-4D06-A45F-E9F861E5D31F}" type="slidenum">
-              <a:rPr lang="en-US" altLang="zh-CN" smtClean="0"/>
-              <a:t>19</a:t>
-            </a:fld>
-            <a:endParaRPr lang="en-US" altLang="zh-CN" smtClean="0"/>
-          </a:p>
-        </p:txBody>
-      </p:sp>
-      <p:sp>
-        <p:nvSpPr>
-          <p:cNvPr id="21507" name="Rectangle 2"/>
-          <p:cNvSpPr>
-            <a:spLocks noGrp="1" noChangeArrowheads="1"/>
-          </p:cNvSpPr>
-          <p:nvPr>
-            <p:ph type="title"/>
-          </p:nvPr>
-        </p:nvSpPr>
-        <p:spPr/>
-        <p:txBody>
-          <a:bodyPr/>
-          <a:lstStyle/>
-          <a:p>
-            <a:pPr eaLnBrk="1" hangingPunct="1"/>
-            <a:r>
-              <a:rPr lang="en-US" altLang="zh-CN" b="1" smtClean="0">
-                <a:latin typeface="黑体" panose="02010609060101010101" pitchFamily="49" charset="-122"/>
-                <a:ea typeface="黑体" panose="02010609060101010101" pitchFamily="49" charset="-122"/>
-              </a:rPr>
-              <a:t>10.2 </a:t>
-            </a:r>
-            <a:r>
-              <a:rPr lang="zh-CN" altLang="en-US" b="1" smtClean="0">
-                <a:latin typeface="黑体" panose="02010609060101010101" pitchFamily="49" charset="-122"/>
-                <a:ea typeface="黑体" panose="02010609060101010101" pitchFamily="49" charset="-122"/>
-              </a:rPr>
-              <a:t>测试用例的管理</a:t>
-            </a:r>
-          </a:p>
-        </p:txBody>
-      </p:sp>
-      <p:sp>
-        <p:nvSpPr>
-          <p:cNvPr id="21508" name="Rectangle 3"/>
-          <p:cNvSpPr>
-            <a:spLocks noGrp="1" noChangeArrowheads="1"/>
-          </p:cNvSpPr>
-          <p:nvPr>
-            <p:ph type="body" idx="1"/>
-          </p:nvPr>
-        </p:nvSpPr>
-        <p:spPr/>
-        <p:txBody>
-          <a:bodyPr/>
-          <a:lstStyle/>
-          <a:p>
-            <a:pPr algn="just" eaLnBrk="1" hangingPunct="1"/>
-            <a:r>
-              <a:rPr lang="zh-CN" altLang="en-US" sz="3400" b="1" smtClean="0"/>
-              <a:t>测试结果</a:t>
-            </a:r>
-            <a:endParaRPr lang="en-US" altLang="zh-CN" sz="3400" b="1" smtClean="0"/>
-          </a:p>
-          <a:p>
-            <a:pPr lvl="1"/>
-            <a:r>
-              <a:rPr lang="zh-CN" altLang="en-US" b="1" smtClean="0"/>
-              <a:t>通过</a:t>
-            </a:r>
-            <a:r>
-              <a:rPr lang="en-US" altLang="en-US" b="1" smtClean="0"/>
-              <a:t>(Pass)</a:t>
-            </a:r>
-            <a:endParaRPr lang="zh-CN" altLang="en-US" b="1" smtClean="0"/>
-          </a:p>
-          <a:p>
-            <a:pPr lvl="1"/>
-            <a:r>
-              <a:rPr lang="zh-CN" altLang="en-US" b="1" smtClean="0"/>
-              <a:t>失败</a:t>
-            </a:r>
-            <a:r>
-              <a:rPr lang="en-US" altLang="en-US" b="1" smtClean="0"/>
-              <a:t>(Fail)</a:t>
-            </a:r>
-            <a:endParaRPr lang="zh-CN" altLang="en-US" b="1" smtClean="0"/>
-          </a:p>
-          <a:p>
-            <a:pPr lvl="1"/>
-            <a:r>
-              <a:rPr lang="zh-CN" altLang="en-US" b="1" smtClean="0"/>
-              <a:t>警告</a:t>
-            </a:r>
-            <a:r>
-              <a:rPr lang="en-US" altLang="en-US" b="1" smtClean="0"/>
-              <a:t>(Warn)</a:t>
-            </a:r>
-            <a:endParaRPr lang="zh-CN" altLang="en-US" b="1" smtClean="0"/>
-          </a:p>
-          <a:p>
-            <a:pPr lvl="1"/>
-            <a:r>
-              <a:rPr lang="zh-CN" altLang="en-US" b="1" smtClean="0"/>
-              <a:t>阻塞</a:t>
-            </a:r>
-            <a:r>
-              <a:rPr lang="en-US" altLang="en-US" b="1" smtClean="0"/>
-              <a:t>(Block)</a:t>
-            </a:r>
-            <a:endParaRPr lang="zh-CN" altLang="en-US" b="1" smtClean="0"/>
-          </a:p>
-          <a:p>
-            <a:pPr lvl="1"/>
-            <a:r>
-              <a:rPr lang="zh-CN" altLang="en-US" b="1" smtClean="0"/>
-              <a:t>跳过</a:t>
-            </a:r>
-            <a:r>
-              <a:rPr lang="en-US" altLang="en-US" b="1" smtClean="0"/>
-              <a:t>(Skip)</a:t>
-            </a:r>
-            <a:endParaRPr lang="zh-CN" altLang="en-US" b="1" smtClean="0"/>
-          </a:p>
-        </p:txBody>
-      </p:sp>
-      <p:sp>
-        <p:nvSpPr>
-          <p:cNvPr id="2" name="矩形 1"/>
-          <p:cNvSpPr/>
-          <p:nvPr/>
-        </p:nvSpPr>
-        <p:spPr>
-          <a:xfrm>
-            <a:off x="899592" y="2276872"/>
-            <a:ext cx="2808312" cy="1080120"/>
-          </a:xfrm>
-          <a:prstGeom prst="rect">
-            <a:avLst/>
-          </a:prstGeom>
-          <a:noFill/>
-          <a:ln>
-            <a:solidFill>
-              <a:srgbClr val="FF0000"/>
-            </a:solidFill>
-          </a:ln>
-        </p:spPr>
-        <p:style>
-          <a:lnRef idx="2">
-            <a:schemeClr val="accent1">
-              <a:shade val="50000"/>
-            </a:schemeClr>
-          </a:lnRef>
-          <a:fillRef idx="1">
-            <a:schemeClr val="accent1"/>
-          </a:fillRef>
-          <a:effectRef idx="0">
-            <a:schemeClr val="accent1"/>
-          </a:effectRef>
-          <a:fontRef idx="minor">
-            <a:schemeClr val="lt1"/>
-          </a:fontRef>
-        </p:style>
-        <p:txBody>
-          <a:bodyPr rtlCol="0" anchor="ctr"/>
-          <a:lstStyle/>
-          <a:p>
-            <a:pPr algn="ctr"/>
-            <a:endParaRPr lang="zh-CN" altLang="en-US"/>
-          </a:p>
-        </p:txBody>
-      </p:sp>
-    </p:spTree>
-  </p:cSld>
-  <p:clrMapOvr>
-    <a:masterClrMapping/>
-  </p:clrMapOvr>
-  <p:transition/>
-  <p:timing>
-    <p:tnLst>
-      <p:par>
-        <p:cTn id="1" dur="indefinite" restart="never" nodeType="tmRoot"/>
-      </p:par>
-    </p:tnLst>
-  </p:timing>
-</p:sld>
-</file>
-
-<file path=ppt/slides/slide2.xml><?xml version="1.0" encoding="utf-8"?>
-<p:sld xmlns:a="http://schemas.openxmlformats.org/drawingml/2006/main" xmlns:r="http://schemas.openxmlformats.org/officeDocument/2006/relationships" xmlns:p="http://schemas.openxmlformats.org/presentationml/2006/main">
-  <p:cSld>
-    <p:spTree>
-      <p:nvGrpSpPr>
-        <p:cNvPr id="1" name=""/>
-        <p:cNvGrpSpPr/>
-        <p:nvPr/>
-      </p:nvGrpSpPr>
-      <p:grpSpPr>
-        <a:xfrm>
-          <a:off x="0" y="0"/>
-          <a:ext cx="0" cy="0"/>
-          <a:chOff x="0" y="0"/>
-          <a:chExt cx="0" cy="0"/>
-        </a:xfrm>
-      </p:grpSpPr>
-      <p:sp>
-        <p:nvSpPr>
-          <p:cNvPr id="5122" name="灯片编号占位符 5"/>
-          <p:cNvSpPr>
-            <a:spLocks noGrp="1"/>
-          </p:cNvSpPr>
-          <p:nvPr>
-            <p:ph type="sldNum" sz="quarter" idx="12"/>
-          </p:nvPr>
-        </p:nvSpPr>
-        <p:spPr>
-          <a:noFill/>
-          <a:extLst>
-            <a:ext uri="{909E8E84-426E-40DD-AFC4-6F175D3DCCD1}">
-              <a14:hiddenFill xmlns:a14="http://schemas.microsoft.com/office/drawing/2010/main">
-                <a:solidFill>
-                  <a:srgbClr val="FFFFFF"/>
-                </a:solidFill>
-              </a14:hiddenFill>
-            </a:ext>
-            <a:ext uri="{91240B29-F687-4F45-9708-019B960494DF}">
-              <a14:hiddenLine xmlns:a14="http://schemas.microsoft.com/office/drawing/2010/main" w="9525">
-                <a:solidFill>
-                  <a:srgbClr val="000000"/>
-                </a:solidFill>
-                <a:miter lim="800000"/>
-                <a:headEnd/>
-                <a:tailEnd/>
-              </a14:hiddenLine>
-            </a:ext>
-          </a:extLst>
-        </p:spPr>
-        <p:txBody>
-          <a:bodyPr/>
-          <a:lstStyle>
-            <a:lvl1pPr eaLnBrk="0" hangingPunct="0">
-              <a:defRPr>
-                <a:solidFill>
-                  <a:schemeClr val="tx1"/>
-                </a:solidFill>
-                <a:latin typeface="Verdana" panose="020B0604030504040204" pitchFamily="34" charset="0"/>
-                <a:ea typeface="宋体" panose="02010600030101010101" pitchFamily="2" charset="-122"/>
-              </a:defRPr>
-            </a:lvl1pPr>
-            <a:lvl2pPr marL="742950" indent="-285750" eaLnBrk="0" hangingPunct="0">
-              <a:defRPr>
-                <a:solidFill>
-                  <a:schemeClr val="tx1"/>
-                </a:solidFill>
-                <a:latin typeface="Verdana" panose="020B0604030504040204" pitchFamily="34" charset="0"/>
-                <a:ea typeface="宋体" panose="02010600030101010101" pitchFamily="2" charset="-122"/>
-              </a:defRPr>
-            </a:lvl2pPr>
-            <a:lvl3pPr marL="1143000" indent="-228600" eaLnBrk="0" hangingPunct="0">
-              <a:defRPr>
-                <a:solidFill>
-                  <a:schemeClr val="tx1"/>
-                </a:solidFill>
-                <a:latin typeface="Verdana" panose="020B0604030504040204" pitchFamily="34" charset="0"/>
-                <a:ea typeface="宋体" panose="02010600030101010101" pitchFamily="2" charset="-122"/>
-              </a:defRPr>
-            </a:lvl3pPr>
-            <a:lvl4pPr marL="1600200" indent="-228600" eaLnBrk="0" hangingPunct="0">
-              <a:defRPr>
-                <a:solidFill>
-                  <a:schemeClr val="tx1"/>
-                </a:solidFill>
-                <a:latin typeface="Verdana" panose="020B0604030504040204" pitchFamily="34" charset="0"/>
-                <a:ea typeface="宋体" panose="02010600030101010101" pitchFamily="2" charset="-122"/>
-              </a:defRPr>
-            </a:lvl4pPr>
-            <a:lvl5pPr marL="2057400" indent="-228600" eaLnBrk="0" hangingPunct="0">
-              <a:defRPr>
-                <a:solidFill>
-                  <a:schemeClr val="tx1"/>
-                </a:solidFill>
-                <a:latin typeface="Verdana" panose="020B0604030504040204" pitchFamily="34" charset="0"/>
-                <a:ea typeface="宋体" panose="02010600030101010101" pitchFamily="2" charset="-122"/>
-              </a:defRPr>
-            </a:lvl5pPr>
-            <a:lvl6pPr marL="2514600" indent="-228600" eaLnBrk="0" fontAlgn="base" hangingPunct="0">
-              <a:spcBef>
-                <a:spcPct val="0"/>
-              </a:spcBef>
-              <a:spcAft>
-                <a:spcPct val="0"/>
-              </a:spcAft>
-              <a:defRPr>
-                <a:solidFill>
-                  <a:schemeClr val="tx1"/>
-                </a:solidFill>
-                <a:latin typeface="Verdana" panose="020B0604030504040204" pitchFamily="34" charset="0"/>
-                <a:ea typeface="宋体" panose="02010600030101010101" pitchFamily="2" charset="-122"/>
-              </a:defRPr>
-            </a:lvl6pPr>
-            <a:lvl7pPr marL="2971800" indent="-228600" eaLnBrk="0" fontAlgn="base" hangingPunct="0">
-              <a:spcBef>
-                <a:spcPct val="0"/>
-              </a:spcBef>
-              <a:spcAft>
-                <a:spcPct val="0"/>
-              </a:spcAft>
-              <a:defRPr>
-                <a:solidFill>
-                  <a:schemeClr val="tx1"/>
-                </a:solidFill>
-                <a:latin typeface="Verdana" panose="020B0604030504040204" pitchFamily="34" charset="0"/>
-                <a:ea typeface="宋体" panose="02010600030101010101" pitchFamily="2" charset="-122"/>
-              </a:defRPr>
-            </a:lvl7pPr>
-            <a:lvl8pPr marL="3429000" indent="-228600" eaLnBrk="0" fontAlgn="base" hangingPunct="0">
-              <a:spcBef>
-                <a:spcPct val="0"/>
-              </a:spcBef>
-              <a:spcAft>
-                <a:spcPct val="0"/>
-              </a:spcAft>
-              <a:defRPr>
-                <a:solidFill>
-                  <a:schemeClr val="tx1"/>
-                </a:solidFill>
-                <a:latin typeface="Verdana" panose="020B0604030504040204" pitchFamily="34" charset="0"/>
-                <a:ea typeface="宋体" panose="02010600030101010101" pitchFamily="2" charset="-122"/>
-              </a:defRPr>
-            </a:lvl8pPr>
-            <a:lvl9pPr marL="3886200" indent="-228600" eaLnBrk="0" fontAlgn="base" hangingPunct="0">
-              <a:spcBef>
-                <a:spcPct val="0"/>
-              </a:spcBef>
-              <a:spcAft>
-                <a:spcPct val="0"/>
-              </a:spcAft>
-              <a:defRPr>
-                <a:solidFill>
-                  <a:schemeClr val="tx1"/>
-                </a:solidFill>
-                <a:latin typeface="Verdana" panose="020B0604030504040204" pitchFamily="34" charset="0"/>
-                <a:ea typeface="宋体" panose="02010600030101010101" pitchFamily="2" charset="-122"/>
-              </a:defRPr>
-            </a:lvl9pPr>
-          </a:lstStyle>
-          <a:p>
-            <a:pPr eaLnBrk="1" hangingPunct="1"/>
-            <a:fld id="{648219E3-10F8-4EA7-A0AA-3BBFF91E385B}" type="slidenum">
-              <a:rPr lang="en-US" altLang="zh-CN" smtClean="0"/>
-              <a:t>2</a:t>
-            </a:fld>
-            <a:endParaRPr lang="en-US" altLang="zh-CN" smtClean="0"/>
-          </a:p>
-        </p:txBody>
-      </p:sp>
-      <p:sp>
-        <p:nvSpPr>
-          <p:cNvPr id="5123" name="Rectangle 2"/>
-          <p:cNvSpPr>
-            <a:spLocks noGrp="1" noChangeArrowheads="1"/>
-          </p:cNvSpPr>
-          <p:nvPr>
-            <p:ph type="title"/>
-          </p:nvPr>
-        </p:nvSpPr>
-        <p:spPr/>
-        <p:txBody>
-          <a:bodyPr/>
-          <a:lstStyle/>
-          <a:p>
-            <a:pPr eaLnBrk="1" hangingPunct="1"/>
-            <a:r>
-              <a:rPr lang="zh-CN" altLang="en-US" b="1" smtClean="0">
-                <a:latin typeface="黑体" panose="02010609060101010101" pitchFamily="49" charset="-122"/>
-                <a:ea typeface="黑体" panose="02010609060101010101" pitchFamily="49" charset="-122"/>
-              </a:rPr>
-              <a:t>第</a:t>
-            </a:r>
-            <a:r>
-              <a:rPr lang="en-US" altLang="zh-CN" b="1" smtClean="0">
-                <a:latin typeface="黑体" panose="02010609060101010101" pitchFamily="49" charset="-122"/>
-                <a:ea typeface="黑体" panose="02010609060101010101" pitchFamily="49" charset="-122"/>
-              </a:rPr>
-              <a:t>10</a:t>
-            </a:r>
-            <a:r>
-              <a:rPr lang="zh-CN" altLang="en-US" b="1" smtClean="0">
-                <a:latin typeface="黑体" panose="02010609060101010101" pitchFamily="49" charset="-122"/>
-                <a:ea typeface="黑体" panose="02010609060101010101" pitchFamily="49" charset="-122"/>
-              </a:rPr>
-              <a:t>章  测试过程管理</a:t>
-            </a:r>
-          </a:p>
-        </p:txBody>
-      </p:sp>
-      <p:sp>
-        <p:nvSpPr>
-          <p:cNvPr id="5124" name="Rectangle 3"/>
-          <p:cNvSpPr>
-            <a:spLocks noGrp="1" noChangeArrowheads="1"/>
-          </p:cNvSpPr>
-          <p:nvPr>
-            <p:ph type="body" idx="1"/>
-          </p:nvPr>
-        </p:nvSpPr>
-        <p:spPr/>
-        <p:txBody>
-          <a:bodyPr/>
-          <a:lstStyle/>
-          <a:p>
-            <a:pPr eaLnBrk="1" hangingPunct="1"/>
-            <a:r>
-              <a:rPr lang="zh-CN" altLang="en-US" sz="3400" b="1" smtClean="0"/>
-              <a:t>本章重点</a:t>
-            </a:r>
-          </a:p>
-          <a:p>
-            <a:pPr lvl="1" eaLnBrk="1" hangingPunct="1"/>
-            <a:r>
-              <a:rPr lang="zh-CN" altLang="en-US" sz="3100" b="1" smtClean="0"/>
-              <a:t>软件测试过程模型</a:t>
-            </a:r>
-            <a:endParaRPr lang="en-US" altLang="zh-CN" sz="3100" b="1" smtClean="0"/>
-          </a:p>
-          <a:p>
-            <a:pPr lvl="1" eaLnBrk="1" hangingPunct="1"/>
-            <a:r>
-              <a:rPr lang="zh-CN" altLang="en-US" sz="3100" b="1" smtClean="0"/>
-              <a:t>测试用例管理</a:t>
-            </a:r>
-            <a:endParaRPr lang="en-US" altLang="zh-CN" sz="3100" b="1" smtClean="0"/>
-          </a:p>
-          <a:p>
-            <a:pPr lvl="1" eaLnBrk="1" hangingPunct="1"/>
-            <a:r>
-              <a:rPr lang="zh-CN" altLang="en-US" sz="3100" b="1" smtClean="0"/>
-              <a:t>软件缺陷管理</a:t>
-            </a:r>
-            <a:endParaRPr lang="en-US" altLang="zh-CN" sz="3100" b="1" smtClean="0"/>
-          </a:p>
-          <a:p>
-            <a:pPr lvl="1" eaLnBrk="1" hangingPunct="1"/>
-            <a:r>
-              <a:rPr lang="zh-CN" altLang="en-US" sz="3100" b="1" smtClean="0"/>
-              <a:t>测试团队管理</a:t>
-            </a:r>
-          </a:p>
-        </p:txBody>
-      </p:sp>
-    </p:spTree>
-  </p:cSld>
-  <p:clrMapOvr>
-    <a:masterClrMapping/>
-  </p:clrMapOvr>
-  <p:transition/>
-  <p:timing>
-    <p:tnLst>
-      <p:par>
-        <p:cTn id="1" dur="indefinite" restart="never" nodeType="tmRoot"/>
-      </p:par>
-    </p:tnLst>
-  </p:timing>
-</p:sld>
-</file>
-
-<file path=ppt/slides/slide20.xml><?xml version="1.0" encoding="utf-8"?>
-<p:sld xmlns:a="http://schemas.openxmlformats.org/drawingml/2006/main" xmlns:r="http://schemas.openxmlformats.org/officeDocument/2006/relationships" xmlns:p="http://schemas.openxmlformats.org/presentationml/2006/main">
-  <p:cSld>
-    <p:spTree>
-      <p:nvGrpSpPr>
-        <p:cNvPr id="1" name=""/>
-        <p:cNvGrpSpPr/>
-        <p:nvPr/>
-      </p:nvGrpSpPr>
-      <p:grpSpPr>
-        <a:xfrm>
-          <a:off x="0" y="0"/>
-          <a:ext cx="0" cy="0"/>
-          <a:chOff x="0" y="0"/>
-          <a:chExt cx="0" cy="0"/>
-        </a:xfrm>
-      </p:grpSpPr>
-      <p:sp>
-        <p:nvSpPr>
-          <p:cNvPr id="22530" name="灯片编号占位符 5"/>
-          <p:cNvSpPr>
-            <a:spLocks noGrp="1"/>
-          </p:cNvSpPr>
-          <p:nvPr>
-            <p:ph type="sldNum" sz="quarter" idx="12"/>
-          </p:nvPr>
-        </p:nvSpPr>
-        <p:spPr>
-          <a:noFill/>
-          <a:extLst>
-            <a:ext uri="{909E8E84-426E-40DD-AFC4-6F175D3DCCD1}">
-              <a14:hiddenFill xmlns:a14="http://schemas.microsoft.com/office/drawing/2010/main">
-                <a:solidFill>
-                  <a:srgbClr val="FFFFFF"/>
-                </a:solidFill>
-              </a14:hiddenFill>
-            </a:ext>
-            <a:ext uri="{91240B29-F687-4F45-9708-019B960494DF}">
-              <a14:hiddenLine xmlns:a14="http://schemas.microsoft.com/office/drawing/2010/main" w="9525">
-                <a:solidFill>
-                  <a:srgbClr val="000000"/>
-                </a:solidFill>
-                <a:miter lim="800000"/>
-                <a:headEnd/>
-                <a:tailEnd/>
-              </a14:hiddenLine>
-            </a:ext>
-          </a:extLst>
-        </p:spPr>
-        <p:txBody>
-          <a:bodyPr/>
-          <a:lstStyle>
-            <a:lvl1pPr eaLnBrk="0" hangingPunct="0">
-              <a:defRPr>
-                <a:solidFill>
-                  <a:schemeClr val="tx1"/>
-                </a:solidFill>
-                <a:latin typeface="Verdana" panose="020B0604030504040204" pitchFamily="34" charset="0"/>
-                <a:ea typeface="宋体" panose="02010600030101010101" pitchFamily="2" charset="-122"/>
-              </a:defRPr>
-            </a:lvl1pPr>
-            <a:lvl2pPr marL="742950" indent="-285750" eaLnBrk="0" hangingPunct="0">
-              <a:defRPr>
-                <a:solidFill>
-                  <a:schemeClr val="tx1"/>
-                </a:solidFill>
-                <a:latin typeface="Verdana" panose="020B0604030504040204" pitchFamily="34" charset="0"/>
-                <a:ea typeface="宋体" panose="02010600030101010101" pitchFamily="2" charset="-122"/>
-              </a:defRPr>
-            </a:lvl2pPr>
-            <a:lvl3pPr marL="1143000" indent="-228600" eaLnBrk="0" hangingPunct="0">
-              <a:defRPr>
-                <a:solidFill>
-                  <a:schemeClr val="tx1"/>
-                </a:solidFill>
-                <a:latin typeface="Verdana" panose="020B0604030504040204" pitchFamily="34" charset="0"/>
-                <a:ea typeface="宋体" panose="02010600030101010101" pitchFamily="2" charset="-122"/>
-              </a:defRPr>
-            </a:lvl3pPr>
-            <a:lvl4pPr marL="1600200" indent="-228600" eaLnBrk="0" hangingPunct="0">
-              <a:defRPr>
-                <a:solidFill>
-                  <a:schemeClr val="tx1"/>
-                </a:solidFill>
-                <a:latin typeface="Verdana" panose="020B0604030504040204" pitchFamily="34" charset="0"/>
-                <a:ea typeface="宋体" panose="02010600030101010101" pitchFamily="2" charset="-122"/>
-              </a:defRPr>
-            </a:lvl4pPr>
-            <a:lvl5pPr marL="2057400" indent="-228600" eaLnBrk="0" hangingPunct="0">
-              <a:defRPr>
-                <a:solidFill>
-                  <a:schemeClr val="tx1"/>
-                </a:solidFill>
-                <a:latin typeface="Verdana" panose="020B0604030504040204" pitchFamily="34" charset="0"/>
-                <a:ea typeface="宋体" panose="02010600030101010101" pitchFamily="2" charset="-122"/>
-              </a:defRPr>
-            </a:lvl5pPr>
-            <a:lvl6pPr marL="2514600" indent="-228600" eaLnBrk="0" fontAlgn="base" hangingPunct="0">
-              <a:spcBef>
-                <a:spcPct val="0"/>
-              </a:spcBef>
-              <a:spcAft>
-                <a:spcPct val="0"/>
-              </a:spcAft>
-              <a:defRPr>
-                <a:solidFill>
-                  <a:schemeClr val="tx1"/>
-                </a:solidFill>
-                <a:latin typeface="Verdana" panose="020B0604030504040204" pitchFamily="34" charset="0"/>
-                <a:ea typeface="宋体" panose="02010600030101010101" pitchFamily="2" charset="-122"/>
-              </a:defRPr>
-            </a:lvl6pPr>
-            <a:lvl7pPr marL="2971800" indent="-228600" eaLnBrk="0" fontAlgn="base" hangingPunct="0">
-              <a:spcBef>
-                <a:spcPct val="0"/>
-              </a:spcBef>
-              <a:spcAft>
-                <a:spcPct val="0"/>
-              </a:spcAft>
-              <a:defRPr>
-                <a:solidFill>
-                  <a:schemeClr val="tx1"/>
-                </a:solidFill>
-                <a:latin typeface="Verdana" panose="020B0604030504040204" pitchFamily="34" charset="0"/>
-                <a:ea typeface="宋体" panose="02010600030101010101" pitchFamily="2" charset="-122"/>
-              </a:defRPr>
-            </a:lvl7pPr>
-            <a:lvl8pPr marL="3429000" indent="-228600" eaLnBrk="0" fontAlgn="base" hangingPunct="0">
-              <a:spcBef>
-                <a:spcPct val="0"/>
-              </a:spcBef>
-              <a:spcAft>
-                <a:spcPct val="0"/>
-              </a:spcAft>
-              <a:defRPr>
-                <a:solidFill>
-                  <a:schemeClr val="tx1"/>
-                </a:solidFill>
-                <a:latin typeface="Verdana" panose="020B0604030504040204" pitchFamily="34" charset="0"/>
-                <a:ea typeface="宋体" panose="02010600030101010101" pitchFamily="2" charset="-122"/>
-              </a:defRPr>
-            </a:lvl8pPr>
-            <a:lvl9pPr marL="3886200" indent="-228600" eaLnBrk="0" fontAlgn="base" hangingPunct="0">
-              <a:spcBef>
-                <a:spcPct val="0"/>
-              </a:spcBef>
-              <a:spcAft>
-                <a:spcPct val="0"/>
-              </a:spcAft>
-              <a:defRPr>
-                <a:solidFill>
-                  <a:schemeClr val="tx1"/>
-                </a:solidFill>
-                <a:latin typeface="Verdana" panose="020B0604030504040204" pitchFamily="34" charset="0"/>
-                <a:ea typeface="宋体" panose="02010600030101010101" pitchFamily="2" charset="-122"/>
-              </a:defRPr>
-            </a:lvl9pPr>
-          </a:lstStyle>
-          <a:p>
-            <a:pPr eaLnBrk="1" hangingPunct="1"/>
-            <a:fld id="{8F330D93-BACB-4AD3-BFC7-6E411EEC643E}" type="slidenum">
-              <a:rPr lang="en-US" altLang="zh-CN" smtClean="0"/>
-              <a:t>20</a:t>
-            </a:fld>
-            <a:endParaRPr lang="en-US" altLang="zh-CN" smtClean="0"/>
-          </a:p>
-        </p:txBody>
-      </p:sp>
-      <p:sp>
-        <p:nvSpPr>
-          <p:cNvPr id="22531" name="Rectangle 2"/>
-          <p:cNvSpPr>
-            <a:spLocks noGrp="1" noChangeArrowheads="1"/>
-          </p:cNvSpPr>
-          <p:nvPr>
-            <p:ph type="title"/>
-          </p:nvPr>
-        </p:nvSpPr>
-        <p:spPr/>
-        <p:txBody>
-          <a:bodyPr/>
-          <a:lstStyle/>
-          <a:p>
-            <a:pPr eaLnBrk="1" hangingPunct="1"/>
-            <a:r>
-              <a:rPr lang="en-US" altLang="zh-CN" b="1" smtClean="0">
-                <a:latin typeface="黑体" panose="02010609060101010101" pitchFamily="49" charset="-122"/>
-                <a:ea typeface="黑体" panose="02010609060101010101" pitchFamily="49" charset="-122"/>
-              </a:rPr>
-              <a:t>10.2 </a:t>
-            </a:r>
-            <a:r>
-              <a:rPr lang="zh-CN" altLang="en-US" b="1" smtClean="0">
-                <a:latin typeface="黑体" panose="02010609060101010101" pitchFamily="49" charset="-122"/>
-                <a:ea typeface="黑体" panose="02010609060101010101" pitchFamily="49" charset="-122"/>
-              </a:rPr>
-              <a:t>测试用例的管理</a:t>
-            </a:r>
-          </a:p>
-        </p:txBody>
-      </p:sp>
-      <p:sp>
-        <p:nvSpPr>
-          <p:cNvPr id="22532" name="Rectangle 3"/>
-          <p:cNvSpPr>
-            <a:spLocks noGrp="1" noChangeArrowheads="1"/>
-          </p:cNvSpPr>
-          <p:nvPr>
-            <p:ph type="body" idx="1"/>
-          </p:nvPr>
-        </p:nvSpPr>
-        <p:spPr/>
-        <p:txBody>
-          <a:bodyPr/>
-          <a:lstStyle/>
-          <a:p>
-            <a:pPr algn="just" eaLnBrk="1" hangingPunct="1"/>
-            <a:r>
-              <a:rPr lang="zh-CN" altLang="en-US" sz="3400" b="1" smtClean="0"/>
-              <a:t>测试用例的组织和跟踪</a:t>
-            </a:r>
-            <a:endParaRPr lang="en-US" altLang="zh-CN" sz="3400" b="1" smtClean="0"/>
-          </a:p>
-          <a:p>
-            <a:pPr lvl="1" algn="just" eaLnBrk="1" hangingPunct="1"/>
-            <a:r>
-              <a:rPr lang="zh-CN" b="1" smtClean="0"/>
-              <a:t>整理模块需求</a:t>
-            </a:r>
-            <a:endParaRPr lang="en-US" altLang="zh-CN" b="1" smtClean="0"/>
-          </a:p>
-          <a:p>
-            <a:pPr lvl="1" algn="just" eaLnBrk="1" hangingPunct="1"/>
-            <a:r>
-              <a:rPr lang="zh-CN" b="1" smtClean="0"/>
-              <a:t>撰写测试计划</a:t>
-            </a:r>
-            <a:endParaRPr lang="en-US" altLang="zh-CN" b="1" smtClean="0"/>
-          </a:p>
-          <a:p>
-            <a:pPr lvl="1" algn="just" eaLnBrk="1" hangingPunct="1"/>
-            <a:r>
-              <a:rPr lang="zh-CN" b="1" smtClean="0"/>
-              <a:t>设计测试思路</a:t>
-            </a:r>
-            <a:endParaRPr lang="en-US" altLang="zh-CN" b="1" smtClean="0"/>
-          </a:p>
-          <a:p>
-            <a:pPr lvl="1" algn="just" eaLnBrk="1" hangingPunct="1"/>
-            <a:r>
-              <a:rPr lang="zh-CN" b="1" smtClean="0"/>
-              <a:t>编写测试用例</a:t>
-            </a:r>
-            <a:endParaRPr lang="en-US" altLang="zh-CN" b="1" smtClean="0"/>
-          </a:p>
-          <a:p>
-            <a:pPr lvl="1" algn="just" eaLnBrk="1" hangingPunct="1"/>
-            <a:r>
-              <a:rPr lang="zh-CN" altLang="en-US" b="1" smtClean="0"/>
-              <a:t>评审</a:t>
-            </a:r>
-            <a:r>
-              <a:rPr lang="zh-CN" b="1" smtClean="0"/>
-              <a:t>测试用例</a:t>
-            </a:r>
-            <a:endParaRPr lang="en-US" altLang="zh-CN" b="1" smtClean="0"/>
-          </a:p>
-          <a:p>
-            <a:pPr lvl="1" algn="just" eaLnBrk="1" hangingPunct="1"/>
-            <a:r>
-              <a:rPr lang="zh-CN" b="1" smtClean="0"/>
-              <a:t>修改更新测试用例</a:t>
-            </a:r>
-            <a:endParaRPr lang="en-US" altLang="zh-CN" b="1" smtClean="0"/>
-          </a:p>
-          <a:p>
-            <a:pPr lvl="1" algn="just" eaLnBrk="1" hangingPunct="1"/>
-            <a:r>
-              <a:rPr lang="zh-CN" b="1" smtClean="0"/>
-              <a:t>执行测试用例</a:t>
-            </a:r>
-            <a:endParaRPr lang="en-US" altLang="zh-CN" b="1" smtClean="0"/>
-          </a:p>
-          <a:p>
-            <a:pPr lvl="1" algn="just" eaLnBrk="1" hangingPunct="1"/>
-            <a:r>
-              <a:rPr lang="zh-CN" b="1" smtClean="0"/>
-              <a:t>分析评估测试用例质量</a:t>
-            </a:r>
-            <a:endParaRPr lang="zh-CN" altLang="en-US" b="1" smtClean="0"/>
-          </a:p>
-        </p:txBody>
-      </p:sp>
-    </p:spTree>
-  </p:cSld>
-  <p:clrMapOvr>
-    <a:masterClrMapping/>
-  </p:clrMapOvr>
-  <p:transition/>
-  <p:timing>
-    <p:tnLst>
-      <p:par>
-        <p:cTn id="1" dur="indefinite" restart="never" nodeType="tmRoot"/>
-      </p:par>
-    </p:tnLst>
-  </p:timing>
-</p:sld>
-</file>
-
-<file path=ppt/slides/slide21.xml><?xml version="1.0" encoding="utf-8"?>
-<p:sld xmlns:a="http://schemas.openxmlformats.org/drawingml/2006/main" xmlns:r="http://schemas.openxmlformats.org/officeDocument/2006/relationships" xmlns:p="http://schemas.openxmlformats.org/presentationml/2006/main">
-  <p:cSld>
-    <p:spTree>
-      <p:nvGrpSpPr>
-        <p:cNvPr id="1" name=""/>
-        <p:cNvGrpSpPr/>
-        <p:nvPr/>
-      </p:nvGrpSpPr>
-      <p:grpSpPr>
-        <a:xfrm>
-          <a:off x="0" y="0"/>
-          <a:ext cx="0" cy="0"/>
-          <a:chOff x="0" y="0"/>
-          <a:chExt cx="0" cy="0"/>
-        </a:xfrm>
-      </p:grpSpPr>
-      <p:sp>
-        <p:nvSpPr>
-          <p:cNvPr id="23554" name="灯片编号占位符 5"/>
-          <p:cNvSpPr>
-            <a:spLocks noGrp="1"/>
-          </p:cNvSpPr>
-          <p:nvPr>
-            <p:ph type="sldNum" sz="quarter" idx="12"/>
-          </p:nvPr>
-        </p:nvSpPr>
-        <p:spPr>
-          <a:noFill/>
-          <a:extLst>
-            <a:ext uri="{909E8E84-426E-40DD-AFC4-6F175D3DCCD1}">
-              <a14:hiddenFill xmlns:a14="http://schemas.microsoft.com/office/drawing/2010/main">
-                <a:solidFill>
-                  <a:srgbClr val="FFFFFF"/>
-                </a:solidFill>
-              </a14:hiddenFill>
-            </a:ext>
-            <a:ext uri="{91240B29-F687-4F45-9708-019B960494DF}">
-              <a14:hiddenLine xmlns:a14="http://schemas.microsoft.com/office/drawing/2010/main" w="9525">
-                <a:solidFill>
-                  <a:srgbClr val="000000"/>
-                </a:solidFill>
-                <a:miter lim="800000"/>
-                <a:headEnd/>
-                <a:tailEnd/>
-              </a14:hiddenLine>
-            </a:ext>
-          </a:extLst>
-        </p:spPr>
-        <p:txBody>
-          <a:bodyPr/>
-          <a:lstStyle>
-            <a:lvl1pPr eaLnBrk="0" hangingPunct="0">
-              <a:defRPr>
-                <a:solidFill>
-                  <a:schemeClr val="tx1"/>
-                </a:solidFill>
-                <a:latin typeface="Verdana" panose="020B0604030504040204" pitchFamily="34" charset="0"/>
-                <a:ea typeface="宋体" panose="02010600030101010101" pitchFamily="2" charset="-122"/>
-              </a:defRPr>
-            </a:lvl1pPr>
-            <a:lvl2pPr marL="742950" indent="-285750" eaLnBrk="0" hangingPunct="0">
-              <a:defRPr>
-                <a:solidFill>
-                  <a:schemeClr val="tx1"/>
-                </a:solidFill>
-                <a:latin typeface="Verdana" panose="020B0604030504040204" pitchFamily="34" charset="0"/>
-                <a:ea typeface="宋体" panose="02010600030101010101" pitchFamily="2" charset="-122"/>
-              </a:defRPr>
-            </a:lvl2pPr>
-            <a:lvl3pPr marL="1143000" indent="-228600" eaLnBrk="0" hangingPunct="0">
-              <a:defRPr>
-                <a:solidFill>
-                  <a:schemeClr val="tx1"/>
-                </a:solidFill>
-                <a:latin typeface="Verdana" panose="020B0604030504040204" pitchFamily="34" charset="0"/>
-                <a:ea typeface="宋体" panose="02010600030101010101" pitchFamily="2" charset="-122"/>
-              </a:defRPr>
-            </a:lvl3pPr>
-            <a:lvl4pPr marL="1600200" indent="-228600" eaLnBrk="0" hangingPunct="0">
-              <a:defRPr>
-                <a:solidFill>
-                  <a:schemeClr val="tx1"/>
-                </a:solidFill>
-                <a:latin typeface="Verdana" panose="020B0604030504040204" pitchFamily="34" charset="0"/>
-                <a:ea typeface="宋体" panose="02010600030101010101" pitchFamily="2" charset="-122"/>
-              </a:defRPr>
-            </a:lvl4pPr>
-            <a:lvl5pPr marL="2057400" indent="-228600" eaLnBrk="0" hangingPunct="0">
-              <a:defRPr>
-                <a:solidFill>
-                  <a:schemeClr val="tx1"/>
-                </a:solidFill>
-                <a:latin typeface="Verdana" panose="020B0604030504040204" pitchFamily="34" charset="0"/>
-                <a:ea typeface="宋体" panose="02010600030101010101" pitchFamily="2" charset="-122"/>
-              </a:defRPr>
-            </a:lvl5pPr>
-            <a:lvl6pPr marL="2514600" indent="-228600" eaLnBrk="0" fontAlgn="base" hangingPunct="0">
-              <a:spcBef>
-                <a:spcPct val="0"/>
-              </a:spcBef>
-              <a:spcAft>
-                <a:spcPct val="0"/>
-              </a:spcAft>
-              <a:defRPr>
-                <a:solidFill>
-                  <a:schemeClr val="tx1"/>
-                </a:solidFill>
-                <a:latin typeface="Verdana" panose="020B0604030504040204" pitchFamily="34" charset="0"/>
-                <a:ea typeface="宋体" panose="02010600030101010101" pitchFamily="2" charset="-122"/>
-              </a:defRPr>
-            </a:lvl6pPr>
-            <a:lvl7pPr marL="2971800" indent="-228600" eaLnBrk="0" fontAlgn="base" hangingPunct="0">
-              <a:spcBef>
-                <a:spcPct val="0"/>
-              </a:spcBef>
-              <a:spcAft>
-                <a:spcPct val="0"/>
-              </a:spcAft>
-              <a:defRPr>
-                <a:solidFill>
-                  <a:schemeClr val="tx1"/>
-                </a:solidFill>
-                <a:latin typeface="Verdana" panose="020B0604030504040204" pitchFamily="34" charset="0"/>
-                <a:ea typeface="宋体" panose="02010600030101010101" pitchFamily="2" charset="-122"/>
-              </a:defRPr>
-            </a:lvl7pPr>
-            <a:lvl8pPr marL="3429000" indent="-228600" eaLnBrk="0" fontAlgn="base" hangingPunct="0">
-              <a:spcBef>
-                <a:spcPct val="0"/>
-              </a:spcBef>
-              <a:spcAft>
-                <a:spcPct val="0"/>
-              </a:spcAft>
-              <a:defRPr>
-                <a:solidFill>
-                  <a:schemeClr val="tx1"/>
-                </a:solidFill>
-                <a:latin typeface="Verdana" panose="020B0604030504040204" pitchFamily="34" charset="0"/>
-                <a:ea typeface="宋体" panose="02010600030101010101" pitchFamily="2" charset="-122"/>
-              </a:defRPr>
-            </a:lvl8pPr>
-            <a:lvl9pPr marL="3886200" indent="-228600" eaLnBrk="0" fontAlgn="base" hangingPunct="0">
-              <a:spcBef>
-                <a:spcPct val="0"/>
-              </a:spcBef>
-              <a:spcAft>
-                <a:spcPct val="0"/>
-              </a:spcAft>
-              <a:defRPr>
-                <a:solidFill>
-                  <a:schemeClr val="tx1"/>
-                </a:solidFill>
-                <a:latin typeface="Verdana" panose="020B0604030504040204" pitchFamily="34" charset="0"/>
-                <a:ea typeface="宋体" panose="02010600030101010101" pitchFamily="2" charset="-122"/>
-              </a:defRPr>
-            </a:lvl9pPr>
-          </a:lstStyle>
-          <a:p>
-            <a:pPr eaLnBrk="1" hangingPunct="1"/>
-            <a:fld id="{EC72CD5B-1D01-4129-A7DD-F88BEE1728F6}" type="slidenum">
-              <a:rPr lang="en-US" altLang="zh-CN" smtClean="0"/>
-              <a:t>21</a:t>
-            </a:fld>
-            <a:endParaRPr lang="en-US" altLang="zh-CN" smtClean="0"/>
-          </a:p>
-        </p:txBody>
-      </p:sp>
-      <p:sp>
-        <p:nvSpPr>
-          <p:cNvPr id="23555" name="Rectangle 2"/>
-          <p:cNvSpPr>
-            <a:spLocks noGrp="1" noChangeArrowheads="1"/>
-          </p:cNvSpPr>
-          <p:nvPr>
-            <p:ph type="title"/>
-          </p:nvPr>
-        </p:nvSpPr>
-        <p:spPr/>
-        <p:txBody>
-          <a:bodyPr/>
-          <a:lstStyle/>
-          <a:p>
-            <a:pPr eaLnBrk="1" hangingPunct="1"/>
-            <a:r>
-              <a:rPr lang="en-US" altLang="zh-CN" b="1" smtClean="0">
-                <a:latin typeface="黑体" panose="02010609060101010101" pitchFamily="49" charset="-122"/>
-                <a:ea typeface="黑体" panose="02010609060101010101" pitchFamily="49" charset="-122"/>
-              </a:rPr>
-              <a:t>10.2 </a:t>
-            </a:r>
-            <a:r>
-              <a:rPr lang="zh-CN" altLang="en-US" b="1" smtClean="0">
-                <a:latin typeface="黑体" panose="02010609060101010101" pitchFamily="49" charset="-122"/>
-                <a:ea typeface="黑体" panose="02010609060101010101" pitchFamily="49" charset="-122"/>
-              </a:rPr>
-              <a:t>测试用例的管理</a:t>
-            </a:r>
-          </a:p>
-        </p:txBody>
-      </p:sp>
-      <p:sp>
-        <p:nvSpPr>
-          <p:cNvPr id="23556" name="Rectangle 3"/>
-          <p:cNvSpPr>
-            <a:spLocks noGrp="1" noChangeArrowheads="1"/>
-          </p:cNvSpPr>
-          <p:nvPr>
-            <p:ph type="body" idx="1"/>
-          </p:nvPr>
-        </p:nvSpPr>
-        <p:spPr/>
-        <p:txBody>
-          <a:bodyPr/>
-          <a:lstStyle/>
-          <a:p>
-            <a:pPr algn="just" eaLnBrk="1" hangingPunct="1"/>
-            <a:r>
-              <a:rPr lang="zh-CN" altLang="en-US" sz="3400" b="1" smtClean="0"/>
-              <a:t>测试用例评审检查单（部分）</a:t>
-            </a:r>
-            <a:endParaRPr lang="zh-CN" altLang="en-US" b="1" smtClean="0"/>
-          </a:p>
-        </p:txBody>
-      </p:sp>
-      <p:pic>
-        <p:nvPicPr>
-          <p:cNvPr id="23558" name="Picture 2"/>
-          <p:cNvPicPr>
-            <a:picLocks noChangeAspect="1" noChangeArrowheads="1"/>
-          </p:cNvPicPr>
-          <p:nvPr/>
-        </p:nvPicPr>
-        <p:blipFill>
-          <a:blip r:embed="rId2">
-            <a:extLst>
-              <a:ext uri="{28A0092B-C50C-407E-A947-70E740481C1C}">
-                <a14:useLocalDpi xmlns:a14="http://schemas.microsoft.com/office/drawing/2010/main" val="0"/>
-              </a:ext>
-            </a:extLst>
-          </a:blip>
-          <a:srcRect/>
-          <a:stretch>
-            <a:fillRect/>
-          </a:stretch>
-        </p:blipFill>
-        <p:spPr bwMode="auto">
-          <a:xfrm>
-            <a:off x="928688" y="2357438"/>
-            <a:ext cx="6943725" cy="4267200"/>
-          </a:xfrm>
-          <a:prstGeom prst="rect">
-            <a:avLst/>
-          </a:prstGeom>
-          <a:noFill/>
-          <a:ln>
-            <a:noFill/>
-          </a:ln>
-          <a:extLst>
-            <a:ext uri="{909E8E84-426E-40DD-AFC4-6F175D3DCCD1}">
-              <a14:hiddenFill xmlns:a14="http://schemas.microsoft.com/office/drawing/2010/main">
-                <a:solidFill>
-                  <a:srgbClr val="FFFFFF"/>
-                </a:solidFill>
-              </a14:hiddenFill>
-            </a:ext>
-            <a:ext uri="{91240B29-F687-4F45-9708-019B960494DF}">
-              <a14:hiddenLine xmlns:a14="http://schemas.microsoft.com/office/drawing/2010/main" w="9525">
-                <a:solidFill>
-                  <a:srgbClr val="000000"/>
-                </a:solidFill>
-                <a:miter lim="800000"/>
-                <a:headEnd/>
-                <a:tailEnd/>
-              </a14:hiddenLine>
-            </a:ext>
-          </a:extLst>
-        </p:spPr>
-      </p:pic>
-    </p:spTree>
-  </p:cSld>
-  <p:clrMapOvr>
-    <a:masterClrMapping/>
-  </p:clrMapOvr>
-  <p:transition/>
-  <p:timing>
-    <p:tnLst>
-      <p:par>
-        <p:cTn id="1" dur="indefinite" restart="never" nodeType="tmRoot"/>
-      </p:par>
-    </p:tnLst>
-  </p:timing>
-</p:sld>
-</file>
-
-<file path=ppt/slides/slide22.xml><?xml version="1.0" encoding="utf-8"?>
-<p:sld xmlns:a="http://schemas.openxmlformats.org/drawingml/2006/main" xmlns:r="http://schemas.openxmlformats.org/officeDocument/2006/relationships" xmlns:p="http://schemas.openxmlformats.org/presentationml/2006/main">
-  <p:cSld>
-    <p:spTree>
-      <p:nvGrpSpPr>
-        <p:cNvPr id="1" name=""/>
-        <p:cNvGrpSpPr/>
-        <p:nvPr/>
-      </p:nvGrpSpPr>
-      <p:grpSpPr>
-        <a:xfrm>
-          <a:off x="0" y="0"/>
-          <a:ext cx="0" cy="0"/>
-          <a:chOff x="0" y="0"/>
-          <a:chExt cx="0" cy="0"/>
-        </a:xfrm>
-      </p:grpSpPr>
-      <p:sp>
-        <p:nvSpPr>
-          <p:cNvPr id="24578" name="灯片编号占位符 5"/>
-          <p:cNvSpPr>
-            <a:spLocks noGrp="1"/>
-          </p:cNvSpPr>
-          <p:nvPr>
-            <p:ph type="sldNum" sz="quarter" idx="12"/>
-          </p:nvPr>
-        </p:nvSpPr>
-        <p:spPr>
-          <a:noFill/>
-          <a:extLst>
-            <a:ext uri="{909E8E84-426E-40DD-AFC4-6F175D3DCCD1}">
-              <a14:hiddenFill xmlns:a14="http://schemas.microsoft.com/office/drawing/2010/main">
-                <a:solidFill>
-                  <a:srgbClr val="FFFFFF"/>
-                </a:solidFill>
-              </a14:hiddenFill>
-            </a:ext>
-            <a:ext uri="{91240B29-F687-4F45-9708-019B960494DF}">
-              <a14:hiddenLine xmlns:a14="http://schemas.microsoft.com/office/drawing/2010/main" w="9525">
-                <a:solidFill>
-                  <a:srgbClr val="000000"/>
-                </a:solidFill>
-                <a:miter lim="800000"/>
-                <a:headEnd/>
-                <a:tailEnd/>
-              </a14:hiddenLine>
-            </a:ext>
-          </a:extLst>
-        </p:spPr>
-        <p:txBody>
-          <a:bodyPr/>
-          <a:lstStyle>
-            <a:lvl1pPr eaLnBrk="0" hangingPunct="0">
-              <a:defRPr>
-                <a:solidFill>
-                  <a:schemeClr val="tx1"/>
-                </a:solidFill>
-                <a:latin typeface="Verdana" panose="020B0604030504040204" pitchFamily="34" charset="0"/>
-                <a:ea typeface="宋体" panose="02010600030101010101" pitchFamily="2" charset="-122"/>
-              </a:defRPr>
-            </a:lvl1pPr>
-            <a:lvl2pPr marL="742950" indent="-285750" eaLnBrk="0" hangingPunct="0">
-              <a:defRPr>
-                <a:solidFill>
-                  <a:schemeClr val="tx1"/>
-                </a:solidFill>
-                <a:latin typeface="Verdana" panose="020B0604030504040204" pitchFamily="34" charset="0"/>
-                <a:ea typeface="宋体" panose="02010600030101010101" pitchFamily="2" charset="-122"/>
-              </a:defRPr>
-            </a:lvl2pPr>
-            <a:lvl3pPr marL="1143000" indent="-228600" eaLnBrk="0" hangingPunct="0">
-              <a:defRPr>
-                <a:solidFill>
-                  <a:schemeClr val="tx1"/>
-                </a:solidFill>
-                <a:latin typeface="Verdana" panose="020B0604030504040204" pitchFamily="34" charset="0"/>
-                <a:ea typeface="宋体" panose="02010600030101010101" pitchFamily="2" charset="-122"/>
-              </a:defRPr>
-            </a:lvl3pPr>
-            <a:lvl4pPr marL="1600200" indent="-228600" eaLnBrk="0" hangingPunct="0">
-              <a:defRPr>
-                <a:solidFill>
-                  <a:schemeClr val="tx1"/>
-                </a:solidFill>
-                <a:latin typeface="Verdana" panose="020B0604030504040204" pitchFamily="34" charset="0"/>
-                <a:ea typeface="宋体" panose="02010600030101010101" pitchFamily="2" charset="-122"/>
-              </a:defRPr>
-            </a:lvl4pPr>
-            <a:lvl5pPr marL="2057400" indent="-228600" eaLnBrk="0" hangingPunct="0">
-              <a:defRPr>
-                <a:solidFill>
-                  <a:schemeClr val="tx1"/>
-                </a:solidFill>
-                <a:latin typeface="Verdana" panose="020B0604030504040204" pitchFamily="34" charset="0"/>
-                <a:ea typeface="宋体" panose="02010600030101010101" pitchFamily="2" charset="-122"/>
-              </a:defRPr>
-            </a:lvl5pPr>
-            <a:lvl6pPr marL="2514600" indent="-228600" eaLnBrk="0" fontAlgn="base" hangingPunct="0">
-              <a:spcBef>
-                <a:spcPct val="0"/>
-              </a:spcBef>
-              <a:spcAft>
-                <a:spcPct val="0"/>
-              </a:spcAft>
-              <a:defRPr>
-                <a:solidFill>
-                  <a:schemeClr val="tx1"/>
-                </a:solidFill>
-                <a:latin typeface="Verdana" panose="020B0604030504040204" pitchFamily="34" charset="0"/>
-                <a:ea typeface="宋体" panose="02010600030101010101" pitchFamily="2" charset="-122"/>
-              </a:defRPr>
-            </a:lvl6pPr>
-            <a:lvl7pPr marL="2971800" indent="-228600" eaLnBrk="0" fontAlgn="base" hangingPunct="0">
-              <a:spcBef>
-                <a:spcPct val="0"/>
-              </a:spcBef>
-              <a:spcAft>
-                <a:spcPct val="0"/>
-              </a:spcAft>
-              <a:defRPr>
-                <a:solidFill>
-                  <a:schemeClr val="tx1"/>
-                </a:solidFill>
-                <a:latin typeface="Verdana" panose="020B0604030504040204" pitchFamily="34" charset="0"/>
-                <a:ea typeface="宋体" panose="02010600030101010101" pitchFamily="2" charset="-122"/>
-              </a:defRPr>
-            </a:lvl7pPr>
-            <a:lvl8pPr marL="3429000" indent="-228600" eaLnBrk="0" fontAlgn="base" hangingPunct="0">
-              <a:spcBef>
-                <a:spcPct val="0"/>
-              </a:spcBef>
-              <a:spcAft>
-                <a:spcPct val="0"/>
-              </a:spcAft>
-              <a:defRPr>
-                <a:solidFill>
-                  <a:schemeClr val="tx1"/>
-                </a:solidFill>
-                <a:latin typeface="Verdana" panose="020B0604030504040204" pitchFamily="34" charset="0"/>
-                <a:ea typeface="宋体" panose="02010600030101010101" pitchFamily="2" charset="-122"/>
-              </a:defRPr>
-            </a:lvl8pPr>
-            <a:lvl9pPr marL="3886200" indent="-228600" eaLnBrk="0" fontAlgn="base" hangingPunct="0">
-              <a:spcBef>
-                <a:spcPct val="0"/>
-              </a:spcBef>
-              <a:spcAft>
-                <a:spcPct val="0"/>
-              </a:spcAft>
-              <a:defRPr>
-                <a:solidFill>
-                  <a:schemeClr val="tx1"/>
-                </a:solidFill>
-                <a:latin typeface="Verdana" panose="020B0604030504040204" pitchFamily="34" charset="0"/>
-                <a:ea typeface="宋体" panose="02010600030101010101" pitchFamily="2" charset="-122"/>
-              </a:defRPr>
-            </a:lvl9pPr>
-          </a:lstStyle>
-          <a:p>
-            <a:pPr eaLnBrk="1" hangingPunct="1"/>
-            <a:fld id="{FD861B31-A7FC-481B-895F-402C54C245CA}" type="slidenum">
-              <a:rPr lang="en-US" altLang="zh-CN" smtClean="0"/>
-              <a:t>22</a:t>
-            </a:fld>
-            <a:endParaRPr lang="en-US" altLang="zh-CN" smtClean="0"/>
-          </a:p>
-        </p:txBody>
-      </p:sp>
-      <p:sp>
-        <p:nvSpPr>
-          <p:cNvPr id="24579" name="Rectangle 2"/>
-          <p:cNvSpPr>
-            <a:spLocks noGrp="1" noChangeArrowheads="1"/>
-          </p:cNvSpPr>
-          <p:nvPr>
-            <p:ph type="title"/>
-          </p:nvPr>
-        </p:nvSpPr>
-        <p:spPr/>
-        <p:txBody>
-          <a:bodyPr/>
-          <a:lstStyle/>
-          <a:p>
-            <a:pPr eaLnBrk="1" hangingPunct="1"/>
-            <a:r>
-              <a:rPr lang="en-US" altLang="zh-CN" b="1" smtClean="0">
-                <a:latin typeface="黑体" panose="02010609060101010101" pitchFamily="49" charset="-122"/>
-                <a:ea typeface="黑体" panose="02010609060101010101" pitchFamily="49" charset="-122"/>
-              </a:rPr>
-              <a:t>10.2 </a:t>
-            </a:r>
-            <a:r>
-              <a:rPr lang="zh-CN" altLang="en-US" b="1" smtClean="0">
-                <a:latin typeface="黑体" panose="02010609060101010101" pitchFamily="49" charset="-122"/>
-                <a:ea typeface="黑体" panose="02010609060101010101" pitchFamily="49" charset="-122"/>
-              </a:rPr>
-              <a:t>测试用例的管理</a:t>
-            </a:r>
-          </a:p>
-        </p:txBody>
-      </p:sp>
-      <p:sp>
-        <p:nvSpPr>
-          <p:cNvPr id="24580" name="Rectangle 3"/>
-          <p:cNvSpPr>
-            <a:spLocks noGrp="1" noChangeArrowheads="1"/>
-          </p:cNvSpPr>
-          <p:nvPr>
-            <p:ph type="body" idx="1"/>
-          </p:nvPr>
-        </p:nvSpPr>
-        <p:spPr/>
-        <p:txBody>
-          <a:bodyPr/>
-          <a:lstStyle/>
-          <a:p>
-            <a:pPr algn="just" eaLnBrk="1" hangingPunct="1"/>
-            <a:r>
-              <a:rPr lang="zh-CN" altLang="en-US" sz="3400" b="1" smtClean="0"/>
-              <a:t>测试用例修改更新策略</a:t>
-            </a:r>
-            <a:endParaRPr lang="en-US" altLang="zh-CN" sz="3400" b="1" smtClean="0"/>
-          </a:p>
-          <a:p>
-            <a:pPr lvl="1"/>
-            <a:r>
-              <a:rPr lang="zh-CN" altLang="en-US" b="1" smtClean="0"/>
-              <a:t>若新版本特性无变化，只是出现缺陷被用户发现的情况，此时可以修改测试用例，并给出变更记录。且当前修改的测试用例，对目前和以前的版本都有效</a:t>
-            </a:r>
-          </a:p>
-          <a:p>
-            <a:pPr lvl="1"/>
-            <a:r>
-              <a:rPr lang="zh-CN" altLang="en-US" b="1" smtClean="0"/>
-              <a:t>若新版本中原有的功能取消，此时仅需在新版本上将对应测试用例设置为无效即可</a:t>
-            </a:r>
-            <a:endParaRPr lang="zh-CN" altLang="en-US" sz="3400" b="1" smtClean="0"/>
-          </a:p>
-        </p:txBody>
-      </p:sp>
-    </p:spTree>
-  </p:cSld>
-  <p:clrMapOvr>
-    <a:masterClrMapping/>
-  </p:clrMapOvr>
-  <p:transition/>
-  <p:timing>
-    <p:tnLst>
-      <p:par>
-        <p:cTn id="1" dur="indefinite" restart="never" nodeType="tmRoot"/>
-      </p:par>
-    </p:tnLst>
-  </p:timing>
-</p:sld>
-</file>
-
-<file path=ppt/slides/slide23.xml><?xml version="1.0" encoding="utf-8"?>
-<p:sld xmlns:a="http://schemas.openxmlformats.org/drawingml/2006/main" xmlns:r="http://schemas.openxmlformats.org/officeDocument/2006/relationships" xmlns:p="http://schemas.openxmlformats.org/presentationml/2006/main">
-  <p:cSld>
-    <p:spTree>
-      <p:nvGrpSpPr>
-        <p:cNvPr id="1" name=""/>
-        <p:cNvGrpSpPr/>
-        <p:nvPr/>
-      </p:nvGrpSpPr>
-      <p:grpSpPr>
-        <a:xfrm>
-          <a:off x="0" y="0"/>
-          <a:ext cx="0" cy="0"/>
-          <a:chOff x="0" y="0"/>
-          <a:chExt cx="0" cy="0"/>
-        </a:xfrm>
-      </p:grpSpPr>
-      <p:sp>
-        <p:nvSpPr>
-          <p:cNvPr id="25602" name="灯片编号占位符 5"/>
-          <p:cNvSpPr>
-            <a:spLocks noGrp="1"/>
-          </p:cNvSpPr>
-          <p:nvPr>
-            <p:ph type="sldNum" sz="quarter" idx="12"/>
-          </p:nvPr>
-        </p:nvSpPr>
-        <p:spPr>
-          <a:noFill/>
-          <a:extLst>
-            <a:ext uri="{909E8E84-426E-40DD-AFC4-6F175D3DCCD1}">
-              <a14:hiddenFill xmlns:a14="http://schemas.microsoft.com/office/drawing/2010/main">
-                <a:solidFill>
-                  <a:srgbClr val="FFFFFF"/>
-                </a:solidFill>
-              </a14:hiddenFill>
-            </a:ext>
-            <a:ext uri="{91240B29-F687-4F45-9708-019B960494DF}">
-              <a14:hiddenLine xmlns:a14="http://schemas.microsoft.com/office/drawing/2010/main" w="9525">
-                <a:solidFill>
-                  <a:srgbClr val="000000"/>
-                </a:solidFill>
-                <a:miter lim="800000"/>
-                <a:headEnd/>
-                <a:tailEnd/>
-              </a14:hiddenLine>
-            </a:ext>
-          </a:extLst>
-        </p:spPr>
-        <p:txBody>
-          <a:bodyPr/>
-          <a:lstStyle>
-            <a:lvl1pPr eaLnBrk="0" hangingPunct="0">
-              <a:defRPr>
-                <a:solidFill>
-                  <a:schemeClr val="tx1"/>
-                </a:solidFill>
-                <a:latin typeface="Verdana" panose="020B0604030504040204" pitchFamily="34" charset="0"/>
-                <a:ea typeface="宋体" panose="02010600030101010101" pitchFamily="2" charset="-122"/>
-              </a:defRPr>
-            </a:lvl1pPr>
-            <a:lvl2pPr marL="742950" indent="-285750" eaLnBrk="0" hangingPunct="0">
-              <a:defRPr>
-                <a:solidFill>
-                  <a:schemeClr val="tx1"/>
-                </a:solidFill>
-                <a:latin typeface="Verdana" panose="020B0604030504040204" pitchFamily="34" charset="0"/>
-                <a:ea typeface="宋体" panose="02010600030101010101" pitchFamily="2" charset="-122"/>
-              </a:defRPr>
-            </a:lvl2pPr>
-            <a:lvl3pPr marL="1143000" indent="-228600" eaLnBrk="0" hangingPunct="0">
-              <a:defRPr>
-                <a:solidFill>
-                  <a:schemeClr val="tx1"/>
-                </a:solidFill>
-                <a:latin typeface="Verdana" panose="020B0604030504040204" pitchFamily="34" charset="0"/>
-                <a:ea typeface="宋体" panose="02010600030101010101" pitchFamily="2" charset="-122"/>
-              </a:defRPr>
-            </a:lvl3pPr>
-            <a:lvl4pPr marL="1600200" indent="-228600" eaLnBrk="0" hangingPunct="0">
-              <a:defRPr>
-                <a:solidFill>
-                  <a:schemeClr val="tx1"/>
-                </a:solidFill>
-                <a:latin typeface="Verdana" panose="020B0604030504040204" pitchFamily="34" charset="0"/>
-                <a:ea typeface="宋体" panose="02010600030101010101" pitchFamily="2" charset="-122"/>
-              </a:defRPr>
-            </a:lvl4pPr>
-            <a:lvl5pPr marL="2057400" indent="-228600" eaLnBrk="0" hangingPunct="0">
-              <a:defRPr>
-                <a:solidFill>
-                  <a:schemeClr val="tx1"/>
-                </a:solidFill>
-                <a:latin typeface="Verdana" panose="020B0604030504040204" pitchFamily="34" charset="0"/>
-                <a:ea typeface="宋体" panose="02010600030101010101" pitchFamily="2" charset="-122"/>
-              </a:defRPr>
-            </a:lvl5pPr>
-            <a:lvl6pPr marL="2514600" indent="-228600" eaLnBrk="0" fontAlgn="base" hangingPunct="0">
-              <a:spcBef>
-                <a:spcPct val="0"/>
-              </a:spcBef>
-              <a:spcAft>
-                <a:spcPct val="0"/>
-              </a:spcAft>
-              <a:defRPr>
-                <a:solidFill>
-                  <a:schemeClr val="tx1"/>
-                </a:solidFill>
-                <a:latin typeface="Verdana" panose="020B0604030504040204" pitchFamily="34" charset="0"/>
-                <a:ea typeface="宋体" panose="02010600030101010101" pitchFamily="2" charset="-122"/>
-              </a:defRPr>
-            </a:lvl6pPr>
-            <a:lvl7pPr marL="2971800" indent="-228600" eaLnBrk="0" fontAlgn="base" hangingPunct="0">
-              <a:spcBef>
-                <a:spcPct val="0"/>
-              </a:spcBef>
-              <a:spcAft>
-                <a:spcPct val="0"/>
-              </a:spcAft>
-              <a:defRPr>
-                <a:solidFill>
-                  <a:schemeClr val="tx1"/>
-                </a:solidFill>
-                <a:latin typeface="Verdana" panose="020B0604030504040204" pitchFamily="34" charset="0"/>
-                <a:ea typeface="宋体" panose="02010600030101010101" pitchFamily="2" charset="-122"/>
-              </a:defRPr>
-            </a:lvl7pPr>
-            <a:lvl8pPr marL="3429000" indent="-228600" eaLnBrk="0" fontAlgn="base" hangingPunct="0">
-              <a:spcBef>
-                <a:spcPct val="0"/>
-              </a:spcBef>
-              <a:spcAft>
-                <a:spcPct val="0"/>
-              </a:spcAft>
-              <a:defRPr>
-                <a:solidFill>
-                  <a:schemeClr val="tx1"/>
-                </a:solidFill>
-                <a:latin typeface="Verdana" panose="020B0604030504040204" pitchFamily="34" charset="0"/>
-                <a:ea typeface="宋体" panose="02010600030101010101" pitchFamily="2" charset="-122"/>
-              </a:defRPr>
-            </a:lvl8pPr>
-            <a:lvl9pPr marL="3886200" indent="-228600" eaLnBrk="0" fontAlgn="base" hangingPunct="0">
-              <a:spcBef>
-                <a:spcPct val="0"/>
-              </a:spcBef>
-              <a:spcAft>
-                <a:spcPct val="0"/>
-              </a:spcAft>
-              <a:defRPr>
-                <a:solidFill>
-                  <a:schemeClr val="tx1"/>
-                </a:solidFill>
-                <a:latin typeface="Verdana" panose="020B0604030504040204" pitchFamily="34" charset="0"/>
-                <a:ea typeface="宋体" panose="02010600030101010101" pitchFamily="2" charset="-122"/>
-              </a:defRPr>
-            </a:lvl9pPr>
-          </a:lstStyle>
-          <a:p>
-            <a:pPr eaLnBrk="1" hangingPunct="1"/>
-            <a:fld id="{42F1EBAE-93D7-47BE-BFC8-FBE1D1789E56}" type="slidenum">
-              <a:rPr lang="en-US" altLang="zh-CN" smtClean="0"/>
-              <a:t>23</a:t>
-            </a:fld>
-            <a:endParaRPr lang="en-US" altLang="zh-CN" smtClean="0"/>
-          </a:p>
-        </p:txBody>
-      </p:sp>
-      <p:sp>
-        <p:nvSpPr>
-          <p:cNvPr id="25603" name="Rectangle 2"/>
-          <p:cNvSpPr>
-            <a:spLocks noGrp="1" noChangeArrowheads="1"/>
-          </p:cNvSpPr>
-          <p:nvPr>
-            <p:ph type="title"/>
-          </p:nvPr>
-        </p:nvSpPr>
-        <p:spPr/>
-        <p:txBody>
-          <a:bodyPr/>
-          <a:lstStyle/>
-          <a:p>
-            <a:pPr eaLnBrk="1" hangingPunct="1"/>
-            <a:r>
-              <a:rPr lang="en-US" altLang="zh-CN" b="1" smtClean="0">
-                <a:latin typeface="黑体" panose="02010609060101010101" pitchFamily="49" charset="-122"/>
-                <a:ea typeface="黑体" panose="02010609060101010101" pitchFamily="49" charset="-122"/>
-              </a:rPr>
-              <a:t>10.2 </a:t>
-            </a:r>
-            <a:r>
-              <a:rPr lang="zh-CN" altLang="en-US" b="1" smtClean="0">
-                <a:latin typeface="黑体" panose="02010609060101010101" pitchFamily="49" charset="-122"/>
-                <a:ea typeface="黑体" panose="02010609060101010101" pitchFamily="49" charset="-122"/>
-              </a:rPr>
-              <a:t>测试用例的管理</a:t>
-            </a:r>
-          </a:p>
-        </p:txBody>
-      </p:sp>
-      <p:sp>
-        <p:nvSpPr>
-          <p:cNvPr id="25604" name="Rectangle 3"/>
-          <p:cNvSpPr>
-            <a:spLocks noGrp="1" noChangeArrowheads="1"/>
-          </p:cNvSpPr>
-          <p:nvPr>
-            <p:ph type="body" idx="1"/>
-          </p:nvPr>
-        </p:nvSpPr>
-        <p:spPr/>
-        <p:txBody>
-          <a:bodyPr/>
-          <a:lstStyle/>
-          <a:p>
-            <a:pPr algn="just" eaLnBrk="1" hangingPunct="1"/>
-            <a:r>
-              <a:rPr lang="zh-CN" altLang="en-US" sz="3400" b="1" smtClean="0"/>
-              <a:t>测试用例修改更新策略（续）</a:t>
-            </a:r>
-            <a:endParaRPr lang="en-US" altLang="zh-CN" sz="3400" b="1" smtClean="0"/>
-          </a:p>
-          <a:p>
-            <a:pPr lvl="1" algn="just" eaLnBrk="1" hangingPunct="1"/>
-            <a:r>
-              <a:rPr lang="zh-CN" altLang="en-US" b="1" smtClean="0"/>
-              <a:t>若新版本中原有的产品特性发生变化，但属于功能增强，则原有测试用例仅对原版本有效，此时不能修改测试用例，只能增加新的测试用例，新增测试用例仅对当前版本有效</a:t>
-            </a:r>
-          </a:p>
-          <a:p>
-            <a:pPr lvl="1"/>
-            <a:r>
-              <a:rPr lang="zh-CN" altLang="en-US" b="1" smtClean="0"/>
-              <a:t>若新版本中原有产品特性发生变化，且属于完全新增的特性，则需针对新增的特性补充新的测试用例，此时，原有测试用例对原版本和当前版本都有效，新增测试用例仅对当前版本有效</a:t>
-            </a:r>
-          </a:p>
-        </p:txBody>
-      </p:sp>
-    </p:spTree>
-  </p:cSld>
-  <p:clrMapOvr>
-    <a:masterClrMapping/>
-  </p:clrMapOvr>
-  <p:transition/>
-  <p:timing>
-    <p:tnLst>
-      <p:par>
-        <p:cTn id="1" dur="indefinite" restart="never" nodeType="tmRoot"/>
-      </p:par>
-    </p:tnLst>
-  </p:timing>
-</p:sld>
-</file>
-
-<file path=ppt/slides/slide24.xml><?xml version="1.0" encoding="utf-8"?>
-<p:sld xmlns:a="http://schemas.openxmlformats.org/drawingml/2006/main" xmlns:r="http://schemas.openxmlformats.org/officeDocument/2006/relationships" xmlns:p="http://schemas.openxmlformats.org/presentationml/2006/main">
-  <p:cSld>
-    <p:spTree>
-      <p:nvGrpSpPr>
-        <p:cNvPr id="1" name=""/>
-        <p:cNvGrpSpPr/>
-        <p:nvPr/>
-      </p:nvGrpSpPr>
-      <p:grpSpPr>
-        <a:xfrm>
-          <a:off x="0" y="0"/>
-          <a:ext cx="0" cy="0"/>
-          <a:chOff x="0" y="0"/>
-          <a:chExt cx="0" cy="0"/>
-        </a:xfrm>
-      </p:grpSpPr>
-      <p:sp>
-        <p:nvSpPr>
           <p:cNvPr id="26626" name="灯片编号占位符 5"/>
           <p:cNvSpPr>
             <a:spLocks noGrp="1"/>
@@ -11496,7 +7435,7 @@
             <a:pPr eaLnBrk="1" hangingPunct="1"/>
             <a:fld id="{79D4DC0B-A2AA-4FF9-9B9D-951D13F1C8D5}" type="slidenum">
               <a:rPr lang="en-US" altLang="zh-CN" smtClean="0"/>
-              <a:t>24</a:t>
+              <a:t>11</a:t>
             </a:fld>
             <a:endParaRPr lang="en-US" altLang="zh-CN" smtClean="0"/>
           </a:p>
@@ -11629,7 +7568,7 @@
 </p:sld>
 </file>
 
-<file path=ppt/slides/slide25.xml><?xml version="1.0" encoding="utf-8"?>
+<file path=ppt/slides/slide12.xml><?xml version="1.0" encoding="utf-8"?>
 <p:sld xmlns:a="http://schemas.openxmlformats.org/drawingml/2006/main" xmlns:r="http://schemas.openxmlformats.org/officeDocument/2006/relationships" xmlns:p="http://schemas.openxmlformats.org/presentationml/2006/main">
   <p:cSld>
     <p:spTree>
@@ -11791,7 +7730,7 @@
             <a:pPr eaLnBrk="1" hangingPunct="1"/>
             <a:fld id="{40DE05B3-114F-4F24-A1FB-03B29FEE67A6}" type="slidenum">
               <a:rPr lang="en-US" altLang="zh-CN" smtClean="0"/>
-              <a:t>25</a:t>
+              <a:t>12</a:t>
             </a:fld>
             <a:endParaRPr lang="en-US" altLang="zh-CN" smtClean="0"/>
           </a:p>
@@ -11957,7 +7896,7 @@
 </p:sld>
 </file>
 
-<file path=ppt/slides/slide26.xml><?xml version="1.0" encoding="utf-8"?>
+<file path=ppt/slides/slide13.xml><?xml version="1.0" encoding="utf-8"?>
 <p:sld xmlns:a="http://schemas.openxmlformats.org/drawingml/2006/main" xmlns:r="http://schemas.openxmlformats.org/officeDocument/2006/relationships" xmlns:p="http://schemas.openxmlformats.org/presentationml/2006/main">
   <p:cSld>
     <p:spTree>
@@ -12318,7 +8257,7 @@
 </p:sld>
 </file>
 
-<file path=ppt/slides/slide27.xml><?xml version="1.0" encoding="utf-8"?>
+<file path=ppt/slides/slide14.xml><?xml version="1.0" encoding="utf-8"?>
 <p:sld xmlns:a="http://schemas.openxmlformats.org/drawingml/2006/main" xmlns:r="http://schemas.openxmlformats.org/officeDocument/2006/relationships" xmlns:p="http://schemas.openxmlformats.org/presentationml/2006/main">
   <p:cSld>
     <p:spTree>
@@ -12388,7 +8327,7 @@
             </a:pPr>
             <a:fld id="{CB6A985E-BE02-4E5A-8B89-C24F6CB4E833}" type="slidenum">
               <a:rPr lang="en-US" altLang="zh-CN" smtClean="0"/>
-              <a:t>27</a:t>
+              <a:t>14</a:t>
             </a:fld>
             <a:endParaRPr lang="en-US" altLang="zh-CN"/>
           </a:p>
@@ -13131,7 +9070,7 @@
 </p:sld>
 </file>
 
-<file path=ppt/slides/slide28.xml><?xml version="1.0" encoding="utf-8"?>
+<file path=ppt/slides/slide15.xml><?xml version="1.0" encoding="utf-8"?>
 <p:sld xmlns:a="http://schemas.openxmlformats.org/drawingml/2006/main" xmlns:r="http://schemas.openxmlformats.org/officeDocument/2006/relationships" xmlns:p="http://schemas.openxmlformats.org/presentationml/2006/main">
   <p:cSld>
     <p:spTree>
@@ -13252,7 +9191,7 @@
             </a:pPr>
             <a:fld id="{CB6A985E-BE02-4E5A-8B89-C24F6CB4E833}" type="slidenum">
               <a:rPr lang="en-US" altLang="zh-CN" smtClean="0"/>
-              <a:t>28</a:t>
+              <a:t>15</a:t>
             </a:fld>
             <a:endParaRPr lang="en-US" altLang="zh-CN"/>
           </a:p>
@@ -13475,7 +9414,7 @@
 </p:sld>
 </file>
 
-<file path=ppt/slides/slide29.xml><?xml version="1.0" encoding="utf-8"?>
+<file path=ppt/slides/slide16.xml><?xml version="1.0" encoding="utf-8"?>
 <p:sld xmlns:a="http://schemas.openxmlformats.org/drawingml/2006/main" xmlns:r="http://schemas.openxmlformats.org/officeDocument/2006/relationships" xmlns:p="http://schemas.openxmlformats.org/presentationml/2006/main">
   <p:cSld>
     <p:spTree>
@@ -16449,322 +12388,7 @@
 </p:sld>
 </file>
 
-<file path=ppt/slides/slide3.xml><?xml version="1.0" encoding="utf-8"?>
-<p:sld xmlns:a="http://schemas.openxmlformats.org/drawingml/2006/main" xmlns:r="http://schemas.openxmlformats.org/officeDocument/2006/relationships" xmlns:p="http://schemas.openxmlformats.org/presentationml/2006/main">
-  <p:cSld>
-    <p:spTree>
-      <p:nvGrpSpPr>
-        <p:cNvPr id="1" name=""/>
-        <p:cNvGrpSpPr/>
-        <p:nvPr/>
-      </p:nvGrpSpPr>
-      <p:grpSpPr>
-        <a:xfrm>
-          <a:off x="0" y="0"/>
-          <a:ext cx="0" cy="0"/>
-          <a:chOff x="0" y="0"/>
-          <a:chExt cx="0" cy="0"/>
-        </a:xfrm>
-      </p:grpSpPr>
-      <p:sp>
-        <p:nvSpPr>
-          <p:cNvPr id="6146" name="灯片编号占位符 5"/>
-          <p:cNvSpPr>
-            <a:spLocks noGrp="1"/>
-          </p:cNvSpPr>
-          <p:nvPr>
-            <p:ph type="sldNum" sz="quarter" idx="12"/>
-          </p:nvPr>
-        </p:nvSpPr>
-        <p:spPr>
-          <a:noFill/>
-          <a:extLst>
-            <a:ext uri="{909E8E84-426E-40DD-AFC4-6F175D3DCCD1}">
-              <a14:hiddenFill xmlns:a14="http://schemas.microsoft.com/office/drawing/2010/main">
-                <a:solidFill>
-                  <a:srgbClr val="FFFFFF"/>
-                </a:solidFill>
-              </a14:hiddenFill>
-            </a:ext>
-            <a:ext uri="{91240B29-F687-4F45-9708-019B960494DF}">
-              <a14:hiddenLine xmlns:a14="http://schemas.microsoft.com/office/drawing/2010/main" w="9525">
-                <a:solidFill>
-                  <a:srgbClr val="000000"/>
-                </a:solidFill>
-                <a:miter lim="800000"/>
-                <a:headEnd/>
-                <a:tailEnd/>
-              </a14:hiddenLine>
-            </a:ext>
-          </a:extLst>
-        </p:spPr>
-        <p:txBody>
-          <a:bodyPr/>
-          <a:lstStyle>
-            <a:lvl1pPr eaLnBrk="0" hangingPunct="0">
-              <a:defRPr>
-                <a:solidFill>
-                  <a:schemeClr val="tx1"/>
-                </a:solidFill>
-                <a:latin typeface="Verdana" panose="020B0604030504040204" pitchFamily="34" charset="0"/>
-                <a:ea typeface="宋体" panose="02010600030101010101" pitchFamily="2" charset="-122"/>
-              </a:defRPr>
-            </a:lvl1pPr>
-            <a:lvl2pPr marL="742950" indent="-285750" eaLnBrk="0" hangingPunct="0">
-              <a:defRPr>
-                <a:solidFill>
-                  <a:schemeClr val="tx1"/>
-                </a:solidFill>
-                <a:latin typeface="Verdana" panose="020B0604030504040204" pitchFamily="34" charset="0"/>
-                <a:ea typeface="宋体" panose="02010600030101010101" pitchFamily="2" charset="-122"/>
-              </a:defRPr>
-            </a:lvl2pPr>
-            <a:lvl3pPr marL="1143000" indent="-228600" eaLnBrk="0" hangingPunct="0">
-              <a:defRPr>
-                <a:solidFill>
-                  <a:schemeClr val="tx1"/>
-                </a:solidFill>
-                <a:latin typeface="Verdana" panose="020B0604030504040204" pitchFamily="34" charset="0"/>
-                <a:ea typeface="宋体" panose="02010600030101010101" pitchFamily="2" charset="-122"/>
-              </a:defRPr>
-            </a:lvl3pPr>
-            <a:lvl4pPr marL="1600200" indent="-228600" eaLnBrk="0" hangingPunct="0">
-              <a:defRPr>
-                <a:solidFill>
-                  <a:schemeClr val="tx1"/>
-                </a:solidFill>
-                <a:latin typeface="Verdana" panose="020B0604030504040204" pitchFamily="34" charset="0"/>
-                <a:ea typeface="宋体" panose="02010600030101010101" pitchFamily="2" charset="-122"/>
-              </a:defRPr>
-            </a:lvl4pPr>
-            <a:lvl5pPr marL="2057400" indent="-228600" eaLnBrk="0" hangingPunct="0">
-              <a:defRPr>
-                <a:solidFill>
-                  <a:schemeClr val="tx1"/>
-                </a:solidFill>
-                <a:latin typeface="Verdana" panose="020B0604030504040204" pitchFamily="34" charset="0"/>
-                <a:ea typeface="宋体" panose="02010600030101010101" pitchFamily="2" charset="-122"/>
-              </a:defRPr>
-            </a:lvl5pPr>
-            <a:lvl6pPr marL="2514600" indent="-228600" eaLnBrk="0" fontAlgn="base" hangingPunct="0">
-              <a:spcBef>
-                <a:spcPct val="0"/>
-              </a:spcBef>
-              <a:spcAft>
-                <a:spcPct val="0"/>
-              </a:spcAft>
-              <a:defRPr>
-                <a:solidFill>
-                  <a:schemeClr val="tx1"/>
-                </a:solidFill>
-                <a:latin typeface="Verdana" panose="020B0604030504040204" pitchFamily="34" charset="0"/>
-                <a:ea typeface="宋体" panose="02010600030101010101" pitchFamily="2" charset="-122"/>
-              </a:defRPr>
-            </a:lvl6pPr>
-            <a:lvl7pPr marL="2971800" indent="-228600" eaLnBrk="0" fontAlgn="base" hangingPunct="0">
-              <a:spcBef>
-                <a:spcPct val="0"/>
-              </a:spcBef>
-              <a:spcAft>
-                <a:spcPct val="0"/>
-              </a:spcAft>
-              <a:defRPr>
-                <a:solidFill>
-                  <a:schemeClr val="tx1"/>
-                </a:solidFill>
-                <a:latin typeface="Verdana" panose="020B0604030504040204" pitchFamily="34" charset="0"/>
-                <a:ea typeface="宋体" panose="02010600030101010101" pitchFamily="2" charset="-122"/>
-              </a:defRPr>
-            </a:lvl7pPr>
-            <a:lvl8pPr marL="3429000" indent="-228600" eaLnBrk="0" fontAlgn="base" hangingPunct="0">
-              <a:spcBef>
-                <a:spcPct val="0"/>
-              </a:spcBef>
-              <a:spcAft>
-                <a:spcPct val="0"/>
-              </a:spcAft>
-              <a:defRPr>
-                <a:solidFill>
-                  <a:schemeClr val="tx1"/>
-                </a:solidFill>
-                <a:latin typeface="Verdana" panose="020B0604030504040204" pitchFamily="34" charset="0"/>
-                <a:ea typeface="宋体" panose="02010600030101010101" pitchFamily="2" charset="-122"/>
-              </a:defRPr>
-            </a:lvl8pPr>
-            <a:lvl9pPr marL="3886200" indent="-228600" eaLnBrk="0" fontAlgn="base" hangingPunct="0">
-              <a:spcBef>
-                <a:spcPct val="0"/>
-              </a:spcBef>
-              <a:spcAft>
-                <a:spcPct val="0"/>
-              </a:spcAft>
-              <a:defRPr>
-                <a:solidFill>
-                  <a:schemeClr val="tx1"/>
-                </a:solidFill>
-                <a:latin typeface="Verdana" panose="020B0604030504040204" pitchFamily="34" charset="0"/>
-                <a:ea typeface="宋体" panose="02010600030101010101" pitchFamily="2" charset="-122"/>
-              </a:defRPr>
-            </a:lvl9pPr>
-          </a:lstStyle>
-          <a:p>
-            <a:pPr eaLnBrk="1" hangingPunct="1"/>
-            <a:fld id="{F52F06BA-5DBF-4E30-AD5D-DF779D007A53}" type="slidenum">
-              <a:rPr lang="en-US" altLang="zh-CN" smtClean="0"/>
-              <a:t>3</a:t>
-            </a:fld>
-            <a:endParaRPr lang="en-US" altLang="zh-CN" smtClean="0"/>
-          </a:p>
-        </p:txBody>
-      </p:sp>
-      <p:sp>
-        <p:nvSpPr>
-          <p:cNvPr id="6147" name="Rectangle 2"/>
-          <p:cNvSpPr>
-            <a:spLocks noGrp="1" noChangeArrowheads="1"/>
-          </p:cNvSpPr>
-          <p:nvPr>
-            <p:ph type="title"/>
-          </p:nvPr>
-        </p:nvSpPr>
-        <p:spPr/>
-        <p:txBody>
-          <a:bodyPr/>
-          <a:lstStyle/>
-          <a:p>
-            <a:pPr eaLnBrk="1" hangingPunct="1"/>
-            <a:r>
-              <a:rPr lang="en-US" altLang="zh-CN" b="1" smtClean="0">
-                <a:latin typeface="黑体" panose="02010609060101010101" pitchFamily="49" charset="-122"/>
-                <a:ea typeface="黑体" panose="02010609060101010101" pitchFamily="49" charset="-122"/>
-              </a:rPr>
-              <a:t>10.1 </a:t>
-            </a:r>
-            <a:r>
-              <a:rPr lang="zh-CN" altLang="en-US" b="1" smtClean="0">
-                <a:latin typeface="黑体" panose="02010609060101010101" pitchFamily="49" charset="-122"/>
-                <a:ea typeface="黑体" panose="02010609060101010101" pitchFamily="49" charset="-122"/>
-              </a:rPr>
-              <a:t>软件测试过程模型</a:t>
-            </a:r>
-          </a:p>
-        </p:txBody>
-      </p:sp>
-      <p:sp>
-        <p:nvSpPr>
-          <p:cNvPr id="6148" name="Rectangle 3"/>
-          <p:cNvSpPr>
-            <a:spLocks noGrp="1" noChangeArrowheads="1"/>
-          </p:cNvSpPr>
-          <p:nvPr>
-            <p:ph type="body" idx="1"/>
-          </p:nvPr>
-        </p:nvSpPr>
-        <p:spPr/>
-        <p:txBody>
-          <a:bodyPr/>
-          <a:lstStyle/>
-          <a:p>
-            <a:pPr algn="just" eaLnBrk="1" hangingPunct="1"/>
-            <a:r>
-              <a:rPr lang="en-US" altLang="zh-CN" sz="3400" b="1" dirty="0" smtClean="0"/>
-              <a:t>V</a:t>
-            </a:r>
-            <a:r>
-              <a:rPr lang="zh-CN" altLang="en-US" sz="3400" b="1" dirty="0" smtClean="0"/>
-              <a:t>模型</a:t>
-            </a:r>
-            <a:endParaRPr lang="en-US" altLang="zh-CN" sz="3400" b="1" dirty="0" smtClean="0"/>
-          </a:p>
-          <a:p>
-            <a:r>
-              <a:rPr lang="zh-CN" altLang="zh-CN" sz="3600" dirty="0"/>
-              <a:t>是</a:t>
-            </a:r>
-            <a:r>
-              <a:rPr lang="zh-CN" altLang="zh-CN" sz="3600" dirty="0">
-                <a:solidFill>
-                  <a:srgbClr val="FF0000"/>
-                </a:solidFill>
-              </a:rPr>
-              <a:t>最具有代表意义</a:t>
-            </a:r>
-            <a:r>
-              <a:rPr lang="zh-CN" altLang="zh-CN" sz="3600" dirty="0"/>
-              <a:t>的测试模型。</a:t>
-            </a:r>
-            <a:endParaRPr lang="zh-CN" altLang="zh-CN" sz="3600" dirty="0">
-              <a:solidFill>
-                <a:srgbClr val="FF0000"/>
-              </a:solidFill>
-            </a:endParaRPr>
-          </a:p>
-          <a:p>
-            <a:r>
-              <a:rPr lang="zh-CN" altLang="zh-CN" sz="3600" dirty="0"/>
-              <a:t>是瀑布模型的</a:t>
-            </a:r>
-            <a:r>
-              <a:rPr lang="zh-CN" altLang="zh-CN" sz="3600" dirty="0">
-                <a:solidFill>
-                  <a:srgbClr val="FF0000"/>
-                </a:solidFill>
-              </a:rPr>
-              <a:t>变种</a:t>
-            </a:r>
-            <a:r>
-              <a:rPr lang="zh-CN" altLang="zh-CN" sz="3600" dirty="0"/>
-              <a:t>，反映了测试活动</a:t>
-            </a:r>
-            <a:r>
-              <a:rPr lang="zh-CN" altLang="zh-CN" sz="3600" dirty="0" smtClean="0"/>
-              <a:t>与</a:t>
-            </a:r>
-            <a:r>
-              <a:rPr lang="zh-CN" altLang="en-US" sz="3600" dirty="0" smtClean="0"/>
-              <a:t>系统分析和</a:t>
-            </a:r>
-            <a:r>
-              <a:rPr lang="zh-CN" altLang="zh-CN" sz="3600" dirty="0" smtClean="0"/>
-              <a:t>设计</a:t>
-            </a:r>
-            <a:r>
-              <a:rPr lang="zh-CN" altLang="zh-CN" sz="3600" dirty="0"/>
-              <a:t>的</a:t>
-            </a:r>
-            <a:r>
-              <a:rPr lang="zh-CN" altLang="zh-CN" sz="3600" dirty="0">
-                <a:solidFill>
-                  <a:srgbClr val="FF0000"/>
-                </a:solidFill>
-              </a:rPr>
-              <a:t>关系</a:t>
-            </a:r>
-            <a:r>
-              <a:rPr lang="zh-CN" altLang="zh-CN" sz="3600" dirty="0"/>
-              <a:t> </a:t>
-            </a:r>
-            <a:endParaRPr lang="en-US" altLang="zh-CN" sz="3400" b="1" dirty="0" smtClean="0"/>
-          </a:p>
-        </p:txBody>
-      </p:sp>
-    </p:spTree>
-  </p:cSld>
-  <p:clrMapOvr>
-    <a:masterClrMapping/>
-  </p:clrMapOvr>
-  <p:transition/>
-  <p:timing>
-    <p:tnLst>
-      <p:par>
-        <p:cTn id="1" dur="indefinite" restart="never" nodeType="tmRoot"/>
-      </p:par>
-    </p:tnLst>
-  </p:timing>
-</p:sld>
-</file>
-
-<file path=ppt/slides/slide30.xml><?xml version="1.0" encoding="utf-8"?>
+<file path=ppt/slides/slide17.xml><?xml version="1.0" encoding="utf-8"?>
 <p:sld xmlns:a="http://schemas.openxmlformats.org/drawingml/2006/main" xmlns:r="http://schemas.openxmlformats.org/officeDocument/2006/relationships" xmlns:p="http://schemas.openxmlformats.org/presentationml/2006/main">
   <p:cSld>
     <p:spTree>
@@ -17453,7 +13077,7 @@
 </p:sld>
 </file>
 
-<file path=ppt/slides/slide31.xml><?xml version="1.0" encoding="utf-8"?>
+<file path=ppt/slides/slide18.xml><?xml version="1.0" encoding="utf-8"?>
 <p:sld xmlns:a="http://schemas.openxmlformats.org/drawingml/2006/main" xmlns:r="http://schemas.openxmlformats.org/officeDocument/2006/relationships" xmlns:p="http://schemas.openxmlformats.org/presentationml/2006/main">
   <p:cSld>
     <p:spTree>
@@ -17615,7 +13239,7 @@
             <a:pPr eaLnBrk="1" hangingPunct="1"/>
             <a:fld id="{DB4F6C7F-F83C-40B4-B283-99EBB7E6376F}" type="slidenum">
               <a:rPr lang="en-US" altLang="zh-CN" smtClean="0"/>
-              <a:t>31</a:t>
+              <a:t>18</a:t>
             </a:fld>
             <a:endParaRPr lang="en-US" altLang="zh-CN" smtClean="0"/>
           </a:p>
@@ -17691,6 +13315,43 @@
               <a:rPr lang="zh-CN" altLang="en-US" b="1" dirty="0" smtClean="0"/>
               <a:t>一般的，需要跟踪管理工具来帮助进行缺陷的全流程管理。 </a:t>
             </a:r>
+            <a:r>
+              <a:rPr lang="zh-CN" altLang="en-US" b="1" dirty="0" smtClean="0"/>
+              <a:t>（</a:t>
+            </a:r>
+            <a:r>
+              <a:rPr lang="en-US" altLang="zh-CN" b="1" dirty="0" err="1" smtClean="0"/>
+              <a:t>bugfree</a:t>
+            </a:r>
+            <a:r>
+              <a:rPr lang="zh-CN" altLang="en-US" b="1" dirty="0" smtClean="0"/>
+              <a:t>、</a:t>
+            </a:r>
+            <a:r>
+              <a:rPr lang="en-US" altLang="zh-CN" b="1" dirty="0" err="1" smtClean="0"/>
+              <a:t>bugzilla</a:t>
+            </a:r>
+            <a:r>
+              <a:rPr lang="zh-CN" altLang="en-US" b="1" dirty="0" smtClean="0"/>
+              <a:t>、禅道、</a:t>
+            </a:r>
+            <a:r>
+              <a:rPr lang="en-US" altLang="zh-CN" b="1" dirty="0" err="1" smtClean="0"/>
+              <a:t>redmine</a:t>
+            </a:r>
+            <a:r>
+              <a:rPr lang="zh-CN" altLang="en-US" b="1" dirty="0" smtClean="0"/>
+              <a:t>、</a:t>
+            </a:r>
+            <a:r>
+              <a:rPr lang="en-US" altLang="zh-CN" b="1" dirty="0" err="1" smtClean="0"/>
+              <a:t>jira</a:t>
+            </a:r>
+            <a:r>
+              <a:rPr lang="zh-CN" altLang="en-US" b="1" dirty="0" smtClean="0"/>
+              <a:t>）</a:t>
+            </a:r>
+            <a:endParaRPr lang="zh-CN" altLang="en-US" b="1" dirty="0" smtClean="0"/>
           </a:p>
           <a:p>
             <a:pPr lvl="1" eaLnBrk="1" hangingPunct="1"/>
@@ -17840,7 +13501,7 @@
 </p:sld>
 </file>
 
-<file path=ppt/slides/slide32.xml><?xml version="1.0" encoding="utf-8"?>
+<file path=ppt/slides/slide19.xml><?xml version="1.0" encoding="utf-8"?>
 <p:sld xmlns:a="http://schemas.openxmlformats.org/drawingml/2006/main" xmlns:r="http://schemas.openxmlformats.org/officeDocument/2006/relationships" xmlns:p="http://schemas.openxmlformats.org/presentationml/2006/main">
   <p:cSld>
     <p:spTree>
@@ -18002,7 +13663,7 @@
             <a:pPr eaLnBrk="1" hangingPunct="1"/>
             <a:fld id="{9AF98F6D-83B7-4992-823A-91029C94083D}" type="slidenum">
               <a:rPr lang="en-US" altLang="zh-CN" smtClean="0"/>
-              <a:t>32</a:t>
+              <a:t>19</a:t>
             </a:fld>
             <a:endParaRPr lang="en-US" altLang="zh-CN" smtClean="0"/>
           </a:p>
@@ -18130,7 +13791,281 @@
 </p:sld>
 </file>
 
-<file path=ppt/slides/slide33.xml><?xml version="1.0" encoding="utf-8"?>
+<file path=ppt/slides/slide2.xml><?xml version="1.0" encoding="utf-8"?>
+<p:sld xmlns:a="http://schemas.openxmlformats.org/drawingml/2006/main" xmlns:r="http://schemas.openxmlformats.org/officeDocument/2006/relationships" xmlns:p="http://schemas.openxmlformats.org/presentationml/2006/main">
+  <p:cSld>
+    <p:spTree>
+      <p:nvGrpSpPr>
+        <p:cNvPr id="1" name=""/>
+        <p:cNvGrpSpPr/>
+        <p:nvPr/>
+      </p:nvGrpSpPr>
+      <p:grpSpPr>
+        <a:xfrm>
+          <a:off x="0" y="0"/>
+          <a:ext cx="0" cy="0"/>
+          <a:chOff x="0" y="0"/>
+          <a:chExt cx="0" cy="0"/>
+        </a:xfrm>
+      </p:grpSpPr>
+      <p:sp>
+        <p:nvSpPr>
+          <p:cNvPr id="5122" name="灯片编号占位符 5"/>
+          <p:cNvSpPr>
+            <a:spLocks noGrp="1"/>
+          </p:cNvSpPr>
+          <p:nvPr>
+            <p:ph type="sldNum" sz="quarter" idx="12"/>
+          </p:nvPr>
+        </p:nvSpPr>
+        <p:spPr>
+          <a:noFill/>
+          <a:extLst>
+            <a:ext uri="{909E8E84-426E-40DD-AFC4-6F175D3DCCD1}">
+              <a14:hiddenFill xmlns:a14="http://schemas.microsoft.com/office/drawing/2010/main">
+                <a:solidFill>
+                  <a:srgbClr val="FFFFFF"/>
+                </a:solidFill>
+              </a14:hiddenFill>
+            </a:ext>
+            <a:ext uri="{91240B29-F687-4F45-9708-019B960494DF}">
+              <a14:hiddenLine xmlns:a14="http://schemas.microsoft.com/office/drawing/2010/main" w="9525">
+                <a:solidFill>
+                  <a:srgbClr val="000000"/>
+                </a:solidFill>
+                <a:miter lim="800000"/>
+                <a:headEnd/>
+                <a:tailEnd/>
+              </a14:hiddenLine>
+            </a:ext>
+          </a:extLst>
+        </p:spPr>
+        <p:txBody>
+          <a:bodyPr/>
+          <a:lstStyle>
+            <a:lvl1pPr eaLnBrk="0" hangingPunct="0">
+              <a:defRPr>
+                <a:solidFill>
+                  <a:schemeClr val="tx1"/>
+                </a:solidFill>
+                <a:latin typeface="Verdana" panose="020B0604030504040204" pitchFamily="34" charset="0"/>
+                <a:ea typeface="宋体" panose="02010600030101010101" pitchFamily="2" charset="-122"/>
+              </a:defRPr>
+            </a:lvl1pPr>
+            <a:lvl2pPr marL="742950" indent="-285750" eaLnBrk="0" hangingPunct="0">
+              <a:defRPr>
+                <a:solidFill>
+                  <a:schemeClr val="tx1"/>
+                </a:solidFill>
+                <a:latin typeface="Verdana" panose="020B0604030504040204" pitchFamily="34" charset="0"/>
+                <a:ea typeface="宋体" panose="02010600030101010101" pitchFamily="2" charset="-122"/>
+              </a:defRPr>
+            </a:lvl2pPr>
+            <a:lvl3pPr marL="1143000" indent="-228600" eaLnBrk="0" hangingPunct="0">
+              <a:defRPr>
+                <a:solidFill>
+                  <a:schemeClr val="tx1"/>
+                </a:solidFill>
+                <a:latin typeface="Verdana" panose="020B0604030504040204" pitchFamily="34" charset="0"/>
+                <a:ea typeface="宋体" panose="02010600030101010101" pitchFamily="2" charset="-122"/>
+              </a:defRPr>
+            </a:lvl3pPr>
+            <a:lvl4pPr marL="1600200" indent="-228600" eaLnBrk="0" hangingPunct="0">
+              <a:defRPr>
+                <a:solidFill>
+                  <a:schemeClr val="tx1"/>
+                </a:solidFill>
+                <a:latin typeface="Verdana" panose="020B0604030504040204" pitchFamily="34" charset="0"/>
+                <a:ea typeface="宋体" panose="02010600030101010101" pitchFamily="2" charset="-122"/>
+              </a:defRPr>
+            </a:lvl4pPr>
+            <a:lvl5pPr marL="2057400" indent="-228600" eaLnBrk="0" hangingPunct="0">
+              <a:defRPr>
+                <a:solidFill>
+                  <a:schemeClr val="tx1"/>
+                </a:solidFill>
+                <a:latin typeface="Verdana" panose="020B0604030504040204" pitchFamily="34" charset="0"/>
+                <a:ea typeface="宋体" panose="02010600030101010101" pitchFamily="2" charset="-122"/>
+              </a:defRPr>
+            </a:lvl5pPr>
+            <a:lvl6pPr marL="2514600" indent="-228600" eaLnBrk="0" fontAlgn="base" hangingPunct="0">
+              <a:spcBef>
+                <a:spcPct val="0"/>
+              </a:spcBef>
+              <a:spcAft>
+                <a:spcPct val="0"/>
+              </a:spcAft>
+              <a:defRPr>
+                <a:solidFill>
+                  <a:schemeClr val="tx1"/>
+                </a:solidFill>
+                <a:latin typeface="Verdana" panose="020B0604030504040204" pitchFamily="34" charset="0"/>
+                <a:ea typeface="宋体" panose="02010600030101010101" pitchFamily="2" charset="-122"/>
+              </a:defRPr>
+            </a:lvl6pPr>
+            <a:lvl7pPr marL="2971800" indent="-228600" eaLnBrk="0" fontAlgn="base" hangingPunct="0">
+              <a:spcBef>
+                <a:spcPct val="0"/>
+              </a:spcBef>
+              <a:spcAft>
+                <a:spcPct val="0"/>
+              </a:spcAft>
+              <a:defRPr>
+                <a:solidFill>
+                  <a:schemeClr val="tx1"/>
+                </a:solidFill>
+                <a:latin typeface="Verdana" panose="020B0604030504040204" pitchFamily="34" charset="0"/>
+                <a:ea typeface="宋体" panose="02010600030101010101" pitchFamily="2" charset="-122"/>
+              </a:defRPr>
+            </a:lvl7pPr>
+            <a:lvl8pPr marL="3429000" indent="-228600" eaLnBrk="0" fontAlgn="base" hangingPunct="0">
+              <a:spcBef>
+                <a:spcPct val="0"/>
+              </a:spcBef>
+              <a:spcAft>
+                <a:spcPct val="0"/>
+              </a:spcAft>
+              <a:defRPr>
+                <a:solidFill>
+                  <a:schemeClr val="tx1"/>
+                </a:solidFill>
+                <a:latin typeface="Verdana" panose="020B0604030504040204" pitchFamily="34" charset="0"/>
+                <a:ea typeface="宋体" panose="02010600030101010101" pitchFamily="2" charset="-122"/>
+              </a:defRPr>
+            </a:lvl8pPr>
+            <a:lvl9pPr marL="3886200" indent="-228600" eaLnBrk="0" fontAlgn="base" hangingPunct="0">
+              <a:spcBef>
+                <a:spcPct val="0"/>
+              </a:spcBef>
+              <a:spcAft>
+                <a:spcPct val="0"/>
+              </a:spcAft>
+              <a:defRPr>
+                <a:solidFill>
+                  <a:schemeClr val="tx1"/>
+                </a:solidFill>
+                <a:latin typeface="Verdana" panose="020B0604030504040204" pitchFamily="34" charset="0"/>
+                <a:ea typeface="宋体" panose="02010600030101010101" pitchFamily="2" charset="-122"/>
+              </a:defRPr>
+            </a:lvl9pPr>
+          </a:lstStyle>
+          <a:p>
+            <a:pPr eaLnBrk="1" hangingPunct="1"/>
+            <a:fld id="{648219E3-10F8-4EA7-A0AA-3BBFF91E385B}" type="slidenum">
+              <a:rPr lang="en-US" altLang="zh-CN" smtClean="0"/>
+              <a:t>2</a:t>
+            </a:fld>
+            <a:endParaRPr lang="en-US" altLang="zh-CN" smtClean="0"/>
+          </a:p>
+        </p:txBody>
+      </p:sp>
+      <p:sp>
+        <p:nvSpPr>
+          <p:cNvPr id="5123" name="Rectangle 2"/>
+          <p:cNvSpPr>
+            <a:spLocks noGrp="1" noChangeArrowheads="1"/>
+          </p:cNvSpPr>
+          <p:nvPr>
+            <p:ph type="title"/>
+          </p:nvPr>
+        </p:nvSpPr>
+        <p:spPr/>
+        <p:txBody>
+          <a:bodyPr/>
+          <a:lstStyle/>
+          <a:p>
+            <a:pPr eaLnBrk="1" hangingPunct="1"/>
+            <a:r>
+              <a:rPr lang="zh-CN" altLang="en-US" b="1" smtClean="0">
+                <a:latin typeface="黑体" panose="02010609060101010101" pitchFamily="49" charset="-122"/>
+                <a:ea typeface="黑体" panose="02010609060101010101" pitchFamily="49" charset="-122"/>
+              </a:rPr>
+              <a:t>第</a:t>
+            </a:r>
+            <a:r>
+              <a:rPr lang="en-US" altLang="zh-CN" b="1" smtClean="0">
+                <a:latin typeface="黑体" panose="02010609060101010101" pitchFamily="49" charset="-122"/>
+                <a:ea typeface="黑体" panose="02010609060101010101" pitchFamily="49" charset="-122"/>
+              </a:rPr>
+              <a:t>10</a:t>
+            </a:r>
+            <a:r>
+              <a:rPr lang="zh-CN" altLang="en-US" b="1" smtClean="0">
+                <a:latin typeface="黑体" panose="02010609060101010101" pitchFamily="49" charset="-122"/>
+                <a:ea typeface="黑体" panose="02010609060101010101" pitchFamily="49" charset="-122"/>
+              </a:rPr>
+              <a:t>章  测试过程管理</a:t>
+            </a:r>
+          </a:p>
+        </p:txBody>
+      </p:sp>
+      <p:sp>
+        <p:nvSpPr>
+          <p:cNvPr id="5124" name="Rectangle 3"/>
+          <p:cNvSpPr>
+            <a:spLocks noGrp="1" noChangeArrowheads="1"/>
+          </p:cNvSpPr>
+          <p:nvPr>
+            <p:ph type="body" idx="1"/>
+          </p:nvPr>
+        </p:nvSpPr>
+        <p:spPr/>
+        <p:txBody>
+          <a:bodyPr/>
+          <a:lstStyle/>
+          <a:p>
+            <a:pPr eaLnBrk="1" hangingPunct="1"/>
+            <a:r>
+              <a:rPr lang="zh-CN" altLang="en-US" sz="3400" b="1" dirty="0" smtClean="0"/>
+              <a:t>本章重点</a:t>
+            </a:r>
+          </a:p>
+          <a:p>
+            <a:pPr lvl="1" eaLnBrk="1" hangingPunct="1"/>
+            <a:r>
+              <a:rPr lang="zh-CN" altLang="en-US" sz="3100" b="1" dirty="0" smtClean="0"/>
+              <a:t>测试用例</a:t>
+            </a:r>
+            <a:r>
+              <a:rPr lang="zh-CN" altLang="en-US" sz="3100" b="1" dirty="0" smtClean="0"/>
+              <a:t>管理</a:t>
+            </a:r>
+            <a:endParaRPr lang="en-US" altLang="zh-CN" sz="3100" b="1" dirty="0" smtClean="0"/>
+          </a:p>
+          <a:p>
+            <a:pPr lvl="1" eaLnBrk="1" hangingPunct="1"/>
+            <a:r>
+              <a:rPr lang="zh-CN" altLang="en-US" sz="3100" b="1" dirty="0" smtClean="0"/>
+              <a:t>软件缺陷管理</a:t>
+            </a:r>
+            <a:endParaRPr lang="en-US" altLang="zh-CN" sz="3100" b="1" dirty="0" smtClean="0"/>
+          </a:p>
+          <a:p>
+            <a:pPr lvl="1" eaLnBrk="1" hangingPunct="1"/>
+            <a:r>
+              <a:rPr lang="zh-CN" altLang="en-US" sz="3100" b="1" dirty="0" smtClean="0"/>
+              <a:t>测试团队管理</a:t>
+            </a:r>
+          </a:p>
+        </p:txBody>
+      </p:sp>
+    </p:spTree>
+  </p:cSld>
+  <p:clrMapOvr>
+    <a:masterClrMapping/>
+  </p:clrMapOvr>
+  <p:transition/>
+  <p:timing>
+    <p:tnLst>
+      <p:par>
+        <p:cTn id="1" dur="indefinite" restart="never" nodeType="tmRoot"/>
+      </p:par>
+    </p:tnLst>
+  </p:timing>
+</p:sld>
+</file>
+
+<file path=ppt/slides/slide20.xml><?xml version="1.0" encoding="utf-8"?>
 <p:sld xmlns:a="http://schemas.openxmlformats.org/drawingml/2006/main" xmlns:r="http://schemas.openxmlformats.org/officeDocument/2006/relationships" xmlns:p="http://schemas.openxmlformats.org/presentationml/2006/main">
   <p:cSld>
     <p:spTree>
@@ -18292,7 +14227,7 @@
             <a:pPr eaLnBrk="1" hangingPunct="1"/>
             <a:fld id="{9664239F-1839-490A-BF0F-1C922DF51702}" type="slidenum">
               <a:rPr lang="en-US" altLang="zh-CN" smtClean="0"/>
-              <a:t>33</a:t>
+              <a:t>20</a:t>
             </a:fld>
             <a:endParaRPr lang="en-US" altLang="zh-CN" smtClean="0"/>
           </a:p>
@@ -18421,7 +14356,7 @@
 </p:sld>
 </file>
 
-<file path=ppt/slides/slide34.xml><?xml version="1.0" encoding="utf-8"?>
+<file path=ppt/slides/slide21.xml><?xml version="1.0" encoding="utf-8"?>
 <p:sld xmlns:a="http://schemas.openxmlformats.org/drawingml/2006/main" xmlns:r="http://schemas.openxmlformats.org/officeDocument/2006/relationships" xmlns:p="http://schemas.openxmlformats.org/presentationml/2006/main">
   <p:cSld>
     <p:spTree>
@@ -18583,7 +14518,7 @@
             <a:pPr eaLnBrk="1" hangingPunct="1"/>
             <a:fld id="{9C540A42-5958-4C3C-AA83-AA9E0F8BB911}" type="slidenum">
               <a:rPr lang="en-US" altLang="zh-CN" smtClean="0"/>
-              <a:t>34</a:t>
+              <a:t>21</a:t>
             </a:fld>
             <a:endParaRPr lang="en-US" altLang="zh-CN" smtClean="0"/>
           </a:p>
@@ -18702,7 +14637,7 @@
 </p:sld>
 </file>
 
-<file path=ppt/slides/slide35.xml><?xml version="1.0" encoding="utf-8"?>
+<file path=ppt/slides/slide22.xml><?xml version="1.0" encoding="utf-8"?>
 <p:sld xmlns:a="http://schemas.openxmlformats.org/drawingml/2006/main" xmlns:r="http://schemas.openxmlformats.org/officeDocument/2006/relationships" xmlns:p="http://schemas.openxmlformats.org/presentationml/2006/main">
   <p:cSld>
     <p:spTree>
@@ -18864,7 +14799,7 @@
             <a:pPr eaLnBrk="1" hangingPunct="1"/>
             <a:fld id="{09B90AD9-C523-4EDE-AEC6-8F5E0A135954}" type="slidenum">
               <a:rPr lang="en-US" altLang="zh-CN" smtClean="0"/>
-              <a:t>35</a:t>
+              <a:t>22</a:t>
             </a:fld>
             <a:endParaRPr lang="en-US" altLang="zh-CN" smtClean="0"/>
           </a:p>
@@ -19007,7 +14942,7 @@
 </p:sld>
 </file>
 
-<file path=ppt/slides/slide36.xml><?xml version="1.0" encoding="utf-8"?>
+<file path=ppt/slides/slide23.xml><?xml version="1.0" encoding="utf-8"?>
 <p:sld xmlns:a="http://schemas.openxmlformats.org/drawingml/2006/main" xmlns:r="http://schemas.openxmlformats.org/officeDocument/2006/relationships" xmlns:p="http://schemas.openxmlformats.org/presentationml/2006/main">
   <p:cSld>
     <p:spTree>
@@ -19169,7 +15104,7 @@
             <a:pPr eaLnBrk="1" hangingPunct="1"/>
             <a:fld id="{67425549-0F58-4EBA-B72D-1D38124AB14B}" type="slidenum">
               <a:rPr lang="en-US" altLang="zh-CN" smtClean="0"/>
-              <a:t>36</a:t>
+              <a:t>23</a:t>
             </a:fld>
             <a:endParaRPr lang="en-US" altLang="zh-CN" smtClean="0"/>
           </a:p>
@@ -19276,7 +15211,7 @@
 </p:sld>
 </file>
 
-<file path=ppt/slides/slide37.xml><?xml version="1.0" encoding="utf-8"?>
+<file path=ppt/slides/slide24.xml><?xml version="1.0" encoding="utf-8"?>
 <p:sld xmlns:a="http://schemas.openxmlformats.org/drawingml/2006/main" xmlns:r="http://schemas.openxmlformats.org/officeDocument/2006/relationships" xmlns:p="http://schemas.openxmlformats.org/presentationml/2006/main">
   <p:cSld>
     <p:spTree>
@@ -19438,7 +15373,7 @@
             <a:pPr eaLnBrk="1" hangingPunct="1"/>
             <a:fld id="{3C9ADC84-7AB4-47B8-B3B5-9122097F281C}" type="slidenum">
               <a:rPr lang="en-US" altLang="zh-CN" smtClean="0"/>
-              <a:t>37</a:t>
+              <a:t>24</a:t>
             </a:fld>
             <a:endParaRPr lang="en-US" altLang="zh-CN" smtClean="0"/>
           </a:p>
@@ -19585,7 +15520,7 @@
 </p:sld>
 </file>
 
-<file path=ppt/slides/slide38.xml><?xml version="1.0" encoding="utf-8"?>
+<file path=ppt/slides/slide25.xml><?xml version="1.0" encoding="utf-8"?>
 <p:sld xmlns:a="http://schemas.openxmlformats.org/drawingml/2006/main" xmlns:r="http://schemas.openxmlformats.org/officeDocument/2006/relationships" xmlns:p="http://schemas.openxmlformats.org/presentationml/2006/main">
   <p:cSld>
     <p:spTree>
@@ -19747,7 +15682,7 @@
             <a:pPr eaLnBrk="1" hangingPunct="1"/>
             <a:fld id="{BEB70316-5784-481E-A3A6-23A9B6C77992}" type="slidenum">
               <a:rPr lang="en-US" altLang="zh-CN" smtClean="0"/>
-              <a:t>38</a:t>
+              <a:t>25</a:t>
             </a:fld>
             <a:endParaRPr lang="en-US" altLang="zh-CN" smtClean="0"/>
           </a:p>
@@ -19845,7 +15780,7 @@
 </p:sld>
 </file>
 
-<file path=ppt/slides/slide39.xml><?xml version="1.0" encoding="utf-8"?>
+<file path=ppt/slides/slide26.xml><?xml version="1.0" encoding="utf-8"?>
 <p:sld xmlns:a="http://schemas.openxmlformats.org/drawingml/2006/main" xmlns:r="http://schemas.openxmlformats.org/officeDocument/2006/relationships" xmlns:p="http://schemas.openxmlformats.org/presentationml/2006/main">
   <p:cSld>
     <p:spTree>
@@ -20007,7 +15942,7 @@
             <a:pPr eaLnBrk="1" hangingPunct="1"/>
             <a:fld id="{D9E9C721-E5DC-4CC3-927F-F9895E0CEDEF}" type="slidenum">
               <a:rPr lang="en-US" altLang="zh-CN" smtClean="0"/>
-              <a:t>39</a:t>
+              <a:t>26</a:t>
             </a:fld>
             <a:endParaRPr lang="en-US" altLang="zh-CN" smtClean="0"/>
           </a:p>
@@ -20122,305 +16057,7 @@
 </p:sld>
 </file>
 
-<file path=ppt/slides/slide4.xml><?xml version="1.0" encoding="utf-8"?>
-<p:sld xmlns:a="http://schemas.openxmlformats.org/drawingml/2006/main" xmlns:r="http://schemas.openxmlformats.org/officeDocument/2006/relationships" xmlns:p="http://schemas.openxmlformats.org/presentationml/2006/main">
-  <p:cSld>
-    <p:spTree>
-      <p:nvGrpSpPr>
-        <p:cNvPr id="1" name=""/>
-        <p:cNvGrpSpPr/>
-        <p:nvPr/>
-      </p:nvGrpSpPr>
-      <p:grpSpPr>
-        <a:xfrm>
-          <a:off x="0" y="0"/>
-          <a:ext cx="0" cy="0"/>
-          <a:chOff x="0" y="0"/>
-          <a:chExt cx="0" cy="0"/>
-        </a:xfrm>
-      </p:grpSpPr>
-      <p:sp>
-        <p:nvSpPr>
-          <p:cNvPr id="6146" name="灯片编号占位符 5"/>
-          <p:cNvSpPr>
-            <a:spLocks noGrp="1"/>
-          </p:cNvSpPr>
-          <p:nvPr>
-            <p:ph type="sldNum" sz="quarter" idx="12"/>
-          </p:nvPr>
-        </p:nvSpPr>
-        <p:spPr>
-          <a:noFill/>
-          <a:extLst>
-            <a:ext uri="{909E8E84-426E-40DD-AFC4-6F175D3DCCD1}">
-              <a14:hiddenFill xmlns:a14="http://schemas.microsoft.com/office/drawing/2010/main">
-                <a:solidFill>
-                  <a:srgbClr val="FFFFFF"/>
-                </a:solidFill>
-              </a14:hiddenFill>
-            </a:ext>
-            <a:ext uri="{91240B29-F687-4F45-9708-019B960494DF}">
-              <a14:hiddenLine xmlns:a14="http://schemas.microsoft.com/office/drawing/2010/main" w="9525">
-                <a:solidFill>
-                  <a:srgbClr val="000000"/>
-                </a:solidFill>
-                <a:miter lim="800000"/>
-                <a:headEnd/>
-                <a:tailEnd/>
-              </a14:hiddenLine>
-            </a:ext>
-          </a:extLst>
-        </p:spPr>
-        <p:txBody>
-          <a:bodyPr/>
-          <a:lstStyle>
-            <a:lvl1pPr eaLnBrk="0" hangingPunct="0">
-              <a:defRPr>
-                <a:solidFill>
-                  <a:schemeClr val="tx1"/>
-                </a:solidFill>
-                <a:latin typeface="Verdana" panose="020B0604030504040204" pitchFamily="34" charset="0"/>
-                <a:ea typeface="宋体" panose="02010600030101010101" pitchFamily="2" charset="-122"/>
-              </a:defRPr>
-            </a:lvl1pPr>
-            <a:lvl2pPr marL="742950" indent="-285750" eaLnBrk="0" hangingPunct="0">
-              <a:defRPr>
-                <a:solidFill>
-                  <a:schemeClr val="tx1"/>
-                </a:solidFill>
-                <a:latin typeface="Verdana" panose="020B0604030504040204" pitchFamily="34" charset="0"/>
-                <a:ea typeface="宋体" panose="02010600030101010101" pitchFamily="2" charset="-122"/>
-              </a:defRPr>
-            </a:lvl2pPr>
-            <a:lvl3pPr marL="1143000" indent="-228600" eaLnBrk="0" hangingPunct="0">
-              <a:defRPr>
-                <a:solidFill>
-                  <a:schemeClr val="tx1"/>
-                </a:solidFill>
-                <a:latin typeface="Verdana" panose="020B0604030504040204" pitchFamily="34" charset="0"/>
-                <a:ea typeface="宋体" panose="02010600030101010101" pitchFamily="2" charset="-122"/>
-              </a:defRPr>
-            </a:lvl3pPr>
-            <a:lvl4pPr marL="1600200" indent="-228600" eaLnBrk="0" hangingPunct="0">
-              <a:defRPr>
-                <a:solidFill>
-                  <a:schemeClr val="tx1"/>
-                </a:solidFill>
-                <a:latin typeface="Verdana" panose="020B0604030504040204" pitchFamily="34" charset="0"/>
-                <a:ea typeface="宋体" panose="02010600030101010101" pitchFamily="2" charset="-122"/>
-              </a:defRPr>
-            </a:lvl4pPr>
-            <a:lvl5pPr marL="2057400" indent="-228600" eaLnBrk="0" hangingPunct="0">
-              <a:defRPr>
-                <a:solidFill>
-                  <a:schemeClr val="tx1"/>
-                </a:solidFill>
-                <a:latin typeface="Verdana" panose="020B0604030504040204" pitchFamily="34" charset="0"/>
-                <a:ea typeface="宋体" panose="02010600030101010101" pitchFamily="2" charset="-122"/>
-              </a:defRPr>
-            </a:lvl5pPr>
-            <a:lvl6pPr marL="2514600" indent="-228600" eaLnBrk="0" fontAlgn="base" hangingPunct="0">
-              <a:spcBef>
-                <a:spcPct val="0"/>
-              </a:spcBef>
-              <a:spcAft>
-                <a:spcPct val="0"/>
-              </a:spcAft>
-              <a:defRPr>
-                <a:solidFill>
-                  <a:schemeClr val="tx1"/>
-                </a:solidFill>
-                <a:latin typeface="Verdana" panose="020B0604030504040204" pitchFamily="34" charset="0"/>
-                <a:ea typeface="宋体" panose="02010600030101010101" pitchFamily="2" charset="-122"/>
-              </a:defRPr>
-            </a:lvl6pPr>
-            <a:lvl7pPr marL="2971800" indent="-228600" eaLnBrk="0" fontAlgn="base" hangingPunct="0">
-              <a:spcBef>
-                <a:spcPct val="0"/>
-              </a:spcBef>
-              <a:spcAft>
-                <a:spcPct val="0"/>
-              </a:spcAft>
-              <a:defRPr>
-                <a:solidFill>
-                  <a:schemeClr val="tx1"/>
-                </a:solidFill>
-                <a:latin typeface="Verdana" panose="020B0604030504040204" pitchFamily="34" charset="0"/>
-                <a:ea typeface="宋体" panose="02010600030101010101" pitchFamily="2" charset="-122"/>
-              </a:defRPr>
-            </a:lvl7pPr>
-            <a:lvl8pPr marL="3429000" indent="-228600" eaLnBrk="0" fontAlgn="base" hangingPunct="0">
-              <a:spcBef>
-                <a:spcPct val="0"/>
-              </a:spcBef>
-              <a:spcAft>
-                <a:spcPct val="0"/>
-              </a:spcAft>
-              <a:defRPr>
-                <a:solidFill>
-                  <a:schemeClr val="tx1"/>
-                </a:solidFill>
-                <a:latin typeface="Verdana" panose="020B0604030504040204" pitchFamily="34" charset="0"/>
-                <a:ea typeface="宋体" panose="02010600030101010101" pitchFamily="2" charset="-122"/>
-              </a:defRPr>
-            </a:lvl8pPr>
-            <a:lvl9pPr marL="3886200" indent="-228600" eaLnBrk="0" fontAlgn="base" hangingPunct="0">
-              <a:spcBef>
-                <a:spcPct val="0"/>
-              </a:spcBef>
-              <a:spcAft>
-                <a:spcPct val="0"/>
-              </a:spcAft>
-              <a:defRPr>
-                <a:solidFill>
-                  <a:schemeClr val="tx1"/>
-                </a:solidFill>
-                <a:latin typeface="Verdana" panose="020B0604030504040204" pitchFamily="34" charset="0"/>
-                <a:ea typeface="宋体" panose="02010600030101010101" pitchFamily="2" charset="-122"/>
-              </a:defRPr>
-            </a:lvl9pPr>
-          </a:lstStyle>
-          <a:p>
-            <a:pPr eaLnBrk="1" hangingPunct="1"/>
-            <a:fld id="{F52F06BA-5DBF-4E30-AD5D-DF779D007A53}" type="slidenum">
-              <a:rPr lang="en-US" altLang="zh-CN" smtClean="0"/>
-              <a:t>4</a:t>
-            </a:fld>
-            <a:endParaRPr lang="en-US" altLang="zh-CN" smtClean="0"/>
-          </a:p>
-        </p:txBody>
-      </p:sp>
-      <p:sp>
-        <p:nvSpPr>
-          <p:cNvPr id="6147" name="Rectangle 2"/>
-          <p:cNvSpPr>
-            <a:spLocks noGrp="1" noChangeArrowheads="1"/>
-          </p:cNvSpPr>
-          <p:nvPr>
-            <p:ph type="title"/>
-          </p:nvPr>
-        </p:nvSpPr>
-        <p:spPr/>
-        <p:txBody>
-          <a:bodyPr/>
-          <a:lstStyle/>
-          <a:p>
-            <a:pPr eaLnBrk="1" hangingPunct="1"/>
-            <a:r>
-              <a:rPr lang="en-US" altLang="zh-CN" b="1" smtClean="0">
-                <a:latin typeface="黑体" panose="02010609060101010101" pitchFamily="49" charset="-122"/>
-                <a:ea typeface="黑体" panose="02010609060101010101" pitchFamily="49" charset="-122"/>
-              </a:rPr>
-              <a:t>10.1 </a:t>
-            </a:r>
-            <a:r>
-              <a:rPr lang="zh-CN" altLang="en-US" b="1" smtClean="0">
-                <a:latin typeface="黑体" panose="02010609060101010101" pitchFamily="49" charset="-122"/>
-                <a:ea typeface="黑体" panose="02010609060101010101" pitchFamily="49" charset="-122"/>
-              </a:rPr>
-              <a:t>软件测试过程模型</a:t>
-            </a:r>
-          </a:p>
-        </p:txBody>
-      </p:sp>
-      <p:sp>
-        <p:nvSpPr>
-          <p:cNvPr id="6148" name="Rectangle 3"/>
-          <p:cNvSpPr>
-            <a:spLocks noGrp="1" noChangeArrowheads="1"/>
-          </p:cNvSpPr>
-          <p:nvPr>
-            <p:ph type="body" idx="1"/>
-          </p:nvPr>
-        </p:nvSpPr>
-        <p:spPr/>
-        <p:txBody>
-          <a:bodyPr/>
-          <a:lstStyle/>
-          <a:p>
-            <a:pPr marL="0" indent="0" algn="just" eaLnBrk="1" hangingPunct="1">
-              <a:buNone/>
-            </a:pPr>
-            <a:endParaRPr lang="en-US" altLang="zh-CN" sz="3400" b="1" dirty="0" smtClean="0"/>
-          </a:p>
-        </p:txBody>
-      </p:sp>
-      <p:pic>
-        <p:nvPicPr>
-          <p:cNvPr id="6150" name="Picture 6" descr="10t1"/>
-          <p:cNvPicPr>
-            <a:picLocks noChangeAspect="1" noChangeArrowheads="1"/>
-          </p:cNvPicPr>
-          <p:nvPr/>
-        </p:nvPicPr>
-        <p:blipFill>
-          <a:blip r:embed="rId2" cstate="print">
-            <a:extLst>
-              <a:ext uri="{28A0092B-C50C-407E-A947-70E740481C1C}">
-                <a14:useLocalDpi xmlns:a14="http://schemas.microsoft.com/office/drawing/2010/main" val="0"/>
-              </a:ext>
-            </a:extLst>
-          </a:blip>
-          <a:srcRect/>
-          <a:stretch>
-            <a:fillRect/>
-          </a:stretch>
-        </p:blipFill>
-        <p:spPr bwMode="auto">
-          <a:xfrm>
-            <a:off x="539552" y="1988840"/>
-            <a:ext cx="7769225" cy="4143375"/>
-          </a:xfrm>
-          <a:prstGeom prst="rect">
-            <a:avLst/>
-          </a:prstGeom>
-          <a:noFill/>
-          <a:ln>
-            <a:noFill/>
-          </a:ln>
-          <a:extLst>
-            <a:ext uri="{909E8E84-426E-40DD-AFC4-6F175D3DCCD1}">
-              <a14:hiddenFill xmlns:a14="http://schemas.microsoft.com/office/drawing/2010/main">
-                <a:solidFill>
-                  <a:srgbClr val="FFFFFF"/>
-                </a:solidFill>
-              </a14:hiddenFill>
-            </a:ext>
-            <a:ext uri="{91240B29-F687-4F45-9708-019B960494DF}">
-              <a14:hiddenLine xmlns:a14="http://schemas.microsoft.com/office/drawing/2010/main" w="9525">
-                <a:solidFill>
-                  <a:srgbClr val="000000"/>
-                </a:solidFill>
-                <a:miter lim="800000"/>
-                <a:headEnd/>
-                <a:tailEnd/>
-              </a14:hiddenLine>
-            </a:ext>
-          </a:extLst>
-        </p:spPr>
-      </p:pic>
-    </p:spTree>
-    <p:extLst>
-      <p:ext uri="{BB962C8B-B14F-4D97-AF65-F5344CB8AC3E}">
-        <p14:creationId xmlns:p14="http://schemas.microsoft.com/office/powerpoint/2010/main" val="939845785"/>
-      </p:ext>
-    </p:extLst>
-  </p:cSld>
-  <p:clrMapOvr>
-    <a:masterClrMapping/>
-  </p:clrMapOvr>
-  <p:transition/>
-  <p:timing>
-    <p:tnLst>
-      <p:par>
-        <p:cTn id="1" dur="indefinite" restart="never" nodeType="tmRoot"/>
-      </p:par>
-    </p:tnLst>
-  </p:timing>
-</p:sld>
-</file>
-
-<file path=ppt/slides/slide40.xml><?xml version="1.0" encoding="utf-8"?>
+<file path=ppt/slides/slide27.xml><?xml version="1.0" encoding="utf-8"?>
 <p:sld xmlns:a="http://schemas.openxmlformats.org/drawingml/2006/main" xmlns:r="http://schemas.openxmlformats.org/officeDocument/2006/relationships" xmlns:p="http://schemas.openxmlformats.org/presentationml/2006/main">
   <p:cSld>
     <p:spTree>
@@ -20582,7 +16219,7 @@
             <a:pPr eaLnBrk="1" hangingPunct="1"/>
             <a:fld id="{B6EE7457-EB19-42CA-B4FC-6F6A0426B065}" type="slidenum">
               <a:rPr lang="en-US" altLang="zh-CN" smtClean="0"/>
-              <a:t>40</a:t>
+              <a:t>27</a:t>
             </a:fld>
             <a:endParaRPr lang="en-US" altLang="zh-CN" smtClean="0"/>
           </a:p>
@@ -20697,7 +16334,7 @@
 </p:sld>
 </file>
 
-<file path=ppt/slides/slide41.xml><?xml version="1.0" encoding="utf-8"?>
+<file path=ppt/slides/slide28.xml><?xml version="1.0" encoding="utf-8"?>
 <p:sld xmlns:a="http://schemas.openxmlformats.org/drawingml/2006/main" xmlns:r="http://schemas.openxmlformats.org/officeDocument/2006/relationships" xmlns:p="http://schemas.openxmlformats.org/presentationml/2006/main">
   <p:cSld>
     <p:spTree>
@@ -20859,7 +16496,7 @@
             <a:pPr eaLnBrk="1" hangingPunct="1"/>
             <a:fld id="{A69A7EF2-05FD-4A01-9BB3-AAED7FFBBD7B}" type="slidenum">
               <a:rPr lang="en-US" altLang="zh-CN" smtClean="0"/>
-              <a:t>41</a:t>
+              <a:t>28</a:t>
             </a:fld>
             <a:endParaRPr lang="en-US" altLang="zh-CN" smtClean="0"/>
           </a:p>
@@ -20970,7 +16607,7 @@
 </p:sld>
 </file>
 
-<file path=ppt/slides/slide42.xml><?xml version="1.0" encoding="utf-8"?>
+<file path=ppt/slides/slide29.xml><?xml version="1.0" encoding="utf-8"?>
 <p:sld xmlns:a="http://schemas.openxmlformats.org/drawingml/2006/main" xmlns:r="http://schemas.openxmlformats.org/officeDocument/2006/relationships" xmlns:p="http://schemas.openxmlformats.org/presentationml/2006/main">
   <p:cSld>
     <p:spTree>
@@ -21132,7 +16769,7 @@
             <a:pPr eaLnBrk="1" hangingPunct="1"/>
             <a:fld id="{6D7CC8E1-6E9E-46F8-9B7A-6F24E09B5530}" type="slidenum">
               <a:rPr lang="en-US" altLang="zh-CN" smtClean="0"/>
-              <a:t>42</a:t>
+              <a:t>29</a:t>
             </a:fld>
             <a:endParaRPr lang="en-US" altLang="zh-CN" smtClean="0"/>
           </a:p>
@@ -21317,7 +16954,311 @@
 </p:sld>
 </file>
 
-<file path=ppt/slides/slide43.xml><?xml version="1.0" encoding="utf-8"?>
+<file path=ppt/slides/slide3.xml><?xml version="1.0" encoding="utf-8"?>
+<p:sld xmlns:a="http://schemas.openxmlformats.org/drawingml/2006/main" xmlns:r="http://schemas.openxmlformats.org/officeDocument/2006/relationships" xmlns:p="http://schemas.openxmlformats.org/presentationml/2006/main">
+  <p:cSld>
+    <p:spTree>
+      <p:nvGrpSpPr>
+        <p:cNvPr id="1" name=""/>
+        <p:cNvGrpSpPr/>
+        <p:nvPr/>
+      </p:nvGrpSpPr>
+      <p:grpSpPr>
+        <a:xfrm>
+          <a:off x="0" y="0"/>
+          <a:ext cx="0" cy="0"/>
+          <a:chOff x="0" y="0"/>
+          <a:chExt cx="0" cy="0"/>
+        </a:xfrm>
+      </p:grpSpPr>
+      <p:sp>
+        <p:nvSpPr>
+          <p:cNvPr id="18434" name="灯片编号占位符 5"/>
+          <p:cNvSpPr>
+            <a:spLocks noGrp="1"/>
+          </p:cNvSpPr>
+          <p:nvPr>
+            <p:ph type="sldNum" sz="quarter" idx="12"/>
+          </p:nvPr>
+        </p:nvSpPr>
+        <p:spPr>
+          <a:noFill/>
+          <a:extLst>
+            <a:ext uri="{909E8E84-426E-40DD-AFC4-6F175D3DCCD1}">
+              <a14:hiddenFill xmlns:a14="http://schemas.microsoft.com/office/drawing/2010/main">
+                <a:solidFill>
+                  <a:srgbClr val="FFFFFF"/>
+                </a:solidFill>
+              </a14:hiddenFill>
+            </a:ext>
+            <a:ext uri="{91240B29-F687-4F45-9708-019B960494DF}">
+              <a14:hiddenLine xmlns:a14="http://schemas.microsoft.com/office/drawing/2010/main" w="9525">
+                <a:solidFill>
+                  <a:srgbClr val="000000"/>
+                </a:solidFill>
+                <a:miter lim="800000"/>
+                <a:headEnd/>
+                <a:tailEnd/>
+              </a14:hiddenLine>
+            </a:ext>
+          </a:extLst>
+        </p:spPr>
+        <p:txBody>
+          <a:bodyPr/>
+          <a:lstStyle>
+            <a:lvl1pPr eaLnBrk="0" hangingPunct="0">
+              <a:defRPr>
+                <a:solidFill>
+                  <a:schemeClr val="tx1"/>
+                </a:solidFill>
+                <a:latin typeface="Verdana" panose="020B0604030504040204" pitchFamily="34" charset="0"/>
+                <a:ea typeface="宋体" panose="02010600030101010101" pitchFamily="2" charset="-122"/>
+              </a:defRPr>
+            </a:lvl1pPr>
+            <a:lvl2pPr marL="742950" indent="-285750" eaLnBrk="0" hangingPunct="0">
+              <a:defRPr>
+                <a:solidFill>
+                  <a:schemeClr val="tx1"/>
+                </a:solidFill>
+                <a:latin typeface="Verdana" panose="020B0604030504040204" pitchFamily="34" charset="0"/>
+                <a:ea typeface="宋体" panose="02010600030101010101" pitchFamily="2" charset="-122"/>
+              </a:defRPr>
+            </a:lvl2pPr>
+            <a:lvl3pPr marL="1143000" indent="-228600" eaLnBrk="0" hangingPunct="0">
+              <a:defRPr>
+                <a:solidFill>
+                  <a:schemeClr val="tx1"/>
+                </a:solidFill>
+                <a:latin typeface="Verdana" panose="020B0604030504040204" pitchFamily="34" charset="0"/>
+                <a:ea typeface="宋体" panose="02010600030101010101" pitchFamily="2" charset="-122"/>
+              </a:defRPr>
+            </a:lvl3pPr>
+            <a:lvl4pPr marL="1600200" indent="-228600" eaLnBrk="0" hangingPunct="0">
+              <a:defRPr>
+                <a:solidFill>
+                  <a:schemeClr val="tx1"/>
+                </a:solidFill>
+                <a:latin typeface="Verdana" panose="020B0604030504040204" pitchFamily="34" charset="0"/>
+                <a:ea typeface="宋体" panose="02010600030101010101" pitchFamily="2" charset="-122"/>
+              </a:defRPr>
+            </a:lvl4pPr>
+            <a:lvl5pPr marL="2057400" indent="-228600" eaLnBrk="0" hangingPunct="0">
+              <a:defRPr>
+                <a:solidFill>
+                  <a:schemeClr val="tx1"/>
+                </a:solidFill>
+                <a:latin typeface="Verdana" panose="020B0604030504040204" pitchFamily="34" charset="0"/>
+                <a:ea typeface="宋体" panose="02010600030101010101" pitchFamily="2" charset="-122"/>
+              </a:defRPr>
+            </a:lvl5pPr>
+            <a:lvl6pPr marL="2514600" indent="-228600" eaLnBrk="0" fontAlgn="base" hangingPunct="0">
+              <a:spcBef>
+                <a:spcPct val="0"/>
+              </a:spcBef>
+              <a:spcAft>
+                <a:spcPct val="0"/>
+              </a:spcAft>
+              <a:defRPr>
+                <a:solidFill>
+                  <a:schemeClr val="tx1"/>
+                </a:solidFill>
+                <a:latin typeface="Verdana" panose="020B0604030504040204" pitchFamily="34" charset="0"/>
+                <a:ea typeface="宋体" panose="02010600030101010101" pitchFamily="2" charset="-122"/>
+              </a:defRPr>
+            </a:lvl6pPr>
+            <a:lvl7pPr marL="2971800" indent="-228600" eaLnBrk="0" fontAlgn="base" hangingPunct="0">
+              <a:spcBef>
+                <a:spcPct val="0"/>
+              </a:spcBef>
+              <a:spcAft>
+                <a:spcPct val="0"/>
+              </a:spcAft>
+              <a:defRPr>
+                <a:solidFill>
+                  <a:schemeClr val="tx1"/>
+                </a:solidFill>
+                <a:latin typeface="Verdana" panose="020B0604030504040204" pitchFamily="34" charset="0"/>
+                <a:ea typeface="宋体" panose="02010600030101010101" pitchFamily="2" charset="-122"/>
+              </a:defRPr>
+            </a:lvl7pPr>
+            <a:lvl8pPr marL="3429000" indent="-228600" eaLnBrk="0" fontAlgn="base" hangingPunct="0">
+              <a:spcBef>
+                <a:spcPct val="0"/>
+              </a:spcBef>
+              <a:spcAft>
+                <a:spcPct val="0"/>
+              </a:spcAft>
+              <a:defRPr>
+                <a:solidFill>
+                  <a:schemeClr val="tx1"/>
+                </a:solidFill>
+                <a:latin typeface="Verdana" panose="020B0604030504040204" pitchFamily="34" charset="0"/>
+                <a:ea typeface="宋体" panose="02010600030101010101" pitchFamily="2" charset="-122"/>
+              </a:defRPr>
+            </a:lvl8pPr>
+            <a:lvl9pPr marL="3886200" indent="-228600" eaLnBrk="0" fontAlgn="base" hangingPunct="0">
+              <a:spcBef>
+                <a:spcPct val="0"/>
+              </a:spcBef>
+              <a:spcAft>
+                <a:spcPct val="0"/>
+              </a:spcAft>
+              <a:defRPr>
+                <a:solidFill>
+                  <a:schemeClr val="tx1"/>
+                </a:solidFill>
+                <a:latin typeface="Verdana" panose="020B0604030504040204" pitchFamily="34" charset="0"/>
+                <a:ea typeface="宋体" panose="02010600030101010101" pitchFamily="2" charset="-122"/>
+              </a:defRPr>
+            </a:lvl9pPr>
+          </a:lstStyle>
+          <a:p>
+            <a:pPr eaLnBrk="1" hangingPunct="1"/>
+            <a:fld id="{1E7BDAB1-2548-4596-BA73-E2558E2571AF}" type="slidenum">
+              <a:rPr lang="en-US" altLang="zh-CN" smtClean="0"/>
+              <a:t>3</a:t>
+            </a:fld>
+            <a:endParaRPr lang="en-US" altLang="zh-CN" smtClean="0"/>
+          </a:p>
+        </p:txBody>
+      </p:sp>
+      <p:sp>
+        <p:nvSpPr>
+          <p:cNvPr id="18435" name="Rectangle 2"/>
+          <p:cNvSpPr>
+            <a:spLocks noGrp="1" noChangeArrowheads="1"/>
+          </p:cNvSpPr>
+          <p:nvPr>
+            <p:ph type="title"/>
+          </p:nvPr>
+        </p:nvSpPr>
+        <p:spPr/>
+        <p:txBody>
+          <a:bodyPr/>
+          <a:lstStyle/>
+          <a:p>
+            <a:pPr eaLnBrk="1" hangingPunct="1"/>
+            <a:r>
+              <a:rPr lang="en-US" altLang="zh-CN" b="1" smtClean="0">
+                <a:latin typeface="黑体" panose="02010609060101010101" pitchFamily="49" charset="-122"/>
+                <a:ea typeface="黑体" panose="02010609060101010101" pitchFamily="49" charset="-122"/>
+              </a:rPr>
+              <a:t>10.2 </a:t>
+            </a:r>
+            <a:r>
+              <a:rPr lang="zh-CN" altLang="en-US" b="1" smtClean="0">
+                <a:latin typeface="黑体" panose="02010609060101010101" pitchFamily="49" charset="-122"/>
+                <a:ea typeface="黑体" panose="02010609060101010101" pitchFamily="49" charset="-122"/>
+              </a:rPr>
+              <a:t>测试用例的管理</a:t>
+            </a:r>
+          </a:p>
+        </p:txBody>
+      </p:sp>
+      <p:sp>
+        <p:nvSpPr>
+          <p:cNvPr id="18436" name="Rectangle 3"/>
+          <p:cNvSpPr>
+            <a:spLocks noGrp="1" noChangeArrowheads="1"/>
+          </p:cNvSpPr>
+          <p:nvPr>
+            <p:ph type="body" idx="1"/>
+          </p:nvPr>
+        </p:nvSpPr>
+        <p:spPr/>
+        <p:txBody>
+          <a:bodyPr/>
+          <a:lstStyle/>
+          <a:p>
+            <a:pPr algn="just" eaLnBrk="1" hangingPunct="1"/>
+            <a:r>
+              <a:rPr lang="zh-CN" altLang="en-US" sz="3400" b="1" smtClean="0"/>
+              <a:t>测试用例报告的撰写</a:t>
+            </a:r>
+            <a:r>
+              <a:rPr lang="en-US" altLang="zh-CN" sz="3400" b="1" smtClean="0"/>
+              <a:t>(1)</a:t>
+            </a:r>
+          </a:p>
+          <a:p>
+            <a:pPr lvl="1"/>
+            <a:r>
+              <a:rPr lang="zh-CN" altLang="en-US" b="1" smtClean="0"/>
+              <a:t>项目</a:t>
+            </a:r>
+            <a:r>
+              <a:rPr lang="en-US" altLang="en-US" b="1" smtClean="0"/>
+              <a:t>/</a:t>
+            </a:r>
+            <a:r>
+              <a:rPr lang="zh-CN" altLang="en-US" b="1" smtClean="0"/>
+              <a:t>软件</a:t>
+            </a:r>
+          </a:p>
+          <a:p>
+            <a:pPr lvl="1"/>
+            <a:r>
+              <a:rPr lang="zh-CN" altLang="en-US" b="1" smtClean="0"/>
+              <a:t>程序版本</a:t>
+            </a:r>
+          </a:p>
+          <a:p>
+            <a:pPr lvl="1"/>
+            <a:r>
+              <a:rPr lang="zh-CN" altLang="en-US" b="1" smtClean="0"/>
+              <a:t>编制人</a:t>
+            </a:r>
+          </a:p>
+          <a:p>
+            <a:pPr lvl="1"/>
+            <a:r>
+              <a:rPr lang="zh-CN" altLang="en-US" b="1" smtClean="0"/>
+              <a:t>编制时间</a:t>
+            </a:r>
+            <a:endParaRPr lang="en-US" altLang="zh-CN" b="1" smtClean="0"/>
+          </a:p>
+          <a:p>
+            <a:pPr lvl="1"/>
+            <a:r>
+              <a:rPr lang="zh-CN" altLang="en-US" b="1" smtClean="0"/>
+              <a:t>功能模块</a:t>
+            </a:r>
+            <a:endParaRPr lang="en-US" altLang="zh-CN" b="1" smtClean="0"/>
+          </a:p>
+          <a:p>
+            <a:pPr lvl="1"/>
+            <a:r>
+              <a:rPr lang="zh-CN" altLang="en-US" b="1" smtClean="0"/>
+              <a:t>功能特性</a:t>
+            </a:r>
+            <a:endParaRPr lang="en-US" altLang="zh-CN" b="1" smtClean="0"/>
+          </a:p>
+          <a:p>
+            <a:pPr lvl="1"/>
+            <a:r>
+              <a:rPr lang="zh-CN" altLang="en-US" b="1" smtClean="0"/>
+              <a:t>测试需求</a:t>
+            </a:r>
+          </a:p>
+        </p:txBody>
+      </p:sp>
+    </p:spTree>
+  </p:cSld>
+  <p:clrMapOvr>
+    <a:masterClrMapping/>
+  </p:clrMapOvr>
+  <p:transition/>
+  <p:timing>
+    <p:tnLst>
+      <p:par>
+        <p:cTn id="1" dur="indefinite" restart="never" nodeType="tmRoot"/>
+      </p:par>
+    </p:tnLst>
+  </p:timing>
+</p:sld>
+</file>
+
+<file path=ppt/slides/slide30.xml><?xml version="1.0" encoding="utf-8"?>
 <p:sld xmlns:a="http://schemas.openxmlformats.org/drawingml/2006/main" xmlns:r="http://schemas.openxmlformats.org/officeDocument/2006/relationships" xmlns:p="http://schemas.openxmlformats.org/presentationml/2006/main">
   <p:cSld>
     <p:spTree>
@@ -21417,7 +17358,7 @@
             </a:pPr>
             <a:fld id="{CB6A985E-BE02-4E5A-8B89-C24F6CB4E833}" type="slidenum">
               <a:rPr lang="en-US" altLang="zh-CN" smtClean="0"/>
-              <a:t>43</a:t>
+              <a:t>30</a:t>
             </a:fld>
             <a:endParaRPr lang="en-US" altLang="zh-CN"/>
           </a:p>
@@ -21474,7 +17415,7 @@
 </p:sld>
 </file>
 
-<file path=ppt/slides/slide44.xml><?xml version="1.0" encoding="utf-8"?>
+<file path=ppt/slides/slide31.xml><?xml version="1.0" encoding="utf-8"?>
 <p:sld xmlns:a="http://schemas.openxmlformats.org/drawingml/2006/main" xmlns:r="http://schemas.openxmlformats.org/officeDocument/2006/relationships" xmlns:p="http://schemas.openxmlformats.org/presentationml/2006/main">
   <p:cSld>
     <p:spTree>
@@ -21511,7 +17452,7 @@
             </a:pPr>
             <a:fld id="{CB6A985E-BE02-4E5A-8B89-C24F6CB4E833}" type="slidenum">
               <a:rPr lang="en-US" altLang="zh-CN" smtClean="0"/>
-              <a:t>44</a:t>
+              <a:t>31</a:t>
             </a:fld>
             <a:endParaRPr lang="en-US" altLang="zh-CN"/>
           </a:p>
@@ -22992,7 +18933,7 @@
 </p:sld>
 </file>
 
-<file path=ppt/slides/slide45.xml><?xml version="1.0" encoding="utf-8"?>
+<file path=ppt/slides/slide32.xml><?xml version="1.0" encoding="utf-8"?>
 <p:sld xmlns:a="http://schemas.openxmlformats.org/drawingml/2006/main" xmlns:r="http://schemas.openxmlformats.org/officeDocument/2006/relationships" xmlns:p="http://schemas.openxmlformats.org/presentationml/2006/main">
   <p:cSld>
     <p:spTree>
@@ -23062,8 +19003,13 @@
             <a:pPr lvl="1" algn="just" eaLnBrk="1" hangingPunct="1"/>
             <a:r>
               <a:rPr lang="zh-CN" altLang="en-US" sz="2800" b="1" dirty="0"/>
-              <a:t>方便阅读</a:t>
-            </a:r>
+              <a:t>方便</a:t>
+            </a:r>
+            <a:r>
+              <a:rPr lang="zh-CN" altLang="en-US" sz="2800" b="1" dirty="0" smtClean="0"/>
+              <a:t>阅读，分步骤描述</a:t>
+            </a:r>
+            <a:endParaRPr lang="zh-CN" altLang="en-US" sz="2800" b="1" dirty="0"/>
           </a:p>
           <a:p>
             <a:pPr lvl="1" algn="just" eaLnBrk="1" hangingPunct="1"/>
@@ -23130,7 +19076,7 @@
             </a:pPr>
             <a:fld id="{CB6A985E-BE02-4E5A-8B89-C24F6CB4E833}" type="slidenum">
               <a:rPr lang="en-US" altLang="zh-CN" smtClean="0"/>
-              <a:t>45</a:t>
+              <a:t>32</a:t>
             </a:fld>
             <a:endParaRPr lang="en-US" altLang="zh-CN"/>
           </a:p>
@@ -23353,7 +19299,7 @@
 </p:sld>
 </file>
 
-<file path=ppt/slides/slide46.xml><?xml version="1.0" encoding="utf-8"?>
+<file path=ppt/slides/slide33.xml><?xml version="1.0" encoding="utf-8"?>
 <p:sld xmlns:a="http://schemas.openxmlformats.org/drawingml/2006/main" xmlns:r="http://schemas.openxmlformats.org/officeDocument/2006/relationships" xmlns:p="http://schemas.openxmlformats.org/presentationml/2006/main">
   <p:cSld>
     <p:spTree>
@@ -23515,7 +19461,7 @@
             <a:pPr eaLnBrk="1" hangingPunct="1"/>
             <a:fld id="{4118D491-C552-488F-B737-223037D7B4D7}" type="slidenum">
               <a:rPr lang="en-US" altLang="zh-CN" smtClean="0"/>
-              <a:t>46</a:t>
+              <a:t>33</a:t>
             </a:fld>
             <a:endParaRPr lang="en-US" altLang="zh-CN" smtClean="0"/>
           </a:p>
@@ -23648,7 +19594,7 @@
 </p:sld>
 </file>
 
-<file path=ppt/slides/slide47.xml><?xml version="1.0" encoding="utf-8"?>
+<file path=ppt/slides/slide34.xml><?xml version="1.0" encoding="utf-8"?>
 <p:sld xmlns:a="http://schemas.openxmlformats.org/drawingml/2006/main" xmlns:r="http://schemas.openxmlformats.org/officeDocument/2006/relationships" xmlns:p="http://schemas.openxmlformats.org/presentationml/2006/main">
   <p:cSld>
     <p:spTree>
@@ -23810,7 +19756,7 @@
             <a:pPr eaLnBrk="1" hangingPunct="1"/>
             <a:fld id="{04EBD158-E2AA-45E5-AEBC-4CBC34B1A840}" type="slidenum">
               <a:rPr lang="en-US" altLang="zh-CN" smtClean="0"/>
-              <a:t>47</a:t>
+              <a:t>34</a:t>
             </a:fld>
             <a:endParaRPr lang="en-US" altLang="zh-CN" smtClean="0"/>
           </a:p>
@@ -24005,7 +19951,7 @@
 </p:sld>
 </file>
 
-<file path=ppt/slides/slide48.xml><?xml version="1.0" encoding="utf-8"?>
+<file path=ppt/slides/slide35.xml><?xml version="1.0" encoding="utf-8"?>
 <p:sld xmlns:a="http://schemas.openxmlformats.org/drawingml/2006/main" xmlns:r="http://schemas.openxmlformats.org/officeDocument/2006/relationships" xmlns:p="http://schemas.openxmlformats.org/presentationml/2006/main">
   <p:cSld>
     <p:spTree>
@@ -24167,7 +20113,7 @@
             <a:pPr eaLnBrk="1" hangingPunct="1"/>
             <a:fld id="{406931F1-D438-478A-81DF-DA98D098CA7D}" type="slidenum">
               <a:rPr lang="en-US" altLang="zh-CN" smtClean="0"/>
-              <a:t>48</a:t>
+              <a:t>35</a:t>
             </a:fld>
             <a:endParaRPr lang="en-US" altLang="zh-CN" smtClean="0"/>
           </a:p>
@@ -24354,7 +20300,7 @@
 </p:sld>
 </file>
 
-<file path=ppt/slides/slide49.xml><?xml version="1.0" encoding="utf-8"?>
+<file path=ppt/slides/slide36.xml><?xml version="1.0" encoding="utf-8"?>
 <p:sld xmlns:a="http://schemas.openxmlformats.org/drawingml/2006/main" xmlns:r="http://schemas.openxmlformats.org/officeDocument/2006/relationships" xmlns:p="http://schemas.openxmlformats.org/presentationml/2006/main">
   <p:cSld>
     <p:spTree>
@@ -24516,7 +20462,7 @@
             <a:pPr eaLnBrk="1" hangingPunct="1"/>
             <a:fld id="{4B2541F7-FCFA-41D5-8C49-B96AB393118D}" type="slidenum">
               <a:rPr lang="en-US" altLang="zh-CN" smtClean="0"/>
-              <a:t>49</a:t>
+              <a:t>36</a:t>
             </a:fld>
             <a:endParaRPr lang="en-US" altLang="zh-CN" smtClean="0"/>
           </a:p>
@@ -24679,272 +20625,7 @@
 </p:sld>
 </file>
 
-<file path=ppt/slides/slide5.xml><?xml version="1.0" encoding="utf-8"?>
-<p:sld xmlns:a="http://schemas.openxmlformats.org/drawingml/2006/main" xmlns:r="http://schemas.openxmlformats.org/officeDocument/2006/relationships" xmlns:p="http://schemas.openxmlformats.org/presentationml/2006/main">
-  <p:cSld>
-    <p:spTree>
-      <p:nvGrpSpPr>
-        <p:cNvPr id="1" name=""/>
-        <p:cNvGrpSpPr/>
-        <p:nvPr/>
-      </p:nvGrpSpPr>
-      <p:grpSpPr>
-        <a:xfrm>
-          <a:off x="0" y="0"/>
-          <a:ext cx="0" cy="0"/>
-          <a:chOff x="0" y="0"/>
-          <a:chExt cx="0" cy="0"/>
-        </a:xfrm>
-      </p:grpSpPr>
-      <p:sp>
-        <p:nvSpPr>
-          <p:cNvPr id="7170" name="灯片编号占位符 5"/>
-          <p:cNvSpPr>
-            <a:spLocks noGrp="1"/>
-          </p:cNvSpPr>
-          <p:nvPr>
-            <p:ph type="sldNum" sz="quarter" idx="12"/>
-          </p:nvPr>
-        </p:nvSpPr>
-        <p:spPr>
-          <a:noFill/>
-          <a:extLst>
-            <a:ext uri="{909E8E84-426E-40DD-AFC4-6F175D3DCCD1}">
-              <a14:hiddenFill xmlns:a14="http://schemas.microsoft.com/office/drawing/2010/main">
-                <a:solidFill>
-                  <a:srgbClr val="FFFFFF"/>
-                </a:solidFill>
-              </a14:hiddenFill>
-            </a:ext>
-            <a:ext uri="{91240B29-F687-4F45-9708-019B960494DF}">
-              <a14:hiddenLine xmlns:a14="http://schemas.microsoft.com/office/drawing/2010/main" w="9525">
-                <a:solidFill>
-                  <a:srgbClr val="000000"/>
-                </a:solidFill>
-                <a:miter lim="800000"/>
-                <a:headEnd/>
-                <a:tailEnd/>
-              </a14:hiddenLine>
-            </a:ext>
-          </a:extLst>
-        </p:spPr>
-        <p:txBody>
-          <a:bodyPr/>
-          <a:lstStyle>
-            <a:lvl1pPr eaLnBrk="0" hangingPunct="0">
-              <a:defRPr>
-                <a:solidFill>
-                  <a:schemeClr val="tx1"/>
-                </a:solidFill>
-                <a:latin typeface="Verdana" panose="020B0604030504040204" pitchFamily="34" charset="0"/>
-                <a:ea typeface="宋体" panose="02010600030101010101" pitchFamily="2" charset="-122"/>
-              </a:defRPr>
-            </a:lvl1pPr>
-            <a:lvl2pPr marL="742950" indent="-285750" eaLnBrk="0" hangingPunct="0">
-              <a:defRPr>
-                <a:solidFill>
-                  <a:schemeClr val="tx1"/>
-                </a:solidFill>
-                <a:latin typeface="Verdana" panose="020B0604030504040204" pitchFamily="34" charset="0"/>
-                <a:ea typeface="宋体" panose="02010600030101010101" pitchFamily="2" charset="-122"/>
-              </a:defRPr>
-            </a:lvl2pPr>
-            <a:lvl3pPr marL="1143000" indent="-228600" eaLnBrk="0" hangingPunct="0">
-              <a:defRPr>
-                <a:solidFill>
-                  <a:schemeClr val="tx1"/>
-                </a:solidFill>
-                <a:latin typeface="Verdana" panose="020B0604030504040204" pitchFamily="34" charset="0"/>
-                <a:ea typeface="宋体" panose="02010600030101010101" pitchFamily="2" charset="-122"/>
-              </a:defRPr>
-            </a:lvl3pPr>
-            <a:lvl4pPr marL="1600200" indent="-228600" eaLnBrk="0" hangingPunct="0">
-              <a:defRPr>
-                <a:solidFill>
-                  <a:schemeClr val="tx1"/>
-                </a:solidFill>
-                <a:latin typeface="Verdana" panose="020B0604030504040204" pitchFamily="34" charset="0"/>
-                <a:ea typeface="宋体" panose="02010600030101010101" pitchFamily="2" charset="-122"/>
-              </a:defRPr>
-            </a:lvl4pPr>
-            <a:lvl5pPr marL="2057400" indent="-228600" eaLnBrk="0" hangingPunct="0">
-              <a:defRPr>
-                <a:solidFill>
-                  <a:schemeClr val="tx1"/>
-                </a:solidFill>
-                <a:latin typeface="Verdana" panose="020B0604030504040204" pitchFamily="34" charset="0"/>
-                <a:ea typeface="宋体" panose="02010600030101010101" pitchFamily="2" charset="-122"/>
-              </a:defRPr>
-            </a:lvl5pPr>
-            <a:lvl6pPr marL="2514600" indent="-228600" eaLnBrk="0" fontAlgn="base" hangingPunct="0">
-              <a:spcBef>
-                <a:spcPct val="0"/>
-              </a:spcBef>
-              <a:spcAft>
-                <a:spcPct val="0"/>
-              </a:spcAft>
-              <a:defRPr>
-                <a:solidFill>
-                  <a:schemeClr val="tx1"/>
-                </a:solidFill>
-                <a:latin typeface="Verdana" panose="020B0604030504040204" pitchFamily="34" charset="0"/>
-                <a:ea typeface="宋体" panose="02010600030101010101" pitchFamily="2" charset="-122"/>
-              </a:defRPr>
-            </a:lvl6pPr>
-            <a:lvl7pPr marL="2971800" indent="-228600" eaLnBrk="0" fontAlgn="base" hangingPunct="0">
-              <a:spcBef>
-                <a:spcPct val="0"/>
-              </a:spcBef>
-              <a:spcAft>
-                <a:spcPct val="0"/>
-              </a:spcAft>
-              <a:defRPr>
-                <a:solidFill>
-                  <a:schemeClr val="tx1"/>
-                </a:solidFill>
-                <a:latin typeface="Verdana" panose="020B0604030504040204" pitchFamily="34" charset="0"/>
-                <a:ea typeface="宋体" panose="02010600030101010101" pitchFamily="2" charset="-122"/>
-              </a:defRPr>
-            </a:lvl7pPr>
-            <a:lvl8pPr marL="3429000" indent="-228600" eaLnBrk="0" fontAlgn="base" hangingPunct="0">
-              <a:spcBef>
-                <a:spcPct val="0"/>
-              </a:spcBef>
-              <a:spcAft>
-                <a:spcPct val="0"/>
-              </a:spcAft>
-              <a:defRPr>
-                <a:solidFill>
-                  <a:schemeClr val="tx1"/>
-                </a:solidFill>
-                <a:latin typeface="Verdana" panose="020B0604030504040204" pitchFamily="34" charset="0"/>
-                <a:ea typeface="宋体" panose="02010600030101010101" pitchFamily="2" charset="-122"/>
-              </a:defRPr>
-            </a:lvl8pPr>
-            <a:lvl9pPr marL="3886200" indent="-228600" eaLnBrk="0" fontAlgn="base" hangingPunct="0">
-              <a:spcBef>
-                <a:spcPct val="0"/>
-              </a:spcBef>
-              <a:spcAft>
-                <a:spcPct val="0"/>
-              </a:spcAft>
-              <a:defRPr>
-                <a:solidFill>
-                  <a:schemeClr val="tx1"/>
-                </a:solidFill>
-                <a:latin typeface="Verdana" panose="020B0604030504040204" pitchFamily="34" charset="0"/>
-                <a:ea typeface="宋体" panose="02010600030101010101" pitchFamily="2" charset="-122"/>
-              </a:defRPr>
-            </a:lvl9pPr>
-          </a:lstStyle>
-          <a:p>
-            <a:pPr eaLnBrk="1" hangingPunct="1"/>
-            <a:fld id="{387D7707-43CE-4D1B-A250-979A8C610C1D}" type="slidenum">
-              <a:rPr lang="en-US" altLang="zh-CN" smtClean="0"/>
-              <a:t>5</a:t>
-            </a:fld>
-            <a:endParaRPr lang="en-US" altLang="zh-CN" smtClean="0"/>
-          </a:p>
-        </p:txBody>
-      </p:sp>
-      <p:sp>
-        <p:nvSpPr>
-          <p:cNvPr id="7171" name="Rectangle 2"/>
-          <p:cNvSpPr>
-            <a:spLocks noGrp="1" noChangeArrowheads="1"/>
-          </p:cNvSpPr>
-          <p:nvPr>
-            <p:ph type="title"/>
-          </p:nvPr>
-        </p:nvSpPr>
-        <p:spPr/>
-        <p:txBody>
-          <a:bodyPr/>
-          <a:lstStyle/>
-          <a:p>
-            <a:pPr eaLnBrk="1" hangingPunct="1"/>
-            <a:r>
-              <a:rPr lang="en-US" altLang="zh-CN" b="1" smtClean="0">
-                <a:latin typeface="黑体" panose="02010609060101010101" pitchFamily="49" charset="-122"/>
-                <a:ea typeface="黑体" panose="02010609060101010101" pitchFamily="49" charset="-122"/>
-              </a:rPr>
-              <a:t>10.1 </a:t>
-            </a:r>
-            <a:r>
-              <a:rPr lang="zh-CN" altLang="en-US" b="1" smtClean="0">
-                <a:latin typeface="黑体" panose="02010609060101010101" pitchFamily="49" charset="-122"/>
-                <a:ea typeface="黑体" panose="02010609060101010101" pitchFamily="49" charset="-122"/>
-              </a:rPr>
-              <a:t>软件测试过程模型</a:t>
-            </a:r>
-          </a:p>
-        </p:txBody>
-      </p:sp>
-      <p:sp>
-        <p:nvSpPr>
-          <p:cNvPr id="7172" name="Rectangle 3"/>
-          <p:cNvSpPr>
-            <a:spLocks noGrp="1" noChangeArrowheads="1"/>
-          </p:cNvSpPr>
-          <p:nvPr>
-            <p:ph type="body" idx="1"/>
-          </p:nvPr>
-        </p:nvSpPr>
-        <p:spPr/>
-        <p:txBody>
-          <a:bodyPr/>
-          <a:lstStyle/>
-          <a:p>
-            <a:pPr algn="just" eaLnBrk="1" hangingPunct="1"/>
-            <a:r>
-              <a:rPr lang="en-US" altLang="zh-CN" sz="3400" b="1" dirty="0" smtClean="0"/>
-              <a:t>V</a:t>
-            </a:r>
-            <a:r>
-              <a:rPr lang="zh-CN" altLang="en-US" sz="3400" b="1" dirty="0" smtClean="0"/>
-              <a:t>模型策略</a:t>
-            </a:r>
-            <a:endParaRPr lang="en-US" altLang="zh-CN" sz="3400" b="1" dirty="0" smtClean="0"/>
-          </a:p>
-          <a:p>
-            <a:pPr algn="just" eaLnBrk="1" hangingPunct="1"/>
-            <a:r>
-              <a:rPr lang="zh-CN" altLang="en-US" sz="3400" b="1" dirty="0" smtClean="0"/>
-              <a:t>动态测试行为应与</a:t>
-            </a:r>
-            <a:r>
-              <a:rPr lang="zh-CN" altLang="en-US" sz="3400" b="1" dirty="0" smtClean="0">
-                <a:solidFill>
-                  <a:srgbClr val="FF0000"/>
-                </a:solidFill>
-              </a:rPr>
-              <a:t>开发行为</a:t>
-            </a:r>
-            <a:r>
-              <a:rPr lang="zh-CN" altLang="en-US" sz="3400" b="1" dirty="0" smtClean="0"/>
-              <a:t>对应，每个测试阶段的基础是对应开发阶段的提交物，并通过低层测试确保源代码正确，通过高层测试保证整个系统满足用户需求</a:t>
-            </a:r>
-            <a:endParaRPr lang="en-US" altLang="zh-CN" sz="3400" b="1" dirty="0" smtClean="0"/>
-          </a:p>
-        </p:txBody>
-      </p:sp>
-    </p:spTree>
-  </p:cSld>
-  <p:clrMapOvr>
-    <a:masterClrMapping/>
-  </p:clrMapOvr>
-  <p:transition/>
-  <p:timing>
-    <p:tnLst>
-      <p:par>
-        <p:cTn id="1" dur="indefinite" restart="never" nodeType="tmRoot"/>
-      </p:par>
-    </p:tnLst>
-  </p:timing>
-</p:sld>
-</file>
-
-<file path=ppt/slides/slide50.xml><?xml version="1.0" encoding="utf-8"?>
+<file path=ppt/slides/slide37.xml><?xml version="1.0" encoding="utf-8"?>
 <p:sld xmlns:a="http://schemas.openxmlformats.org/drawingml/2006/main" xmlns:r="http://schemas.openxmlformats.org/officeDocument/2006/relationships" xmlns:p="http://schemas.openxmlformats.org/presentationml/2006/main">
   <p:cSld>
     <p:spTree>
@@ -25106,7 +20787,7 @@
             <a:pPr eaLnBrk="1" hangingPunct="1"/>
             <a:fld id="{731F52EA-0F31-49BC-9911-5AA18546C896}" type="slidenum">
               <a:rPr lang="en-US" altLang="zh-CN" smtClean="0"/>
-              <a:t>50</a:t>
+              <a:t>37</a:t>
             </a:fld>
             <a:endParaRPr lang="en-US" altLang="zh-CN" smtClean="0"/>
           </a:p>
@@ -25258,7 +20939,7 @@
 </p:sld>
 </file>
 
-<file path=ppt/slides/slide51.xml><?xml version="1.0" encoding="utf-8"?>
+<file path=ppt/slides/slide38.xml><?xml version="1.0" encoding="utf-8"?>
 <p:sld xmlns:a="http://schemas.openxmlformats.org/drawingml/2006/main" xmlns:r="http://schemas.openxmlformats.org/officeDocument/2006/relationships" xmlns:p="http://schemas.openxmlformats.org/presentationml/2006/main">
   <p:cSld>
     <p:spTree>
@@ -25420,7 +21101,7 @@
             <a:pPr eaLnBrk="1" hangingPunct="1"/>
             <a:fld id="{A1CB3164-FE20-4025-9E24-6CE2F89B78D8}" type="slidenum">
               <a:rPr lang="en-US" altLang="zh-CN" smtClean="0"/>
-              <a:t>51</a:t>
+              <a:t>38</a:t>
             </a:fld>
             <a:endParaRPr lang="en-US" altLang="zh-CN" smtClean="0"/>
           </a:p>
@@ -25591,7 +21272,7 @@
 </p:sld>
 </file>
 
-<file path=ppt/slides/slide52.xml><?xml version="1.0" encoding="utf-8"?>
+<file path=ppt/slides/slide39.xml><?xml version="1.0" encoding="utf-8"?>
 <p:sld xmlns:a="http://schemas.openxmlformats.org/drawingml/2006/main" xmlns:r="http://schemas.openxmlformats.org/officeDocument/2006/relationships" xmlns:p="http://schemas.openxmlformats.org/presentationml/2006/main">
   <p:cSld>
     <p:spTree>
@@ -25753,7 +21434,7 @@
             <a:pPr eaLnBrk="1" hangingPunct="1"/>
             <a:fld id="{1107467C-DB5C-441D-B722-EFAEF16884F0}" type="slidenum">
               <a:rPr lang="en-US" altLang="zh-CN" smtClean="0"/>
-              <a:t>52</a:t>
+              <a:t>39</a:t>
             </a:fld>
             <a:endParaRPr lang="en-US" altLang="zh-CN" smtClean="0"/>
           </a:p>
@@ -26046,7 +21727,298 @@
 </p:sld>
 </file>
 
-<file path=ppt/slides/slide53.xml><?xml version="1.0" encoding="utf-8"?>
+<file path=ppt/slides/slide4.xml><?xml version="1.0" encoding="utf-8"?>
+<p:sld xmlns:a="http://schemas.openxmlformats.org/drawingml/2006/main" xmlns:r="http://schemas.openxmlformats.org/officeDocument/2006/relationships" xmlns:p="http://schemas.openxmlformats.org/presentationml/2006/main">
+  <p:cSld>
+    <p:spTree>
+      <p:nvGrpSpPr>
+        <p:cNvPr id="1" name=""/>
+        <p:cNvGrpSpPr/>
+        <p:nvPr/>
+      </p:nvGrpSpPr>
+      <p:grpSpPr>
+        <a:xfrm>
+          <a:off x="0" y="0"/>
+          <a:ext cx="0" cy="0"/>
+          <a:chOff x="0" y="0"/>
+          <a:chExt cx="0" cy="0"/>
+        </a:xfrm>
+      </p:grpSpPr>
+      <p:sp>
+        <p:nvSpPr>
+          <p:cNvPr id="19458" name="灯片编号占位符 5"/>
+          <p:cNvSpPr>
+            <a:spLocks noGrp="1"/>
+          </p:cNvSpPr>
+          <p:nvPr>
+            <p:ph type="sldNum" sz="quarter" idx="12"/>
+          </p:nvPr>
+        </p:nvSpPr>
+        <p:spPr>
+          <a:noFill/>
+          <a:extLst>
+            <a:ext uri="{909E8E84-426E-40DD-AFC4-6F175D3DCCD1}">
+              <a14:hiddenFill xmlns:a14="http://schemas.microsoft.com/office/drawing/2010/main">
+                <a:solidFill>
+                  <a:srgbClr val="FFFFFF"/>
+                </a:solidFill>
+              </a14:hiddenFill>
+            </a:ext>
+            <a:ext uri="{91240B29-F687-4F45-9708-019B960494DF}">
+              <a14:hiddenLine xmlns:a14="http://schemas.microsoft.com/office/drawing/2010/main" w="9525">
+                <a:solidFill>
+                  <a:srgbClr val="000000"/>
+                </a:solidFill>
+                <a:miter lim="800000"/>
+                <a:headEnd/>
+                <a:tailEnd/>
+              </a14:hiddenLine>
+            </a:ext>
+          </a:extLst>
+        </p:spPr>
+        <p:txBody>
+          <a:bodyPr/>
+          <a:lstStyle>
+            <a:lvl1pPr eaLnBrk="0" hangingPunct="0">
+              <a:defRPr>
+                <a:solidFill>
+                  <a:schemeClr val="tx1"/>
+                </a:solidFill>
+                <a:latin typeface="Verdana" panose="020B0604030504040204" pitchFamily="34" charset="0"/>
+                <a:ea typeface="宋体" panose="02010600030101010101" pitchFamily="2" charset="-122"/>
+              </a:defRPr>
+            </a:lvl1pPr>
+            <a:lvl2pPr marL="742950" indent="-285750" eaLnBrk="0" hangingPunct="0">
+              <a:defRPr>
+                <a:solidFill>
+                  <a:schemeClr val="tx1"/>
+                </a:solidFill>
+                <a:latin typeface="Verdana" panose="020B0604030504040204" pitchFamily="34" charset="0"/>
+                <a:ea typeface="宋体" panose="02010600030101010101" pitchFamily="2" charset="-122"/>
+              </a:defRPr>
+            </a:lvl2pPr>
+            <a:lvl3pPr marL="1143000" indent="-228600" eaLnBrk="0" hangingPunct="0">
+              <a:defRPr>
+                <a:solidFill>
+                  <a:schemeClr val="tx1"/>
+                </a:solidFill>
+                <a:latin typeface="Verdana" panose="020B0604030504040204" pitchFamily="34" charset="0"/>
+                <a:ea typeface="宋体" panose="02010600030101010101" pitchFamily="2" charset="-122"/>
+              </a:defRPr>
+            </a:lvl3pPr>
+            <a:lvl4pPr marL="1600200" indent="-228600" eaLnBrk="0" hangingPunct="0">
+              <a:defRPr>
+                <a:solidFill>
+                  <a:schemeClr val="tx1"/>
+                </a:solidFill>
+                <a:latin typeface="Verdana" panose="020B0604030504040204" pitchFamily="34" charset="0"/>
+                <a:ea typeface="宋体" panose="02010600030101010101" pitchFamily="2" charset="-122"/>
+              </a:defRPr>
+            </a:lvl4pPr>
+            <a:lvl5pPr marL="2057400" indent="-228600" eaLnBrk="0" hangingPunct="0">
+              <a:defRPr>
+                <a:solidFill>
+                  <a:schemeClr val="tx1"/>
+                </a:solidFill>
+                <a:latin typeface="Verdana" panose="020B0604030504040204" pitchFamily="34" charset="0"/>
+                <a:ea typeface="宋体" panose="02010600030101010101" pitchFamily="2" charset="-122"/>
+              </a:defRPr>
+            </a:lvl5pPr>
+            <a:lvl6pPr marL="2514600" indent="-228600" eaLnBrk="0" fontAlgn="base" hangingPunct="0">
+              <a:spcBef>
+                <a:spcPct val="0"/>
+              </a:spcBef>
+              <a:spcAft>
+                <a:spcPct val="0"/>
+              </a:spcAft>
+              <a:defRPr>
+                <a:solidFill>
+                  <a:schemeClr val="tx1"/>
+                </a:solidFill>
+                <a:latin typeface="Verdana" panose="020B0604030504040204" pitchFamily="34" charset="0"/>
+                <a:ea typeface="宋体" panose="02010600030101010101" pitchFamily="2" charset="-122"/>
+              </a:defRPr>
+            </a:lvl6pPr>
+            <a:lvl7pPr marL="2971800" indent="-228600" eaLnBrk="0" fontAlgn="base" hangingPunct="0">
+              <a:spcBef>
+                <a:spcPct val="0"/>
+              </a:spcBef>
+              <a:spcAft>
+                <a:spcPct val="0"/>
+              </a:spcAft>
+              <a:defRPr>
+                <a:solidFill>
+                  <a:schemeClr val="tx1"/>
+                </a:solidFill>
+                <a:latin typeface="Verdana" panose="020B0604030504040204" pitchFamily="34" charset="0"/>
+                <a:ea typeface="宋体" panose="02010600030101010101" pitchFamily="2" charset="-122"/>
+              </a:defRPr>
+            </a:lvl7pPr>
+            <a:lvl8pPr marL="3429000" indent="-228600" eaLnBrk="0" fontAlgn="base" hangingPunct="0">
+              <a:spcBef>
+                <a:spcPct val="0"/>
+              </a:spcBef>
+              <a:spcAft>
+                <a:spcPct val="0"/>
+              </a:spcAft>
+              <a:defRPr>
+                <a:solidFill>
+                  <a:schemeClr val="tx1"/>
+                </a:solidFill>
+                <a:latin typeface="Verdana" panose="020B0604030504040204" pitchFamily="34" charset="0"/>
+                <a:ea typeface="宋体" panose="02010600030101010101" pitchFamily="2" charset="-122"/>
+              </a:defRPr>
+            </a:lvl8pPr>
+            <a:lvl9pPr marL="3886200" indent="-228600" eaLnBrk="0" fontAlgn="base" hangingPunct="0">
+              <a:spcBef>
+                <a:spcPct val="0"/>
+              </a:spcBef>
+              <a:spcAft>
+                <a:spcPct val="0"/>
+              </a:spcAft>
+              <a:defRPr>
+                <a:solidFill>
+                  <a:schemeClr val="tx1"/>
+                </a:solidFill>
+                <a:latin typeface="Verdana" panose="020B0604030504040204" pitchFamily="34" charset="0"/>
+                <a:ea typeface="宋体" panose="02010600030101010101" pitchFamily="2" charset="-122"/>
+              </a:defRPr>
+            </a:lvl9pPr>
+          </a:lstStyle>
+          <a:p>
+            <a:pPr eaLnBrk="1" hangingPunct="1"/>
+            <a:fld id="{3ADA1BCF-B74F-4159-AAF2-E4A6DC51B570}" type="slidenum">
+              <a:rPr lang="en-US" altLang="zh-CN" smtClean="0"/>
+              <a:t>4</a:t>
+            </a:fld>
+            <a:endParaRPr lang="en-US" altLang="zh-CN" smtClean="0"/>
+          </a:p>
+        </p:txBody>
+      </p:sp>
+      <p:sp>
+        <p:nvSpPr>
+          <p:cNvPr id="19459" name="Rectangle 2"/>
+          <p:cNvSpPr>
+            <a:spLocks noGrp="1" noChangeArrowheads="1"/>
+          </p:cNvSpPr>
+          <p:nvPr>
+            <p:ph type="title"/>
+          </p:nvPr>
+        </p:nvSpPr>
+        <p:spPr/>
+        <p:txBody>
+          <a:bodyPr/>
+          <a:lstStyle/>
+          <a:p>
+            <a:pPr eaLnBrk="1" hangingPunct="1"/>
+            <a:r>
+              <a:rPr lang="en-US" altLang="zh-CN" b="1" smtClean="0">
+                <a:latin typeface="黑体" panose="02010609060101010101" pitchFamily="49" charset="-122"/>
+                <a:ea typeface="黑体" panose="02010609060101010101" pitchFamily="49" charset="-122"/>
+              </a:rPr>
+              <a:t>10.2 </a:t>
+            </a:r>
+            <a:r>
+              <a:rPr lang="zh-CN" altLang="en-US" b="1" smtClean="0">
+                <a:latin typeface="黑体" panose="02010609060101010101" pitchFamily="49" charset="-122"/>
+                <a:ea typeface="黑体" panose="02010609060101010101" pitchFamily="49" charset="-122"/>
+              </a:rPr>
+              <a:t>测试用例的管理</a:t>
+            </a:r>
+          </a:p>
+        </p:txBody>
+      </p:sp>
+      <p:sp>
+        <p:nvSpPr>
+          <p:cNvPr id="19460" name="Rectangle 3"/>
+          <p:cNvSpPr>
+            <a:spLocks noGrp="1" noChangeArrowheads="1"/>
+          </p:cNvSpPr>
+          <p:nvPr>
+            <p:ph type="body" idx="1"/>
+          </p:nvPr>
+        </p:nvSpPr>
+        <p:spPr/>
+        <p:txBody>
+          <a:bodyPr/>
+          <a:lstStyle/>
+          <a:p>
+            <a:pPr algn="just" eaLnBrk="1" hangingPunct="1"/>
+            <a:r>
+              <a:rPr lang="zh-CN" altLang="en-US" sz="3400" b="1" dirty="0" smtClean="0"/>
+              <a:t>测试用例报告的撰写</a:t>
+            </a:r>
+            <a:r>
+              <a:rPr lang="en-US" altLang="zh-CN" sz="3400" b="1" dirty="0" smtClean="0"/>
+              <a:t>(2)</a:t>
+            </a:r>
+          </a:p>
+          <a:p>
+            <a:pPr lvl="1" algn="just" eaLnBrk="1" hangingPunct="1"/>
+            <a:r>
+              <a:rPr lang="zh-CN" altLang="en-US" b="1" dirty="0" smtClean="0"/>
+              <a:t>测试包</a:t>
+            </a:r>
+            <a:endParaRPr lang="en-US" altLang="zh-CN" b="1" dirty="0" smtClean="0"/>
+          </a:p>
+          <a:p>
+            <a:pPr lvl="1" algn="just" eaLnBrk="1" hangingPunct="1"/>
+            <a:r>
+              <a:rPr lang="zh-CN" altLang="en-US" b="1" dirty="0" smtClean="0"/>
+              <a:t>优先级</a:t>
+            </a:r>
+            <a:endParaRPr lang="en-US" altLang="zh-CN" b="1" dirty="0" smtClean="0"/>
+          </a:p>
+          <a:p>
+            <a:pPr lvl="1" algn="just" eaLnBrk="1" hangingPunct="1"/>
+            <a:r>
+              <a:rPr lang="zh-CN" altLang="en-US" b="1" dirty="0" smtClean="0"/>
+              <a:t>预置条件</a:t>
+            </a:r>
+            <a:endParaRPr lang="en-US" altLang="zh-CN" b="1" dirty="0" smtClean="0"/>
+          </a:p>
+          <a:p>
+            <a:pPr lvl="1" algn="just" eaLnBrk="1" hangingPunct="1"/>
+            <a:r>
+              <a:rPr lang="zh-CN" altLang="en-US" b="1" dirty="0" smtClean="0"/>
+              <a:t>初始化和清除环境</a:t>
+            </a:r>
+            <a:endParaRPr lang="en-US" altLang="zh-CN" b="1" dirty="0" smtClean="0"/>
+          </a:p>
+          <a:p>
+            <a:pPr lvl="1" algn="just" eaLnBrk="1" hangingPunct="1"/>
+            <a:r>
+              <a:rPr lang="zh-CN" altLang="en-US" b="1" dirty="0" smtClean="0"/>
+              <a:t>测试环境</a:t>
+            </a:r>
+            <a:endParaRPr lang="en-US" altLang="zh-CN" b="1" dirty="0" smtClean="0"/>
+          </a:p>
+          <a:p>
+            <a:pPr lvl="1" algn="just" eaLnBrk="1" hangingPunct="1"/>
+            <a:r>
+              <a:rPr lang="zh-CN" altLang="en-US" b="1" dirty="0" smtClean="0"/>
+              <a:t>参考文档</a:t>
+            </a:r>
+          </a:p>
+        </p:txBody>
+      </p:sp>
+    </p:spTree>
+  </p:cSld>
+  <p:clrMapOvr>
+    <a:masterClrMapping/>
+  </p:clrMapOvr>
+  <p:transition/>
+  <p:timing>
+    <p:tnLst>
+      <p:par>
+        <p:cTn id="1" dur="indefinite" restart="never" nodeType="tmRoot"/>
+      </p:par>
+    </p:tnLst>
+  </p:timing>
+</p:sld>
+</file>
+
+<file path=ppt/slides/slide40.xml><?xml version="1.0" encoding="utf-8"?>
 <p:sld xmlns:a="http://schemas.openxmlformats.org/drawingml/2006/main" xmlns:r="http://schemas.openxmlformats.org/officeDocument/2006/relationships" xmlns:p="http://schemas.openxmlformats.org/presentationml/2006/main">
   <p:cSld>
     <p:spTree>
@@ -26208,7 +22180,7 @@
             <a:pPr eaLnBrk="1" hangingPunct="1"/>
             <a:fld id="{58E7DC71-99FE-43E1-8D0A-DB6E295DF205}" type="slidenum">
               <a:rPr lang="en-US" altLang="zh-CN" smtClean="0"/>
-              <a:t>53</a:t>
+              <a:t>40</a:t>
             </a:fld>
             <a:endParaRPr lang="en-US" altLang="zh-CN" smtClean="0"/>
           </a:p>
@@ -26352,7 +22324,7 @@
 </p:sld>
 </file>
 
-<file path=ppt/slides/slide54.xml><?xml version="1.0" encoding="utf-8"?>
+<file path=ppt/slides/slide41.xml><?xml version="1.0" encoding="utf-8"?>
 <p:sld xmlns:a="http://schemas.openxmlformats.org/drawingml/2006/main" xmlns:r="http://schemas.openxmlformats.org/officeDocument/2006/relationships" xmlns:p="http://schemas.openxmlformats.org/presentationml/2006/main">
   <p:cSld>
     <p:spTree>
@@ -26514,7 +22486,7 @@
             <a:pPr eaLnBrk="1" hangingPunct="1"/>
             <a:fld id="{AD5DC7F9-661F-4D29-A22A-39259A604007}" type="slidenum">
               <a:rPr lang="en-US" altLang="zh-CN" smtClean="0"/>
-              <a:t>54</a:t>
+              <a:t>41</a:t>
             </a:fld>
             <a:endParaRPr lang="en-US" altLang="zh-CN" smtClean="0"/>
           </a:p>
@@ -26755,7 +22727,7 @@
 </p:sld>
 </file>
 
-<file path=ppt/slides/slide55.xml><?xml version="1.0" encoding="utf-8"?>
+<file path=ppt/slides/slide42.xml><?xml version="1.0" encoding="utf-8"?>
 <p:sld xmlns:a="http://schemas.openxmlformats.org/drawingml/2006/main" xmlns:r="http://schemas.openxmlformats.org/officeDocument/2006/relationships" xmlns:p="http://schemas.openxmlformats.org/presentationml/2006/main">
   <p:cSld>
     <p:spTree>
@@ -26917,7 +22889,7 @@
             <a:pPr eaLnBrk="1" hangingPunct="1"/>
             <a:fld id="{B059DA03-42E6-4AA9-AE26-B14091976608}" type="slidenum">
               <a:rPr lang="en-US" altLang="zh-CN" smtClean="0"/>
-              <a:t>55</a:t>
+              <a:t>42</a:t>
             </a:fld>
             <a:endParaRPr lang="en-US" altLang="zh-CN" smtClean="0"/>
           </a:p>
@@ -27053,7 +23025,7 @@
 </p:sld>
 </file>
 
-<file path=ppt/slides/slide56.xml><?xml version="1.0" encoding="utf-8"?>
+<file path=ppt/slides/slide43.xml><?xml version="1.0" encoding="utf-8"?>
 <p:sld xmlns:a="http://schemas.openxmlformats.org/drawingml/2006/main" xmlns:r="http://schemas.openxmlformats.org/officeDocument/2006/relationships" xmlns:p="http://schemas.openxmlformats.org/presentationml/2006/main">
   <p:cSld>
     <p:spTree>
@@ -27215,7 +23187,7 @@
             <a:pPr eaLnBrk="1" hangingPunct="1"/>
             <a:fld id="{EEC20CCD-1FF8-46D6-9AF5-C2D7B9E78E51}" type="slidenum">
               <a:rPr lang="en-US" altLang="zh-CN" smtClean="0"/>
-              <a:t>56</a:t>
+              <a:t>43</a:t>
             </a:fld>
             <a:endParaRPr lang="en-US" altLang="zh-CN" smtClean="0"/>
           </a:p>
@@ -27473,7 +23445,7 @@
 </p:sld>
 </file>
 
-<file path=ppt/slides/slide57.xml><?xml version="1.0" encoding="utf-8"?>
+<file path=ppt/slides/slide44.xml><?xml version="1.0" encoding="utf-8"?>
 <p:sld xmlns:a="http://schemas.openxmlformats.org/drawingml/2006/main" xmlns:r="http://schemas.openxmlformats.org/officeDocument/2006/relationships" xmlns:p="http://schemas.openxmlformats.org/presentationml/2006/main">
   <p:cSld>
     <p:spTree>
@@ -27635,7 +23607,7 @@
             <a:pPr eaLnBrk="1" hangingPunct="1"/>
             <a:fld id="{661FC2F8-4E0F-4BB1-89AD-BCDF3DCB88A8}" type="slidenum">
               <a:rPr lang="en-US" altLang="zh-CN" smtClean="0"/>
-              <a:t>57</a:t>
+              <a:t>44</a:t>
             </a:fld>
             <a:endParaRPr lang="en-US" altLang="zh-CN" smtClean="0"/>
           </a:p>
@@ -27817,7 +23789,7 @@
 </p:sld>
 </file>
 
-<file path=ppt/slides/slide58.xml><?xml version="1.0" encoding="utf-8"?>
+<file path=ppt/slides/slide45.xml><?xml version="1.0" encoding="utf-8"?>
 <p:sld xmlns:a="http://schemas.openxmlformats.org/drawingml/2006/main" xmlns:r="http://schemas.openxmlformats.org/officeDocument/2006/relationships" xmlns:p="http://schemas.openxmlformats.org/presentationml/2006/main">
   <p:cSld>
     <p:spTree>
@@ -27979,7 +23951,7 @@
             <a:pPr eaLnBrk="1" hangingPunct="1"/>
             <a:fld id="{600F1FC0-9E5F-4FD1-B8DA-40A978189E06}" type="slidenum">
               <a:rPr lang="en-US" altLang="zh-CN" smtClean="0"/>
-              <a:t>58</a:t>
+              <a:t>45</a:t>
             </a:fld>
             <a:endParaRPr lang="en-US" altLang="zh-CN" smtClean="0"/>
           </a:p>
@@ -28130,7 +24102,7 @@
 </p:sld>
 </file>
 
-<file path=ppt/slides/slide59.xml><?xml version="1.0" encoding="utf-8"?>
+<file path=ppt/slides/slide46.xml><?xml version="1.0" encoding="utf-8"?>
 <p:sld xmlns:a="http://schemas.openxmlformats.org/drawingml/2006/main" xmlns:r="http://schemas.openxmlformats.org/officeDocument/2006/relationships" xmlns:p="http://schemas.openxmlformats.org/presentationml/2006/main">
   <p:cSld>
     <p:spTree>
@@ -28167,7 +24139,7 @@
             </a:pPr>
             <a:fld id="{CB6A985E-BE02-4E5A-8B89-C24F6CB4E833}" type="slidenum">
               <a:rPr lang="en-US" altLang="zh-CN" smtClean="0"/>
-              <a:t>59</a:t>
+              <a:t>46</a:t>
             </a:fld>
             <a:endParaRPr lang="en-US" altLang="zh-CN"/>
           </a:p>
@@ -29053,274 +25025,7 @@
 </p:sld>
 </file>
 
-<file path=ppt/slides/slide6.xml><?xml version="1.0" encoding="utf-8"?>
-<p:sld xmlns:a="http://schemas.openxmlformats.org/drawingml/2006/main" xmlns:r="http://schemas.openxmlformats.org/officeDocument/2006/relationships" xmlns:p="http://schemas.openxmlformats.org/presentationml/2006/main">
-  <p:cSld>
-    <p:spTree>
-      <p:nvGrpSpPr>
-        <p:cNvPr id="1" name=""/>
-        <p:cNvGrpSpPr/>
-        <p:nvPr/>
-      </p:nvGrpSpPr>
-      <p:grpSpPr>
-        <a:xfrm>
-          <a:off x="0" y="0"/>
-          <a:ext cx="0" cy="0"/>
-          <a:chOff x="0" y="0"/>
-          <a:chExt cx="0" cy="0"/>
-        </a:xfrm>
-      </p:grpSpPr>
-      <p:sp>
-        <p:nvSpPr>
-          <p:cNvPr id="8194" name="灯片编号占位符 5"/>
-          <p:cNvSpPr>
-            <a:spLocks noGrp="1"/>
-          </p:cNvSpPr>
-          <p:nvPr>
-            <p:ph type="sldNum" sz="quarter" idx="12"/>
-          </p:nvPr>
-        </p:nvSpPr>
-        <p:spPr>
-          <a:noFill/>
-          <a:extLst>
-            <a:ext uri="{909E8E84-426E-40DD-AFC4-6F175D3DCCD1}">
-              <a14:hiddenFill xmlns:a14="http://schemas.microsoft.com/office/drawing/2010/main">
-                <a:solidFill>
-                  <a:srgbClr val="FFFFFF"/>
-                </a:solidFill>
-              </a14:hiddenFill>
-            </a:ext>
-            <a:ext uri="{91240B29-F687-4F45-9708-019B960494DF}">
-              <a14:hiddenLine xmlns:a14="http://schemas.microsoft.com/office/drawing/2010/main" w="9525">
-                <a:solidFill>
-                  <a:srgbClr val="000000"/>
-                </a:solidFill>
-                <a:miter lim="800000"/>
-                <a:headEnd/>
-                <a:tailEnd/>
-              </a14:hiddenLine>
-            </a:ext>
-          </a:extLst>
-        </p:spPr>
-        <p:txBody>
-          <a:bodyPr/>
-          <a:lstStyle>
-            <a:lvl1pPr eaLnBrk="0" hangingPunct="0">
-              <a:defRPr>
-                <a:solidFill>
-                  <a:schemeClr val="tx1"/>
-                </a:solidFill>
-                <a:latin typeface="Verdana" panose="020B0604030504040204" pitchFamily="34" charset="0"/>
-                <a:ea typeface="宋体" panose="02010600030101010101" pitchFamily="2" charset="-122"/>
-              </a:defRPr>
-            </a:lvl1pPr>
-            <a:lvl2pPr marL="742950" indent="-285750" eaLnBrk="0" hangingPunct="0">
-              <a:defRPr>
-                <a:solidFill>
-                  <a:schemeClr val="tx1"/>
-                </a:solidFill>
-                <a:latin typeface="Verdana" panose="020B0604030504040204" pitchFamily="34" charset="0"/>
-                <a:ea typeface="宋体" panose="02010600030101010101" pitchFamily="2" charset="-122"/>
-              </a:defRPr>
-            </a:lvl2pPr>
-            <a:lvl3pPr marL="1143000" indent="-228600" eaLnBrk="0" hangingPunct="0">
-              <a:defRPr>
-                <a:solidFill>
-                  <a:schemeClr val="tx1"/>
-                </a:solidFill>
-                <a:latin typeface="Verdana" panose="020B0604030504040204" pitchFamily="34" charset="0"/>
-                <a:ea typeface="宋体" panose="02010600030101010101" pitchFamily="2" charset="-122"/>
-              </a:defRPr>
-            </a:lvl3pPr>
-            <a:lvl4pPr marL="1600200" indent="-228600" eaLnBrk="0" hangingPunct="0">
-              <a:defRPr>
-                <a:solidFill>
-                  <a:schemeClr val="tx1"/>
-                </a:solidFill>
-                <a:latin typeface="Verdana" panose="020B0604030504040204" pitchFamily="34" charset="0"/>
-                <a:ea typeface="宋体" panose="02010600030101010101" pitchFamily="2" charset="-122"/>
-              </a:defRPr>
-            </a:lvl4pPr>
-            <a:lvl5pPr marL="2057400" indent="-228600" eaLnBrk="0" hangingPunct="0">
-              <a:defRPr>
-                <a:solidFill>
-                  <a:schemeClr val="tx1"/>
-                </a:solidFill>
-                <a:latin typeface="Verdana" panose="020B0604030504040204" pitchFamily="34" charset="0"/>
-                <a:ea typeface="宋体" panose="02010600030101010101" pitchFamily="2" charset="-122"/>
-              </a:defRPr>
-            </a:lvl5pPr>
-            <a:lvl6pPr marL="2514600" indent="-228600" eaLnBrk="0" fontAlgn="base" hangingPunct="0">
-              <a:spcBef>
-                <a:spcPct val="0"/>
-              </a:spcBef>
-              <a:spcAft>
-                <a:spcPct val="0"/>
-              </a:spcAft>
-              <a:defRPr>
-                <a:solidFill>
-                  <a:schemeClr val="tx1"/>
-                </a:solidFill>
-                <a:latin typeface="Verdana" panose="020B0604030504040204" pitchFamily="34" charset="0"/>
-                <a:ea typeface="宋体" panose="02010600030101010101" pitchFamily="2" charset="-122"/>
-              </a:defRPr>
-            </a:lvl6pPr>
-            <a:lvl7pPr marL="2971800" indent="-228600" eaLnBrk="0" fontAlgn="base" hangingPunct="0">
-              <a:spcBef>
-                <a:spcPct val="0"/>
-              </a:spcBef>
-              <a:spcAft>
-                <a:spcPct val="0"/>
-              </a:spcAft>
-              <a:defRPr>
-                <a:solidFill>
-                  <a:schemeClr val="tx1"/>
-                </a:solidFill>
-                <a:latin typeface="Verdana" panose="020B0604030504040204" pitchFamily="34" charset="0"/>
-                <a:ea typeface="宋体" panose="02010600030101010101" pitchFamily="2" charset="-122"/>
-              </a:defRPr>
-            </a:lvl7pPr>
-            <a:lvl8pPr marL="3429000" indent="-228600" eaLnBrk="0" fontAlgn="base" hangingPunct="0">
-              <a:spcBef>
-                <a:spcPct val="0"/>
-              </a:spcBef>
-              <a:spcAft>
-                <a:spcPct val="0"/>
-              </a:spcAft>
-              <a:defRPr>
-                <a:solidFill>
-                  <a:schemeClr val="tx1"/>
-                </a:solidFill>
-                <a:latin typeface="Verdana" panose="020B0604030504040204" pitchFamily="34" charset="0"/>
-                <a:ea typeface="宋体" panose="02010600030101010101" pitchFamily="2" charset="-122"/>
-              </a:defRPr>
-            </a:lvl8pPr>
-            <a:lvl9pPr marL="3886200" indent="-228600" eaLnBrk="0" fontAlgn="base" hangingPunct="0">
-              <a:spcBef>
-                <a:spcPct val="0"/>
-              </a:spcBef>
-              <a:spcAft>
-                <a:spcPct val="0"/>
-              </a:spcAft>
-              <a:defRPr>
-                <a:solidFill>
-                  <a:schemeClr val="tx1"/>
-                </a:solidFill>
-                <a:latin typeface="Verdana" panose="020B0604030504040204" pitchFamily="34" charset="0"/>
-                <a:ea typeface="宋体" panose="02010600030101010101" pitchFamily="2" charset="-122"/>
-              </a:defRPr>
-            </a:lvl9pPr>
-          </a:lstStyle>
-          <a:p>
-            <a:pPr eaLnBrk="1" hangingPunct="1"/>
-            <a:fld id="{99A32DF1-69EE-4672-880B-9FEEBD29E87A}" type="slidenum">
-              <a:rPr lang="en-US" altLang="zh-CN" smtClean="0"/>
-              <a:t>6</a:t>
-            </a:fld>
-            <a:endParaRPr lang="en-US" altLang="zh-CN" smtClean="0"/>
-          </a:p>
-        </p:txBody>
-      </p:sp>
-      <p:sp>
-        <p:nvSpPr>
-          <p:cNvPr id="8195" name="Rectangle 2"/>
-          <p:cNvSpPr>
-            <a:spLocks noGrp="1" noChangeArrowheads="1"/>
-          </p:cNvSpPr>
-          <p:nvPr>
-            <p:ph type="title"/>
-          </p:nvPr>
-        </p:nvSpPr>
-        <p:spPr/>
-        <p:txBody>
-          <a:bodyPr/>
-          <a:lstStyle/>
-          <a:p>
-            <a:pPr eaLnBrk="1" hangingPunct="1"/>
-            <a:r>
-              <a:rPr lang="en-US" altLang="zh-CN" b="1" smtClean="0">
-                <a:latin typeface="黑体" panose="02010609060101010101" pitchFamily="49" charset="-122"/>
-                <a:ea typeface="黑体" panose="02010609060101010101" pitchFamily="49" charset="-122"/>
-              </a:rPr>
-              <a:t>10.1 </a:t>
-            </a:r>
-            <a:r>
-              <a:rPr lang="zh-CN" altLang="en-US" b="1" smtClean="0">
-                <a:latin typeface="黑体" panose="02010609060101010101" pitchFamily="49" charset="-122"/>
-                <a:ea typeface="黑体" panose="02010609060101010101" pitchFamily="49" charset="-122"/>
-              </a:rPr>
-              <a:t>软件测试过程模型</a:t>
-            </a:r>
-          </a:p>
-        </p:txBody>
-      </p:sp>
-      <p:sp>
-        <p:nvSpPr>
-          <p:cNvPr id="8196" name="Rectangle 3"/>
-          <p:cNvSpPr>
-            <a:spLocks noGrp="1" noChangeArrowheads="1"/>
-          </p:cNvSpPr>
-          <p:nvPr>
-            <p:ph type="body" idx="1"/>
-          </p:nvPr>
-        </p:nvSpPr>
-        <p:spPr/>
-        <p:txBody>
-          <a:bodyPr/>
-          <a:lstStyle/>
-          <a:p>
-            <a:pPr algn="just" eaLnBrk="1" hangingPunct="1"/>
-            <a:r>
-              <a:rPr lang="en-US" altLang="zh-CN" sz="3400" b="1" smtClean="0"/>
-              <a:t>V</a:t>
-            </a:r>
-            <a:r>
-              <a:rPr lang="zh-CN" altLang="en-US" sz="3400" b="1" smtClean="0"/>
-              <a:t>模型局限性</a:t>
-            </a:r>
-            <a:endParaRPr lang="zh-CN" altLang="zh-CN" sz="3400" b="1" smtClean="0"/>
-          </a:p>
-          <a:p>
-            <a:pPr lvl="1"/>
-            <a:r>
-              <a:rPr lang="zh-CN" altLang="zh-CN" b="1" smtClean="0"/>
-              <a:t>测试滞后</a:t>
-            </a:r>
-          </a:p>
-          <a:p>
-            <a:pPr lvl="1"/>
-            <a:r>
-              <a:rPr lang="zh-CN" altLang="zh-CN" b="1" smtClean="0"/>
-              <a:t>测试与开发文档难以一一对应</a:t>
-            </a:r>
-          </a:p>
-          <a:p>
-            <a:pPr lvl="1"/>
-            <a:r>
-              <a:rPr lang="zh-CN" altLang="zh-CN" b="1" smtClean="0"/>
-              <a:t>缺少静态测试</a:t>
-            </a:r>
-            <a:endParaRPr lang="en-US" altLang="zh-CN" b="1" smtClean="0"/>
-          </a:p>
-        </p:txBody>
-      </p:sp>
-    </p:spTree>
-  </p:cSld>
-  <p:clrMapOvr>
-    <a:masterClrMapping/>
-  </p:clrMapOvr>
-  <p:transition/>
-  <p:timing>
-    <p:tnLst>
-      <p:par>
-        <p:cTn id="1" dur="indefinite" restart="never" nodeType="tmRoot"/>
-      </p:par>
-    </p:tnLst>
-  </p:timing>
-</p:sld>
-</file>
-
-<file path=ppt/slides/slide60.xml><?xml version="1.0" encoding="utf-8"?>
+<file path=ppt/slides/slide47.xml><?xml version="1.0" encoding="utf-8"?>
 <p:sld xmlns:a="http://schemas.openxmlformats.org/drawingml/2006/main" xmlns:r="http://schemas.openxmlformats.org/officeDocument/2006/relationships" xmlns:p="http://schemas.openxmlformats.org/presentationml/2006/main">
   <p:cSld>
     <p:spTree>
@@ -29458,7 +25163,7 @@
             </a:pPr>
             <a:fld id="{CB6A985E-BE02-4E5A-8B89-C24F6CB4E833}" type="slidenum">
               <a:rPr lang="en-US" altLang="zh-CN" smtClean="0"/>
-              <a:t>60</a:t>
+              <a:t>47</a:t>
             </a:fld>
             <a:endParaRPr lang="en-US" altLang="zh-CN"/>
           </a:p>
@@ -29525,7 +25230,7 @@
 </p:sld>
 </file>
 
-<file path=ppt/slides/slide61.xml><?xml version="1.0" encoding="utf-8"?>
+<file path=ppt/slides/slide48.xml><?xml version="1.0" encoding="utf-8"?>
 <p:sld xmlns:a="http://schemas.openxmlformats.org/drawingml/2006/main" xmlns:r="http://schemas.openxmlformats.org/officeDocument/2006/relationships" xmlns:p="http://schemas.openxmlformats.org/presentationml/2006/main">
   <p:cSld>
     <p:spTree>
@@ -29687,7 +25392,7 @@
             <a:pPr eaLnBrk="1" hangingPunct="1"/>
             <a:fld id="{26145058-1E47-40CD-B56A-7BECDCF96CE5}" type="slidenum">
               <a:rPr lang="en-US" altLang="zh-CN" smtClean="0"/>
-              <a:t>61</a:t>
+              <a:t>48</a:t>
             </a:fld>
             <a:endParaRPr lang="en-US" altLang="zh-CN" smtClean="0"/>
           </a:p>
@@ -29887,7 +25592,7 @@
 </p:sld>
 </file>
 
-<file path=ppt/slides/slide62.xml><?xml version="1.0" encoding="utf-8"?>
+<file path=ppt/slides/slide49.xml><?xml version="1.0" encoding="utf-8"?>
 <p:sld xmlns:a="http://schemas.openxmlformats.org/drawingml/2006/main" xmlns:r="http://schemas.openxmlformats.org/officeDocument/2006/relationships" xmlns:p="http://schemas.openxmlformats.org/presentationml/2006/main">
   <p:cSld>
     <p:spTree>
@@ -30049,7 +25754,7 @@
             <a:pPr eaLnBrk="1" hangingPunct="1"/>
             <a:fld id="{C30F94FB-CC37-45BE-ACFE-1C4AFF6D4C41}" type="slidenum">
               <a:rPr lang="en-US" altLang="zh-CN" smtClean="0"/>
-              <a:t>62</a:t>
+              <a:t>49</a:t>
             </a:fld>
             <a:endParaRPr lang="en-US" altLang="zh-CN" smtClean="0"/>
           </a:p>
@@ -30105,47 +25810,51 @@
           <a:p>
             <a:pPr algn="just" eaLnBrk="1" hangingPunct="1"/>
             <a:r>
-              <a:rPr lang="zh-CN" sz="3400" b="1" smtClean="0"/>
+              <a:rPr lang="zh-CN" sz="3400" b="1" dirty="0" smtClean="0"/>
               <a:t>测试</a:t>
             </a:r>
             <a:r>
-              <a:rPr lang="zh-CN" altLang="en-US" sz="3400" b="1" smtClean="0"/>
+              <a:rPr lang="zh-CN" altLang="en-US" sz="3400" b="1" dirty="0" smtClean="0"/>
               <a:t>团队组织架构</a:t>
             </a:r>
-            <a:endParaRPr lang="en-US" altLang="zh-CN" sz="3400" b="1" smtClean="0"/>
+            <a:endParaRPr lang="en-US" altLang="zh-CN" sz="3400" b="1" dirty="0" smtClean="0"/>
           </a:p>
           <a:p>
             <a:pPr lvl="1"/>
             <a:r>
+              <a:rPr lang="zh-CN" altLang="en-US" b="1" dirty="0" smtClean="0"/>
+              <a:t>技术支持组：包括系统架构师和业务分析师</a:t>
+            </a:r>
+          </a:p>
+          <a:p>
+            <a:pPr lvl="1"/>
+            <a:r>
+              <a:rPr lang="zh-CN" altLang="en-US" b="1" dirty="0" smtClean="0"/>
+              <a:t>质量保障组：包括质量保障人员和配置管理人员</a:t>
+            </a:r>
+          </a:p>
+          <a:p>
+            <a:pPr lvl="1"/>
+            <a:r>
+              <a:rPr lang="zh-CN" altLang="en-US" b="1" dirty="0" smtClean="0"/>
+              <a:t>测试实施组：包括功能测试工程师和性能测试工程师</a:t>
+            </a:r>
+          </a:p>
+          <a:p>
+            <a:pPr lvl="1"/>
+            <a:r>
               <a:rPr lang="zh-CN" altLang="en-US" b="1" smtClean="0"/>
-              <a:t>技术支持组：包括系统架构师和业务分析师</a:t>
-            </a:r>
-          </a:p>
-          <a:p>
-            <a:pPr lvl="1"/>
+              <a:t>测试开发组：包括软件架构</a:t>
+            </a:r>
             <a:r>
               <a:rPr lang="zh-CN" altLang="en-US" b="1" smtClean="0"/>
-              <a:t>质量保障组：包括质量保障人员和配置管理人员</a:t>
-            </a:r>
-          </a:p>
-          <a:p>
-            <a:pPr lvl="1"/>
-            <a:r>
-              <a:rPr lang="zh-CN" altLang="en-US" b="1" smtClean="0"/>
-              <a:t>测试实施组：包括功能测试工程师和性能测试工程师</a:t>
-            </a:r>
-          </a:p>
-          <a:p>
-            <a:pPr lvl="1"/>
-            <a:r>
-              <a:rPr lang="zh-CN" altLang="en-US" b="1" smtClean="0"/>
-              <a:t>测试开发组：包括软件架构师和研发工程师</a:t>
-            </a:r>
-            <a:endParaRPr lang="en-US" altLang="zh-CN" b="1" smtClean="0"/>
+              <a:t>师和测试开发工程师</a:t>
+            </a:r>
+            <a:endParaRPr lang="en-US" altLang="zh-CN" b="1" dirty="0" smtClean="0"/>
           </a:p>
           <a:p>
             <a:pPr algn="just" eaLnBrk="1" hangingPunct="1"/>
-            <a:endParaRPr lang="zh-CN" altLang="en-US" sz="3400" b="1" smtClean="0"/>
+            <a:endParaRPr lang="zh-CN" altLang="en-US" sz="3400" b="1" dirty="0" smtClean="0"/>
           </a:p>
         </p:txBody>
       </p:sp>
@@ -30215,7 +25924,306 @@
 </p:sld>
 </file>
 
-<file path=ppt/slides/slide63.xml><?xml version="1.0" encoding="utf-8"?>
+<file path=ppt/slides/slide5.xml><?xml version="1.0" encoding="utf-8"?>
+<p:sld xmlns:a="http://schemas.openxmlformats.org/drawingml/2006/main" xmlns:r="http://schemas.openxmlformats.org/officeDocument/2006/relationships" xmlns:p="http://schemas.openxmlformats.org/presentationml/2006/main">
+  <p:cSld>
+    <p:spTree>
+      <p:nvGrpSpPr>
+        <p:cNvPr id="1" name=""/>
+        <p:cNvGrpSpPr/>
+        <p:nvPr/>
+      </p:nvGrpSpPr>
+      <p:grpSpPr>
+        <a:xfrm>
+          <a:off x="0" y="0"/>
+          <a:ext cx="0" cy="0"/>
+          <a:chOff x="0" y="0"/>
+          <a:chExt cx="0" cy="0"/>
+        </a:xfrm>
+      </p:grpSpPr>
+      <p:sp>
+        <p:nvSpPr>
+          <p:cNvPr id="20482" name="灯片编号占位符 5"/>
+          <p:cNvSpPr>
+            <a:spLocks noGrp="1"/>
+          </p:cNvSpPr>
+          <p:nvPr>
+            <p:ph type="sldNum" sz="quarter" idx="12"/>
+          </p:nvPr>
+        </p:nvSpPr>
+        <p:spPr>
+          <a:noFill/>
+          <a:extLst>
+            <a:ext uri="{909E8E84-426E-40DD-AFC4-6F175D3DCCD1}">
+              <a14:hiddenFill xmlns:a14="http://schemas.microsoft.com/office/drawing/2010/main">
+                <a:solidFill>
+                  <a:srgbClr val="FFFFFF"/>
+                </a:solidFill>
+              </a14:hiddenFill>
+            </a:ext>
+            <a:ext uri="{91240B29-F687-4F45-9708-019B960494DF}">
+              <a14:hiddenLine xmlns:a14="http://schemas.microsoft.com/office/drawing/2010/main" w="9525">
+                <a:solidFill>
+                  <a:srgbClr val="000000"/>
+                </a:solidFill>
+                <a:miter lim="800000"/>
+                <a:headEnd/>
+                <a:tailEnd/>
+              </a14:hiddenLine>
+            </a:ext>
+          </a:extLst>
+        </p:spPr>
+        <p:txBody>
+          <a:bodyPr/>
+          <a:lstStyle>
+            <a:lvl1pPr eaLnBrk="0" hangingPunct="0">
+              <a:defRPr>
+                <a:solidFill>
+                  <a:schemeClr val="tx1"/>
+                </a:solidFill>
+                <a:latin typeface="Verdana" panose="020B0604030504040204" pitchFamily="34" charset="0"/>
+                <a:ea typeface="宋体" panose="02010600030101010101" pitchFamily="2" charset="-122"/>
+              </a:defRPr>
+            </a:lvl1pPr>
+            <a:lvl2pPr marL="742950" indent="-285750" eaLnBrk="0" hangingPunct="0">
+              <a:defRPr>
+                <a:solidFill>
+                  <a:schemeClr val="tx1"/>
+                </a:solidFill>
+                <a:latin typeface="Verdana" panose="020B0604030504040204" pitchFamily="34" charset="0"/>
+                <a:ea typeface="宋体" panose="02010600030101010101" pitchFamily="2" charset="-122"/>
+              </a:defRPr>
+            </a:lvl2pPr>
+            <a:lvl3pPr marL="1143000" indent="-228600" eaLnBrk="0" hangingPunct="0">
+              <a:defRPr>
+                <a:solidFill>
+                  <a:schemeClr val="tx1"/>
+                </a:solidFill>
+                <a:latin typeface="Verdana" panose="020B0604030504040204" pitchFamily="34" charset="0"/>
+                <a:ea typeface="宋体" panose="02010600030101010101" pitchFamily="2" charset="-122"/>
+              </a:defRPr>
+            </a:lvl3pPr>
+            <a:lvl4pPr marL="1600200" indent="-228600" eaLnBrk="0" hangingPunct="0">
+              <a:defRPr>
+                <a:solidFill>
+                  <a:schemeClr val="tx1"/>
+                </a:solidFill>
+                <a:latin typeface="Verdana" panose="020B0604030504040204" pitchFamily="34" charset="0"/>
+                <a:ea typeface="宋体" panose="02010600030101010101" pitchFamily="2" charset="-122"/>
+              </a:defRPr>
+            </a:lvl4pPr>
+            <a:lvl5pPr marL="2057400" indent="-228600" eaLnBrk="0" hangingPunct="0">
+              <a:defRPr>
+                <a:solidFill>
+                  <a:schemeClr val="tx1"/>
+                </a:solidFill>
+                <a:latin typeface="Verdana" panose="020B0604030504040204" pitchFamily="34" charset="0"/>
+                <a:ea typeface="宋体" panose="02010600030101010101" pitchFamily="2" charset="-122"/>
+              </a:defRPr>
+            </a:lvl5pPr>
+            <a:lvl6pPr marL="2514600" indent="-228600" eaLnBrk="0" fontAlgn="base" hangingPunct="0">
+              <a:spcBef>
+                <a:spcPct val="0"/>
+              </a:spcBef>
+              <a:spcAft>
+                <a:spcPct val="0"/>
+              </a:spcAft>
+              <a:defRPr>
+                <a:solidFill>
+                  <a:schemeClr val="tx1"/>
+                </a:solidFill>
+                <a:latin typeface="Verdana" panose="020B0604030504040204" pitchFamily="34" charset="0"/>
+                <a:ea typeface="宋体" panose="02010600030101010101" pitchFamily="2" charset="-122"/>
+              </a:defRPr>
+            </a:lvl6pPr>
+            <a:lvl7pPr marL="2971800" indent="-228600" eaLnBrk="0" fontAlgn="base" hangingPunct="0">
+              <a:spcBef>
+                <a:spcPct val="0"/>
+              </a:spcBef>
+              <a:spcAft>
+                <a:spcPct val="0"/>
+              </a:spcAft>
+              <a:defRPr>
+                <a:solidFill>
+                  <a:schemeClr val="tx1"/>
+                </a:solidFill>
+                <a:latin typeface="Verdana" panose="020B0604030504040204" pitchFamily="34" charset="0"/>
+                <a:ea typeface="宋体" panose="02010600030101010101" pitchFamily="2" charset="-122"/>
+              </a:defRPr>
+            </a:lvl7pPr>
+            <a:lvl8pPr marL="3429000" indent="-228600" eaLnBrk="0" fontAlgn="base" hangingPunct="0">
+              <a:spcBef>
+                <a:spcPct val="0"/>
+              </a:spcBef>
+              <a:spcAft>
+                <a:spcPct val="0"/>
+              </a:spcAft>
+              <a:defRPr>
+                <a:solidFill>
+                  <a:schemeClr val="tx1"/>
+                </a:solidFill>
+                <a:latin typeface="Verdana" panose="020B0604030504040204" pitchFamily="34" charset="0"/>
+                <a:ea typeface="宋体" panose="02010600030101010101" pitchFamily="2" charset="-122"/>
+              </a:defRPr>
+            </a:lvl8pPr>
+            <a:lvl9pPr marL="3886200" indent="-228600" eaLnBrk="0" fontAlgn="base" hangingPunct="0">
+              <a:spcBef>
+                <a:spcPct val="0"/>
+              </a:spcBef>
+              <a:spcAft>
+                <a:spcPct val="0"/>
+              </a:spcAft>
+              <a:defRPr>
+                <a:solidFill>
+                  <a:schemeClr val="tx1"/>
+                </a:solidFill>
+                <a:latin typeface="Verdana" panose="020B0604030504040204" pitchFamily="34" charset="0"/>
+                <a:ea typeface="宋体" panose="02010600030101010101" pitchFamily="2" charset="-122"/>
+              </a:defRPr>
+            </a:lvl9pPr>
+          </a:lstStyle>
+          <a:p>
+            <a:pPr eaLnBrk="1" hangingPunct="1"/>
+            <a:fld id="{AD1DEB2A-9CD4-4594-947C-5314334902EB}" type="slidenum">
+              <a:rPr lang="en-US" altLang="zh-CN" smtClean="0"/>
+              <a:t>5</a:t>
+            </a:fld>
+            <a:endParaRPr lang="en-US" altLang="zh-CN" smtClean="0"/>
+          </a:p>
+        </p:txBody>
+      </p:sp>
+      <p:sp>
+        <p:nvSpPr>
+          <p:cNvPr id="20483" name="Rectangle 2"/>
+          <p:cNvSpPr>
+            <a:spLocks noGrp="1" noChangeArrowheads="1"/>
+          </p:cNvSpPr>
+          <p:nvPr>
+            <p:ph type="title"/>
+          </p:nvPr>
+        </p:nvSpPr>
+        <p:spPr/>
+        <p:txBody>
+          <a:bodyPr/>
+          <a:lstStyle/>
+          <a:p>
+            <a:pPr eaLnBrk="1" hangingPunct="1"/>
+            <a:r>
+              <a:rPr lang="en-US" altLang="zh-CN" b="1" smtClean="0">
+                <a:latin typeface="黑体" panose="02010609060101010101" pitchFamily="49" charset="-122"/>
+                <a:ea typeface="黑体" panose="02010609060101010101" pitchFamily="49" charset="-122"/>
+              </a:rPr>
+              <a:t>10.2 </a:t>
+            </a:r>
+            <a:r>
+              <a:rPr lang="zh-CN" altLang="en-US" b="1" smtClean="0">
+                <a:latin typeface="黑体" panose="02010609060101010101" pitchFamily="49" charset="-122"/>
+                <a:ea typeface="黑体" panose="02010609060101010101" pitchFamily="49" charset="-122"/>
+              </a:rPr>
+              <a:t>测试用例的管理</a:t>
+            </a:r>
+          </a:p>
+        </p:txBody>
+      </p:sp>
+      <p:sp>
+        <p:nvSpPr>
+          <p:cNvPr id="20484" name="Rectangle 3"/>
+          <p:cNvSpPr>
+            <a:spLocks noGrp="1" noChangeArrowheads="1"/>
+          </p:cNvSpPr>
+          <p:nvPr>
+            <p:ph type="body" idx="1"/>
+          </p:nvPr>
+        </p:nvSpPr>
+        <p:spPr/>
+        <p:txBody>
+          <a:bodyPr/>
+          <a:lstStyle/>
+          <a:p>
+            <a:pPr algn="just" eaLnBrk="1" hangingPunct="1"/>
+            <a:r>
+              <a:rPr lang="zh-CN" altLang="en-US" sz="3400" b="1" dirty="0" smtClean="0"/>
+              <a:t>测试用例报告的撰写</a:t>
+            </a:r>
+            <a:r>
+              <a:rPr lang="en-US" altLang="zh-CN" sz="3400" b="1" dirty="0" smtClean="0"/>
+              <a:t>(3)</a:t>
+            </a:r>
+          </a:p>
+          <a:p>
+            <a:pPr lvl="1" algn="just" eaLnBrk="1" hangingPunct="1"/>
+            <a:r>
+              <a:rPr lang="zh-CN" altLang="en-US" b="1" dirty="0" smtClean="0"/>
+              <a:t>用例序号</a:t>
+            </a:r>
+            <a:r>
+              <a:rPr lang="en-US" altLang="en-US" b="1" dirty="0" smtClean="0"/>
+              <a:t>(ID)</a:t>
+            </a:r>
+          </a:p>
+          <a:p>
+            <a:pPr lvl="1" algn="just" eaLnBrk="1" hangingPunct="1"/>
+            <a:r>
+              <a:rPr lang="zh-CN" altLang="en-US" b="1" dirty="0" smtClean="0"/>
+              <a:t>输入条件</a:t>
+            </a:r>
+            <a:endParaRPr lang="en-US" altLang="zh-CN" b="1" dirty="0" smtClean="0"/>
+          </a:p>
+          <a:p>
+            <a:pPr lvl="1" algn="just" eaLnBrk="1" hangingPunct="1"/>
+            <a:r>
+              <a:rPr lang="zh-CN" altLang="en-US" b="1" dirty="0" smtClean="0"/>
+              <a:t>操作步骤</a:t>
+            </a:r>
+            <a:endParaRPr lang="en-US" altLang="zh-CN" b="1" dirty="0" smtClean="0"/>
+          </a:p>
+          <a:p>
+            <a:pPr lvl="1" algn="just" eaLnBrk="1" hangingPunct="1"/>
+            <a:r>
+              <a:rPr lang="zh-CN" altLang="en-US" b="1" dirty="0" smtClean="0"/>
+              <a:t>预期输出</a:t>
+            </a:r>
+            <a:endParaRPr lang="en-US" altLang="zh-CN" b="1" dirty="0" smtClean="0"/>
+          </a:p>
+          <a:p>
+            <a:pPr lvl="1" algn="just" eaLnBrk="1" hangingPunct="1"/>
+            <a:r>
+              <a:rPr lang="zh-CN" altLang="en-US" b="1" dirty="0" smtClean="0"/>
+              <a:t>测试</a:t>
+            </a:r>
+            <a:r>
+              <a:rPr lang="zh-CN" altLang="en-US" b="1" dirty="0" smtClean="0"/>
+              <a:t>结果</a:t>
+            </a:r>
+            <a:r>
+              <a:rPr lang="en-US" altLang="zh-CN" b="1" dirty="0" smtClean="0"/>
+              <a:t>=</a:t>
+            </a:r>
+            <a:r>
+              <a:rPr lang="zh-CN" altLang="en-US" b="1" dirty="0" smtClean="0"/>
+              <a:t>实际输出</a:t>
+            </a:r>
+            <a:endParaRPr lang="zh-CN" altLang="en-US" b="1" dirty="0" smtClean="0"/>
+          </a:p>
+        </p:txBody>
+      </p:sp>
+    </p:spTree>
+  </p:cSld>
+  <p:clrMapOvr>
+    <a:masterClrMapping/>
+  </p:clrMapOvr>
+  <p:transition/>
+  <p:timing>
+    <p:tnLst>
+      <p:par>
+        <p:cTn id="1" dur="indefinite" restart="never" nodeType="tmRoot"/>
+      </p:par>
+    </p:tnLst>
+  </p:timing>
+</p:sld>
+</file>
+
+<file path=ppt/slides/slide50.xml><?xml version="1.0" encoding="utf-8"?>
 <p:sld xmlns:a="http://schemas.openxmlformats.org/drawingml/2006/main" xmlns:r="http://schemas.openxmlformats.org/officeDocument/2006/relationships" xmlns:p="http://schemas.openxmlformats.org/presentationml/2006/main">
   <p:cSld>
     <p:spTree>
@@ -30377,7 +26385,7 @@
             <a:pPr eaLnBrk="1" hangingPunct="1"/>
             <a:fld id="{3D36B595-B9D5-4063-A746-9452E8D7B234}" type="slidenum">
               <a:rPr lang="en-US" altLang="zh-CN" smtClean="0"/>
-              <a:t>63</a:t>
+              <a:t>50</a:t>
             </a:fld>
             <a:endParaRPr lang="en-US" altLang="zh-CN" smtClean="0"/>
           </a:p>
@@ -30549,7 +26557,7 @@
 </p:sld>
 </file>
 
-<file path=ppt/slides/slide64.xml><?xml version="1.0" encoding="utf-8"?>
+<file path=ppt/slides/slide51.xml><?xml version="1.0" encoding="utf-8"?>
 <p:sld xmlns:a="http://schemas.openxmlformats.org/drawingml/2006/main" xmlns:r="http://schemas.openxmlformats.org/officeDocument/2006/relationships" xmlns:p="http://schemas.openxmlformats.org/presentationml/2006/main">
   <p:cSld>
     <p:spTree>
@@ -30711,7 +26719,7 @@
             <a:pPr eaLnBrk="1" hangingPunct="1"/>
             <a:fld id="{8269CC47-0BC5-4A9E-B67D-2BF505154AD8}" type="slidenum">
               <a:rPr lang="en-US" altLang="zh-CN" smtClean="0"/>
-              <a:t>64</a:t>
+              <a:t>51</a:t>
             </a:fld>
             <a:endParaRPr lang="en-US" altLang="zh-CN" smtClean="0"/>
           </a:p>
@@ -30827,11 +26835,7 @@
             <a:pPr lvl="1" algn="just" eaLnBrk="1" hangingPunct="1"/>
             <a:r>
               <a:rPr lang="zh-CN" altLang="en-US" b="1" smtClean="0"/>
-              <a:t>业务分析</a:t>
-            </a:r>
-            <a:r>
-              <a:rPr lang="zh-CN" altLang="en-US" b="1" smtClean="0"/>
-              <a:t>师（产品经理）：</a:t>
+              <a:t>业务分析师（产品经理）：</a:t>
             </a:r>
             <a:r>
               <a:rPr lang="zh-CN" b="1" smtClean="0"/>
@@ -30907,7 +26911,7 @@
 </p:sld>
 </file>
 
-<file path=ppt/slides/slide65.xml><?xml version="1.0" encoding="utf-8"?>
+<file path=ppt/slides/slide52.xml><?xml version="1.0" encoding="utf-8"?>
 <p:sld xmlns:a="http://schemas.openxmlformats.org/drawingml/2006/main" xmlns:r="http://schemas.openxmlformats.org/officeDocument/2006/relationships" xmlns:p="http://schemas.openxmlformats.org/presentationml/2006/main">
   <p:cSld>
     <p:spTree>
@@ -30945,18 +26949,11 @@
           <a:lstStyle/>
           <a:p>
             <a:r>
-              <a:rPr lang="zh-CN" altLang="en-US" b="1" smtClean="0">
-                <a:latin typeface="黑体" panose="02010609060101010101" pitchFamily="49" charset="-122"/>
-                <a:ea typeface="黑体" panose="02010609060101010101" pitchFamily="49" charset="-122"/>
-              </a:rPr>
-              <a:t>             谢 </a:t>
-            </a:r>
-            <a:r>
               <a:rPr lang="zh-CN" altLang="en-US" b="1" dirty="0" smtClean="0">
                 <a:latin typeface="黑体" panose="02010609060101010101" pitchFamily="49" charset="-122"/>
                 <a:ea typeface="黑体" panose="02010609060101010101" pitchFamily="49" charset="-122"/>
               </a:rPr>
-              <a:t>谢</a:t>
+              <a:t>             谢 谢</a:t>
             </a:r>
             <a:r>
               <a:rPr lang="en-US" altLang="zh-CN" b="1" dirty="0">
@@ -31164,9 +27161,356 @@
             <a:pPr eaLnBrk="1" hangingPunct="1"/>
             <a:fld id="{8FE06C3E-09C7-4533-B002-A276390B2DC0}" type="slidenum">
               <a:rPr lang="en-US" altLang="zh-CN" smtClean="0"/>
-              <a:t>65</a:t>
+              <a:t>52</a:t>
             </a:fld>
             <a:endParaRPr lang="en-US" altLang="zh-CN" smtClean="0"/>
+          </a:p>
+        </p:txBody>
+      </p:sp>
+    </p:spTree>
+  </p:cSld>
+  <p:clrMapOvr>
+    <a:masterClrMapping/>
+  </p:clrMapOvr>
+  <p:transition/>
+  <p:timing>
+    <p:tnLst>
+      <p:par>
+        <p:cTn id="1" dur="indefinite" restart="never" nodeType="tmRoot"/>
+      </p:par>
+    </p:tnLst>
+  </p:timing>
+</p:sld>
+</file>
+
+<file path=ppt/slides/slide6.xml><?xml version="1.0" encoding="utf-8"?>
+<p:sld xmlns:a="http://schemas.openxmlformats.org/drawingml/2006/main" xmlns:r="http://schemas.openxmlformats.org/officeDocument/2006/relationships" xmlns:p="http://schemas.openxmlformats.org/presentationml/2006/main">
+  <p:cSld>
+    <p:spTree>
+      <p:nvGrpSpPr>
+        <p:cNvPr id="1" name=""/>
+        <p:cNvGrpSpPr/>
+        <p:nvPr/>
+      </p:nvGrpSpPr>
+      <p:grpSpPr>
+        <a:xfrm>
+          <a:off x="0" y="0"/>
+          <a:ext cx="0" cy="0"/>
+          <a:chOff x="0" y="0"/>
+          <a:chExt cx="0" cy="0"/>
+        </a:xfrm>
+      </p:grpSpPr>
+      <p:sp>
+        <p:nvSpPr>
+          <p:cNvPr id="21506" name="灯片编号占位符 5"/>
+          <p:cNvSpPr>
+            <a:spLocks noGrp="1"/>
+          </p:cNvSpPr>
+          <p:nvPr>
+            <p:ph type="sldNum" sz="quarter" idx="12"/>
+          </p:nvPr>
+        </p:nvSpPr>
+        <p:spPr>
+          <a:noFill/>
+          <a:extLst>
+            <a:ext uri="{909E8E84-426E-40DD-AFC4-6F175D3DCCD1}">
+              <a14:hiddenFill xmlns:a14="http://schemas.microsoft.com/office/drawing/2010/main">
+                <a:solidFill>
+                  <a:srgbClr val="FFFFFF"/>
+                </a:solidFill>
+              </a14:hiddenFill>
+            </a:ext>
+            <a:ext uri="{91240B29-F687-4F45-9708-019B960494DF}">
+              <a14:hiddenLine xmlns:a14="http://schemas.microsoft.com/office/drawing/2010/main" w="9525">
+                <a:solidFill>
+                  <a:srgbClr val="000000"/>
+                </a:solidFill>
+                <a:miter lim="800000"/>
+                <a:headEnd/>
+                <a:tailEnd/>
+              </a14:hiddenLine>
+            </a:ext>
+          </a:extLst>
+        </p:spPr>
+        <p:txBody>
+          <a:bodyPr/>
+          <a:lstStyle>
+            <a:lvl1pPr eaLnBrk="0" hangingPunct="0">
+              <a:defRPr>
+                <a:solidFill>
+                  <a:schemeClr val="tx1"/>
+                </a:solidFill>
+                <a:latin typeface="Verdana" panose="020B0604030504040204" pitchFamily="34" charset="0"/>
+                <a:ea typeface="宋体" panose="02010600030101010101" pitchFamily="2" charset="-122"/>
+              </a:defRPr>
+            </a:lvl1pPr>
+            <a:lvl2pPr marL="742950" indent="-285750" eaLnBrk="0" hangingPunct="0">
+              <a:defRPr>
+                <a:solidFill>
+                  <a:schemeClr val="tx1"/>
+                </a:solidFill>
+                <a:latin typeface="Verdana" panose="020B0604030504040204" pitchFamily="34" charset="0"/>
+                <a:ea typeface="宋体" panose="02010600030101010101" pitchFamily="2" charset="-122"/>
+              </a:defRPr>
+            </a:lvl2pPr>
+            <a:lvl3pPr marL="1143000" indent="-228600" eaLnBrk="0" hangingPunct="0">
+              <a:defRPr>
+                <a:solidFill>
+                  <a:schemeClr val="tx1"/>
+                </a:solidFill>
+                <a:latin typeface="Verdana" panose="020B0604030504040204" pitchFamily="34" charset="0"/>
+                <a:ea typeface="宋体" panose="02010600030101010101" pitchFamily="2" charset="-122"/>
+              </a:defRPr>
+            </a:lvl3pPr>
+            <a:lvl4pPr marL="1600200" indent="-228600" eaLnBrk="0" hangingPunct="0">
+              <a:defRPr>
+                <a:solidFill>
+                  <a:schemeClr val="tx1"/>
+                </a:solidFill>
+                <a:latin typeface="Verdana" panose="020B0604030504040204" pitchFamily="34" charset="0"/>
+                <a:ea typeface="宋体" panose="02010600030101010101" pitchFamily="2" charset="-122"/>
+              </a:defRPr>
+            </a:lvl4pPr>
+            <a:lvl5pPr marL="2057400" indent="-228600" eaLnBrk="0" hangingPunct="0">
+              <a:defRPr>
+                <a:solidFill>
+                  <a:schemeClr val="tx1"/>
+                </a:solidFill>
+                <a:latin typeface="Verdana" panose="020B0604030504040204" pitchFamily="34" charset="0"/>
+                <a:ea typeface="宋体" panose="02010600030101010101" pitchFamily="2" charset="-122"/>
+              </a:defRPr>
+            </a:lvl5pPr>
+            <a:lvl6pPr marL="2514600" indent="-228600" eaLnBrk="0" fontAlgn="base" hangingPunct="0">
+              <a:spcBef>
+                <a:spcPct val="0"/>
+              </a:spcBef>
+              <a:spcAft>
+                <a:spcPct val="0"/>
+              </a:spcAft>
+              <a:defRPr>
+                <a:solidFill>
+                  <a:schemeClr val="tx1"/>
+                </a:solidFill>
+                <a:latin typeface="Verdana" panose="020B0604030504040204" pitchFamily="34" charset="0"/>
+                <a:ea typeface="宋体" panose="02010600030101010101" pitchFamily="2" charset="-122"/>
+              </a:defRPr>
+            </a:lvl6pPr>
+            <a:lvl7pPr marL="2971800" indent="-228600" eaLnBrk="0" fontAlgn="base" hangingPunct="0">
+              <a:spcBef>
+                <a:spcPct val="0"/>
+              </a:spcBef>
+              <a:spcAft>
+                <a:spcPct val="0"/>
+              </a:spcAft>
+              <a:defRPr>
+                <a:solidFill>
+                  <a:schemeClr val="tx1"/>
+                </a:solidFill>
+                <a:latin typeface="Verdana" panose="020B0604030504040204" pitchFamily="34" charset="0"/>
+                <a:ea typeface="宋体" panose="02010600030101010101" pitchFamily="2" charset="-122"/>
+              </a:defRPr>
+            </a:lvl7pPr>
+            <a:lvl8pPr marL="3429000" indent="-228600" eaLnBrk="0" fontAlgn="base" hangingPunct="0">
+              <a:spcBef>
+                <a:spcPct val="0"/>
+              </a:spcBef>
+              <a:spcAft>
+                <a:spcPct val="0"/>
+              </a:spcAft>
+              <a:defRPr>
+                <a:solidFill>
+                  <a:schemeClr val="tx1"/>
+                </a:solidFill>
+                <a:latin typeface="Verdana" panose="020B0604030504040204" pitchFamily="34" charset="0"/>
+                <a:ea typeface="宋体" panose="02010600030101010101" pitchFamily="2" charset="-122"/>
+              </a:defRPr>
+            </a:lvl8pPr>
+            <a:lvl9pPr marL="3886200" indent="-228600" eaLnBrk="0" fontAlgn="base" hangingPunct="0">
+              <a:spcBef>
+                <a:spcPct val="0"/>
+              </a:spcBef>
+              <a:spcAft>
+                <a:spcPct val="0"/>
+              </a:spcAft>
+              <a:defRPr>
+                <a:solidFill>
+                  <a:schemeClr val="tx1"/>
+                </a:solidFill>
+                <a:latin typeface="Verdana" panose="020B0604030504040204" pitchFamily="34" charset="0"/>
+                <a:ea typeface="宋体" panose="02010600030101010101" pitchFamily="2" charset="-122"/>
+              </a:defRPr>
+            </a:lvl9pPr>
+          </a:lstStyle>
+          <a:p>
+            <a:pPr eaLnBrk="1" hangingPunct="1"/>
+            <a:fld id="{D85C42DE-5CFB-4D06-A45F-E9F861E5D31F}" type="slidenum">
+              <a:rPr lang="en-US" altLang="zh-CN" smtClean="0"/>
+              <a:t>6</a:t>
+            </a:fld>
+            <a:endParaRPr lang="en-US" altLang="zh-CN" smtClean="0"/>
+          </a:p>
+        </p:txBody>
+      </p:sp>
+      <p:sp>
+        <p:nvSpPr>
+          <p:cNvPr id="21507" name="Rectangle 2"/>
+          <p:cNvSpPr>
+            <a:spLocks noGrp="1" noChangeArrowheads="1"/>
+          </p:cNvSpPr>
+          <p:nvPr>
+            <p:ph type="title"/>
+          </p:nvPr>
+        </p:nvSpPr>
+        <p:spPr/>
+        <p:txBody>
+          <a:bodyPr/>
+          <a:lstStyle/>
+          <a:p>
+            <a:pPr eaLnBrk="1" hangingPunct="1"/>
+            <a:r>
+              <a:rPr lang="en-US" altLang="zh-CN" b="1" smtClean="0">
+                <a:latin typeface="黑体" panose="02010609060101010101" pitchFamily="49" charset="-122"/>
+                <a:ea typeface="黑体" panose="02010609060101010101" pitchFamily="49" charset="-122"/>
+              </a:rPr>
+              <a:t>10.2 </a:t>
+            </a:r>
+            <a:r>
+              <a:rPr lang="zh-CN" altLang="en-US" b="1" smtClean="0">
+                <a:latin typeface="黑体" panose="02010609060101010101" pitchFamily="49" charset="-122"/>
+                <a:ea typeface="黑体" panose="02010609060101010101" pitchFamily="49" charset="-122"/>
+              </a:rPr>
+              <a:t>测试用例的管理</a:t>
+            </a:r>
+          </a:p>
+        </p:txBody>
+      </p:sp>
+      <p:sp>
+        <p:nvSpPr>
+          <p:cNvPr id="21508" name="Rectangle 3"/>
+          <p:cNvSpPr>
+            <a:spLocks noGrp="1" noChangeArrowheads="1"/>
+          </p:cNvSpPr>
+          <p:nvPr>
+            <p:ph type="body" idx="1"/>
+          </p:nvPr>
+        </p:nvSpPr>
+        <p:spPr/>
+        <p:txBody>
+          <a:bodyPr/>
+          <a:lstStyle/>
+          <a:p>
+            <a:pPr algn="just" eaLnBrk="1" hangingPunct="1"/>
+            <a:r>
+              <a:rPr lang="zh-CN" altLang="en-US" sz="3400" b="1" smtClean="0"/>
+              <a:t>测试结果</a:t>
+            </a:r>
+            <a:endParaRPr lang="en-US" altLang="zh-CN" sz="3400" b="1" smtClean="0"/>
+          </a:p>
+          <a:p>
+            <a:pPr lvl="1"/>
+            <a:r>
+              <a:rPr lang="zh-CN" altLang="en-US" b="1" smtClean="0"/>
+              <a:t>通过</a:t>
+            </a:r>
+            <a:r>
+              <a:rPr lang="en-US" altLang="en-US" b="1" smtClean="0"/>
+              <a:t>(Pass)</a:t>
+            </a:r>
+            <a:endParaRPr lang="zh-CN" altLang="en-US" b="1" smtClean="0"/>
+          </a:p>
+          <a:p>
+            <a:pPr lvl="1"/>
+            <a:r>
+              <a:rPr lang="zh-CN" altLang="en-US" b="1" smtClean="0"/>
+              <a:t>失败</a:t>
+            </a:r>
+            <a:r>
+              <a:rPr lang="en-US" altLang="en-US" b="1" smtClean="0"/>
+              <a:t>(Fail)</a:t>
+            </a:r>
+            <a:endParaRPr lang="zh-CN" altLang="en-US" b="1" smtClean="0"/>
+          </a:p>
+          <a:p>
+            <a:pPr lvl="1"/>
+            <a:r>
+              <a:rPr lang="zh-CN" altLang="en-US" b="1" smtClean="0"/>
+              <a:t>警告</a:t>
+            </a:r>
+            <a:r>
+              <a:rPr lang="en-US" altLang="en-US" b="1" smtClean="0"/>
+              <a:t>(Warn)</a:t>
+            </a:r>
+            <a:endParaRPr lang="zh-CN" altLang="en-US" b="1" smtClean="0"/>
+          </a:p>
+          <a:p>
+            <a:pPr lvl="1"/>
+            <a:r>
+              <a:rPr lang="zh-CN" altLang="en-US" b="1" smtClean="0"/>
+              <a:t>阻塞</a:t>
+            </a:r>
+            <a:r>
+              <a:rPr lang="en-US" altLang="en-US" b="1" smtClean="0"/>
+              <a:t>(Block)</a:t>
+            </a:r>
+            <a:endParaRPr lang="zh-CN" altLang="en-US" b="1" smtClean="0"/>
+          </a:p>
+          <a:p>
+            <a:pPr lvl="1"/>
+            <a:r>
+              <a:rPr lang="zh-CN" altLang="en-US" b="1" smtClean="0"/>
+              <a:t>跳过</a:t>
+            </a:r>
+            <a:r>
+              <a:rPr lang="en-US" altLang="en-US" b="1" smtClean="0"/>
+              <a:t>(Skip)</a:t>
+            </a:r>
+            <a:endParaRPr lang="zh-CN" altLang="en-US" b="1" smtClean="0"/>
+          </a:p>
+        </p:txBody>
+      </p:sp>
+      <p:sp>
+        <p:nvSpPr>
+          <p:cNvPr id="2" name="矩形 1"/>
+          <p:cNvSpPr/>
+          <p:nvPr/>
+        </p:nvSpPr>
+        <p:spPr>
+          <a:xfrm>
+            <a:off x="899592" y="2276872"/>
+            <a:ext cx="2808312" cy="1080120"/>
+          </a:xfrm>
+          <a:prstGeom prst="rect">
+            <a:avLst/>
+          </a:prstGeom>
+          <a:noFill/>
+          <a:ln>
+            <a:solidFill>
+              <a:srgbClr val="FF0000"/>
+            </a:solidFill>
+          </a:ln>
+        </p:spPr>
+        <p:style>
+          <a:lnRef idx="2">
+            <a:schemeClr val="accent1">
+              <a:shade val="50000"/>
+            </a:schemeClr>
+          </a:lnRef>
+          <a:fillRef idx="1">
+            <a:schemeClr val="accent1"/>
+          </a:fillRef>
+          <a:effectRef idx="0">
+            <a:schemeClr val="accent1"/>
+          </a:effectRef>
+          <a:fontRef idx="minor">
+            <a:schemeClr val="lt1"/>
+          </a:fontRef>
+        </p:style>
+        <p:txBody>
+          <a:bodyPr rtlCol="0" anchor="ctr"/>
+          <a:lstStyle/>
+          <a:p>
+            <a:pPr algn="ctr"/>
+            <a:endParaRPr lang="zh-CN" altLang="en-US"/>
           </a:p>
         </p:txBody>
       </p:sp>
@@ -31205,7 +27549,7 @@
       </p:grpSpPr>
       <p:sp>
         <p:nvSpPr>
-          <p:cNvPr id="9218" name="灯片编号占位符 5"/>
+          <p:cNvPr id="22530" name="灯片编号占位符 5"/>
           <p:cNvSpPr>
             <a:spLocks noGrp="1"/>
           </p:cNvSpPr>
@@ -31346,7 +27690,7 @@
           </a:lstStyle>
           <a:p>
             <a:pPr eaLnBrk="1" hangingPunct="1"/>
-            <a:fld id="{D787FE2A-1904-4C77-9425-3C3AC8B35B17}" type="slidenum">
+            <a:fld id="{8F330D93-BACB-4AD3-BFC7-6E411EEC643E}" type="slidenum">
               <a:rPr lang="en-US" altLang="zh-CN" smtClean="0"/>
               <a:t>7</a:t>
             </a:fld>
@@ -31356,7 +27700,7 @@
       </p:sp>
       <p:sp>
         <p:nvSpPr>
-          <p:cNvPr id="9219" name="Rectangle 2"/>
+          <p:cNvPr id="22531" name="Rectangle 2"/>
           <p:cNvSpPr>
             <a:spLocks noGrp="1" noChangeArrowheads="1"/>
           </p:cNvSpPr>
@@ -31375,21 +27719,21 @@
                 <a:latin typeface="黑体" panose="02010609060101010101" pitchFamily="49" charset="-122"/>
                 <a:ea typeface="黑体" panose="02010609060101010101" pitchFamily="49" charset="-122"/>
               </a:rPr>
-              <a:t>10.1 </a:t>
+              <a:t>10.2 </a:t>
             </a:r>
             <a:r>
               <a:rPr lang="zh-CN" altLang="en-US" b="1" smtClean="0">
                 <a:latin typeface="黑体" panose="02010609060101010101" pitchFamily="49" charset="-122"/>
                 <a:ea typeface="黑体" panose="02010609060101010101" pitchFamily="49" charset="-122"/>
               </a:rPr>
-              <a:t>软件测试过程模型</a:t>
+              <a:t>测试用例的管理</a:t>
             </a:r>
           </a:p>
         </p:txBody>
       </p:sp>
       <p:sp>
         <p:nvSpPr>
-          <p:cNvPr id="9220" name="Rectangle 3"/>
+          <p:cNvPr id="22532" name="Rectangle 3"/>
           <p:cNvSpPr>
             <a:spLocks noGrp="1" noChangeArrowheads="1"/>
           </p:cNvSpPr>
@@ -31404,70 +27748,81 @@
           <a:p>
             <a:pPr algn="just" eaLnBrk="1" hangingPunct="1"/>
             <a:r>
-              <a:rPr lang="en-US" altLang="zh-CN" sz="3400" b="1" smtClean="0"/>
-              <a:t>W</a:t>
-            </a:r>
-            <a:r>
               <a:rPr lang="zh-CN" altLang="en-US" sz="3400" b="1" smtClean="0"/>
-              <a:t>模型</a:t>
-            </a:r>
+              <a:t>测试用例的组织和跟踪</a:t>
+            </a:r>
+            <a:endParaRPr lang="en-US" altLang="zh-CN" sz="3400" b="1" smtClean="0"/>
+          </a:p>
+          <a:p>
+            <a:pPr lvl="1" algn="just" eaLnBrk="1" hangingPunct="1"/>
+            <a:r>
+              <a:rPr lang="zh-CN" b="1" smtClean="0"/>
+              <a:t>整理模块需求</a:t>
+            </a:r>
+            <a:endParaRPr lang="en-US" altLang="zh-CN" b="1" smtClean="0"/>
+          </a:p>
+          <a:p>
+            <a:pPr lvl="1" algn="just" eaLnBrk="1" hangingPunct="1"/>
+            <a:r>
+              <a:rPr lang="zh-CN" b="1" smtClean="0"/>
+              <a:t>撰写测试计划</a:t>
+            </a:r>
+            <a:endParaRPr lang="en-US" altLang="zh-CN" b="1" smtClean="0"/>
+          </a:p>
+          <a:p>
+            <a:pPr lvl="1" algn="just" eaLnBrk="1" hangingPunct="1"/>
+            <a:r>
+              <a:rPr lang="zh-CN" b="1" smtClean="0"/>
+              <a:t>设计测试思路</a:t>
+            </a:r>
+            <a:endParaRPr lang="en-US" altLang="zh-CN" b="1" smtClean="0"/>
+          </a:p>
+          <a:p>
+            <a:pPr lvl="1" algn="just" eaLnBrk="1" hangingPunct="1"/>
+            <a:r>
+              <a:rPr lang="zh-CN" b="1" smtClean="0"/>
+              <a:t>编写测试用例</a:t>
+            </a:r>
+            <a:endParaRPr lang="en-US" altLang="zh-CN" b="1" smtClean="0"/>
+          </a:p>
+          <a:p>
+            <a:pPr lvl="1" algn="just" eaLnBrk="1" hangingPunct="1"/>
+            <a:r>
+              <a:rPr lang="zh-CN" altLang="en-US" b="1" smtClean="0"/>
+              <a:t>评审</a:t>
+            </a:r>
+            <a:r>
+              <a:rPr lang="zh-CN" b="1" smtClean="0"/>
+              <a:t>测试用例</a:t>
+            </a:r>
+            <a:endParaRPr lang="en-US" altLang="zh-CN" b="1" smtClean="0"/>
+          </a:p>
+          <a:p>
+            <a:pPr lvl="1" algn="just" eaLnBrk="1" hangingPunct="1"/>
+            <a:r>
+              <a:rPr lang="zh-CN" b="1" smtClean="0"/>
+              <a:t>修改更新测试用例</a:t>
+            </a:r>
+            <a:endParaRPr lang="en-US" altLang="zh-CN" b="1" smtClean="0"/>
+          </a:p>
+          <a:p>
+            <a:pPr lvl="1" algn="just" eaLnBrk="1" hangingPunct="1"/>
+            <a:r>
+              <a:rPr lang="zh-CN" b="1" smtClean="0"/>
+              <a:t>执行测试用例</a:t>
+            </a:r>
+            <a:endParaRPr lang="en-US" altLang="zh-CN" b="1" smtClean="0"/>
+          </a:p>
+          <a:p>
+            <a:pPr lvl="1" algn="just" eaLnBrk="1" hangingPunct="1"/>
+            <a:r>
+              <a:rPr lang="zh-CN" b="1" smtClean="0"/>
+              <a:t>分析评估测试用例质量</a:t>
+            </a:r>
+            <a:endParaRPr lang="zh-CN" altLang="en-US" b="1" smtClean="0"/>
           </a:p>
         </p:txBody>
       </p:sp>
-      <p:pic>
-        <p:nvPicPr>
-          <p:cNvPr id="9222" name="Picture 6" descr="10t2"/>
-          <p:cNvPicPr>
-            <a:picLocks noChangeAspect="1" noChangeArrowheads="1"/>
-          </p:cNvPicPr>
-          <p:nvPr/>
-        </p:nvPicPr>
-        <p:blipFill>
-          <a:blip r:embed="rId2" cstate="print">
-            <a:extLst>
-              <a:ext uri="{28A0092B-C50C-407E-A947-70E740481C1C}">
-                <a14:useLocalDpi xmlns:a14="http://schemas.microsoft.com/office/drawing/2010/main" val="0"/>
-              </a:ext>
-            </a:extLst>
-          </a:blip>
-          <a:srcRect/>
-          <a:stretch>
-            <a:fillRect/>
-          </a:stretch>
-        </p:blipFill>
-        <p:spPr bwMode="auto">
-          <a:xfrm>
-            <a:off x="357188" y="2500630"/>
-            <a:ext cx="8296275" cy="3857625"/>
-          </a:xfrm>
-          <a:prstGeom prst="rect">
-            <a:avLst/>
-          </a:prstGeom>
-          <a:noFill/>
-          <a:ln>
-            <a:noFill/>
-          </a:ln>
-          <a:extLst>
-            <a:ext uri="{909E8E84-426E-40DD-AFC4-6F175D3DCCD1}">
-              <a14:hiddenFill xmlns:a14="http://schemas.microsoft.com/office/drawing/2010/main">
-                <a:solidFill>
-                  <a:srgbClr val="FFFFFF"/>
-                </a:solidFill>
-              </a14:hiddenFill>
-            </a:ext>
-            <a:ext uri="{91240B29-F687-4F45-9708-019B960494DF}">
-              <a14:hiddenLine xmlns:a14="http://schemas.microsoft.com/office/drawing/2010/main" w="9525">
-                <a:solidFill>
-                  <a:srgbClr val="000000"/>
-                </a:solidFill>
-                <a:miter lim="800000"/>
-                <a:headEnd/>
-                <a:tailEnd/>
-              </a14:hiddenLine>
-            </a:ext>
-          </a:extLst>
-        </p:spPr>
-      </p:pic>
     </p:spTree>
   </p:cSld>
   <p:clrMapOvr>
@@ -31503,7 +27858,7 @@
       </p:grpSpPr>
       <p:sp>
         <p:nvSpPr>
-          <p:cNvPr id="10242" name="灯片编号占位符 5"/>
+          <p:cNvPr id="23554" name="灯片编号占位符 5"/>
           <p:cNvSpPr>
             <a:spLocks noGrp="1"/>
           </p:cNvSpPr>
@@ -31644,7 +27999,7 @@
           </a:lstStyle>
           <a:p>
             <a:pPr eaLnBrk="1" hangingPunct="1"/>
-            <a:fld id="{B6C64D4B-C12D-44F6-B2AC-84194B1E2800}" type="slidenum">
+            <a:fld id="{EC72CD5B-1D01-4129-A7DD-F88BEE1728F6}" type="slidenum">
               <a:rPr lang="en-US" altLang="zh-CN" smtClean="0"/>
               <a:t>8</a:t>
             </a:fld>
@@ -31654,7 +28009,7 @@
       </p:sp>
       <p:sp>
         <p:nvSpPr>
-          <p:cNvPr id="10243" name="Rectangle 2"/>
+          <p:cNvPr id="23555" name="Rectangle 2"/>
           <p:cNvSpPr>
             <a:spLocks noGrp="1" noChangeArrowheads="1"/>
           </p:cNvSpPr>
@@ -31673,21 +28028,21 @@
                 <a:latin typeface="黑体" panose="02010609060101010101" pitchFamily="49" charset="-122"/>
                 <a:ea typeface="黑体" panose="02010609060101010101" pitchFamily="49" charset="-122"/>
               </a:rPr>
-              <a:t>10.1 </a:t>
+              <a:t>10.2 </a:t>
             </a:r>
             <a:r>
               <a:rPr lang="zh-CN" altLang="en-US" b="1" smtClean="0">
                 <a:latin typeface="黑体" panose="02010609060101010101" pitchFamily="49" charset="-122"/>
                 <a:ea typeface="黑体" panose="02010609060101010101" pitchFamily="49" charset="-122"/>
               </a:rPr>
-              <a:t>软件测试过程模型</a:t>
+              <a:t>测试用例的管理</a:t>
             </a:r>
           </a:p>
         </p:txBody>
       </p:sp>
       <p:sp>
         <p:nvSpPr>
-          <p:cNvPr id="10244" name="Rectangle 3"/>
+          <p:cNvPr id="23556" name="Rectangle 3"/>
           <p:cNvSpPr>
             <a:spLocks noGrp="1" noChangeArrowheads="1"/>
           </p:cNvSpPr>
@@ -31702,24 +28057,67 @@
           <a:p>
             <a:pPr algn="just" eaLnBrk="1" hangingPunct="1"/>
             <a:r>
-              <a:rPr lang="en-US" altLang="zh-CN" sz="3400" b="1" smtClean="0"/>
-              <a:t>W</a:t>
-            </a:r>
-            <a:r>
               <a:rPr lang="zh-CN" altLang="en-US" sz="3400" b="1" smtClean="0"/>
-              <a:t>模型策略</a:t>
-            </a:r>
-            <a:endParaRPr lang="en-US" altLang="zh-CN" sz="3400" b="1" smtClean="0"/>
-          </a:p>
-          <a:p>
-            <a:pPr algn="just" eaLnBrk="1" hangingPunct="1"/>
-            <a:r>
-              <a:rPr lang="zh-CN" altLang="en-US" sz="3400" b="1" smtClean="0"/>
-              <a:t>静态测试和动态测试行为伴随整个开发阶段，并与开发行为对应，有助于早期发现缺陷、了解项目难度、评估测试风险，并加快项目进度，降低项目成本</a:t>
-            </a:r>
+              <a:t>测试用例评审检查单（部分）</a:t>
+            </a:r>
+            <a:endParaRPr lang="zh-CN" altLang="en-US" b="1" smtClean="0"/>
           </a:p>
         </p:txBody>
       </p:sp>
+      <p:pic>
+        <p:nvPicPr>
+          <p:cNvPr id="23558" name="Picture 2"/>
+          <p:cNvPicPr>
+            <a:picLocks noChangeAspect="1" noChangeArrowheads="1"/>
+          </p:cNvPicPr>
+          <p:nvPr/>
+        </p:nvPicPr>
+        <p:blipFill>
+          <a:blip r:embed="rId2">
+            <a:extLst>
+              <a:ext uri="{28A0092B-C50C-407E-A947-70E740481C1C}">
+                <a14:useLocalDpi xmlns:a14="http://schemas.microsoft.com/office/drawing/2010/main" val="0"/>
+              </a:ext>
+            </a:extLst>
+          </a:blip>
+          <a:srcRect/>
+          <a:stretch>
+            <a:fillRect/>
+          </a:stretch>
+        </p:blipFill>
+        <p:spPr bwMode="auto">
+          <a:xfrm>
+            <a:off x="928688" y="2357438"/>
+            <a:ext cx="6943725" cy="4267200"/>
+          </a:xfrm>
+          <a:prstGeom prst="rect">
+            <a:avLst/>
+          </a:prstGeom>
+          <a:noFill/>
+          <a:ln>
+            <a:noFill/>
+          </a:ln>
+          <a:extLst>
+            <a:ext uri="{909E8E84-426E-40DD-AFC4-6F175D3DCCD1}">
+              <a14:hiddenFill xmlns:a14="http://schemas.microsoft.com/office/drawing/2010/main">
+                <a:solidFill>
+                  <a:srgbClr val="FFFFFF"/>
+                </a:solidFill>
+              </a14:hiddenFill>
+            </a:ext>
+            <a:ext uri="{91240B29-F687-4F45-9708-019B960494DF}">
+              <a14:hiddenLine xmlns:a14="http://schemas.microsoft.com/office/drawing/2010/main" w="9525">
+                <a:solidFill>
+                  <a:srgbClr val="000000"/>
+                </a:solidFill>
+                <a:miter lim="800000"/>
+                <a:headEnd/>
+                <a:tailEnd/>
+              </a14:hiddenLine>
+            </a:ext>
+          </a:extLst>
+        </p:spPr>
+      </p:pic>
     </p:spTree>
   </p:cSld>
   <p:clrMapOvr>
@@ -31755,7 +28153,7 @@
       </p:grpSpPr>
       <p:sp>
         <p:nvSpPr>
-          <p:cNvPr id="11266" name="灯片编号占位符 5"/>
+          <p:cNvPr id="24578" name="灯片编号占位符 5"/>
           <p:cNvSpPr>
             <a:spLocks noGrp="1"/>
           </p:cNvSpPr>
@@ -31896,7 +28294,7 @@
           </a:lstStyle>
           <a:p>
             <a:pPr eaLnBrk="1" hangingPunct="1"/>
-            <a:fld id="{010BFF81-0FC4-4CDE-B558-7CFC130CE8D9}" type="slidenum">
+            <a:fld id="{FD861B31-A7FC-481B-895F-402C54C245CA}" type="slidenum">
               <a:rPr lang="en-US" altLang="zh-CN" smtClean="0"/>
               <a:t>9</a:t>
             </a:fld>
@@ -31906,7 +28304,7 @@
       </p:sp>
       <p:sp>
         <p:nvSpPr>
-          <p:cNvPr id="11267" name="Rectangle 2"/>
+          <p:cNvPr id="24579" name="Rectangle 2"/>
           <p:cNvSpPr>
             <a:spLocks noGrp="1" noChangeArrowheads="1"/>
           </p:cNvSpPr>
@@ -31925,21 +28323,21 @@
                 <a:latin typeface="黑体" panose="02010609060101010101" pitchFamily="49" charset="-122"/>
                 <a:ea typeface="黑体" panose="02010609060101010101" pitchFamily="49" charset="-122"/>
               </a:rPr>
-              <a:t>10.1 </a:t>
+              <a:t>10.2 </a:t>
             </a:r>
             <a:r>
               <a:rPr lang="zh-CN" altLang="en-US" b="1" smtClean="0">
                 <a:latin typeface="黑体" panose="02010609060101010101" pitchFamily="49" charset="-122"/>
                 <a:ea typeface="黑体" panose="02010609060101010101" pitchFamily="49" charset="-122"/>
               </a:rPr>
-              <a:t>软件测试过程模型</a:t>
+              <a:t>测试用例的管理</a:t>
             </a:r>
           </a:p>
         </p:txBody>
       </p:sp>
       <p:sp>
         <p:nvSpPr>
-          <p:cNvPr id="11268" name="Rectangle 3"/>
+          <p:cNvPr id="24580" name="Rectangle 3"/>
           <p:cNvSpPr>
             <a:spLocks noGrp="1" noChangeArrowheads="1"/>
           </p:cNvSpPr>
@@ -31954,48 +28352,25 @@
           <a:p>
             <a:pPr algn="just" eaLnBrk="1" hangingPunct="1"/>
             <a:r>
-              <a:rPr lang="en-US" altLang="zh-CN" sz="3400" b="1" dirty="0" smtClean="0"/>
-              <a:t>W</a:t>
-            </a:r>
-            <a:r>
-              <a:rPr lang="zh-CN" altLang="en-US" sz="3400" b="1" dirty="0" smtClean="0"/>
-              <a:t>模型局限性</a:t>
-            </a:r>
-            <a:endParaRPr lang="en-US" altLang="zh-CN" sz="3400" b="1" dirty="0" smtClean="0"/>
+              <a:rPr lang="zh-CN" altLang="en-US" sz="3400" b="1" smtClean="0"/>
+              <a:t>测试用例修改更新策略</a:t>
+            </a:r>
+            <a:endParaRPr lang="en-US" altLang="zh-CN" sz="3400" b="1" smtClean="0"/>
           </a:p>
           <a:p>
             <a:pPr lvl="1"/>
             <a:r>
-              <a:rPr lang="zh-CN" altLang="zh-CN" b="1" dirty="0" smtClean="0"/>
-              <a:t>将软件开发看成需求分析、设计和编码等一系列串行的活动</a:t>
+              <a:rPr lang="zh-CN" altLang="en-US" b="1" smtClean="0"/>
+              <a:t>若新版本特性无变化，只是出现缺陷被用户发现的情况，此时可以修改测试用例，并给出变更记录。且当前修改的测试用例，对目前和以前的版本都有效</a:t>
             </a:r>
           </a:p>
           <a:p>
             <a:pPr lvl="1"/>
             <a:r>
-              <a:rPr lang="zh-CN" altLang="zh-CN" b="1" dirty="0" smtClean="0"/>
-              <a:t>开发、测试之间保持着线性的前后关系，</a:t>
-            </a:r>
-            <a:r>
-              <a:rPr lang="zh-CN" altLang="zh-CN" b="1" dirty="0" smtClean="0">
-                <a:solidFill>
-                  <a:srgbClr val="FF0000"/>
-                </a:solidFill>
-              </a:rPr>
-              <a:t>无法支持迭代</a:t>
-            </a:r>
-            <a:r>
-              <a:rPr lang="zh-CN" altLang="zh-CN" b="1" dirty="0" smtClean="0"/>
-              <a:t>的开发模型，无法支持变更调整</a:t>
-            </a:r>
-          </a:p>
-          <a:p>
-            <a:pPr lvl="1"/>
-            <a:r>
-              <a:rPr lang="zh-CN" altLang="zh-CN" b="1" dirty="0" smtClean="0"/>
-              <a:t>未体现测试流程的完整性</a:t>
-            </a:r>
-            <a:endParaRPr lang="zh-CN" altLang="en-US" b="1" dirty="0" smtClean="0"/>
+              <a:rPr lang="zh-CN" altLang="en-US" b="1" smtClean="0"/>
+              <a:t>若新版本中原有的功能取消，此时仅需在新版本上将对应测试用例设置为无效即可</a:t>
+            </a:r>
+            <a:endParaRPr lang="zh-CN" altLang="en-US" sz="3400" b="1" smtClean="0"/>
           </a:p>
         </p:txBody>
       </p:sp>
@@ -32609,7 +28984,7 @@
   </a:extraClrSchemeLst>
   <a:extLst>
     <a:ext uri="{05A4C25C-085E-4340-85A3-A5531E510DB2}">
-      <thm15:themeFamily xmlns="" xmlns:thm15="http://schemas.microsoft.com/office/thememl/2012/main" name="Office Theme" id="{62F939B6-93AF-4DB8-9C6B-D6C7DFDC589F}" vid="{4A3C46E8-61CC-4603-A589-7422A47A8E4A}"/>
+      <thm15:themeFamily xmlns:thm15="http://schemas.microsoft.com/office/thememl/2012/main" xmlns="" name="Office Theme" id="{62F939B6-93AF-4DB8-9C6B-D6C7DFDC589F}" vid="{4A3C46E8-61CC-4603-A589-7422A47A8E4A}"/>
     </a:ext>
   </a:extLst>
 </a:theme>
@@ -32897,7 +29272,7 @@
   <a:extraClrSchemeLst/>
   <a:extLst>
     <a:ext uri="{05A4C25C-085E-4340-85A3-A5531E510DB2}">
-      <thm15:themeFamily xmlns="" xmlns:thm15="http://schemas.microsoft.com/office/thememl/2012/main" name="Office Theme" id="{62F939B6-93AF-4DB8-9C6B-D6C7DFDC589F}" vid="{4A3C46E8-61CC-4603-A589-7422A47A8E4A}"/>
+      <thm15:themeFamily xmlns:thm15="http://schemas.microsoft.com/office/thememl/2012/main" xmlns="" name="Office Theme" id="{62F939B6-93AF-4DB8-9C6B-D6C7DFDC589F}" vid="{4A3C46E8-61CC-4603-A589-7422A47A8E4A}"/>
     </a:ext>
   </a:extLst>
 </a:theme>
@@ -33185,7 +29560,7 @@
   <a:extraClrSchemeLst/>
   <a:extLst>
     <a:ext uri="{05A4C25C-085E-4340-85A3-A5531E510DB2}">
-      <thm15:themeFamily xmlns="" xmlns:thm15="http://schemas.microsoft.com/office/thememl/2012/main" name="Office Theme" id="{62F939B6-93AF-4DB8-9C6B-D6C7DFDC589F}" vid="{4A3C46E8-61CC-4603-A589-7422A47A8E4A}"/>
+      <thm15:themeFamily xmlns:thm15="http://schemas.microsoft.com/office/thememl/2012/main" xmlns="" name="Office Theme" id="{62F939B6-93AF-4DB8-9C6B-D6C7DFDC589F}" vid="{4A3C46E8-61CC-4603-A589-7422A47A8E4A}"/>
     </a:ext>
   </a:extLst>
 </a:theme>
